--- a/assets/block_diagram/object_detection_block_diagram.pptx
+++ b/assets/block_diagram/object_detection_block_diagram.pptx
@@ -6,6 +6,7 @@
   </p:sldMasterIdLst>
   <p:sldIdLst>
     <p:sldId id="256" r:id="rId3"/>
+    <p:sldId id="257" r:id="rId4"/>
   </p:sldIdLst>
   <p:sldSz cx="12192000" cy="6858000"/>
   <p:notesSz cx="7103745" cy="10234295"/>
@@ -2628,7 +2629,7 @@
         </p:nvSpPr>
         <p:spPr>
           <a:xfrm>
-            <a:off x="420370" y="342265"/>
+            <a:off x="335280" y="574675"/>
             <a:ext cx="1666875" cy="521970"/>
           </a:xfrm>
           <a:prstGeom prst="rect">
@@ -2663,8 +2664,8 @@
         </p:nvSpPr>
         <p:spPr>
           <a:xfrm>
-            <a:off x="420370" y="1903730"/>
-            <a:ext cx="1395095" cy="1447165"/>
+            <a:off x="227330" y="3371850"/>
+            <a:ext cx="766445" cy="781050"/>
           </a:xfrm>
           <a:prstGeom prst="cube">
             <a:avLst>
@@ -2696,6 +2697,6309 @@
           </a:fillRef>
           <a:effectRef idx="0">
             <a:schemeClr val="accent4"/>
+          </a:effectRef>
+          <a:fontRef idx="minor">
+            <a:schemeClr val="lt1"/>
+          </a:fontRef>
+        </p:style>
+        <p:txBody>
+          <a:bodyPr rtlCol="0" anchor="ctr"/>
+          <a:p>
+            <a:pPr algn="ctr"/>
+            <a:endParaRPr lang="zh-CN" altLang="en-US"/>
+          </a:p>
+        </p:txBody>
+      </p:sp>
+      <p:sp>
+        <p:nvSpPr>
+          <p:cNvPr id="7" name="文本框 6"/>
+          <p:cNvSpPr txBox="1"/>
+          <p:nvPr/>
+        </p:nvSpPr>
+        <p:spPr>
+          <a:xfrm>
+            <a:off x="78105" y="1927225"/>
+            <a:ext cx="1065530" cy="460375"/>
+          </a:xfrm>
+          <a:prstGeom prst="rect">
+            <a:avLst/>
+          </a:prstGeom>
+          <a:noFill/>
+        </p:spPr>
+        <p:txBody>
+          <a:bodyPr wrap="square" rtlCol="0">
+            <a:spAutoFit/>
+          </a:bodyPr>
+          <a:p>
+            <a:pPr algn="ctr"/>
+            <a:r>
+              <a:rPr lang="zh-CN" altLang="en-US" sz="1200">
+                <a:latin typeface="微软雅黑" panose="020B0503020204020204" charset="-122"/>
+                <a:ea typeface="微软雅黑" panose="020B0503020204020204" charset="-122"/>
+              </a:rPr>
+              <a:t>输入图像</a:t>
+            </a:r>
+            <a:endParaRPr lang="zh-CN" altLang="en-US" sz="1200">
+              <a:latin typeface="微软雅黑" panose="020B0503020204020204" charset="-122"/>
+              <a:ea typeface="微软雅黑" panose="020B0503020204020204" charset="-122"/>
+            </a:endParaRPr>
+          </a:p>
+          <a:p>
+            <a:pPr algn="ctr"/>
+            <a:r>
+              <a:rPr lang="en-US" altLang="zh-CN" sz="1200">
+                <a:latin typeface="微软雅黑" panose="020B0503020204020204" charset="-122"/>
+                <a:ea typeface="微软雅黑" panose="020B0503020204020204" charset="-122"/>
+              </a:rPr>
+              <a:t>224x224x3</a:t>
+            </a:r>
+            <a:endParaRPr lang="en-US" altLang="zh-CN" sz="1200">
+              <a:latin typeface="微软雅黑" panose="020B0503020204020204" charset="-122"/>
+              <a:ea typeface="微软雅黑" panose="020B0503020204020204" charset="-122"/>
+            </a:endParaRPr>
+          </a:p>
+        </p:txBody>
+      </p:sp>
+      <p:sp>
+        <p:nvSpPr>
+          <p:cNvPr id="8" name="立方体 7"/>
+          <p:cNvSpPr/>
+          <p:nvPr/>
+        </p:nvSpPr>
+        <p:spPr>
+          <a:xfrm>
+            <a:off x="1072515" y="3091815"/>
+            <a:ext cx="1041400" cy="1054100"/>
+          </a:xfrm>
+          <a:prstGeom prst="cube">
+            <a:avLst>
+              <a:gd name="adj" fmla="val 31402"/>
+            </a:avLst>
+          </a:prstGeom>
+          <a:solidFill>
+            <a:srgbClr val="00B0F0"/>
+          </a:solidFill>
+        </p:spPr>
+        <p:style>
+          <a:lnRef idx="2">
+            <a:schemeClr val="accent1">
+              <a:shade val="50000"/>
+            </a:schemeClr>
+          </a:lnRef>
+          <a:fillRef idx="1">
+            <a:schemeClr val="accent1"/>
+          </a:fillRef>
+          <a:effectRef idx="0">
+            <a:schemeClr val="accent1"/>
+          </a:effectRef>
+          <a:fontRef idx="minor">
+            <a:schemeClr val="lt1"/>
+          </a:fontRef>
+        </p:style>
+        <p:txBody>
+          <a:bodyPr rtlCol="0" anchor="ctr"/>
+          <a:p>
+            <a:pPr algn="ctr"/>
+            <a:endParaRPr lang="zh-CN" altLang="en-US"/>
+          </a:p>
+        </p:txBody>
+      </p:sp>
+      <p:sp>
+        <p:nvSpPr>
+          <p:cNvPr id="14" name="立方体 13"/>
+          <p:cNvSpPr/>
+          <p:nvPr/>
+        </p:nvSpPr>
+        <p:spPr>
+          <a:xfrm>
+            <a:off x="4809490" y="2128520"/>
+            <a:ext cx="2048510" cy="2035175"/>
+          </a:xfrm>
+          <a:prstGeom prst="cube">
+            <a:avLst>
+              <a:gd name="adj" fmla="val 91971"/>
+            </a:avLst>
+          </a:prstGeom>
+          <a:solidFill>
+            <a:srgbClr val="00B0F0"/>
+          </a:solidFill>
+        </p:spPr>
+        <p:style>
+          <a:lnRef idx="2">
+            <a:schemeClr val="accent1">
+              <a:shade val="50000"/>
+            </a:schemeClr>
+          </a:lnRef>
+          <a:fillRef idx="1">
+            <a:schemeClr val="accent1"/>
+          </a:fillRef>
+          <a:effectRef idx="0">
+            <a:schemeClr val="accent1"/>
+          </a:effectRef>
+          <a:fontRef idx="minor">
+            <a:schemeClr val="lt1"/>
+          </a:fontRef>
+        </p:style>
+        <p:txBody>
+          <a:bodyPr rtlCol="0" anchor="ctr"/>
+          <a:p>
+            <a:pPr algn="ctr"/>
+            <a:endParaRPr lang="zh-CN" altLang="en-US"/>
+          </a:p>
+        </p:txBody>
+      </p:sp>
+      <p:sp>
+        <p:nvSpPr>
+          <p:cNvPr id="15" name="立方体 14"/>
+          <p:cNvSpPr/>
+          <p:nvPr/>
+        </p:nvSpPr>
+        <p:spPr>
+          <a:xfrm>
+            <a:off x="5046980" y="2128520"/>
+            <a:ext cx="2048510" cy="2035175"/>
+          </a:xfrm>
+          <a:prstGeom prst="cube">
+            <a:avLst>
+              <a:gd name="adj" fmla="val 91971"/>
+            </a:avLst>
+          </a:prstGeom>
+          <a:solidFill>
+            <a:srgbClr val="00B0F0"/>
+          </a:solidFill>
+        </p:spPr>
+        <p:style>
+          <a:lnRef idx="2">
+            <a:schemeClr val="accent1">
+              <a:shade val="50000"/>
+            </a:schemeClr>
+          </a:lnRef>
+          <a:fillRef idx="1">
+            <a:schemeClr val="accent1"/>
+          </a:fillRef>
+          <a:effectRef idx="0">
+            <a:schemeClr val="accent1"/>
+          </a:effectRef>
+          <a:fontRef idx="minor">
+            <a:schemeClr val="lt1"/>
+          </a:fontRef>
+        </p:style>
+        <p:txBody>
+          <a:bodyPr rtlCol="0" anchor="ctr"/>
+          <a:p>
+            <a:pPr algn="ctr"/>
+            <a:endParaRPr lang="zh-CN" altLang="en-US"/>
+          </a:p>
+        </p:txBody>
+      </p:sp>
+      <p:sp>
+        <p:nvSpPr>
+          <p:cNvPr id="16" name="立方体 15"/>
+          <p:cNvSpPr/>
+          <p:nvPr/>
+        </p:nvSpPr>
+        <p:spPr>
+          <a:xfrm>
+            <a:off x="5298440" y="2117725"/>
+            <a:ext cx="2048510" cy="2035175"/>
+          </a:xfrm>
+          <a:prstGeom prst="cube">
+            <a:avLst>
+              <a:gd name="adj" fmla="val 91971"/>
+            </a:avLst>
+          </a:prstGeom>
+          <a:solidFill>
+            <a:srgbClr val="00B0F0"/>
+          </a:solidFill>
+        </p:spPr>
+        <p:style>
+          <a:lnRef idx="2">
+            <a:schemeClr val="accent1">
+              <a:shade val="50000"/>
+            </a:schemeClr>
+          </a:lnRef>
+          <a:fillRef idx="1">
+            <a:schemeClr val="accent1"/>
+          </a:fillRef>
+          <a:effectRef idx="0">
+            <a:schemeClr val="accent1"/>
+          </a:effectRef>
+          <a:fontRef idx="minor">
+            <a:schemeClr val="lt1"/>
+          </a:fontRef>
+        </p:style>
+        <p:txBody>
+          <a:bodyPr rtlCol="0" anchor="ctr"/>
+          <a:p>
+            <a:pPr algn="ctr"/>
+            <a:endParaRPr lang="zh-CN" altLang="en-US"/>
+          </a:p>
+        </p:txBody>
+      </p:sp>
+      <p:sp>
+        <p:nvSpPr>
+          <p:cNvPr id="17" name="立方体 16"/>
+          <p:cNvSpPr/>
+          <p:nvPr/>
+        </p:nvSpPr>
+        <p:spPr>
+          <a:xfrm>
+            <a:off x="5578475" y="2204720"/>
+            <a:ext cx="1959610" cy="1948180"/>
+          </a:xfrm>
+          <a:prstGeom prst="cube">
+            <a:avLst>
+              <a:gd name="adj" fmla="val 95044"/>
+            </a:avLst>
+          </a:prstGeom>
+          <a:solidFill>
+            <a:schemeClr val="accent6">
+              <a:lumMod val="20000"/>
+              <a:lumOff val="80000"/>
+            </a:schemeClr>
+          </a:solidFill>
+        </p:spPr>
+        <p:style>
+          <a:lnRef idx="2">
+            <a:schemeClr val="accent1">
+              <a:shade val="50000"/>
+            </a:schemeClr>
+          </a:lnRef>
+          <a:fillRef idx="1">
+            <a:schemeClr val="accent1"/>
+          </a:fillRef>
+          <a:effectRef idx="0">
+            <a:schemeClr val="accent1"/>
+          </a:effectRef>
+          <a:fontRef idx="minor">
+            <a:schemeClr val="lt1"/>
+          </a:fontRef>
+        </p:style>
+        <p:txBody>
+          <a:bodyPr rtlCol="0" anchor="ctr"/>
+          <a:p>
+            <a:pPr algn="ctr"/>
+            <a:endParaRPr lang="zh-CN" altLang="en-US"/>
+          </a:p>
+        </p:txBody>
+      </p:sp>
+      <p:sp>
+        <p:nvSpPr>
+          <p:cNvPr id="18" name="立方体 17"/>
+          <p:cNvSpPr/>
+          <p:nvPr/>
+        </p:nvSpPr>
+        <p:spPr>
+          <a:xfrm>
+            <a:off x="5993130" y="1078230"/>
+            <a:ext cx="3093085" cy="3074670"/>
+          </a:xfrm>
+          <a:prstGeom prst="cube">
+            <a:avLst>
+              <a:gd name="adj" fmla="val 96736"/>
+            </a:avLst>
+          </a:prstGeom>
+          <a:solidFill>
+            <a:srgbClr val="00B0F0"/>
+          </a:solidFill>
+        </p:spPr>
+        <p:style>
+          <a:lnRef idx="2">
+            <a:schemeClr val="accent1">
+              <a:shade val="50000"/>
+            </a:schemeClr>
+          </a:lnRef>
+          <a:fillRef idx="1">
+            <a:schemeClr val="accent1"/>
+          </a:fillRef>
+          <a:effectRef idx="0">
+            <a:schemeClr val="accent1"/>
+          </a:effectRef>
+          <a:fontRef idx="minor">
+            <a:schemeClr val="lt1"/>
+          </a:fontRef>
+        </p:style>
+        <p:txBody>
+          <a:bodyPr rtlCol="0" anchor="ctr"/>
+          <a:p>
+            <a:pPr algn="ctr"/>
+            <a:endParaRPr lang="zh-CN" altLang="en-US"/>
+          </a:p>
+        </p:txBody>
+      </p:sp>
+      <p:sp>
+        <p:nvSpPr>
+          <p:cNvPr id="19" name="立方体 18"/>
+          <p:cNvSpPr/>
+          <p:nvPr/>
+        </p:nvSpPr>
+        <p:spPr>
+          <a:xfrm>
+            <a:off x="6209030" y="1078230"/>
+            <a:ext cx="3093085" cy="3074670"/>
+          </a:xfrm>
+          <a:prstGeom prst="cube">
+            <a:avLst>
+              <a:gd name="adj" fmla="val 96736"/>
+            </a:avLst>
+          </a:prstGeom>
+          <a:solidFill>
+            <a:srgbClr val="00B0F0"/>
+          </a:solidFill>
+        </p:spPr>
+        <p:style>
+          <a:lnRef idx="2">
+            <a:schemeClr val="accent1">
+              <a:shade val="50000"/>
+            </a:schemeClr>
+          </a:lnRef>
+          <a:fillRef idx="1">
+            <a:schemeClr val="accent1"/>
+          </a:fillRef>
+          <a:effectRef idx="0">
+            <a:schemeClr val="accent1"/>
+          </a:effectRef>
+          <a:fontRef idx="minor">
+            <a:schemeClr val="lt1"/>
+          </a:fontRef>
+        </p:style>
+        <p:txBody>
+          <a:bodyPr rtlCol="0" anchor="ctr"/>
+          <a:p>
+            <a:pPr algn="ctr"/>
+            <a:endParaRPr lang="zh-CN" altLang="en-US"/>
+          </a:p>
+        </p:txBody>
+      </p:sp>
+      <p:sp>
+        <p:nvSpPr>
+          <p:cNvPr id="20" name="立方体 19"/>
+          <p:cNvSpPr/>
+          <p:nvPr/>
+        </p:nvSpPr>
+        <p:spPr>
+          <a:xfrm>
+            <a:off x="6435725" y="1078230"/>
+            <a:ext cx="3093085" cy="3074670"/>
+          </a:xfrm>
+          <a:prstGeom prst="cube">
+            <a:avLst>
+              <a:gd name="adj" fmla="val 96736"/>
+            </a:avLst>
+          </a:prstGeom>
+          <a:solidFill>
+            <a:srgbClr val="00B0F0"/>
+          </a:solidFill>
+        </p:spPr>
+        <p:style>
+          <a:lnRef idx="2">
+            <a:schemeClr val="accent1">
+              <a:shade val="50000"/>
+            </a:schemeClr>
+          </a:lnRef>
+          <a:fillRef idx="1">
+            <a:schemeClr val="accent1"/>
+          </a:fillRef>
+          <a:effectRef idx="0">
+            <a:schemeClr val="accent1"/>
+          </a:effectRef>
+          <a:fontRef idx="minor">
+            <a:schemeClr val="lt1"/>
+          </a:fontRef>
+        </p:style>
+        <p:txBody>
+          <a:bodyPr rtlCol="0" anchor="ctr"/>
+          <a:p>
+            <a:pPr algn="ctr"/>
+            <a:endParaRPr lang="zh-CN" altLang="en-US"/>
+          </a:p>
+        </p:txBody>
+      </p:sp>
+      <p:sp>
+        <p:nvSpPr>
+          <p:cNvPr id="21" name="立方体 20"/>
+          <p:cNvSpPr/>
+          <p:nvPr/>
+        </p:nvSpPr>
+        <p:spPr>
+          <a:xfrm>
+            <a:off x="6638290" y="1188720"/>
+            <a:ext cx="2980690" cy="2974975"/>
+          </a:xfrm>
+          <a:prstGeom prst="cube">
+            <a:avLst>
+              <a:gd name="adj" fmla="val 97976"/>
+            </a:avLst>
+          </a:prstGeom>
+          <a:solidFill>
+            <a:schemeClr val="accent6">
+              <a:lumMod val="20000"/>
+              <a:lumOff val="80000"/>
+            </a:schemeClr>
+          </a:solidFill>
+        </p:spPr>
+        <p:style>
+          <a:lnRef idx="2">
+            <a:schemeClr val="accent1">
+              <a:shade val="50000"/>
+            </a:schemeClr>
+          </a:lnRef>
+          <a:fillRef idx="1">
+            <a:schemeClr val="accent1"/>
+          </a:fillRef>
+          <a:effectRef idx="0">
+            <a:schemeClr val="accent1"/>
+          </a:effectRef>
+          <a:fontRef idx="minor">
+            <a:schemeClr val="lt1"/>
+          </a:fontRef>
+        </p:style>
+        <p:txBody>
+          <a:bodyPr rtlCol="0" anchor="ctr"/>
+          <a:p>
+            <a:pPr algn="ctr"/>
+            <a:endParaRPr lang="zh-CN" altLang="en-US"/>
+          </a:p>
+        </p:txBody>
+      </p:sp>
+      <p:sp>
+        <p:nvSpPr>
+          <p:cNvPr id="22" name="立方体 21"/>
+          <p:cNvSpPr/>
+          <p:nvPr/>
+        </p:nvSpPr>
+        <p:spPr>
+          <a:xfrm>
+            <a:off x="7071360" y="1188720"/>
+            <a:ext cx="2980690" cy="2974975"/>
+          </a:xfrm>
+          <a:prstGeom prst="cube">
+            <a:avLst>
+              <a:gd name="adj" fmla="val 97976"/>
+            </a:avLst>
+          </a:prstGeom>
+          <a:solidFill>
+            <a:srgbClr val="00B0F0"/>
+          </a:solidFill>
+        </p:spPr>
+        <p:style>
+          <a:lnRef idx="2">
+            <a:schemeClr val="accent1">
+              <a:shade val="50000"/>
+            </a:schemeClr>
+          </a:lnRef>
+          <a:fillRef idx="1">
+            <a:schemeClr val="accent1"/>
+          </a:fillRef>
+          <a:effectRef idx="0">
+            <a:schemeClr val="accent1"/>
+          </a:effectRef>
+          <a:fontRef idx="minor">
+            <a:schemeClr val="lt1"/>
+          </a:fontRef>
+        </p:style>
+        <p:txBody>
+          <a:bodyPr rtlCol="0" anchor="ctr"/>
+          <a:p>
+            <a:pPr algn="ctr"/>
+            <a:endParaRPr lang="zh-CN" altLang="en-US"/>
+          </a:p>
+        </p:txBody>
+      </p:sp>
+      <p:sp>
+        <p:nvSpPr>
+          <p:cNvPr id="23" name="立方体 22"/>
+          <p:cNvSpPr/>
+          <p:nvPr/>
+        </p:nvSpPr>
+        <p:spPr>
+          <a:xfrm>
+            <a:off x="7185660" y="1188720"/>
+            <a:ext cx="2980690" cy="2974975"/>
+          </a:xfrm>
+          <a:prstGeom prst="cube">
+            <a:avLst>
+              <a:gd name="adj" fmla="val 97976"/>
+            </a:avLst>
+          </a:prstGeom>
+          <a:solidFill>
+            <a:srgbClr val="00B0F0"/>
+          </a:solidFill>
+        </p:spPr>
+        <p:style>
+          <a:lnRef idx="2">
+            <a:schemeClr val="accent1">
+              <a:shade val="50000"/>
+            </a:schemeClr>
+          </a:lnRef>
+          <a:fillRef idx="1">
+            <a:schemeClr val="accent1"/>
+          </a:fillRef>
+          <a:effectRef idx="0">
+            <a:schemeClr val="accent1"/>
+          </a:effectRef>
+          <a:fontRef idx="minor">
+            <a:schemeClr val="lt1"/>
+          </a:fontRef>
+        </p:style>
+        <p:txBody>
+          <a:bodyPr rtlCol="0" anchor="ctr"/>
+          <a:p>
+            <a:pPr algn="ctr"/>
+            <a:endParaRPr lang="zh-CN" altLang="en-US"/>
+          </a:p>
+        </p:txBody>
+      </p:sp>
+      <p:sp>
+        <p:nvSpPr>
+          <p:cNvPr id="24" name="立方体 23"/>
+          <p:cNvSpPr/>
+          <p:nvPr/>
+        </p:nvSpPr>
+        <p:spPr>
+          <a:xfrm>
+            <a:off x="7308850" y="1188720"/>
+            <a:ext cx="2980690" cy="2974975"/>
+          </a:xfrm>
+          <a:prstGeom prst="cube">
+            <a:avLst>
+              <a:gd name="adj" fmla="val 97976"/>
+            </a:avLst>
+          </a:prstGeom>
+          <a:solidFill>
+            <a:srgbClr val="00B0F0"/>
+          </a:solidFill>
+        </p:spPr>
+        <p:style>
+          <a:lnRef idx="2">
+            <a:schemeClr val="accent1">
+              <a:shade val="50000"/>
+            </a:schemeClr>
+          </a:lnRef>
+          <a:fillRef idx="1">
+            <a:schemeClr val="accent1"/>
+          </a:fillRef>
+          <a:effectRef idx="0">
+            <a:schemeClr val="accent1"/>
+          </a:effectRef>
+          <a:fontRef idx="minor">
+            <a:schemeClr val="lt1"/>
+          </a:fontRef>
+        </p:style>
+        <p:txBody>
+          <a:bodyPr rtlCol="0" anchor="ctr"/>
+          <a:p>
+            <a:pPr algn="ctr"/>
+            <a:endParaRPr lang="zh-CN" altLang="en-US"/>
+          </a:p>
+        </p:txBody>
+      </p:sp>
+      <p:sp>
+        <p:nvSpPr>
+          <p:cNvPr id="25" name="立方体 24"/>
+          <p:cNvSpPr/>
+          <p:nvPr/>
+        </p:nvSpPr>
+        <p:spPr>
+          <a:xfrm>
+            <a:off x="7447280" y="1188720"/>
+            <a:ext cx="2980690" cy="2974975"/>
+          </a:xfrm>
+          <a:prstGeom prst="cube">
+            <a:avLst>
+              <a:gd name="adj" fmla="val 98804"/>
+            </a:avLst>
+          </a:prstGeom>
+          <a:solidFill>
+            <a:schemeClr val="accent6">
+              <a:lumMod val="20000"/>
+              <a:lumOff val="80000"/>
+            </a:schemeClr>
+          </a:solidFill>
+        </p:spPr>
+        <p:style>
+          <a:lnRef idx="2">
+            <a:schemeClr val="accent1">
+              <a:shade val="50000"/>
+            </a:schemeClr>
+          </a:lnRef>
+          <a:fillRef idx="1">
+            <a:schemeClr val="accent1"/>
+          </a:fillRef>
+          <a:effectRef idx="0">
+            <a:schemeClr val="accent1"/>
+          </a:effectRef>
+          <a:fontRef idx="minor">
+            <a:schemeClr val="lt1"/>
+          </a:fontRef>
+        </p:style>
+        <p:txBody>
+          <a:bodyPr rtlCol="0" anchor="ctr"/>
+          <a:p>
+            <a:pPr algn="ctr"/>
+            <a:endParaRPr lang="zh-CN" altLang="en-US"/>
+          </a:p>
+        </p:txBody>
+      </p:sp>
+      <p:cxnSp>
+        <p:nvCxnSpPr>
+          <p:cNvPr id="26" name="直接连接符 25"/>
+          <p:cNvCxnSpPr/>
+          <p:nvPr/>
+        </p:nvCxnSpPr>
+        <p:spPr>
+          <a:xfrm flipV="1">
+            <a:off x="7980680" y="513080"/>
+            <a:ext cx="3689985" cy="3632835"/>
+          </a:xfrm>
+          <a:prstGeom prst="line">
+            <a:avLst/>
+          </a:prstGeom>
+          <a:ln w="38100">
+            <a:solidFill>
+              <a:schemeClr val="bg1">
+                <a:lumMod val="50000"/>
+              </a:schemeClr>
+            </a:solidFill>
+          </a:ln>
+        </p:spPr>
+        <p:style>
+          <a:lnRef idx="1">
+            <a:schemeClr val="accent1"/>
+          </a:lnRef>
+          <a:fillRef idx="0">
+            <a:schemeClr val="accent1"/>
+          </a:fillRef>
+          <a:effectRef idx="0">
+            <a:schemeClr val="accent1"/>
+          </a:effectRef>
+          <a:fontRef idx="minor">
+            <a:schemeClr val="tx1"/>
+          </a:fontRef>
+        </p:style>
+      </p:cxnSp>
+      <p:cxnSp>
+        <p:nvCxnSpPr>
+          <p:cNvPr id="27" name="直接连接符 26"/>
+          <p:cNvCxnSpPr/>
+          <p:nvPr/>
+        </p:nvCxnSpPr>
+        <p:spPr>
+          <a:xfrm flipV="1">
+            <a:off x="8221980" y="513080"/>
+            <a:ext cx="3689985" cy="3632835"/>
+          </a:xfrm>
+          <a:prstGeom prst="line">
+            <a:avLst/>
+          </a:prstGeom>
+          <a:ln w="38100">
+            <a:solidFill>
+              <a:schemeClr val="bg1">
+                <a:lumMod val="50000"/>
+              </a:schemeClr>
+            </a:solidFill>
+          </a:ln>
+        </p:spPr>
+        <p:style>
+          <a:lnRef idx="1">
+            <a:schemeClr val="accent1"/>
+          </a:lnRef>
+          <a:fillRef idx="0">
+            <a:schemeClr val="accent1"/>
+          </a:fillRef>
+          <a:effectRef idx="0">
+            <a:schemeClr val="accent1"/>
+          </a:effectRef>
+          <a:fontRef idx="minor">
+            <a:schemeClr val="tx1"/>
+          </a:fontRef>
+        </p:style>
+      </p:cxnSp>
+      <p:cxnSp>
+        <p:nvCxnSpPr>
+          <p:cNvPr id="28" name="直接连接符 27"/>
+          <p:cNvCxnSpPr/>
+          <p:nvPr/>
+        </p:nvCxnSpPr>
+        <p:spPr>
+          <a:xfrm flipV="1">
+            <a:off x="8425815" y="530860"/>
+            <a:ext cx="3689985" cy="3632835"/>
+          </a:xfrm>
+          <a:prstGeom prst="line">
+            <a:avLst/>
+          </a:prstGeom>
+          <a:ln w="38100">
+            <a:solidFill>
+              <a:schemeClr val="bg1">
+                <a:lumMod val="50000"/>
+              </a:schemeClr>
+            </a:solidFill>
+          </a:ln>
+        </p:spPr>
+        <p:style>
+          <a:lnRef idx="1">
+            <a:schemeClr val="accent1"/>
+          </a:lnRef>
+          <a:fillRef idx="0">
+            <a:schemeClr val="accent1"/>
+          </a:fillRef>
+          <a:effectRef idx="0">
+            <a:schemeClr val="accent1"/>
+          </a:effectRef>
+          <a:fontRef idx="minor">
+            <a:schemeClr val="tx1"/>
+          </a:fontRef>
+        </p:style>
+      </p:cxnSp>
+      <p:sp>
+        <p:nvSpPr>
+          <p:cNvPr id="29" name="文本框 28"/>
+          <p:cNvSpPr txBox="1"/>
+          <p:nvPr/>
+        </p:nvSpPr>
+        <p:spPr>
+          <a:xfrm>
+            <a:off x="1136015" y="4554855"/>
+            <a:ext cx="685800" cy="553085"/>
+          </a:xfrm>
+          <a:prstGeom prst="rect">
+            <a:avLst/>
+          </a:prstGeom>
+          <a:noFill/>
+        </p:spPr>
+        <p:txBody>
+          <a:bodyPr wrap="square" rtlCol="0">
+            <a:spAutoFit/>
+          </a:bodyPr>
+          <a:p>
+            <a:pPr algn="ctr"/>
+            <a:r>
+              <a:rPr lang="en-US" altLang="zh-CN" sz="1000" b="1">
+                <a:solidFill>
+                  <a:srgbClr val="FF0000"/>
+                </a:solidFill>
+                <a:latin typeface="微软雅黑" panose="020B0503020204020204" charset="-122"/>
+                <a:ea typeface="微软雅黑" panose="020B0503020204020204" charset="-122"/>
+              </a:rPr>
+              <a:t>conv1_1</a:t>
+            </a:r>
+            <a:endParaRPr lang="zh-CN" altLang="en-US" sz="1000" b="1">
+              <a:solidFill>
+                <a:srgbClr val="FF0000"/>
+              </a:solidFill>
+              <a:latin typeface="微软雅黑" panose="020B0503020204020204" charset="-122"/>
+              <a:ea typeface="微软雅黑" panose="020B0503020204020204" charset="-122"/>
+            </a:endParaRPr>
+          </a:p>
+          <a:p>
+            <a:pPr algn="ctr"/>
+            <a:r>
+              <a:rPr lang="en-US" altLang="zh-CN" sz="1000" b="1">
+                <a:solidFill>
+                  <a:srgbClr val="FF0000"/>
+                </a:solidFill>
+                <a:latin typeface="微软雅黑" panose="020B0503020204020204" charset="-122"/>
+                <a:ea typeface="微软雅黑" panose="020B0503020204020204" charset="-122"/>
+              </a:rPr>
+              <a:t>3x3x64@1</a:t>
+            </a:r>
+            <a:endParaRPr lang="en-US" altLang="zh-CN" sz="1000" b="1">
+              <a:solidFill>
+                <a:srgbClr val="FF0000"/>
+              </a:solidFill>
+              <a:latin typeface="微软雅黑" panose="020B0503020204020204" charset="-122"/>
+              <a:ea typeface="微软雅黑" panose="020B0503020204020204" charset="-122"/>
+            </a:endParaRPr>
+          </a:p>
+        </p:txBody>
+      </p:sp>
+      <p:sp>
+        <p:nvSpPr>
+          <p:cNvPr id="30" name="文本框 29"/>
+          <p:cNvSpPr txBox="1"/>
+          <p:nvPr/>
+        </p:nvSpPr>
+        <p:spPr>
+          <a:xfrm>
+            <a:off x="1735455" y="4554855"/>
+            <a:ext cx="685800" cy="553085"/>
+          </a:xfrm>
+          <a:prstGeom prst="rect">
+            <a:avLst/>
+          </a:prstGeom>
+          <a:noFill/>
+        </p:spPr>
+        <p:txBody>
+          <a:bodyPr wrap="square" rtlCol="0">
+            <a:spAutoFit/>
+          </a:bodyPr>
+          <a:p>
+            <a:pPr algn="ctr"/>
+            <a:r>
+              <a:rPr lang="en-US" altLang="zh-CN" sz="1000" b="1">
+                <a:solidFill>
+                  <a:srgbClr val="FF0000"/>
+                </a:solidFill>
+                <a:latin typeface="微软雅黑" panose="020B0503020204020204" charset="-122"/>
+                <a:ea typeface="微软雅黑" panose="020B0503020204020204" charset="-122"/>
+              </a:rPr>
+              <a:t>conv1_2</a:t>
+            </a:r>
+            <a:endParaRPr lang="zh-CN" altLang="en-US" sz="1000" b="1">
+              <a:solidFill>
+                <a:srgbClr val="FF0000"/>
+              </a:solidFill>
+              <a:latin typeface="微软雅黑" panose="020B0503020204020204" charset="-122"/>
+              <a:ea typeface="微软雅黑" panose="020B0503020204020204" charset="-122"/>
+            </a:endParaRPr>
+          </a:p>
+          <a:p>
+            <a:pPr algn="ctr"/>
+            <a:r>
+              <a:rPr lang="en-US" altLang="zh-CN" sz="1000" b="1">
+                <a:solidFill>
+                  <a:srgbClr val="FF0000"/>
+                </a:solidFill>
+                <a:latin typeface="微软雅黑" panose="020B0503020204020204" charset="-122"/>
+                <a:ea typeface="微软雅黑" panose="020B0503020204020204" charset="-122"/>
+              </a:rPr>
+              <a:t>3x3x64@1</a:t>
+            </a:r>
+            <a:endParaRPr lang="en-US" altLang="zh-CN" sz="1000" b="1">
+              <a:solidFill>
+                <a:srgbClr val="FF0000"/>
+              </a:solidFill>
+              <a:latin typeface="微软雅黑" panose="020B0503020204020204" charset="-122"/>
+              <a:ea typeface="微软雅黑" panose="020B0503020204020204" charset="-122"/>
+            </a:endParaRPr>
+          </a:p>
+        </p:txBody>
+      </p:sp>
+      <p:sp>
+        <p:nvSpPr>
+          <p:cNvPr id="31" name="文本框 30"/>
+          <p:cNvSpPr txBox="1"/>
+          <p:nvPr/>
+        </p:nvSpPr>
+        <p:spPr>
+          <a:xfrm>
+            <a:off x="2969260" y="4554855"/>
+            <a:ext cx="685800" cy="506730"/>
+          </a:xfrm>
+          <a:prstGeom prst="rect">
+            <a:avLst/>
+          </a:prstGeom>
+          <a:noFill/>
+        </p:spPr>
+        <p:txBody>
+          <a:bodyPr wrap="square" rtlCol="0">
+            <a:spAutoFit/>
+          </a:bodyPr>
+          <a:p>
+            <a:pPr algn="ctr"/>
+            <a:r>
+              <a:rPr lang="en-US" altLang="zh-CN" sz="900" b="1">
+                <a:solidFill>
+                  <a:srgbClr val="FF0000"/>
+                </a:solidFill>
+                <a:latin typeface="微软雅黑" panose="020B0503020204020204" charset="-122"/>
+                <a:ea typeface="微软雅黑" panose="020B0503020204020204" charset="-122"/>
+              </a:rPr>
+              <a:t>conv2_1</a:t>
+            </a:r>
+            <a:endParaRPr lang="zh-CN" altLang="en-US" sz="900" b="1">
+              <a:solidFill>
+                <a:srgbClr val="FF0000"/>
+              </a:solidFill>
+              <a:latin typeface="微软雅黑" panose="020B0503020204020204" charset="-122"/>
+              <a:ea typeface="微软雅黑" panose="020B0503020204020204" charset="-122"/>
+            </a:endParaRPr>
+          </a:p>
+          <a:p>
+            <a:pPr algn="ctr"/>
+            <a:r>
+              <a:rPr lang="en-US" altLang="zh-CN" sz="900" b="1">
+                <a:solidFill>
+                  <a:srgbClr val="FF0000"/>
+                </a:solidFill>
+                <a:latin typeface="微软雅黑" panose="020B0503020204020204" charset="-122"/>
+                <a:ea typeface="微软雅黑" panose="020B0503020204020204" charset="-122"/>
+              </a:rPr>
+              <a:t>3x3x128@1</a:t>
+            </a:r>
+            <a:endParaRPr lang="en-US" altLang="zh-CN" sz="900" b="1">
+              <a:solidFill>
+                <a:srgbClr val="FF0000"/>
+              </a:solidFill>
+              <a:latin typeface="微软雅黑" panose="020B0503020204020204" charset="-122"/>
+              <a:ea typeface="微软雅黑" panose="020B0503020204020204" charset="-122"/>
+            </a:endParaRPr>
+          </a:p>
+        </p:txBody>
+      </p:sp>
+      <p:sp>
+        <p:nvSpPr>
+          <p:cNvPr id="32" name="文本框 31"/>
+          <p:cNvSpPr txBox="1"/>
+          <p:nvPr/>
+        </p:nvSpPr>
+        <p:spPr>
+          <a:xfrm>
+            <a:off x="3474085" y="4554855"/>
+            <a:ext cx="685800" cy="506730"/>
+          </a:xfrm>
+          <a:prstGeom prst="rect">
+            <a:avLst/>
+          </a:prstGeom>
+          <a:noFill/>
+        </p:spPr>
+        <p:txBody>
+          <a:bodyPr wrap="square" rtlCol="0">
+            <a:spAutoFit/>
+          </a:bodyPr>
+          <a:p>
+            <a:pPr algn="ctr"/>
+            <a:r>
+              <a:rPr lang="en-US" altLang="zh-CN" sz="900" b="1">
+                <a:solidFill>
+                  <a:srgbClr val="FF0000"/>
+                </a:solidFill>
+                <a:latin typeface="微软雅黑" panose="020B0503020204020204" charset="-122"/>
+                <a:ea typeface="微软雅黑" panose="020B0503020204020204" charset="-122"/>
+              </a:rPr>
+              <a:t>conv2_2</a:t>
+            </a:r>
+            <a:endParaRPr lang="zh-CN" altLang="en-US" sz="900" b="1">
+              <a:solidFill>
+                <a:srgbClr val="FF0000"/>
+              </a:solidFill>
+              <a:latin typeface="微软雅黑" panose="020B0503020204020204" charset="-122"/>
+              <a:ea typeface="微软雅黑" panose="020B0503020204020204" charset="-122"/>
+            </a:endParaRPr>
+          </a:p>
+          <a:p>
+            <a:pPr algn="ctr"/>
+            <a:r>
+              <a:rPr lang="en-US" altLang="zh-CN" sz="900" b="1">
+                <a:solidFill>
+                  <a:srgbClr val="FF0000"/>
+                </a:solidFill>
+                <a:latin typeface="微软雅黑" panose="020B0503020204020204" charset="-122"/>
+                <a:ea typeface="微软雅黑" panose="020B0503020204020204" charset="-122"/>
+              </a:rPr>
+              <a:t>3x3x128@1</a:t>
+            </a:r>
+            <a:endParaRPr lang="en-US" altLang="zh-CN" sz="900" b="1">
+              <a:solidFill>
+                <a:srgbClr val="FF0000"/>
+              </a:solidFill>
+              <a:latin typeface="微软雅黑" panose="020B0503020204020204" charset="-122"/>
+              <a:ea typeface="微软雅黑" panose="020B0503020204020204" charset="-122"/>
+            </a:endParaRPr>
+          </a:p>
+        </p:txBody>
+      </p:sp>
+      <p:sp>
+        <p:nvSpPr>
+          <p:cNvPr id="33" name="文本框 32"/>
+          <p:cNvSpPr txBox="1"/>
+          <p:nvPr/>
+        </p:nvSpPr>
+        <p:spPr>
+          <a:xfrm>
+            <a:off x="4189730" y="5148580"/>
+            <a:ext cx="685800" cy="460375"/>
+          </a:xfrm>
+          <a:prstGeom prst="rect">
+            <a:avLst/>
+          </a:prstGeom>
+          <a:noFill/>
+        </p:spPr>
+        <p:txBody>
+          <a:bodyPr wrap="square" rtlCol="0">
+            <a:spAutoFit/>
+          </a:bodyPr>
+          <a:p>
+            <a:pPr algn="ctr"/>
+            <a:r>
+              <a:rPr lang="en-US" altLang="zh-CN" sz="800" b="1">
+                <a:solidFill>
+                  <a:srgbClr val="FF0000"/>
+                </a:solidFill>
+                <a:latin typeface="微软雅黑" panose="020B0503020204020204" charset="-122"/>
+                <a:ea typeface="微软雅黑" panose="020B0503020204020204" charset="-122"/>
+              </a:rPr>
+              <a:t>conv3_1</a:t>
+            </a:r>
+            <a:endParaRPr lang="zh-CN" altLang="en-US" sz="800" b="1">
+              <a:solidFill>
+                <a:srgbClr val="FF0000"/>
+              </a:solidFill>
+              <a:latin typeface="微软雅黑" panose="020B0503020204020204" charset="-122"/>
+              <a:ea typeface="微软雅黑" panose="020B0503020204020204" charset="-122"/>
+            </a:endParaRPr>
+          </a:p>
+          <a:p>
+            <a:pPr algn="ctr"/>
+            <a:r>
+              <a:rPr lang="en-US" altLang="zh-CN" sz="800" b="1">
+                <a:solidFill>
+                  <a:srgbClr val="FF0000"/>
+                </a:solidFill>
+                <a:latin typeface="微软雅黑" panose="020B0503020204020204" charset="-122"/>
+                <a:ea typeface="微软雅黑" panose="020B0503020204020204" charset="-122"/>
+              </a:rPr>
+              <a:t>3x3x256@1</a:t>
+            </a:r>
+            <a:endParaRPr lang="en-US" altLang="zh-CN" sz="800" b="1">
+              <a:solidFill>
+                <a:srgbClr val="FF0000"/>
+              </a:solidFill>
+              <a:latin typeface="微软雅黑" panose="020B0503020204020204" charset="-122"/>
+              <a:ea typeface="微软雅黑" panose="020B0503020204020204" charset="-122"/>
+            </a:endParaRPr>
+          </a:p>
+        </p:txBody>
+      </p:sp>
+      <p:sp>
+        <p:nvSpPr>
+          <p:cNvPr id="34" name="文本框 33"/>
+          <p:cNvSpPr txBox="1"/>
+          <p:nvPr/>
+        </p:nvSpPr>
+        <p:spPr>
+          <a:xfrm>
+            <a:off x="4655820" y="5148580"/>
+            <a:ext cx="685800" cy="460375"/>
+          </a:xfrm>
+          <a:prstGeom prst="rect">
+            <a:avLst/>
+          </a:prstGeom>
+          <a:noFill/>
+        </p:spPr>
+        <p:txBody>
+          <a:bodyPr wrap="square" rtlCol="0">
+            <a:spAutoFit/>
+          </a:bodyPr>
+          <a:p>
+            <a:pPr algn="ctr"/>
+            <a:r>
+              <a:rPr lang="en-US" altLang="zh-CN" sz="800" b="1">
+                <a:solidFill>
+                  <a:srgbClr val="FF0000"/>
+                </a:solidFill>
+                <a:latin typeface="微软雅黑" panose="020B0503020204020204" charset="-122"/>
+                <a:ea typeface="微软雅黑" panose="020B0503020204020204" charset="-122"/>
+              </a:rPr>
+              <a:t>conv3_2</a:t>
+            </a:r>
+            <a:endParaRPr lang="zh-CN" altLang="en-US" sz="800" b="1">
+              <a:solidFill>
+                <a:srgbClr val="FF0000"/>
+              </a:solidFill>
+              <a:latin typeface="微软雅黑" panose="020B0503020204020204" charset="-122"/>
+              <a:ea typeface="微软雅黑" panose="020B0503020204020204" charset="-122"/>
+            </a:endParaRPr>
+          </a:p>
+          <a:p>
+            <a:pPr algn="ctr"/>
+            <a:r>
+              <a:rPr lang="en-US" altLang="zh-CN" sz="800" b="1">
+                <a:solidFill>
+                  <a:srgbClr val="FF0000"/>
+                </a:solidFill>
+                <a:latin typeface="微软雅黑" panose="020B0503020204020204" charset="-122"/>
+                <a:ea typeface="微软雅黑" panose="020B0503020204020204" charset="-122"/>
+              </a:rPr>
+              <a:t>3x3x256@1</a:t>
+            </a:r>
+            <a:endParaRPr lang="en-US" altLang="zh-CN" sz="800" b="1">
+              <a:solidFill>
+                <a:srgbClr val="FF0000"/>
+              </a:solidFill>
+              <a:latin typeface="微软雅黑" panose="020B0503020204020204" charset="-122"/>
+              <a:ea typeface="微软雅黑" panose="020B0503020204020204" charset="-122"/>
+            </a:endParaRPr>
+          </a:p>
+        </p:txBody>
+      </p:sp>
+      <p:sp>
+        <p:nvSpPr>
+          <p:cNvPr id="35" name="文本框 34"/>
+          <p:cNvSpPr txBox="1"/>
+          <p:nvPr/>
+        </p:nvSpPr>
+        <p:spPr>
+          <a:xfrm>
+            <a:off x="5120640" y="5148580"/>
+            <a:ext cx="685800" cy="460375"/>
+          </a:xfrm>
+          <a:prstGeom prst="rect">
+            <a:avLst/>
+          </a:prstGeom>
+          <a:noFill/>
+        </p:spPr>
+        <p:txBody>
+          <a:bodyPr wrap="square" rtlCol="0">
+            <a:spAutoFit/>
+          </a:bodyPr>
+          <a:p>
+            <a:pPr algn="ctr"/>
+            <a:r>
+              <a:rPr lang="en-US" altLang="zh-CN" sz="800" b="1">
+                <a:solidFill>
+                  <a:srgbClr val="FF0000"/>
+                </a:solidFill>
+                <a:latin typeface="微软雅黑" panose="020B0503020204020204" charset="-122"/>
+                <a:ea typeface="微软雅黑" panose="020B0503020204020204" charset="-122"/>
+              </a:rPr>
+              <a:t>conv3_3</a:t>
+            </a:r>
+            <a:endParaRPr lang="zh-CN" altLang="en-US" sz="800" b="1">
+              <a:solidFill>
+                <a:srgbClr val="FF0000"/>
+              </a:solidFill>
+              <a:latin typeface="微软雅黑" panose="020B0503020204020204" charset="-122"/>
+              <a:ea typeface="微软雅黑" panose="020B0503020204020204" charset="-122"/>
+            </a:endParaRPr>
+          </a:p>
+          <a:p>
+            <a:pPr algn="ctr"/>
+            <a:r>
+              <a:rPr lang="en-US" altLang="zh-CN" sz="800" b="1">
+                <a:solidFill>
+                  <a:srgbClr val="FF0000"/>
+                </a:solidFill>
+                <a:latin typeface="微软雅黑" panose="020B0503020204020204" charset="-122"/>
+                <a:ea typeface="微软雅黑" panose="020B0503020204020204" charset="-122"/>
+              </a:rPr>
+              <a:t>3x3x256@1</a:t>
+            </a:r>
+            <a:endParaRPr lang="en-US" altLang="zh-CN" sz="800" b="1">
+              <a:solidFill>
+                <a:srgbClr val="FF0000"/>
+              </a:solidFill>
+              <a:latin typeface="微软雅黑" panose="020B0503020204020204" charset="-122"/>
+              <a:ea typeface="微软雅黑" panose="020B0503020204020204" charset="-122"/>
+            </a:endParaRPr>
+          </a:p>
+        </p:txBody>
+      </p:sp>
+      <p:sp>
+        <p:nvSpPr>
+          <p:cNvPr id="36" name="文本框 35"/>
+          <p:cNvSpPr txBox="1"/>
+          <p:nvPr/>
+        </p:nvSpPr>
+        <p:spPr>
+          <a:xfrm>
+            <a:off x="5273040" y="4721860"/>
+            <a:ext cx="610870" cy="460375"/>
+          </a:xfrm>
+          <a:prstGeom prst="rect">
+            <a:avLst/>
+          </a:prstGeom>
+          <a:noFill/>
+        </p:spPr>
+        <p:txBody>
+          <a:bodyPr wrap="square" rtlCol="0">
+            <a:spAutoFit/>
+          </a:bodyPr>
+          <a:p>
+            <a:pPr algn="ctr"/>
+            <a:r>
+              <a:rPr lang="en-US" altLang="zh-CN" sz="800" b="1">
+                <a:solidFill>
+                  <a:srgbClr val="FF0000"/>
+                </a:solidFill>
+                <a:latin typeface="微软雅黑" panose="020B0503020204020204" charset="-122"/>
+                <a:ea typeface="微软雅黑" panose="020B0503020204020204" charset="-122"/>
+              </a:rPr>
+              <a:t>conv4_1</a:t>
+            </a:r>
+            <a:endParaRPr lang="zh-CN" altLang="en-US" sz="800" b="1">
+              <a:solidFill>
+                <a:srgbClr val="FF0000"/>
+              </a:solidFill>
+              <a:latin typeface="微软雅黑" panose="020B0503020204020204" charset="-122"/>
+              <a:ea typeface="微软雅黑" panose="020B0503020204020204" charset="-122"/>
+            </a:endParaRPr>
+          </a:p>
+          <a:p>
+            <a:pPr algn="ctr"/>
+            <a:r>
+              <a:rPr lang="en-US" altLang="zh-CN" sz="800" b="1">
+                <a:solidFill>
+                  <a:srgbClr val="FF0000"/>
+                </a:solidFill>
+                <a:latin typeface="微软雅黑" panose="020B0503020204020204" charset="-122"/>
+                <a:ea typeface="微软雅黑" panose="020B0503020204020204" charset="-122"/>
+              </a:rPr>
+              <a:t>3x3x512@1</a:t>
+            </a:r>
+            <a:endParaRPr lang="en-US" altLang="zh-CN" sz="800" b="1">
+              <a:solidFill>
+                <a:srgbClr val="FF0000"/>
+              </a:solidFill>
+              <a:latin typeface="微软雅黑" panose="020B0503020204020204" charset="-122"/>
+              <a:ea typeface="微软雅黑" panose="020B0503020204020204" charset="-122"/>
+            </a:endParaRPr>
+          </a:p>
+        </p:txBody>
+      </p:sp>
+      <p:sp>
+        <p:nvSpPr>
+          <p:cNvPr id="37" name="文本框 36"/>
+          <p:cNvSpPr txBox="1"/>
+          <p:nvPr/>
+        </p:nvSpPr>
+        <p:spPr>
+          <a:xfrm>
+            <a:off x="5717540" y="4721860"/>
+            <a:ext cx="685800" cy="460375"/>
+          </a:xfrm>
+          <a:prstGeom prst="rect">
+            <a:avLst/>
+          </a:prstGeom>
+          <a:noFill/>
+        </p:spPr>
+        <p:txBody>
+          <a:bodyPr wrap="square" rtlCol="0">
+            <a:spAutoFit/>
+          </a:bodyPr>
+          <a:p>
+            <a:pPr algn="ctr"/>
+            <a:r>
+              <a:rPr lang="en-US" altLang="zh-CN" sz="800" b="1">
+                <a:solidFill>
+                  <a:srgbClr val="FF0000"/>
+                </a:solidFill>
+                <a:latin typeface="微软雅黑" panose="020B0503020204020204" charset="-122"/>
+                <a:ea typeface="微软雅黑" panose="020B0503020204020204" charset="-122"/>
+              </a:rPr>
+              <a:t>conv4_2</a:t>
+            </a:r>
+            <a:endParaRPr lang="zh-CN" altLang="en-US" sz="800" b="1">
+              <a:solidFill>
+                <a:srgbClr val="FF0000"/>
+              </a:solidFill>
+              <a:latin typeface="微软雅黑" panose="020B0503020204020204" charset="-122"/>
+              <a:ea typeface="微软雅黑" panose="020B0503020204020204" charset="-122"/>
+            </a:endParaRPr>
+          </a:p>
+          <a:p>
+            <a:pPr algn="ctr"/>
+            <a:r>
+              <a:rPr lang="en-US" altLang="zh-CN" sz="800" b="1">
+                <a:solidFill>
+                  <a:srgbClr val="FF0000"/>
+                </a:solidFill>
+                <a:latin typeface="微软雅黑" panose="020B0503020204020204" charset="-122"/>
+                <a:ea typeface="微软雅黑" panose="020B0503020204020204" charset="-122"/>
+              </a:rPr>
+              <a:t>3x3x512@1</a:t>
+            </a:r>
+            <a:endParaRPr lang="en-US" altLang="zh-CN" sz="800" b="1">
+              <a:solidFill>
+                <a:srgbClr val="FF0000"/>
+              </a:solidFill>
+              <a:latin typeface="微软雅黑" panose="020B0503020204020204" charset="-122"/>
+              <a:ea typeface="微软雅黑" panose="020B0503020204020204" charset="-122"/>
+            </a:endParaRPr>
+          </a:p>
+        </p:txBody>
+      </p:sp>
+      <p:sp>
+        <p:nvSpPr>
+          <p:cNvPr id="38" name="文本框 37"/>
+          <p:cNvSpPr txBox="1"/>
+          <p:nvPr/>
+        </p:nvSpPr>
+        <p:spPr>
+          <a:xfrm>
+            <a:off x="6193790" y="4721860"/>
+            <a:ext cx="685800" cy="460375"/>
+          </a:xfrm>
+          <a:prstGeom prst="rect">
+            <a:avLst/>
+          </a:prstGeom>
+          <a:noFill/>
+        </p:spPr>
+        <p:txBody>
+          <a:bodyPr wrap="square" rtlCol="0">
+            <a:spAutoFit/>
+          </a:bodyPr>
+          <a:p>
+            <a:pPr algn="ctr"/>
+            <a:r>
+              <a:rPr lang="en-US" altLang="zh-CN" sz="800" b="1">
+                <a:solidFill>
+                  <a:srgbClr val="FF0000"/>
+                </a:solidFill>
+                <a:latin typeface="微软雅黑" panose="020B0503020204020204" charset="-122"/>
+                <a:ea typeface="微软雅黑" panose="020B0503020204020204" charset="-122"/>
+              </a:rPr>
+              <a:t>conv4_3</a:t>
+            </a:r>
+            <a:endParaRPr lang="zh-CN" altLang="en-US" sz="800" b="1">
+              <a:solidFill>
+                <a:srgbClr val="FF0000"/>
+              </a:solidFill>
+              <a:latin typeface="微软雅黑" panose="020B0503020204020204" charset="-122"/>
+              <a:ea typeface="微软雅黑" panose="020B0503020204020204" charset="-122"/>
+            </a:endParaRPr>
+          </a:p>
+          <a:p>
+            <a:pPr algn="ctr"/>
+            <a:r>
+              <a:rPr lang="en-US" altLang="zh-CN" sz="800" b="1">
+                <a:solidFill>
+                  <a:srgbClr val="FF0000"/>
+                </a:solidFill>
+                <a:latin typeface="微软雅黑" panose="020B0503020204020204" charset="-122"/>
+                <a:ea typeface="微软雅黑" panose="020B0503020204020204" charset="-122"/>
+              </a:rPr>
+              <a:t>3x3x512@1</a:t>
+            </a:r>
+            <a:endParaRPr lang="en-US" altLang="zh-CN" sz="800" b="1">
+              <a:solidFill>
+                <a:srgbClr val="FF0000"/>
+              </a:solidFill>
+              <a:latin typeface="微软雅黑" panose="020B0503020204020204" charset="-122"/>
+              <a:ea typeface="微软雅黑" panose="020B0503020204020204" charset="-122"/>
+            </a:endParaRPr>
+          </a:p>
+        </p:txBody>
+      </p:sp>
+      <p:sp>
+        <p:nvSpPr>
+          <p:cNvPr id="39" name="文本框 38"/>
+          <p:cNvSpPr txBox="1"/>
+          <p:nvPr/>
+        </p:nvSpPr>
+        <p:spPr>
+          <a:xfrm>
+            <a:off x="6202680" y="4305935"/>
+            <a:ext cx="685800" cy="460375"/>
+          </a:xfrm>
+          <a:prstGeom prst="rect">
+            <a:avLst/>
+          </a:prstGeom>
+          <a:noFill/>
+        </p:spPr>
+        <p:txBody>
+          <a:bodyPr wrap="square" rtlCol="0">
+            <a:spAutoFit/>
+          </a:bodyPr>
+          <a:p>
+            <a:pPr algn="ctr"/>
+            <a:r>
+              <a:rPr lang="en-US" altLang="zh-CN" sz="800" b="1">
+                <a:solidFill>
+                  <a:srgbClr val="FF0000"/>
+                </a:solidFill>
+                <a:latin typeface="微软雅黑" panose="020B0503020204020204" charset="-122"/>
+                <a:ea typeface="微软雅黑" panose="020B0503020204020204" charset="-122"/>
+              </a:rPr>
+              <a:t>conv5_1</a:t>
+            </a:r>
+            <a:endParaRPr lang="zh-CN" altLang="en-US" sz="800" b="1">
+              <a:solidFill>
+                <a:srgbClr val="FF0000"/>
+              </a:solidFill>
+              <a:latin typeface="微软雅黑" panose="020B0503020204020204" charset="-122"/>
+              <a:ea typeface="微软雅黑" panose="020B0503020204020204" charset="-122"/>
+            </a:endParaRPr>
+          </a:p>
+          <a:p>
+            <a:pPr algn="ctr"/>
+            <a:r>
+              <a:rPr lang="en-US" altLang="zh-CN" sz="800" b="1">
+                <a:solidFill>
+                  <a:srgbClr val="FF0000"/>
+                </a:solidFill>
+                <a:latin typeface="微软雅黑" panose="020B0503020204020204" charset="-122"/>
+                <a:ea typeface="微软雅黑" panose="020B0503020204020204" charset="-122"/>
+              </a:rPr>
+              <a:t>3x3x512@1</a:t>
+            </a:r>
+            <a:endParaRPr lang="en-US" altLang="zh-CN" sz="800" b="1">
+              <a:solidFill>
+                <a:srgbClr val="FF0000"/>
+              </a:solidFill>
+              <a:latin typeface="微软雅黑" panose="020B0503020204020204" charset="-122"/>
+              <a:ea typeface="微软雅黑" panose="020B0503020204020204" charset="-122"/>
+            </a:endParaRPr>
+          </a:p>
+        </p:txBody>
+      </p:sp>
+      <p:sp>
+        <p:nvSpPr>
+          <p:cNvPr id="40" name="文本框 39"/>
+          <p:cNvSpPr txBox="1"/>
+          <p:nvPr/>
+        </p:nvSpPr>
+        <p:spPr>
+          <a:xfrm>
+            <a:off x="6664960" y="4305935"/>
+            <a:ext cx="685800" cy="460375"/>
+          </a:xfrm>
+          <a:prstGeom prst="rect">
+            <a:avLst/>
+          </a:prstGeom>
+          <a:noFill/>
+        </p:spPr>
+        <p:txBody>
+          <a:bodyPr wrap="square" rtlCol="0">
+            <a:spAutoFit/>
+          </a:bodyPr>
+          <a:p>
+            <a:pPr algn="ctr"/>
+            <a:r>
+              <a:rPr lang="en-US" altLang="zh-CN" sz="800" b="1">
+                <a:solidFill>
+                  <a:srgbClr val="FF0000"/>
+                </a:solidFill>
+                <a:latin typeface="微软雅黑" panose="020B0503020204020204" charset="-122"/>
+                <a:ea typeface="微软雅黑" panose="020B0503020204020204" charset="-122"/>
+              </a:rPr>
+              <a:t>conv5_2</a:t>
+            </a:r>
+            <a:endParaRPr lang="zh-CN" altLang="en-US" sz="800" b="1">
+              <a:solidFill>
+                <a:srgbClr val="FF0000"/>
+              </a:solidFill>
+              <a:latin typeface="微软雅黑" panose="020B0503020204020204" charset="-122"/>
+              <a:ea typeface="微软雅黑" panose="020B0503020204020204" charset="-122"/>
+            </a:endParaRPr>
+          </a:p>
+          <a:p>
+            <a:pPr algn="ctr"/>
+            <a:r>
+              <a:rPr lang="en-US" altLang="zh-CN" sz="800" b="1">
+                <a:solidFill>
+                  <a:srgbClr val="FF0000"/>
+                </a:solidFill>
+                <a:latin typeface="微软雅黑" panose="020B0503020204020204" charset="-122"/>
+                <a:ea typeface="微软雅黑" panose="020B0503020204020204" charset="-122"/>
+              </a:rPr>
+              <a:t>3x3x512@1</a:t>
+            </a:r>
+            <a:endParaRPr lang="en-US" altLang="zh-CN" sz="800" b="1">
+              <a:solidFill>
+                <a:srgbClr val="FF0000"/>
+              </a:solidFill>
+              <a:latin typeface="微软雅黑" panose="020B0503020204020204" charset="-122"/>
+              <a:ea typeface="微软雅黑" panose="020B0503020204020204" charset="-122"/>
+            </a:endParaRPr>
+          </a:p>
+        </p:txBody>
+      </p:sp>
+      <p:sp>
+        <p:nvSpPr>
+          <p:cNvPr id="41" name="文本框 40"/>
+          <p:cNvSpPr txBox="1"/>
+          <p:nvPr/>
+        </p:nvSpPr>
+        <p:spPr>
+          <a:xfrm>
+            <a:off x="7155815" y="4288155"/>
+            <a:ext cx="685800" cy="460375"/>
+          </a:xfrm>
+          <a:prstGeom prst="rect">
+            <a:avLst/>
+          </a:prstGeom>
+          <a:noFill/>
+        </p:spPr>
+        <p:txBody>
+          <a:bodyPr wrap="square" rtlCol="0">
+            <a:spAutoFit/>
+          </a:bodyPr>
+          <a:p>
+            <a:pPr algn="ctr"/>
+            <a:r>
+              <a:rPr lang="en-US" altLang="zh-CN" sz="800" b="1">
+                <a:solidFill>
+                  <a:srgbClr val="FF0000"/>
+                </a:solidFill>
+                <a:latin typeface="微软雅黑" panose="020B0503020204020204" charset="-122"/>
+                <a:ea typeface="微软雅黑" panose="020B0503020204020204" charset="-122"/>
+              </a:rPr>
+              <a:t>conv5_3</a:t>
+            </a:r>
+            <a:endParaRPr lang="zh-CN" altLang="en-US" sz="800" b="1">
+              <a:solidFill>
+                <a:srgbClr val="FF0000"/>
+              </a:solidFill>
+              <a:latin typeface="微软雅黑" panose="020B0503020204020204" charset="-122"/>
+              <a:ea typeface="微软雅黑" panose="020B0503020204020204" charset="-122"/>
+            </a:endParaRPr>
+          </a:p>
+          <a:p>
+            <a:pPr algn="ctr"/>
+            <a:r>
+              <a:rPr lang="en-US" altLang="zh-CN" sz="800" b="1">
+                <a:solidFill>
+                  <a:srgbClr val="FF0000"/>
+                </a:solidFill>
+                <a:latin typeface="微软雅黑" panose="020B0503020204020204" charset="-122"/>
+                <a:ea typeface="微软雅黑" panose="020B0503020204020204" charset="-122"/>
+              </a:rPr>
+              <a:t>3x3x512@1</a:t>
+            </a:r>
+            <a:endParaRPr lang="en-US" altLang="zh-CN" sz="800" b="1">
+              <a:solidFill>
+                <a:srgbClr val="FF0000"/>
+              </a:solidFill>
+              <a:latin typeface="微软雅黑" panose="020B0503020204020204" charset="-122"/>
+              <a:ea typeface="微软雅黑" panose="020B0503020204020204" charset="-122"/>
+            </a:endParaRPr>
+          </a:p>
+        </p:txBody>
+      </p:sp>
+      <p:sp>
+        <p:nvSpPr>
+          <p:cNvPr id="42" name="文本框 41"/>
+          <p:cNvSpPr txBox="1"/>
+          <p:nvPr/>
+        </p:nvSpPr>
+        <p:spPr>
+          <a:xfrm>
+            <a:off x="2279015" y="4554855"/>
+            <a:ext cx="685800" cy="553085"/>
+          </a:xfrm>
+          <a:prstGeom prst="rect">
+            <a:avLst/>
+          </a:prstGeom>
+          <a:noFill/>
+        </p:spPr>
+        <p:txBody>
+          <a:bodyPr wrap="square" rtlCol="0">
+            <a:spAutoFit/>
+          </a:bodyPr>
+          <a:p>
+            <a:pPr algn="ctr"/>
+            <a:r>
+              <a:rPr lang="en-US" altLang="zh-CN" sz="1000" b="1">
+                <a:solidFill>
+                  <a:schemeClr val="accent6">
+                    <a:lumMod val="75000"/>
+                  </a:schemeClr>
+                </a:solidFill>
+                <a:latin typeface="微软雅黑" panose="020B0503020204020204" charset="-122"/>
+                <a:ea typeface="微软雅黑" panose="020B0503020204020204" charset="-122"/>
+              </a:rPr>
+              <a:t>max pooling</a:t>
+            </a:r>
+            <a:endParaRPr lang="zh-CN" altLang="en-US" sz="1000" b="1">
+              <a:solidFill>
+                <a:schemeClr val="accent6">
+                  <a:lumMod val="75000"/>
+                </a:schemeClr>
+              </a:solidFill>
+              <a:latin typeface="微软雅黑" panose="020B0503020204020204" charset="-122"/>
+              <a:ea typeface="微软雅黑" panose="020B0503020204020204" charset="-122"/>
+            </a:endParaRPr>
+          </a:p>
+          <a:p>
+            <a:pPr algn="ctr"/>
+            <a:r>
+              <a:rPr lang="en-US" altLang="zh-CN" sz="1000" b="1">
+                <a:solidFill>
+                  <a:schemeClr val="accent6">
+                    <a:lumMod val="75000"/>
+                  </a:schemeClr>
+                </a:solidFill>
+                <a:latin typeface="微软雅黑" panose="020B0503020204020204" charset="-122"/>
+                <a:ea typeface="微软雅黑" panose="020B0503020204020204" charset="-122"/>
+              </a:rPr>
+              <a:t>2x2@2</a:t>
+            </a:r>
+            <a:endParaRPr lang="en-US" altLang="zh-CN" sz="1000" b="1">
+              <a:solidFill>
+                <a:schemeClr val="accent6">
+                  <a:lumMod val="75000"/>
+                </a:schemeClr>
+              </a:solidFill>
+              <a:latin typeface="微软雅黑" panose="020B0503020204020204" charset="-122"/>
+              <a:ea typeface="微软雅黑" panose="020B0503020204020204" charset="-122"/>
+            </a:endParaRPr>
+          </a:p>
+        </p:txBody>
+      </p:sp>
+      <p:sp>
+        <p:nvSpPr>
+          <p:cNvPr id="43" name="文本框 42"/>
+          <p:cNvSpPr txBox="1"/>
+          <p:nvPr/>
+        </p:nvSpPr>
+        <p:spPr>
+          <a:xfrm>
+            <a:off x="3945890" y="4554855"/>
+            <a:ext cx="685800" cy="506730"/>
+          </a:xfrm>
+          <a:prstGeom prst="rect">
+            <a:avLst/>
+          </a:prstGeom>
+          <a:noFill/>
+        </p:spPr>
+        <p:txBody>
+          <a:bodyPr wrap="square" rtlCol="0">
+            <a:spAutoFit/>
+          </a:bodyPr>
+          <a:p>
+            <a:pPr algn="ctr"/>
+            <a:r>
+              <a:rPr lang="en-US" altLang="zh-CN" sz="900" b="1">
+                <a:solidFill>
+                  <a:schemeClr val="accent6">
+                    <a:lumMod val="75000"/>
+                  </a:schemeClr>
+                </a:solidFill>
+                <a:latin typeface="微软雅黑" panose="020B0503020204020204" charset="-122"/>
+                <a:ea typeface="微软雅黑" panose="020B0503020204020204" charset="-122"/>
+              </a:rPr>
+              <a:t>max pooling</a:t>
+            </a:r>
+            <a:endParaRPr lang="zh-CN" altLang="en-US" sz="900" b="1">
+              <a:solidFill>
+                <a:schemeClr val="accent6">
+                  <a:lumMod val="75000"/>
+                </a:schemeClr>
+              </a:solidFill>
+              <a:latin typeface="微软雅黑" panose="020B0503020204020204" charset="-122"/>
+              <a:ea typeface="微软雅黑" panose="020B0503020204020204" charset="-122"/>
+            </a:endParaRPr>
+          </a:p>
+          <a:p>
+            <a:pPr algn="ctr"/>
+            <a:r>
+              <a:rPr lang="en-US" altLang="zh-CN" sz="900" b="1">
+                <a:solidFill>
+                  <a:schemeClr val="accent6">
+                    <a:lumMod val="75000"/>
+                  </a:schemeClr>
+                </a:solidFill>
+                <a:latin typeface="微软雅黑" panose="020B0503020204020204" charset="-122"/>
+                <a:ea typeface="微软雅黑" panose="020B0503020204020204" charset="-122"/>
+              </a:rPr>
+              <a:t>2x2@2</a:t>
+            </a:r>
+            <a:endParaRPr lang="en-US" altLang="zh-CN" sz="900" b="1">
+              <a:solidFill>
+                <a:schemeClr val="accent6">
+                  <a:lumMod val="75000"/>
+                </a:schemeClr>
+              </a:solidFill>
+              <a:latin typeface="微软雅黑" panose="020B0503020204020204" charset="-122"/>
+              <a:ea typeface="微软雅黑" panose="020B0503020204020204" charset="-122"/>
+            </a:endParaRPr>
+          </a:p>
+        </p:txBody>
+      </p:sp>
+      <p:sp>
+        <p:nvSpPr>
+          <p:cNvPr id="44" name="文本框 43"/>
+          <p:cNvSpPr txBox="1"/>
+          <p:nvPr/>
+        </p:nvSpPr>
+        <p:spPr>
+          <a:xfrm>
+            <a:off x="5554980" y="5123815"/>
+            <a:ext cx="685800" cy="460375"/>
+          </a:xfrm>
+          <a:prstGeom prst="rect">
+            <a:avLst/>
+          </a:prstGeom>
+          <a:noFill/>
+        </p:spPr>
+        <p:txBody>
+          <a:bodyPr wrap="square" rtlCol="0">
+            <a:spAutoFit/>
+          </a:bodyPr>
+          <a:p>
+            <a:pPr algn="ctr"/>
+            <a:r>
+              <a:rPr lang="en-US" altLang="zh-CN" sz="800" b="1">
+                <a:solidFill>
+                  <a:schemeClr val="accent6">
+                    <a:lumMod val="75000"/>
+                  </a:schemeClr>
+                </a:solidFill>
+                <a:latin typeface="微软雅黑" panose="020B0503020204020204" charset="-122"/>
+                <a:ea typeface="微软雅黑" panose="020B0503020204020204" charset="-122"/>
+              </a:rPr>
+              <a:t>max pooling</a:t>
+            </a:r>
+            <a:endParaRPr lang="zh-CN" altLang="en-US" sz="800" b="1">
+              <a:solidFill>
+                <a:schemeClr val="accent6">
+                  <a:lumMod val="75000"/>
+                </a:schemeClr>
+              </a:solidFill>
+              <a:latin typeface="微软雅黑" panose="020B0503020204020204" charset="-122"/>
+              <a:ea typeface="微软雅黑" panose="020B0503020204020204" charset="-122"/>
+            </a:endParaRPr>
+          </a:p>
+          <a:p>
+            <a:pPr algn="ctr"/>
+            <a:r>
+              <a:rPr lang="en-US" altLang="zh-CN" sz="800" b="1">
+                <a:solidFill>
+                  <a:schemeClr val="accent6">
+                    <a:lumMod val="75000"/>
+                  </a:schemeClr>
+                </a:solidFill>
+                <a:latin typeface="微软雅黑" panose="020B0503020204020204" charset="-122"/>
+                <a:ea typeface="微软雅黑" panose="020B0503020204020204" charset="-122"/>
+              </a:rPr>
+              <a:t>2x2@2</a:t>
+            </a:r>
+            <a:endParaRPr lang="en-US" altLang="zh-CN" sz="800" b="1">
+              <a:solidFill>
+                <a:schemeClr val="accent6">
+                  <a:lumMod val="75000"/>
+                </a:schemeClr>
+              </a:solidFill>
+              <a:latin typeface="微软雅黑" panose="020B0503020204020204" charset="-122"/>
+              <a:ea typeface="微软雅黑" panose="020B0503020204020204" charset="-122"/>
+            </a:endParaRPr>
+          </a:p>
+        </p:txBody>
+      </p:sp>
+      <p:sp>
+        <p:nvSpPr>
+          <p:cNvPr id="45" name="文本框 44"/>
+          <p:cNvSpPr txBox="1"/>
+          <p:nvPr/>
+        </p:nvSpPr>
+        <p:spPr>
+          <a:xfrm>
+            <a:off x="6625590" y="4707890"/>
+            <a:ext cx="685800" cy="460375"/>
+          </a:xfrm>
+          <a:prstGeom prst="rect">
+            <a:avLst/>
+          </a:prstGeom>
+          <a:noFill/>
+        </p:spPr>
+        <p:txBody>
+          <a:bodyPr wrap="square" rtlCol="0">
+            <a:spAutoFit/>
+          </a:bodyPr>
+          <a:p>
+            <a:pPr algn="ctr"/>
+            <a:r>
+              <a:rPr lang="en-US" altLang="zh-CN" sz="800" b="1">
+                <a:solidFill>
+                  <a:schemeClr val="accent6">
+                    <a:lumMod val="75000"/>
+                  </a:schemeClr>
+                </a:solidFill>
+                <a:latin typeface="微软雅黑" panose="020B0503020204020204" charset="-122"/>
+                <a:ea typeface="微软雅黑" panose="020B0503020204020204" charset="-122"/>
+              </a:rPr>
+              <a:t>max pooling</a:t>
+            </a:r>
+            <a:endParaRPr lang="zh-CN" altLang="en-US" sz="800" b="1">
+              <a:solidFill>
+                <a:schemeClr val="accent6">
+                  <a:lumMod val="75000"/>
+                </a:schemeClr>
+              </a:solidFill>
+              <a:latin typeface="微软雅黑" panose="020B0503020204020204" charset="-122"/>
+              <a:ea typeface="微软雅黑" panose="020B0503020204020204" charset="-122"/>
+            </a:endParaRPr>
+          </a:p>
+          <a:p>
+            <a:pPr algn="ctr"/>
+            <a:r>
+              <a:rPr lang="en-US" altLang="zh-CN" sz="800" b="1">
+                <a:solidFill>
+                  <a:schemeClr val="accent6">
+                    <a:lumMod val="75000"/>
+                  </a:schemeClr>
+                </a:solidFill>
+                <a:latin typeface="微软雅黑" panose="020B0503020204020204" charset="-122"/>
+                <a:ea typeface="微软雅黑" panose="020B0503020204020204" charset="-122"/>
+              </a:rPr>
+              <a:t>2x2@2</a:t>
+            </a:r>
+            <a:endParaRPr lang="en-US" altLang="zh-CN" sz="800" b="1">
+              <a:solidFill>
+                <a:schemeClr val="accent6">
+                  <a:lumMod val="75000"/>
+                </a:schemeClr>
+              </a:solidFill>
+              <a:latin typeface="微软雅黑" panose="020B0503020204020204" charset="-122"/>
+              <a:ea typeface="微软雅黑" panose="020B0503020204020204" charset="-122"/>
+            </a:endParaRPr>
+          </a:p>
+        </p:txBody>
+      </p:sp>
+      <p:sp>
+        <p:nvSpPr>
+          <p:cNvPr id="46" name="文本框 45"/>
+          <p:cNvSpPr txBox="1"/>
+          <p:nvPr/>
+        </p:nvSpPr>
+        <p:spPr>
+          <a:xfrm>
+            <a:off x="7605395" y="4276725"/>
+            <a:ext cx="685800" cy="460375"/>
+          </a:xfrm>
+          <a:prstGeom prst="rect">
+            <a:avLst/>
+          </a:prstGeom>
+          <a:noFill/>
+        </p:spPr>
+        <p:txBody>
+          <a:bodyPr wrap="square" rtlCol="0">
+            <a:spAutoFit/>
+          </a:bodyPr>
+          <a:p>
+            <a:pPr algn="ctr"/>
+            <a:r>
+              <a:rPr lang="en-US" altLang="zh-CN" sz="800" b="1">
+                <a:solidFill>
+                  <a:schemeClr val="accent6">
+                    <a:lumMod val="75000"/>
+                  </a:schemeClr>
+                </a:solidFill>
+                <a:latin typeface="微软雅黑" panose="020B0503020204020204" charset="-122"/>
+                <a:ea typeface="微软雅黑" panose="020B0503020204020204" charset="-122"/>
+              </a:rPr>
+              <a:t>max pooling</a:t>
+            </a:r>
+            <a:endParaRPr lang="zh-CN" altLang="en-US" sz="800" b="1">
+              <a:solidFill>
+                <a:schemeClr val="accent6">
+                  <a:lumMod val="75000"/>
+                </a:schemeClr>
+              </a:solidFill>
+              <a:latin typeface="微软雅黑" panose="020B0503020204020204" charset="-122"/>
+              <a:ea typeface="微软雅黑" panose="020B0503020204020204" charset="-122"/>
+            </a:endParaRPr>
+          </a:p>
+          <a:p>
+            <a:pPr algn="ctr"/>
+            <a:r>
+              <a:rPr lang="en-US" altLang="zh-CN" sz="800" b="1">
+                <a:solidFill>
+                  <a:schemeClr val="accent6">
+                    <a:lumMod val="75000"/>
+                  </a:schemeClr>
+                </a:solidFill>
+                <a:latin typeface="微软雅黑" panose="020B0503020204020204" charset="-122"/>
+                <a:ea typeface="微软雅黑" panose="020B0503020204020204" charset="-122"/>
+              </a:rPr>
+              <a:t>2x2@2</a:t>
+            </a:r>
+            <a:endParaRPr lang="en-US" altLang="zh-CN" sz="800" b="1">
+              <a:solidFill>
+                <a:schemeClr val="accent6">
+                  <a:lumMod val="75000"/>
+                </a:schemeClr>
+              </a:solidFill>
+              <a:latin typeface="微软雅黑" panose="020B0503020204020204" charset="-122"/>
+              <a:ea typeface="微软雅黑" panose="020B0503020204020204" charset="-122"/>
+            </a:endParaRPr>
+          </a:p>
+        </p:txBody>
+      </p:sp>
+      <p:sp>
+        <p:nvSpPr>
+          <p:cNvPr id="47" name="文本框 46"/>
+          <p:cNvSpPr txBox="1"/>
+          <p:nvPr/>
+        </p:nvSpPr>
+        <p:spPr>
+          <a:xfrm>
+            <a:off x="1405255" y="1923415"/>
+            <a:ext cx="1395095" cy="460375"/>
+          </a:xfrm>
+          <a:prstGeom prst="rect">
+            <a:avLst/>
+          </a:prstGeom>
+          <a:noFill/>
+        </p:spPr>
+        <p:txBody>
+          <a:bodyPr wrap="square" rtlCol="0">
+            <a:spAutoFit/>
+          </a:bodyPr>
+          <a:p>
+            <a:pPr algn="ctr"/>
+            <a:r>
+              <a:rPr lang="en-US" altLang="zh-CN" sz="1200">
+                <a:solidFill>
+                  <a:srgbClr val="C00000"/>
+                </a:solidFill>
+                <a:latin typeface="微软雅黑" panose="020B0503020204020204" charset="-122"/>
+                <a:ea typeface="微软雅黑" panose="020B0503020204020204" charset="-122"/>
+              </a:rPr>
+              <a:t>conv1</a:t>
+            </a:r>
+            <a:r>
+              <a:rPr lang="zh-CN" altLang="en-US" sz="1200">
+                <a:solidFill>
+                  <a:srgbClr val="C00000"/>
+                </a:solidFill>
+                <a:latin typeface="微软雅黑" panose="020B0503020204020204" charset="-122"/>
+                <a:ea typeface="微软雅黑" panose="020B0503020204020204" charset="-122"/>
+              </a:rPr>
+              <a:t>特征图</a:t>
+            </a:r>
+            <a:endParaRPr lang="zh-CN" altLang="en-US" sz="1200">
+              <a:solidFill>
+                <a:srgbClr val="C00000"/>
+              </a:solidFill>
+              <a:latin typeface="微软雅黑" panose="020B0503020204020204" charset="-122"/>
+              <a:ea typeface="微软雅黑" panose="020B0503020204020204" charset="-122"/>
+            </a:endParaRPr>
+          </a:p>
+          <a:p>
+            <a:pPr algn="ctr"/>
+            <a:r>
+              <a:rPr lang="en-US" altLang="zh-CN" sz="1200">
+                <a:solidFill>
+                  <a:srgbClr val="C00000"/>
+                </a:solidFill>
+                <a:latin typeface="微软雅黑" panose="020B0503020204020204" charset="-122"/>
+                <a:ea typeface="微软雅黑" panose="020B0503020204020204" charset="-122"/>
+              </a:rPr>
+              <a:t>224x224x64</a:t>
+            </a:r>
+            <a:endParaRPr lang="en-US" altLang="zh-CN" sz="1200">
+              <a:solidFill>
+                <a:srgbClr val="C00000"/>
+              </a:solidFill>
+              <a:latin typeface="微软雅黑" panose="020B0503020204020204" charset="-122"/>
+              <a:ea typeface="微软雅黑" panose="020B0503020204020204" charset="-122"/>
+            </a:endParaRPr>
+          </a:p>
+        </p:txBody>
+      </p:sp>
+      <p:sp>
+        <p:nvSpPr>
+          <p:cNvPr id="48" name="文本框 47"/>
+          <p:cNvSpPr txBox="1"/>
+          <p:nvPr/>
+        </p:nvSpPr>
+        <p:spPr>
+          <a:xfrm>
+            <a:off x="2728595" y="1923415"/>
+            <a:ext cx="1395095" cy="645160"/>
+          </a:xfrm>
+          <a:prstGeom prst="rect">
+            <a:avLst/>
+          </a:prstGeom>
+          <a:noFill/>
+        </p:spPr>
+        <p:txBody>
+          <a:bodyPr wrap="square" rtlCol="0">
+            <a:spAutoFit/>
+          </a:bodyPr>
+          <a:p>
+            <a:pPr algn="ctr"/>
+            <a:r>
+              <a:rPr lang="en-US" altLang="zh-CN" sz="1200">
+                <a:solidFill>
+                  <a:schemeClr val="accent6">
+                    <a:lumMod val="75000"/>
+                  </a:schemeClr>
+                </a:solidFill>
+                <a:latin typeface="微软雅黑" panose="020B0503020204020204" charset="-122"/>
+                <a:ea typeface="微软雅黑" panose="020B0503020204020204" charset="-122"/>
+              </a:rPr>
+              <a:t>max pool 1</a:t>
+            </a:r>
+            <a:endParaRPr lang="en-US" altLang="zh-CN" sz="1200">
+              <a:solidFill>
+                <a:schemeClr val="accent6">
+                  <a:lumMod val="75000"/>
+                </a:schemeClr>
+              </a:solidFill>
+              <a:latin typeface="微软雅黑" panose="020B0503020204020204" charset="-122"/>
+              <a:ea typeface="微软雅黑" panose="020B0503020204020204" charset="-122"/>
+            </a:endParaRPr>
+          </a:p>
+          <a:p>
+            <a:pPr algn="ctr"/>
+            <a:r>
+              <a:rPr lang="zh-CN" altLang="en-US" sz="1200">
+                <a:solidFill>
+                  <a:schemeClr val="accent6">
+                    <a:lumMod val="75000"/>
+                  </a:schemeClr>
+                </a:solidFill>
+                <a:latin typeface="微软雅黑" panose="020B0503020204020204" charset="-122"/>
+                <a:ea typeface="微软雅黑" panose="020B0503020204020204" charset="-122"/>
+              </a:rPr>
+              <a:t>特征图</a:t>
+            </a:r>
+            <a:endParaRPr lang="zh-CN" altLang="en-US" sz="1200">
+              <a:solidFill>
+                <a:schemeClr val="accent6">
+                  <a:lumMod val="75000"/>
+                </a:schemeClr>
+              </a:solidFill>
+              <a:latin typeface="微软雅黑" panose="020B0503020204020204" charset="-122"/>
+              <a:ea typeface="微软雅黑" panose="020B0503020204020204" charset="-122"/>
+            </a:endParaRPr>
+          </a:p>
+          <a:p>
+            <a:pPr algn="ctr"/>
+            <a:r>
+              <a:rPr lang="en-US" altLang="zh-CN" sz="1200">
+                <a:solidFill>
+                  <a:schemeClr val="accent6">
+                    <a:lumMod val="75000"/>
+                  </a:schemeClr>
+                </a:solidFill>
+                <a:latin typeface="微软雅黑" panose="020B0503020204020204" charset="-122"/>
+                <a:ea typeface="微软雅黑" panose="020B0503020204020204" charset="-122"/>
+              </a:rPr>
+              <a:t>112x112x64</a:t>
+            </a:r>
+            <a:endParaRPr lang="en-US" altLang="zh-CN" sz="1200">
+              <a:solidFill>
+                <a:schemeClr val="accent6">
+                  <a:lumMod val="75000"/>
+                </a:schemeClr>
+              </a:solidFill>
+              <a:latin typeface="微软雅黑" panose="020B0503020204020204" charset="-122"/>
+              <a:ea typeface="微软雅黑" panose="020B0503020204020204" charset="-122"/>
+            </a:endParaRPr>
+          </a:p>
+        </p:txBody>
+      </p:sp>
+      <p:sp>
+        <p:nvSpPr>
+          <p:cNvPr id="49" name="文本框 48"/>
+          <p:cNvSpPr txBox="1"/>
+          <p:nvPr/>
+        </p:nvSpPr>
+        <p:spPr>
+          <a:xfrm>
+            <a:off x="3981450" y="1923415"/>
+            <a:ext cx="1395095" cy="460375"/>
+          </a:xfrm>
+          <a:prstGeom prst="rect">
+            <a:avLst/>
+          </a:prstGeom>
+          <a:noFill/>
+        </p:spPr>
+        <p:txBody>
+          <a:bodyPr wrap="square" rtlCol="0">
+            <a:spAutoFit/>
+          </a:bodyPr>
+          <a:p>
+            <a:pPr algn="ctr"/>
+            <a:r>
+              <a:rPr lang="en-US" altLang="zh-CN" sz="1200">
+                <a:solidFill>
+                  <a:srgbClr val="C00000"/>
+                </a:solidFill>
+                <a:latin typeface="微软雅黑" panose="020B0503020204020204" charset="-122"/>
+                <a:ea typeface="微软雅黑" panose="020B0503020204020204" charset="-122"/>
+              </a:rPr>
+              <a:t>conv2</a:t>
+            </a:r>
+            <a:r>
+              <a:rPr lang="zh-CN" altLang="en-US" sz="1200">
+                <a:solidFill>
+                  <a:srgbClr val="C00000"/>
+                </a:solidFill>
+                <a:latin typeface="微软雅黑" panose="020B0503020204020204" charset="-122"/>
+                <a:ea typeface="微软雅黑" panose="020B0503020204020204" charset="-122"/>
+              </a:rPr>
+              <a:t>特征图</a:t>
+            </a:r>
+            <a:endParaRPr lang="zh-CN" altLang="en-US" sz="1200">
+              <a:solidFill>
+                <a:srgbClr val="C00000"/>
+              </a:solidFill>
+              <a:latin typeface="微软雅黑" panose="020B0503020204020204" charset="-122"/>
+              <a:ea typeface="微软雅黑" panose="020B0503020204020204" charset="-122"/>
+            </a:endParaRPr>
+          </a:p>
+          <a:p>
+            <a:pPr algn="ctr"/>
+            <a:r>
+              <a:rPr lang="en-US" altLang="zh-CN" sz="1200">
+                <a:solidFill>
+                  <a:srgbClr val="C00000"/>
+                </a:solidFill>
+                <a:latin typeface="微软雅黑" panose="020B0503020204020204" charset="-122"/>
+                <a:ea typeface="微软雅黑" panose="020B0503020204020204" charset="-122"/>
+              </a:rPr>
+              <a:t>112x112x128</a:t>
+            </a:r>
+            <a:endParaRPr lang="en-US" altLang="zh-CN" sz="1200">
+              <a:solidFill>
+                <a:srgbClr val="C00000"/>
+              </a:solidFill>
+              <a:latin typeface="微软雅黑" panose="020B0503020204020204" charset="-122"/>
+              <a:ea typeface="微软雅黑" panose="020B0503020204020204" charset="-122"/>
+            </a:endParaRPr>
+          </a:p>
+        </p:txBody>
+      </p:sp>
+      <p:sp>
+        <p:nvSpPr>
+          <p:cNvPr id="50" name="文本框 49"/>
+          <p:cNvSpPr txBox="1"/>
+          <p:nvPr/>
+        </p:nvSpPr>
+        <p:spPr>
+          <a:xfrm>
+            <a:off x="5008245" y="1923415"/>
+            <a:ext cx="1395095" cy="645160"/>
+          </a:xfrm>
+          <a:prstGeom prst="rect">
+            <a:avLst/>
+          </a:prstGeom>
+          <a:noFill/>
+        </p:spPr>
+        <p:txBody>
+          <a:bodyPr wrap="square" rtlCol="0">
+            <a:spAutoFit/>
+          </a:bodyPr>
+          <a:p>
+            <a:pPr algn="ctr"/>
+            <a:r>
+              <a:rPr lang="en-US" altLang="zh-CN" sz="1200">
+                <a:solidFill>
+                  <a:schemeClr val="accent6">
+                    <a:lumMod val="75000"/>
+                  </a:schemeClr>
+                </a:solidFill>
+                <a:latin typeface="微软雅黑" panose="020B0503020204020204" charset="-122"/>
+                <a:ea typeface="微软雅黑" panose="020B0503020204020204" charset="-122"/>
+              </a:rPr>
+              <a:t>max pool 2</a:t>
+            </a:r>
+            <a:endParaRPr lang="en-US" altLang="zh-CN" sz="1200">
+              <a:solidFill>
+                <a:schemeClr val="accent6">
+                  <a:lumMod val="75000"/>
+                </a:schemeClr>
+              </a:solidFill>
+              <a:latin typeface="微软雅黑" panose="020B0503020204020204" charset="-122"/>
+              <a:ea typeface="微软雅黑" panose="020B0503020204020204" charset="-122"/>
+            </a:endParaRPr>
+          </a:p>
+          <a:p>
+            <a:pPr algn="ctr"/>
+            <a:r>
+              <a:rPr lang="zh-CN" altLang="en-US" sz="1200">
+                <a:solidFill>
+                  <a:schemeClr val="accent6">
+                    <a:lumMod val="75000"/>
+                  </a:schemeClr>
+                </a:solidFill>
+                <a:latin typeface="微软雅黑" panose="020B0503020204020204" charset="-122"/>
+                <a:ea typeface="微软雅黑" panose="020B0503020204020204" charset="-122"/>
+              </a:rPr>
+              <a:t>特征图</a:t>
+            </a:r>
+            <a:endParaRPr lang="zh-CN" altLang="en-US" sz="1200">
+              <a:solidFill>
+                <a:schemeClr val="accent6">
+                  <a:lumMod val="75000"/>
+                </a:schemeClr>
+              </a:solidFill>
+              <a:latin typeface="微软雅黑" panose="020B0503020204020204" charset="-122"/>
+              <a:ea typeface="微软雅黑" panose="020B0503020204020204" charset="-122"/>
+            </a:endParaRPr>
+          </a:p>
+          <a:p>
+            <a:pPr algn="ctr"/>
+            <a:r>
+              <a:rPr lang="en-US" altLang="zh-CN" sz="1200">
+                <a:solidFill>
+                  <a:schemeClr val="accent6">
+                    <a:lumMod val="75000"/>
+                  </a:schemeClr>
+                </a:solidFill>
+                <a:latin typeface="微软雅黑" panose="020B0503020204020204" charset="-122"/>
+                <a:ea typeface="微软雅黑" panose="020B0503020204020204" charset="-122"/>
+              </a:rPr>
+              <a:t>56x56x128</a:t>
+            </a:r>
+            <a:endParaRPr lang="en-US" altLang="zh-CN" sz="1200">
+              <a:solidFill>
+                <a:schemeClr val="accent6">
+                  <a:lumMod val="75000"/>
+                </a:schemeClr>
+              </a:solidFill>
+              <a:latin typeface="微软雅黑" panose="020B0503020204020204" charset="-122"/>
+              <a:ea typeface="微软雅黑" panose="020B0503020204020204" charset="-122"/>
+            </a:endParaRPr>
+          </a:p>
+        </p:txBody>
+      </p:sp>
+      <p:sp>
+        <p:nvSpPr>
+          <p:cNvPr id="51" name="文本框 50"/>
+          <p:cNvSpPr txBox="1"/>
+          <p:nvPr/>
+        </p:nvSpPr>
+        <p:spPr>
+          <a:xfrm>
+            <a:off x="7517765" y="4152265"/>
+            <a:ext cx="685800" cy="213995"/>
+          </a:xfrm>
+          <a:prstGeom prst="rect">
+            <a:avLst/>
+          </a:prstGeom>
+          <a:noFill/>
+        </p:spPr>
+        <p:txBody>
+          <a:bodyPr wrap="square" rtlCol="0">
+            <a:spAutoFit/>
+          </a:bodyPr>
+          <a:p>
+            <a:pPr algn="ctr"/>
+            <a:r>
+              <a:rPr lang="en-US" sz="800" b="1">
+                <a:solidFill>
+                  <a:schemeClr val="tx1">
+                    <a:lumMod val="50000"/>
+                    <a:lumOff val="50000"/>
+                  </a:schemeClr>
+                </a:solidFill>
+                <a:latin typeface="微软雅黑" panose="020B0503020204020204" charset="-122"/>
+                <a:ea typeface="微软雅黑" panose="020B0503020204020204" charset="-122"/>
+              </a:rPr>
+              <a:t>FC 4096</a:t>
+            </a:r>
+            <a:endParaRPr lang="en-US" sz="800" b="1">
+              <a:solidFill>
+                <a:schemeClr val="tx1">
+                  <a:lumMod val="50000"/>
+                  <a:lumOff val="50000"/>
+                </a:schemeClr>
+              </a:solidFill>
+              <a:latin typeface="微软雅黑" panose="020B0503020204020204" charset="-122"/>
+              <a:ea typeface="微软雅黑" panose="020B0503020204020204" charset="-122"/>
+            </a:endParaRPr>
+          </a:p>
+        </p:txBody>
+      </p:sp>
+      <p:sp>
+        <p:nvSpPr>
+          <p:cNvPr id="53" name="文本框 52"/>
+          <p:cNvSpPr txBox="1"/>
+          <p:nvPr/>
+        </p:nvSpPr>
+        <p:spPr>
+          <a:xfrm>
+            <a:off x="7990205" y="4152265"/>
+            <a:ext cx="685800" cy="213995"/>
+          </a:xfrm>
+          <a:prstGeom prst="rect">
+            <a:avLst/>
+          </a:prstGeom>
+          <a:noFill/>
+        </p:spPr>
+        <p:txBody>
+          <a:bodyPr wrap="square" rtlCol="0">
+            <a:spAutoFit/>
+          </a:bodyPr>
+          <a:p>
+            <a:pPr algn="ctr"/>
+            <a:r>
+              <a:rPr lang="en-US" sz="800" b="1">
+                <a:solidFill>
+                  <a:schemeClr val="tx1">
+                    <a:lumMod val="50000"/>
+                    <a:lumOff val="50000"/>
+                  </a:schemeClr>
+                </a:solidFill>
+                <a:latin typeface="微软雅黑" panose="020B0503020204020204" charset="-122"/>
+                <a:ea typeface="微软雅黑" panose="020B0503020204020204" charset="-122"/>
+              </a:rPr>
+              <a:t>FC 4096</a:t>
+            </a:r>
+            <a:endParaRPr lang="en-US" sz="800" b="1">
+              <a:solidFill>
+                <a:schemeClr val="tx1">
+                  <a:lumMod val="50000"/>
+                  <a:lumOff val="50000"/>
+                </a:schemeClr>
+              </a:solidFill>
+              <a:latin typeface="微软雅黑" panose="020B0503020204020204" charset="-122"/>
+              <a:ea typeface="微软雅黑" panose="020B0503020204020204" charset="-122"/>
+            </a:endParaRPr>
+          </a:p>
+        </p:txBody>
+      </p:sp>
+      <p:sp>
+        <p:nvSpPr>
+          <p:cNvPr id="54" name="文本框 53"/>
+          <p:cNvSpPr txBox="1"/>
+          <p:nvPr/>
+        </p:nvSpPr>
+        <p:spPr>
+          <a:xfrm>
+            <a:off x="8456930" y="4151630"/>
+            <a:ext cx="685800" cy="213995"/>
+          </a:xfrm>
+          <a:prstGeom prst="rect">
+            <a:avLst/>
+          </a:prstGeom>
+          <a:noFill/>
+        </p:spPr>
+        <p:txBody>
+          <a:bodyPr wrap="square" rtlCol="0">
+            <a:spAutoFit/>
+          </a:bodyPr>
+          <a:p>
+            <a:pPr algn="ctr"/>
+            <a:r>
+              <a:rPr lang="en-US" sz="800" b="1">
+                <a:solidFill>
+                  <a:schemeClr val="tx1">
+                    <a:lumMod val="50000"/>
+                    <a:lumOff val="50000"/>
+                  </a:schemeClr>
+                </a:solidFill>
+                <a:latin typeface="微软雅黑" panose="020B0503020204020204" charset="-122"/>
+                <a:ea typeface="微软雅黑" panose="020B0503020204020204" charset="-122"/>
+              </a:rPr>
+              <a:t>FC 1000</a:t>
+            </a:r>
+            <a:endParaRPr lang="en-US" sz="800" b="1">
+              <a:solidFill>
+                <a:schemeClr val="tx1">
+                  <a:lumMod val="50000"/>
+                  <a:lumOff val="50000"/>
+                </a:schemeClr>
+              </a:solidFill>
+              <a:latin typeface="微软雅黑" panose="020B0503020204020204" charset="-122"/>
+              <a:ea typeface="微软雅黑" panose="020B0503020204020204" charset="-122"/>
+            </a:endParaRPr>
+          </a:p>
+        </p:txBody>
+      </p:sp>
+      <p:sp>
+        <p:nvSpPr>
+          <p:cNvPr id="55" name="文本框 54"/>
+          <p:cNvSpPr txBox="1"/>
+          <p:nvPr/>
+        </p:nvSpPr>
+        <p:spPr>
+          <a:xfrm>
+            <a:off x="5974080" y="1680210"/>
+            <a:ext cx="1395095" cy="460375"/>
+          </a:xfrm>
+          <a:prstGeom prst="rect">
+            <a:avLst/>
+          </a:prstGeom>
+          <a:noFill/>
+        </p:spPr>
+        <p:txBody>
+          <a:bodyPr wrap="square" rtlCol="0">
+            <a:spAutoFit/>
+          </a:bodyPr>
+          <a:p>
+            <a:pPr algn="ctr"/>
+            <a:r>
+              <a:rPr lang="en-US" altLang="zh-CN" sz="1200">
+                <a:solidFill>
+                  <a:srgbClr val="C00000"/>
+                </a:solidFill>
+                <a:latin typeface="微软雅黑" panose="020B0503020204020204" charset="-122"/>
+                <a:ea typeface="微软雅黑" panose="020B0503020204020204" charset="-122"/>
+              </a:rPr>
+              <a:t>conv3</a:t>
+            </a:r>
+            <a:r>
+              <a:rPr lang="zh-CN" altLang="en-US" sz="1200">
+                <a:solidFill>
+                  <a:srgbClr val="C00000"/>
+                </a:solidFill>
+                <a:latin typeface="微软雅黑" panose="020B0503020204020204" charset="-122"/>
+                <a:ea typeface="微软雅黑" panose="020B0503020204020204" charset="-122"/>
+              </a:rPr>
+              <a:t>特征图</a:t>
+            </a:r>
+            <a:endParaRPr lang="zh-CN" altLang="en-US" sz="1200">
+              <a:solidFill>
+                <a:srgbClr val="C00000"/>
+              </a:solidFill>
+              <a:latin typeface="微软雅黑" panose="020B0503020204020204" charset="-122"/>
+              <a:ea typeface="微软雅黑" panose="020B0503020204020204" charset="-122"/>
+            </a:endParaRPr>
+          </a:p>
+          <a:p>
+            <a:pPr algn="ctr"/>
+            <a:r>
+              <a:rPr lang="en-US" altLang="zh-CN" sz="1200">
+                <a:solidFill>
+                  <a:srgbClr val="C00000"/>
+                </a:solidFill>
+                <a:latin typeface="微软雅黑" panose="020B0503020204020204" charset="-122"/>
+                <a:ea typeface="微软雅黑" panose="020B0503020204020204" charset="-122"/>
+              </a:rPr>
+              <a:t>56x56x256</a:t>
+            </a:r>
+            <a:endParaRPr lang="en-US" altLang="zh-CN" sz="1200">
+              <a:solidFill>
+                <a:srgbClr val="C00000"/>
+              </a:solidFill>
+              <a:latin typeface="微软雅黑" panose="020B0503020204020204" charset="-122"/>
+              <a:ea typeface="微软雅黑" panose="020B0503020204020204" charset="-122"/>
+            </a:endParaRPr>
+          </a:p>
+        </p:txBody>
+      </p:sp>
+      <p:sp>
+        <p:nvSpPr>
+          <p:cNvPr id="56" name="文本框 55"/>
+          <p:cNvSpPr txBox="1"/>
+          <p:nvPr/>
+        </p:nvSpPr>
+        <p:spPr>
+          <a:xfrm>
+            <a:off x="6883400" y="1424940"/>
+            <a:ext cx="1395095" cy="645160"/>
+          </a:xfrm>
+          <a:prstGeom prst="rect">
+            <a:avLst/>
+          </a:prstGeom>
+          <a:noFill/>
+        </p:spPr>
+        <p:txBody>
+          <a:bodyPr wrap="square" rtlCol="0">
+            <a:spAutoFit/>
+          </a:bodyPr>
+          <a:p>
+            <a:pPr algn="ctr"/>
+            <a:r>
+              <a:rPr lang="en-US" altLang="zh-CN" sz="1200">
+                <a:solidFill>
+                  <a:schemeClr val="accent6">
+                    <a:lumMod val="75000"/>
+                  </a:schemeClr>
+                </a:solidFill>
+                <a:latin typeface="微软雅黑" panose="020B0503020204020204" charset="-122"/>
+                <a:ea typeface="微软雅黑" panose="020B0503020204020204" charset="-122"/>
+              </a:rPr>
+              <a:t>max pool 3</a:t>
+            </a:r>
+            <a:endParaRPr lang="en-US" altLang="zh-CN" sz="1200">
+              <a:solidFill>
+                <a:schemeClr val="accent6">
+                  <a:lumMod val="75000"/>
+                </a:schemeClr>
+              </a:solidFill>
+              <a:latin typeface="微软雅黑" panose="020B0503020204020204" charset="-122"/>
+              <a:ea typeface="微软雅黑" panose="020B0503020204020204" charset="-122"/>
+            </a:endParaRPr>
+          </a:p>
+          <a:p>
+            <a:pPr algn="ctr"/>
+            <a:r>
+              <a:rPr lang="zh-CN" altLang="en-US" sz="1200">
+                <a:solidFill>
+                  <a:schemeClr val="accent6">
+                    <a:lumMod val="75000"/>
+                  </a:schemeClr>
+                </a:solidFill>
+                <a:latin typeface="微软雅黑" panose="020B0503020204020204" charset="-122"/>
+                <a:ea typeface="微软雅黑" panose="020B0503020204020204" charset="-122"/>
+              </a:rPr>
+              <a:t>特征图</a:t>
+            </a:r>
+            <a:endParaRPr lang="zh-CN" altLang="en-US" sz="1200">
+              <a:solidFill>
+                <a:schemeClr val="accent6">
+                  <a:lumMod val="75000"/>
+                </a:schemeClr>
+              </a:solidFill>
+              <a:latin typeface="微软雅黑" panose="020B0503020204020204" charset="-122"/>
+              <a:ea typeface="微软雅黑" panose="020B0503020204020204" charset="-122"/>
+            </a:endParaRPr>
+          </a:p>
+          <a:p>
+            <a:pPr algn="ctr"/>
+            <a:r>
+              <a:rPr lang="en-US" altLang="zh-CN" sz="1200">
+                <a:solidFill>
+                  <a:schemeClr val="accent6">
+                    <a:lumMod val="75000"/>
+                  </a:schemeClr>
+                </a:solidFill>
+                <a:latin typeface="微软雅黑" panose="020B0503020204020204" charset="-122"/>
+                <a:ea typeface="微软雅黑" panose="020B0503020204020204" charset="-122"/>
+              </a:rPr>
+              <a:t>28x28x256</a:t>
+            </a:r>
+            <a:endParaRPr lang="en-US" altLang="zh-CN" sz="1200">
+              <a:solidFill>
+                <a:schemeClr val="accent6">
+                  <a:lumMod val="75000"/>
+                </a:schemeClr>
+              </a:solidFill>
+              <a:latin typeface="微软雅黑" panose="020B0503020204020204" charset="-122"/>
+              <a:ea typeface="微软雅黑" panose="020B0503020204020204" charset="-122"/>
+            </a:endParaRPr>
+          </a:p>
+        </p:txBody>
+      </p:sp>
+      <p:sp>
+        <p:nvSpPr>
+          <p:cNvPr id="57" name="文本框 56"/>
+          <p:cNvSpPr txBox="1"/>
+          <p:nvPr/>
+        </p:nvSpPr>
+        <p:spPr>
+          <a:xfrm>
+            <a:off x="7747635" y="902970"/>
+            <a:ext cx="1395095" cy="460375"/>
+          </a:xfrm>
+          <a:prstGeom prst="rect">
+            <a:avLst/>
+          </a:prstGeom>
+          <a:noFill/>
+        </p:spPr>
+        <p:txBody>
+          <a:bodyPr wrap="square" rtlCol="0">
+            <a:spAutoFit/>
+          </a:bodyPr>
+          <a:p>
+            <a:pPr algn="ctr"/>
+            <a:r>
+              <a:rPr lang="en-US" altLang="zh-CN" sz="1200">
+                <a:solidFill>
+                  <a:srgbClr val="C00000"/>
+                </a:solidFill>
+                <a:latin typeface="微软雅黑" panose="020B0503020204020204" charset="-122"/>
+                <a:ea typeface="微软雅黑" panose="020B0503020204020204" charset="-122"/>
+              </a:rPr>
+              <a:t>conv4</a:t>
+            </a:r>
+            <a:r>
+              <a:rPr lang="zh-CN" altLang="en-US" sz="1200">
+                <a:solidFill>
+                  <a:srgbClr val="C00000"/>
+                </a:solidFill>
+                <a:latin typeface="微软雅黑" panose="020B0503020204020204" charset="-122"/>
+                <a:ea typeface="微软雅黑" panose="020B0503020204020204" charset="-122"/>
+              </a:rPr>
+              <a:t>特征图</a:t>
+            </a:r>
+            <a:endParaRPr lang="zh-CN" altLang="en-US" sz="1200">
+              <a:solidFill>
+                <a:srgbClr val="C00000"/>
+              </a:solidFill>
+              <a:latin typeface="微软雅黑" panose="020B0503020204020204" charset="-122"/>
+              <a:ea typeface="微软雅黑" panose="020B0503020204020204" charset="-122"/>
+            </a:endParaRPr>
+          </a:p>
+          <a:p>
+            <a:pPr algn="ctr"/>
+            <a:r>
+              <a:rPr lang="en-US" altLang="zh-CN" sz="1200">
+                <a:solidFill>
+                  <a:srgbClr val="C00000"/>
+                </a:solidFill>
+                <a:latin typeface="微软雅黑" panose="020B0503020204020204" charset="-122"/>
+                <a:ea typeface="微软雅黑" panose="020B0503020204020204" charset="-122"/>
+              </a:rPr>
+              <a:t>28x28x512</a:t>
+            </a:r>
+            <a:endParaRPr lang="en-US" altLang="zh-CN" sz="1200">
+              <a:solidFill>
+                <a:srgbClr val="C00000"/>
+              </a:solidFill>
+              <a:latin typeface="微软雅黑" panose="020B0503020204020204" charset="-122"/>
+              <a:ea typeface="微软雅黑" panose="020B0503020204020204" charset="-122"/>
+            </a:endParaRPr>
+          </a:p>
+        </p:txBody>
+      </p:sp>
+      <p:sp>
+        <p:nvSpPr>
+          <p:cNvPr id="58" name="文本框 57"/>
+          <p:cNvSpPr txBox="1"/>
+          <p:nvPr/>
+        </p:nvSpPr>
+        <p:spPr>
+          <a:xfrm>
+            <a:off x="8629015" y="451485"/>
+            <a:ext cx="1395095" cy="645160"/>
+          </a:xfrm>
+          <a:prstGeom prst="rect">
+            <a:avLst/>
+          </a:prstGeom>
+          <a:noFill/>
+        </p:spPr>
+        <p:txBody>
+          <a:bodyPr wrap="square" rtlCol="0">
+            <a:spAutoFit/>
+          </a:bodyPr>
+          <a:p>
+            <a:pPr algn="ctr"/>
+            <a:r>
+              <a:rPr lang="en-US" altLang="zh-CN" sz="1200">
+                <a:solidFill>
+                  <a:schemeClr val="accent6">
+                    <a:lumMod val="75000"/>
+                  </a:schemeClr>
+                </a:solidFill>
+                <a:latin typeface="微软雅黑" panose="020B0503020204020204" charset="-122"/>
+                <a:ea typeface="微软雅黑" panose="020B0503020204020204" charset="-122"/>
+              </a:rPr>
+              <a:t>max pool 4</a:t>
+            </a:r>
+            <a:endParaRPr lang="en-US" altLang="zh-CN" sz="1200">
+              <a:solidFill>
+                <a:schemeClr val="accent6">
+                  <a:lumMod val="75000"/>
+                </a:schemeClr>
+              </a:solidFill>
+              <a:latin typeface="微软雅黑" panose="020B0503020204020204" charset="-122"/>
+              <a:ea typeface="微软雅黑" panose="020B0503020204020204" charset="-122"/>
+            </a:endParaRPr>
+          </a:p>
+          <a:p>
+            <a:pPr algn="ctr"/>
+            <a:r>
+              <a:rPr lang="zh-CN" altLang="en-US" sz="1200">
+                <a:solidFill>
+                  <a:schemeClr val="accent6">
+                    <a:lumMod val="75000"/>
+                  </a:schemeClr>
+                </a:solidFill>
+                <a:latin typeface="微软雅黑" panose="020B0503020204020204" charset="-122"/>
+                <a:ea typeface="微软雅黑" panose="020B0503020204020204" charset="-122"/>
+              </a:rPr>
+              <a:t>特征图</a:t>
+            </a:r>
+            <a:endParaRPr lang="zh-CN" altLang="en-US" sz="1200">
+              <a:solidFill>
+                <a:schemeClr val="accent6">
+                  <a:lumMod val="75000"/>
+                </a:schemeClr>
+              </a:solidFill>
+              <a:latin typeface="微软雅黑" panose="020B0503020204020204" charset="-122"/>
+              <a:ea typeface="微软雅黑" panose="020B0503020204020204" charset="-122"/>
+            </a:endParaRPr>
+          </a:p>
+          <a:p>
+            <a:pPr algn="ctr"/>
+            <a:r>
+              <a:rPr lang="en-US" altLang="zh-CN" sz="1200">
+                <a:solidFill>
+                  <a:schemeClr val="accent6">
+                    <a:lumMod val="75000"/>
+                  </a:schemeClr>
+                </a:solidFill>
+                <a:latin typeface="微软雅黑" panose="020B0503020204020204" charset="-122"/>
+                <a:ea typeface="微软雅黑" panose="020B0503020204020204" charset="-122"/>
+              </a:rPr>
+              <a:t>14x14x512</a:t>
+            </a:r>
+            <a:endParaRPr lang="en-US" altLang="zh-CN" sz="1200">
+              <a:solidFill>
+                <a:schemeClr val="accent6">
+                  <a:lumMod val="75000"/>
+                </a:schemeClr>
+              </a:solidFill>
+              <a:latin typeface="微软雅黑" panose="020B0503020204020204" charset="-122"/>
+              <a:ea typeface="微软雅黑" panose="020B0503020204020204" charset="-122"/>
+            </a:endParaRPr>
+          </a:p>
+        </p:txBody>
+      </p:sp>
+      <p:sp>
+        <p:nvSpPr>
+          <p:cNvPr id="59" name="文本框 58"/>
+          <p:cNvSpPr txBox="1"/>
+          <p:nvPr/>
+        </p:nvSpPr>
+        <p:spPr>
+          <a:xfrm>
+            <a:off x="9511030" y="808990"/>
+            <a:ext cx="1395095" cy="460375"/>
+          </a:xfrm>
+          <a:prstGeom prst="rect">
+            <a:avLst/>
+          </a:prstGeom>
+          <a:noFill/>
+        </p:spPr>
+        <p:txBody>
+          <a:bodyPr wrap="square" rtlCol="0">
+            <a:spAutoFit/>
+          </a:bodyPr>
+          <a:p>
+            <a:pPr algn="ctr"/>
+            <a:r>
+              <a:rPr lang="en-US" altLang="zh-CN" sz="1200">
+                <a:solidFill>
+                  <a:srgbClr val="C00000"/>
+                </a:solidFill>
+                <a:latin typeface="微软雅黑" panose="020B0503020204020204" charset="-122"/>
+                <a:ea typeface="微软雅黑" panose="020B0503020204020204" charset="-122"/>
+              </a:rPr>
+              <a:t>conv5</a:t>
+            </a:r>
+            <a:r>
+              <a:rPr lang="zh-CN" altLang="en-US" sz="1200">
+                <a:solidFill>
+                  <a:srgbClr val="C00000"/>
+                </a:solidFill>
+                <a:latin typeface="微软雅黑" panose="020B0503020204020204" charset="-122"/>
+                <a:ea typeface="微软雅黑" panose="020B0503020204020204" charset="-122"/>
+              </a:rPr>
+              <a:t>特征图</a:t>
+            </a:r>
+            <a:endParaRPr lang="zh-CN" altLang="en-US" sz="1200">
+              <a:solidFill>
+                <a:srgbClr val="C00000"/>
+              </a:solidFill>
+              <a:latin typeface="微软雅黑" panose="020B0503020204020204" charset="-122"/>
+              <a:ea typeface="微软雅黑" panose="020B0503020204020204" charset="-122"/>
+            </a:endParaRPr>
+          </a:p>
+          <a:p>
+            <a:pPr algn="ctr"/>
+            <a:r>
+              <a:rPr lang="en-US" altLang="zh-CN" sz="1200">
+                <a:solidFill>
+                  <a:srgbClr val="C00000"/>
+                </a:solidFill>
+                <a:latin typeface="微软雅黑" panose="020B0503020204020204" charset="-122"/>
+                <a:ea typeface="微软雅黑" panose="020B0503020204020204" charset="-122"/>
+              </a:rPr>
+              <a:t>14x14x512</a:t>
+            </a:r>
+            <a:endParaRPr lang="en-US" altLang="zh-CN" sz="1200">
+              <a:solidFill>
+                <a:srgbClr val="C00000"/>
+              </a:solidFill>
+              <a:latin typeface="微软雅黑" panose="020B0503020204020204" charset="-122"/>
+              <a:ea typeface="微软雅黑" panose="020B0503020204020204" charset="-122"/>
+            </a:endParaRPr>
+          </a:p>
+        </p:txBody>
+      </p:sp>
+      <p:sp>
+        <p:nvSpPr>
+          <p:cNvPr id="60" name="文本框 59"/>
+          <p:cNvSpPr txBox="1"/>
+          <p:nvPr/>
+        </p:nvSpPr>
+        <p:spPr>
+          <a:xfrm>
+            <a:off x="10237470" y="387350"/>
+            <a:ext cx="1395095" cy="645160"/>
+          </a:xfrm>
+          <a:prstGeom prst="rect">
+            <a:avLst/>
+          </a:prstGeom>
+          <a:noFill/>
+        </p:spPr>
+        <p:txBody>
+          <a:bodyPr wrap="square" rtlCol="0">
+            <a:spAutoFit/>
+          </a:bodyPr>
+          <a:p>
+            <a:pPr algn="ctr"/>
+            <a:r>
+              <a:rPr lang="en-US" altLang="zh-CN" sz="1200">
+                <a:solidFill>
+                  <a:schemeClr val="accent6">
+                    <a:lumMod val="75000"/>
+                  </a:schemeClr>
+                </a:solidFill>
+                <a:latin typeface="微软雅黑" panose="020B0503020204020204" charset="-122"/>
+                <a:ea typeface="微软雅黑" panose="020B0503020204020204" charset="-122"/>
+              </a:rPr>
+              <a:t>max pool 5</a:t>
+            </a:r>
+            <a:endParaRPr lang="en-US" altLang="zh-CN" sz="1200">
+              <a:solidFill>
+                <a:schemeClr val="accent6">
+                  <a:lumMod val="75000"/>
+                </a:schemeClr>
+              </a:solidFill>
+              <a:latin typeface="微软雅黑" panose="020B0503020204020204" charset="-122"/>
+              <a:ea typeface="微软雅黑" panose="020B0503020204020204" charset="-122"/>
+            </a:endParaRPr>
+          </a:p>
+          <a:p>
+            <a:pPr algn="ctr"/>
+            <a:r>
+              <a:rPr lang="zh-CN" altLang="en-US" sz="1200">
+                <a:solidFill>
+                  <a:schemeClr val="accent6">
+                    <a:lumMod val="75000"/>
+                  </a:schemeClr>
+                </a:solidFill>
+                <a:latin typeface="微软雅黑" panose="020B0503020204020204" charset="-122"/>
+                <a:ea typeface="微软雅黑" panose="020B0503020204020204" charset="-122"/>
+              </a:rPr>
+              <a:t>特征图</a:t>
+            </a:r>
+            <a:endParaRPr lang="zh-CN" altLang="en-US" sz="1200">
+              <a:solidFill>
+                <a:schemeClr val="accent6">
+                  <a:lumMod val="75000"/>
+                </a:schemeClr>
+              </a:solidFill>
+              <a:latin typeface="微软雅黑" panose="020B0503020204020204" charset="-122"/>
+              <a:ea typeface="微软雅黑" panose="020B0503020204020204" charset="-122"/>
+            </a:endParaRPr>
+          </a:p>
+          <a:p>
+            <a:pPr algn="ctr"/>
+            <a:r>
+              <a:rPr lang="en-US" altLang="zh-CN" sz="1200">
+                <a:solidFill>
+                  <a:schemeClr val="accent6">
+                    <a:lumMod val="75000"/>
+                  </a:schemeClr>
+                </a:solidFill>
+                <a:latin typeface="微软雅黑" panose="020B0503020204020204" charset="-122"/>
+                <a:ea typeface="微软雅黑" panose="020B0503020204020204" charset="-122"/>
+              </a:rPr>
+              <a:t>7x7x512</a:t>
+            </a:r>
+            <a:endParaRPr lang="en-US" altLang="zh-CN" sz="1200">
+              <a:solidFill>
+                <a:schemeClr val="accent6">
+                  <a:lumMod val="75000"/>
+                </a:schemeClr>
+              </a:solidFill>
+              <a:latin typeface="微软雅黑" panose="020B0503020204020204" charset="-122"/>
+              <a:ea typeface="微软雅黑" panose="020B0503020204020204" charset="-122"/>
+            </a:endParaRPr>
+          </a:p>
+        </p:txBody>
+      </p:sp>
+      <p:sp>
+        <p:nvSpPr>
+          <p:cNvPr id="61" name="立方体 60"/>
+          <p:cNvSpPr/>
+          <p:nvPr/>
+        </p:nvSpPr>
+        <p:spPr>
+          <a:xfrm>
+            <a:off x="1816735" y="3091815"/>
+            <a:ext cx="1041400" cy="1054100"/>
+          </a:xfrm>
+          <a:prstGeom prst="cube">
+            <a:avLst>
+              <a:gd name="adj" fmla="val 31402"/>
+            </a:avLst>
+          </a:prstGeom>
+          <a:solidFill>
+            <a:srgbClr val="00B0F0"/>
+          </a:solidFill>
+        </p:spPr>
+        <p:style>
+          <a:lnRef idx="2">
+            <a:schemeClr val="accent1">
+              <a:shade val="50000"/>
+            </a:schemeClr>
+          </a:lnRef>
+          <a:fillRef idx="1">
+            <a:schemeClr val="accent1"/>
+          </a:fillRef>
+          <a:effectRef idx="0">
+            <a:schemeClr val="accent1"/>
+          </a:effectRef>
+          <a:fontRef idx="minor">
+            <a:schemeClr val="lt1"/>
+          </a:fontRef>
+        </p:style>
+        <p:txBody>
+          <a:bodyPr rtlCol="0" anchor="ctr"/>
+          <a:p>
+            <a:pPr algn="ctr"/>
+            <a:endParaRPr lang="zh-CN" altLang="en-US"/>
+          </a:p>
+        </p:txBody>
+      </p:sp>
+      <p:sp>
+        <p:nvSpPr>
+          <p:cNvPr id="10" name="立方体 9"/>
+          <p:cNvSpPr/>
+          <p:nvPr/>
+        </p:nvSpPr>
+        <p:spPr>
+          <a:xfrm>
+            <a:off x="2586355" y="3434080"/>
+            <a:ext cx="725170" cy="718820"/>
+          </a:xfrm>
+          <a:prstGeom prst="cube">
+            <a:avLst>
+              <a:gd name="adj" fmla="val 57560"/>
+            </a:avLst>
+          </a:prstGeom>
+          <a:solidFill>
+            <a:schemeClr val="accent6">
+              <a:lumMod val="20000"/>
+              <a:lumOff val="80000"/>
+            </a:schemeClr>
+          </a:solidFill>
+        </p:spPr>
+        <p:style>
+          <a:lnRef idx="2">
+            <a:schemeClr val="accent1">
+              <a:shade val="50000"/>
+            </a:schemeClr>
+          </a:lnRef>
+          <a:fillRef idx="1">
+            <a:schemeClr val="accent1"/>
+          </a:fillRef>
+          <a:effectRef idx="0">
+            <a:schemeClr val="accent1"/>
+          </a:effectRef>
+          <a:fontRef idx="minor">
+            <a:schemeClr val="lt1"/>
+          </a:fontRef>
+        </p:style>
+        <p:txBody>
+          <a:bodyPr rtlCol="0" anchor="ctr"/>
+          <a:p>
+            <a:pPr algn="ctr"/>
+            <a:endParaRPr lang="zh-CN" altLang="en-US"/>
+          </a:p>
+        </p:txBody>
+      </p:sp>
+      <p:sp>
+        <p:nvSpPr>
+          <p:cNvPr id="11" name="立方体 10"/>
+          <p:cNvSpPr/>
+          <p:nvPr/>
+        </p:nvSpPr>
+        <p:spPr>
+          <a:xfrm>
+            <a:off x="3225165" y="2694305"/>
+            <a:ext cx="1457325" cy="1469390"/>
+          </a:xfrm>
+          <a:prstGeom prst="cube">
+            <a:avLst>
+              <a:gd name="adj" fmla="val 74553"/>
+            </a:avLst>
+          </a:prstGeom>
+          <a:solidFill>
+            <a:srgbClr val="00B0F0"/>
+          </a:solidFill>
+        </p:spPr>
+        <p:style>
+          <a:lnRef idx="2">
+            <a:schemeClr val="accent1">
+              <a:shade val="50000"/>
+            </a:schemeClr>
+          </a:lnRef>
+          <a:fillRef idx="1">
+            <a:schemeClr val="accent1"/>
+          </a:fillRef>
+          <a:effectRef idx="0">
+            <a:schemeClr val="accent1"/>
+          </a:effectRef>
+          <a:fontRef idx="minor">
+            <a:schemeClr val="lt1"/>
+          </a:fontRef>
+        </p:style>
+        <p:txBody>
+          <a:bodyPr rtlCol="0" anchor="ctr"/>
+          <a:p>
+            <a:pPr algn="ctr"/>
+            <a:endParaRPr lang="zh-CN" altLang="en-US"/>
+          </a:p>
+        </p:txBody>
+      </p:sp>
+      <p:sp>
+        <p:nvSpPr>
+          <p:cNvPr id="12" name="立方体 11"/>
+          <p:cNvSpPr/>
+          <p:nvPr/>
+        </p:nvSpPr>
+        <p:spPr>
+          <a:xfrm>
+            <a:off x="3667125" y="2694305"/>
+            <a:ext cx="1457325" cy="1469390"/>
+          </a:xfrm>
+          <a:prstGeom prst="cube">
+            <a:avLst>
+              <a:gd name="adj" fmla="val 74553"/>
+            </a:avLst>
+          </a:prstGeom>
+          <a:solidFill>
+            <a:srgbClr val="00B0F0"/>
+          </a:solidFill>
+        </p:spPr>
+        <p:style>
+          <a:lnRef idx="2">
+            <a:schemeClr val="accent1">
+              <a:shade val="50000"/>
+            </a:schemeClr>
+          </a:lnRef>
+          <a:fillRef idx="1">
+            <a:schemeClr val="accent1"/>
+          </a:fillRef>
+          <a:effectRef idx="0">
+            <a:schemeClr val="accent1"/>
+          </a:effectRef>
+          <a:fontRef idx="minor">
+            <a:schemeClr val="lt1"/>
+          </a:fontRef>
+        </p:style>
+        <p:txBody>
+          <a:bodyPr rtlCol="0" anchor="ctr"/>
+          <a:p>
+            <a:pPr algn="ctr"/>
+            <a:endParaRPr lang="zh-CN" altLang="en-US"/>
+          </a:p>
+        </p:txBody>
+      </p:sp>
+      <p:sp>
+        <p:nvSpPr>
+          <p:cNvPr id="13" name="立方体 12"/>
+          <p:cNvSpPr/>
+          <p:nvPr/>
+        </p:nvSpPr>
+        <p:spPr>
+          <a:xfrm>
+            <a:off x="4124325" y="2922905"/>
+            <a:ext cx="1243965" cy="1229995"/>
+          </a:xfrm>
+          <a:prstGeom prst="cube">
+            <a:avLst>
+              <a:gd name="adj" fmla="val 85838"/>
+            </a:avLst>
+          </a:prstGeom>
+          <a:solidFill>
+            <a:schemeClr val="accent6">
+              <a:lumMod val="20000"/>
+              <a:lumOff val="80000"/>
+            </a:schemeClr>
+          </a:solidFill>
+        </p:spPr>
+        <p:style>
+          <a:lnRef idx="2">
+            <a:schemeClr val="accent1">
+              <a:shade val="50000"/>
+            </a:schemeClr>
+          </a:lnRef>
+          <a:fillRef idx="1">
+            <a:schemeClr val="accent1"/>
+          </a:fillRef>
+          <a:effectRef idx="0">
+            <a:schemeClr val="accent1"/>
+          </a:effectRef>
+          <a:fontRef idx="minor">
+            <a:schemeClr val="lt1"/>
+          </a:fontRef>
+        </p:style>
+        <p:txBody>
+          <a:bodyPr rtlCol="0" anchor="ctr"/>
+          <a:p>
+            <a:pPr algn="ctr"/>
+            <a:endParaRPr lang="zh-CN" altLang="en-US"/>
+          </a:p>
+        </p:txBody>
+      </p:sp>
+    </p:spTree>
+  </p:cSld>
+  <p:clrMapOvr>
+    <a:masterClrMapping/>
+  </p:clrMapOvr>
+</p:sld>
+</file>
+
+<file path=ppt/slides/slide2.xml><?xml version="1.0" encoding="utf-8"?>
+<p:sld xmlns:a="http://schemas.openxmlformats.org/drawingml/2006/main" xmlns:r="http://schemas.openxmlformats.org/officeDocument/2006/relationships" xmlns:p="http://schemas.openxmlformats.org/presentationml/2006/main">
+  <p:cSld>
+    <p:spTree>
+      <p:nvGrpSpPr>
+        <p:cNvPr id="1" name=""/>
+        <p:cNvGrpSpPr/>
+        <p:nvPr/>
+      </p:nvGrpSpPr>
+      <p:grpSpPr/>
+      <p:sp>
+        <p:nvSpPr>
+          <p:cNvPr id="5" name="文本框 4"/>
+          <p:cNvSpPr txBox="1"/>
+          <p:nvPr/>
+        </p:nvSpPr>
+        <p:spPr>
+          <a:xfrm>
+            <a:off x="335280" y="574675"/>
+            <a:ext cx="1666875" cy="521970"/>
+          </a:xfrm>
+          <a:prstGeom prst="rect">
+            <a:avLst/>
+          </a:prstGeom>
+          <a:noFill/>
+        </p:spPr>
+        <p:txBody>
+          <a:bodyPr wrap="square" rtlCol="0">
+            <a:spAutoFit/>
+          </a:bodyPr>
+          <a:p>
+            <a:r>
+              <a:rPr lang="en-US" altLang="zh-CN" sz="2800" b="1">
+                <a:latin typeface="微软雅黑" panose="020B0503020204020204" charset="-122"/>
+                <a:ea typeface="微软雅黑" panose="020B0503020204020204" charset="-122"/>
+              </a:rPr>
+              <a:t>VGG16</a:t>
+            </a:r>
+            <a:endParaRPr lang="en-US" altLang="zh-CN" sz="2800" b="1">
+              <a:latin typeface="微软雅黑" panose="020B0503020204020204" charset="-122"/>
+              <a:ea typeface="微软雅黑" panose="020B0503020204020204" charset="-122"/>
+            </a:endParaRPr>
+          </a:p>
+        </p:txBody>
+      </p:sp>
+      <p:sp>
+        <p:nvSpPr>
+          <p:cNvPr id="6" name="立方体 5"/>
+          <p:cNvSpPr/>
+          <p:nvPr/>
+        </p:nvSpPr>
+        <p:spPr>
+          <a:xfrm>
+            <a:off x="227330" y="3371850"/>
+            <a:ext cx="766445" cy="781050"/>
+          </a:xfrm>
+          <a:prstGeom prst="cube">
+            <a:avLst>
+              <a:gd name="adj" fmla="val 6361"/>
+            </a:avLst>
+          </a:prstGeom>
+          <a:solidFill>
+            <a:schemeClr val="accent4">
+              <a:lumMod val="20000"/>
+              <a:lumOff val="80000"/>
+            </a:schemeClr>
+          </a:solidFill>
+          <a:ln>
+            <a:solidFill>
+              <a:schemeClr val="bg1">
+                <a:lumMod val="50000"/>
+              </a:schemeClr>
+            </a:solidFill>
+          </a:ln>
+        </p:spPr>
+        <p:style>
+          <a:lnRef idx="2">
+            <a:schemeClr val="accent4">
+              <a:shade val="50000"/>
+            </a:schemeClr>
+          </a:lnRef>
+          <a:fillRef idx="1">
+            <a:schemeClr val="accent4"/>
+          </a:fillRef>
+          <a:effectRef idx="0">
+            <a:schemeClr val="accent4"/>
+          </a:effectRef>
+          <a:fontRef idx="minor">
+            <a:schemeClr val="lt1"/>
+          </a:fontRef>
+        </p:style>
+        <p:txBody>
+          <a:bodyPr rtlCol="0" anchor="ctr"/>
+          <a:p>
+            <a:pPr algn="ctr"/>
+            <a:endParaRPr lang="zh-CN" altLang="en-US"/>
+          </a:p>
+        </p:txBody>
+      </p:sp>
+      <p:sp>
+        <p:nvSpPr>
+          <p:cNvPr id="7" name="文本框 6"/>
+          <p:cNvSpPr txBox="1"/>
+          <p:nvPr/>
+        </p:nvSpPr>
+        <p:spPr>
+          <a:xfrm>
+            <a:off x="78105" y="1927225"/>
+            <a:ext cx="1065530" cy="460375"/>
+          </a:xfrm>
+          <a:prstGeom prst="rect">
+            <a:avLst/>
+          </a:prstGeom>
+          <a:noFill/>
+        </p:spPr>
+        <p:txBody>
+          <a:bodyPr wrap="square" rtlCol="0">
+            <a:spAutoFit/>
+          </a:bodyPr>
+          <a:p>
+            <a:pPr algn="ctr"/>
+            <a:r>
+              <a:rPr lang="zh-CN" altLang="en-US" sz="1200">
+                <a:latin typeface="微软雅黑" panose="020B0503020204020204" charset="-122"/>
+                <a:ea typeface="微软雅黑" panose="020B0503020204020204" charset="-122"/>
+              </a:rPr>
+              <a:t>输入图像</a:t>
+            </a:r>
+            <a:endParaRPr lang="zh-CN" altLang="en-US" sz="1200">
+              <a:latin typeface="微软雅黑" panose="020B0503020204020204" charset="-122"/>
+              <a:ea typeface="微软雅黑" panose="020B0503020204020204" charset="-122"/>
+            </a:endParaRPr>
+          </a:p>
+          <a:p>
+            <a:pPr algn="ctr"/>
+            <a:r>
+              <a:rPr lang="en-US" altLang="zh-CN" sz="1200">
+                <a:latin typeface="微软雅黑" panose="020B0503020204020204" charset="-122"/>
+                <a:ea typeface="微软雅黑" panose="020B0503020204020204" charset="-122"/>
+              </a:rPr>
+              <a:t>224x224x3</a:t>
+            </a:r>
+            <a:endParaRPr lang="en-US" altLang="zh-CN" sz="1200">
+              <a:latin typeface="微软雅黑" panose="020B0503020204020204" charset="-122"/>
+              <a:ea typeface="微软雅黑" panose="020B0503020204020204" charset="-122"/>
+            </a:endParaRPr>
+          </a:p>
+        </p:txBody>
+      </p:sp>
+      <p:sp>
+        <p:nvSpPr>
+          <p:cNvPr id="8" name="立方体 7"/>
+          <p:cNvSpPr/>
+          <p:nvPr/>
+        </p:nvSpPr>
+        <p:spPr>
+          <a:xfrm>
+            <a:off x="1072515" y="3091815"/>
+            <a:ext cx="1041400" cy="1054100"/>
+          </a:xfrm>
+          <a:prstGeom prst="cube">
+            <a:avLst>
+              <a:gd name="adj" fmla="val 31402"/>
+            </a:avLst>
+          </a:prstGeom>
+          <a:solidFill>
+            <a:srgbClr val="00B0F0"/>
+          </a:solidFill>
+        </p:spPr>
+        <p:style>
+          <a:lnRef idx="2">
+            <a:schemeClr val="accent1">
+              <a:shade val="50000"/>
+            </a:schemeClr>
+          </a:lnRef>
+          <a:fillRef idx="1">
+            <a:schemeClr val="accent1"/>
+          </a:fillRef>
+          <a:effectRef idx="0">
+            <a:schemeClr val="accent1"/>
+          </a:effectRef>
+          <a:fontRef idx="minor">
+            <a:schemeClr val="lt1"/>
+          </a:fontRef>
+        </p:style>
+        <p:txBody>
+          <a:bodyPr rtlCol="0" anchor="ctr"/>
+          <a:p>
+            <a:pPr algn="ctr"/>
+            <a:endParaRPr lang="zh-CN" altLang="en-US"/>
+          </a:p>
+        </p:txBody>
+      </p:sp>
+      <p:sp>
+        <p:nvSpPr>
+          <p:cNvPr id="14" name="立方体 13"/>
+          <p:cNvSpPr/>
+          <p:nvPr/>
+        </p:nvSpPr>
+        <p:spPr>
+          <a:xfrm>
+            <a:off x="4809490" y="2128520"/>
+            <a:ext cx="2048510" cy="2035175"/>
+          </a:xfrm>
+          <a:prstGeom prst="cube">
+            <a:avLst>
+              <a:gd name="adj" fmla="val 91971"/>
+            </a:avLst>
+          </a:prstGeom>
+          <a:solidFill>
+            <a:srgbClr val="00B0F0"/>
+          </a:solidFill>
+        </p:spPr>
+        <p:style>
+          <a:lnRef idx="2">
+            <a:schemeClr val="accent1">
+              <a:shade val="50000"/>
+            </a:schemeClr>
+          </a:lnRef>
+          <a:fillRef idx="1">
+            <a:schemeClr val="accent1"/>
+          </a:fillRef>
+          <a:effectRef idx="0">
+            <a:schemeClr val="accent1"/>
+          </a:effectRef>
+          <a:fontRef idx="minor">
+            <a:schemeClr val="lt1"/>
+          </a:fontRef>
+        </p:style>
+        <p:txBody>
+          <a:bodyPr rtlCol="0" anchor="ctr"/>
+          <a:p>
+            <a:pPr algn="ctr"/>
+            <a:endParaRPr lang="zh-CN" altLang="en-US"/>
+          </a:p>
+        </p:txBody>
+      </p:sp>
+      <p:sp>
+        <p:nvSpPr>
+          <p:cNvPr id="15" name="立方体 14"/>
+          <p:cNvSpPr/>
+          <p:nvPr/>
+        </p:nvSpPr>
+        <p:spPr>
+          <a:xfrm>
+            <a:off x="5046980" y="2128520"/>
+            <a:ext cx="2048510" cy="2035175"/>
+          </a:xfrm>
+          <a:prstGeom prst="cube">
+            <a:avLst>
+              <a:gd name="adj" fmla="val 91971"/>
+            </a:avLst>
+          </a:prstGeom>
+          <a:solidFill>
+            <a:srgbClr val="00B0F0"/>
+          </a:solidFill>
+        </p:spPr>
+        <p:style>
+          <a:lnRef idx="2">
+            <a:schemeClr val="accent1">
+              <a:shade val="50000"/>
+            </a:schemeClr>
+          </a:lnRef>
+          <a:fillRef idx="1">
+            <a:schemeClr val="accent1"/>
+          </a:fillRef>
+          <a:effectRef idx="0">
+            <a:schemeClr val="accent1"/>
+          </a:effectRef>
+          <a:fontRef idx="minor">
+            <a:schemeClr val="lt1"/>
+          </a:fontRef>
+        </p:style>
+        <p:txBody>
+          <a:bodyPr rtlCol="0" anchor="ctr"/>
+          <a:p>
+            <a:pPr algn="ctr"/>
+            <a:endParaRPr lang="zh-CN" altLang="en-US"/>
+          </a:p>
+        </p:txBody>
+      </p:sp>
+      <p:sp>
+        <p:nvSpPr>
+          <p:cNvPr id="16" name="立方体 15"/>
+          <p:cNvSpPr/>
+          <p:nvPr/>
+        </p:nvSpPr>
+        <p:spPr>
+          <a:xfrm>
+            <a:off x="5298440" y="2117725"/>
+            <a:ext cx="2048510" cy="2035175"/>
+          </a:xfrm>
+          <a:prstGeom prst="cube">
+            <a:avLst>
+              <a:gd name="adj" fmla="val 91971"/>
+            </a:avLst>
+          </a:prstGeom>
+          <a:solidFill>
+            <a:srgbClr val="00B0F0"/>
+          </a:solidFill>
+        </p:spPr>
+        <p:style>
+          <a:lnRef idx="2">
+            <a:schemeClr val="accent1">
+              <a:shade val="50000"/>
+            </a:schemeClr>
+          </a:lnRef>
+          <a:fillRef idx="1">
+            <a:schemeClr val="accent1"/>
+          </a:fillRef>
+          <a:effectRef idx="0">
+            <a:schemeClr val="accent1"/>
+          </a:effectRef>
+          <a:fontRef idx="minor">
+            <a:schemeClr val="lt1"/>
+          </a:fontRef>
+        </p:style>
+        <p:txBody>
+          <a:bodyPr rtlCol="0" anchor="ctr"/>
+          <a:p>
+            <a:pPr algn="ctr"/>
+            <a:endParaRPr lang="zh-CN" altLang="en-US"/>
+          </a:p>
+        </p:txBody>
+      </p:sp>
+      <p:sp>
+        <p:nvSpPr>
+          <p:cNvPr id="17" name="立方体 16"/>
+          <p:cNvSpPr/>
+          <p:nvPr/>
+        </p:nvSpPr>
+        <p:spPr>
+          <a:xfrm>
+            <a:off x="5578475" y="2204720"/>
+            <a:ext cx="1959610" cy="1948180"/>
+          </a:xfrm>
+          <a:prstGeom prst="cube">
+            <a:avLst>
+              <a:gd name="adj" fmla="val 95044"/>
+            </a:avLst>
+          </a:prstGeom>
+          <a:solidFill>
+            <a:schemeClr val="accent6">
+              <a:lumMod val="20000"/>
+              <a:lumOff val="80000"/>
+            </a:schemeClr>
+          </a:solidFill>
+        </p:spPr>
+        <p:style>
+          <a:lnRef idx="2">
+            <a:schemeClr val="accent1">
+              <a:shade val="50000"/>
+            </a:schemeClr>
+          </a:lnRef>
+          <a:fillRef idx="1">
+            <a:schemeClr val="accent1"/>
+          </a:fillRef>
+          <a:effectRef idx="0">
+            <a:schemeClr val="accent1"/>
+          </a:effectRef>
+          <a:fontRef idx="minor">
+            <a:schemeClr val="lt1"/>
+          </a:fontRef>
+        </p:style>
+        <p:txBody>
+          <a:bodyPr rtlCol="0" anchor="ctr"/>
+          <a:p>
+            <a:pPr algn="ctr"/>
+            <a:endParaRPr lang="zh-CN" altLang="en-US"/>
+          </a:p>
+        </p:txBody>
+      </p:sp>
+      <p:sp>
+        <p:nvSpPr>
+          <p:cNvPr id="18" name="立方体 17"/>
+          <p:cNvSpPr/>
+          <p:nvPr/>
+        </p:nvSpPr>
+        <p:spPr>
+          <a:xfrm>
+            <a:off x="5993130" y="1078230"/>
+            <a:ext cx="3093085" cy="3074670"/>
+          </a:xfrm>
+          <a:prstGeom prst="cube">
+            <a:avLst>
+              <a:gd name="adj" fmla="val 96736"/>
+            </a:avLst>
+          </a:prstGeom>
+          <a:solidFill>
+            <a:srgbClr val="00B0F0"/>
+          </a:solidFill>
+        </p:spPr>
+        <p:style>
+          <a:lnRef idx="2">
+            <a:schemeClr val="accent1">
+              <a:shade val="50000"/>
+            </a:schemeClr>
+          </a:lnRef>
+          <a:fillRef idx="1">
+            <a:schemeClr val="accent1"/>
+          </a:fillRef>
+          <a:effectRef idx="0">
+            <a:schemeClr val="accent1"/>
+          </a:effectRef>
+          <a:fontRef idx="minor">
+            <a:schemeClr val="lt1"/>
+          </a:fontRef>
+        </p:style>
+        <p:txBody>
+          <a:bodyPr rtlCol="0" anchor="ctr"/>
+          <a:p>
+            <a:pPr algn="ctr"/>
+            <a:endParaRPr lang="zh-CN" altLang="en-US"/>
+          </a:p>
+        </p:txBody>
+      </p:sp>
+      <p:sp>
+        <p:nvSpPr>
+          <p:cNvPr id="19" name="立方体 18"/>
+          <p:cNvSpPr/>
+          <p:nvPr/>
+        </p:nvSpPr>
+        <p:spPr>
+          <a:xfrm>
+            <a:off x="6209030" y="1078230"/>
+            <a:ext cx="3093085" cy="3074670"/>
+          </a:xfrm>
+          <a:prstGeom prst="cube">
+            <a:avLst>
+              <a:gd name="adj" fmla="val 96736"/>
+            </a:avLst>
+          </a:prstGeom>
+          <a:solidFill>
+            <a:srgbClr val="00B0F0"/>
+          </a:solidFill>
+        </p:spPr>
+        <p:style>
+          <a:lnRef idx="2">
+            <a:schemeClr val="accent1">
+              <a:shade val="50000"/>
+            </a:schemeClr>
+          </a:lnRef>
+          <a:fillRef idx="1">
+            <a:schemeClr val="accent1"/>
+          </a:fillRef>
+          <a:effectRef idx="0">
+            <a:schemeClr val="accent1"/>
+          </a:effectRef>
+          <a:fontRef idx="minor">
+            <a:schemeClr val="lt1"/>
+          </a:fontRef>
+        </p:style>
+        <p:txBody>
+          <a:bodyPr rtlCol="0" anchor="ctr"/>
+          <a:p>
+            <a:pPr algn="ctr"/>
+            <a:endParaRPr lang="zh-CN" altLang="en-US"/>
+          </a:p>
+        </p:txBody>
+      </p:sp>
+      <p:sp>
+        <p:nvSpPr>
+          <p:cNvPr id="20" name="立方体 19"/>
+          <p:cNvSpPr/>
+          <p:nvPr/>
+        </p:nvSpPr>
+        <p:spPr>
+          <a:xfrm>
+            <a:off x="6435725" y="1078230"/>
+            <a:ext cx="3093085" cy="3074670"/>
+          </a:xfrm>
+          <a:prstGeom prst="cube">
+            <a:avLst>
+              <a:gd name="adj" fmla="val 96736"/>
+            </a:avLst>
+          </a:prstGeom>
+          <a:solidFill>
+            <a:srgbClr val="00B0F0"/>
+          </a:solidFill>
+        </p:spPr>
+        <p:style>
+          <a:lnRef idx="2">
+            <a:schemeClr val="accent1">
+              <a:shade val="50000"/>
+            </a:schemeClr>
+          </a:lnRef>
+          <a:fillRef idx="1">
+            <a:schemeClr val="accent1"/>
+          </a:fillRef>
+          <a:effectRef idx="0">
+            <a:schemeClr val="accent1"/>
+          </a:effectRef>
+          <a:fontRef idx="minor">
+            <a:schemeClr val="lt1"/>
+          </a:fontRef>
+        </p:style>
+        <p:txBody>
+          <a:bodyPr rtlCol="0" anchor="ctr"/>
+          <a:p>
+            <a:pPr algn="ctr"/>
+            <a:endParaRPr lang="zh-CN" altLang="en-US"/>
+          </a:p>
+        </p:txBody>
+      </p:sp>
+      <p:sp>
+        <p:nvSpPr>
+          <p:cNvPr id="21" name="立方体 20"/>
+          <p:cNvSpPr/>
+          <p:nvPr/>
+        </p:nvSpPr>
+        <p:spPr>
+          <a:xfrm>
+            <a:off x="6638290" y="1188720"/>
+            <a:ext cx="2980690" cy="2974975"/>
+          </a:xfrm>
+          <a:prstGeom prst="cube">
+            <a:avLst>
+              <a:gd name="adj" fmla="val 97976"/>
+            </a:avLst>
+          </a:prstGeom>
+          <a:solidFill>
+            <a:schemeClr val="accent6">
+              <a:lumMod val="20000"/>
+              <a:lumOff val="80000"/>
+            </a:schemeClr>
+          </a:solidFill>
+        </p:spPr>
+        <p:style>
+          <a:lnRef idx="2">
+            <a:schemeClr val="accent1">
+              <a:shade val="50000"/>
+            </a:schemeClr>
+          </a:lnRef>
+          <a:fillRef idx="1">
+            <a:schemeClr val="accent1"/>
+          </a:fillRef>
+          <a:effectRef idx="0">
+            <a:schemeClr val="accent1"/>
+          </a:effectRef>
+          <a:fontRef idx="minor">
+            <a:schemeClr val="lt1"/>
+          </a:fontRef>
+        </p:style>
+        <p:txBody>
+          <a:bodyPr rtlCol="0" anchor="ctr"/>
+          <a:p>
+            <a:pPr algn="ctr"/>
+            <a:endParaRPr lang="zh-CN" altLang="en-US"/>
+          </a:p>
+        </p:txBody>
+      </p:sp>
+      <p:sp>
+        <p:nvSpPr>
+          <p:cNvPr id="22" name="立方体 21"/>
+          <p:cNvSpPr/>
+          <p:nvPr/>
+        </p:nvSpPr>
+        <p:spPr>
+          <a:xfrm>
+            <a:off x="7071360" y="1188720"/>
+            <a:ext cx="2980690" cy="2974975"/>
+          </a:xfrm>
+          <a:prstGeom prst="cube">
+            <a:avLst>
+              <a:gd name="adj" fmla="val 97976"/>
+            </a:avLst>
+          </a:prstGeom>
+          <a:solidFill>
+            <a:srgbClr val="00B0F0"/>
+          </a:solidFill>
+        </p:spPr>
+        <p:style>
+          <a:lnRef idx="2">
+            <a:schemeClr val="accent1">
+              <a:shade val="50000"/>
+            </a:schemeClr>
+          </a:lnRef>
+          <a:fillRef idx="1">
+            <a:schemeClr val="accent1"/>
+          </a:fillRef>
+          <a:effectRef idx="0">
+            <a:schemeClr val="accent1"/>
+          </a:effectRef>
+          <a:fontRef idx="minor">
+            <a:schemeClr val="lt1"/>
+          </a:fontRef>
+        </p:style>
+        <p:txBody>
+          <a:bodyPr rtlCol="0" anchor="ctr"/>
+          <a:p>
+            <a:pPr algn="ctr"/>
+            <a:endParaRPr lang="zh-CN" altLang="en-US"/>
+          </a:p>
+        </p:txBody>
+      </p:sp>
+      <p:sp>
+        <p:nvSpPr>
+          <p:cNvPr id="23" name="立方体 22"/>
+          <p:cNvSpPr/>
+          <p:nvPr/>
+        </p:nvSpPr>
+        <p:spPr>
+          <a:xfrm>
+            <a:off x="7185660" y="1188720"/>
+            <a:ext cx="2980690" cy="2974975"/>
+          </a:xfrm>
+          <a:prstGeom prst="cube">
+            <a:avLst>
+              <a:gd name="adj" fmla="val 97976"/>
+            </a:avLst>
+          </a:prstGeom>
+          <a:solidFill>
+            <a:srgbClr val="00B0F0"/>
+          </a:solidFill>
+        </p:spPr>
+        <p:style>
+          <a:lnRef idx="2">
+            <a:schemeClr val="accent1">
+              <a:shade val="50000"/>
+            </a:schemeClr>
+          </a:lnRef>
+          <a:fillRef idx="1">
+            <a:schemeClr val="accent1"/>
+          </a:fillRef>
+          <a:effectRef idx="0">
+            <a:schemeClr val="accent1"/>
+          </a:effectRef>
+          <a:fontRef idx="minor">
+            <a:schemeClr val="lt1"/>
+          </a:fontRef>
+        </p:style>
+        <p:txBody>
+          <a:bodyPr rtlCol="0" anchor="ctr"/>
+          <a:p>
+            <a:pPr algn="ctr"/>
+            <a:endParaRPr lang="zh-CN" altLang="en-US"/>
+          </a:p>
+        </p:txBody>
+      </p:sp>
+      <p:sp>
+        <p:nvSpPr>
+          <p:cNvPr id="24" name="立方体 23"/>
+          <p:cNvSpPr/>
+          <p:nvPr/>
+        </p:nvSpPr>
+        <p:spPr>
+          <a:xfrm>
+            <a:off x="7308850" y="1188720"/>
+            <a:ext cx="2980690" cy="2974975"/>
+          </a:xfrm>
+          <a:prstGeom prst="cube">
+            <a:avLst>
+              <a:gd name="adj" fmla="val 97976"/>
+            </a:avLst>
+          </a:prstGeom>
+          <a:solidFill>
+            <a:srgbClr val="00B0F0"/>
+          </a:solidFill>
+        </p:spPr>
+        <p:style>
+          <a:lnRef idx="2">
+            <a:schemeClr val="accent1">
+              <a:shade val="50000"/>
+            </a:schemeClr>
+          </a:lnRef>
+          <a:fillRef idx="1">
+            <a:schemeClr val="accent1"/>
+          </a:fillRef>
+          <a:effectRef idx="0">
+            <a:schemeClr val="accent1"/>
+          </a:effectRef>
+          <a:fontRef idx="minor">
+            <a:schemeClr val="lt1"/>
+          </a:fontRef>
+        </p:style>
+        <p:txBody>
+          <a:bodyPr rtlCol="0" anchor="ctr"/>
+          <a:p>
+            <a:pPr algn="ctr"/>
+            <a:endParaRPr lang="zh-CN" altLang="en-US"/>
+          </a:p>
+        </p:txBody>
+      </p:sp>
+      <p:sp>
+        <p:nvSpPr>
+          <p:cNvPr id="25" name="立方体 24"/>
+          <p:cNvSpPr/>
+          <p:nvPr/>
+        </p:nvSpPr>
+        <p:spPr>
+          <a:xfrm>
+            <a:off x="7447280" y="1188720"/>
+            <a:ext cx="2980690" cy="2974975"/>
+          </a:xfrm>
+          <a:prstGeom prst="cube">
+            <a:avLst>
+              <a:gd name="adj" fmla="val 98804"/>
+            </a:avLst>
+          </a:prstGeom>
+          <a:solidFill>
+            <a:schemeClr val="accent6">
+              <a:lumMod val="20000"/>
+              <a:lumOff val="80000"/>
+            </a:schemeClr>
+          </a:solidFill>
+        </p:spPr>
+        <p:style>
+          <a:lnRef idx="2">
+            <a:schemeClr val="accent1">
+              <a:shade val="50000"/>
+            </a:schemeClr>
+          </a:lnRef>
+          <a:fillRef idx="1">
+            <a:schemeClr val="accent1"/>
+          </a:fillRef>
+          <a:effectRef idx="0">
+            <a:schemeClr val="accent1"/>
+          </a:effectRef>
+          <a:fontRef idx="minor">
+            <a:schemeClr val="lt1"/>
+          </a:fontRef>
+        </p:style>
+        <p:txBody>
+          <a:bodyPr rtlCol="0" anchor="ctr"/>
+          <a:p>
+            <a:pPr algn="ctr"/>
+            <a:endParaRPr lang="zh-CN" altLang="en-US"/>
+          </a:p>
+        </p:txBody>
+      </p:sp>
+      <p:cxnSp>
+        <p:nvCxnSpPr>
+          <p:cNvPr id="26" name="直接连接符 25"/>
+          <p:cNvCxnSpPr/>
+          <p:nvPr/>
+        </p:nvCxnSpPr>
+        <p:spPr>
+          <a:xfrm flipV="1">
+            <a:off x="7980680" y="513080"/>
+            <a:ext cx="3689985" cy="3632835"/>
+          </a:xfrm>
+          <a:prstGeom prst="line">
+            <a:avLst/>
+          </a:prstGeom>
+          <a:ln w="38100">
+            <a:solidFill>
+              <a:schemeClr val="bg1">
+                <a:lumMod val="50000"/>
+              </a:schemeClr>
+            </a:solidFill>
+          </a:ln>
+        </p:spPr>
+        <p:style>
+          <a:lnRef idx="1">
+            <a:schemeClr val="accent1"/>
+          </a:lnRef>
+          <a:fillRef idx="0">
+            <a:schemeClr val="accent1"/>
+          </a:fillRef>
+          <a:effectRef idx="0">
+            <a:schemeClr val="accent1"/>
+          </a:effectRef>
+          <a:fontRef idx="minor">
+            <a:schemeClr val="tx1"/>
+          </a:fontRef>
+        </p:style>
+      </p:cxnSp>
+      <p:cxnSp>
+        <p:nvCxnSpPr>
+          <p:cNvPr id="27" name="直接连接符 26"/>
+          <p:cNvCxnSpPr/>
+          <p:nvPr/>
+        </p:nvCxnSpPr>
+        <p:spPr>
+          <a:xfrm flipV="1">
+            <a:off x="8221980" y="513080"/>
+            <a:ext cx="3689985" cy="3632835"/>
+          </a:xfrm>
+          <a:prstGeom prst="line">
+            <a:avLst/>
+          </a:prstGeom>
+          <a:ln w="38100">
+            <a:solidFill>
+              <a:schemeClr val="bg1">
+                <a:lumMod val="50000"/>
+              </a:schemeClr>
+            </a:solidFill>
+          </a:ln>
+        </p:spPr>
+        <p:style>
+          <a:lnRef idx="1">
+            <a:schemeClr val="accent1"/>
+          </a:lnRef>
+          <a:fillRef idx="0">
+            <a:schemeClr val="accent1"/>
+          </a:fillRef>
+          <a:effectRef idx="0">
+            <a:schemeClr val="accent1"/>
+          </a:effectRef>
+          <a:fontRef idx="minor">
+            <a:schemeClr val="tx1"/>
+          </a:fontRef>
+        </p:style>
+      </p:cxnSp>
+      <p:cxnSp>
+        <p:nvCxnSpPr>
+          <p:cNvPr id="28" name="直接连接符 27"/>
+          <p:cNvCxnSpPr/>
+          <p:nvPr/>
+        </p:nvCxnSpPr>
+        <p:spPr>
+          <a:xfrm flipV="1">
+            <a:off x="8425815" y="530860"/>
+            <a:ext cx="3689985" cy="3632835"/>
+          </a:xfrm>
+          <a:prstGeom prst="line">
+            <a:avLst/>
+          </a:prstGeom>
+          <a:ln w="38100">
+            <a:solidFill>
+              <a:schemeClr val="bg1">
+                <a:lumMod val="50000"/>
+              </a:schemeClr>
+            </a:solidFill>
+          </a:ln>
+        </p:spPr>
+        <p:style>
+          <a:lnRef idx="1">
+            <a:schemeClr val="accent1"/>
+          </a:lnRef>
+          <a:fillRef idx="0">
+            <a:schemeClr val="accent1"/>
+          </a:fillRef>
+          <a:effectRef idx="0">
+            <a:schemeClr val="accent1"/>
+          </a:effectRef>
+          <a:fontRef idx="minor">
+            <a:schemeClr val="tx1"/>
+          </a:fontRef>
+        </p:style>
+      </p:cxnSp>
+      <p:sp>
+        <p:nvSpPr>
+          <p:cNvPr id="29" name="文本框 28"/>
+          <p:cNvSpPr txBox="1"/>
+          <p:nvPr/>
+        </p:nvSpPr>
+        <p:spPr>
+          <a:xfrm>
+            <a:off x="1136015" y="4554855"/>
+            <a:ext cx="685800" cy="553085"/>
+          </a:xfrm>
+          <a:prstGeom prst="rect">
+            <a:avLst/>
+          </a:prstGeom>
+          <a:noFill/>
+        </p:spPr>
+        <p:txBody>
+          <a:bodyPr wrap="square" rtlCol="0">
+            <a:spAutoFit/>
+          </a:bodyPr>
+          <a:p>
+            <a:pPr algn="ctr"/>
+            <a:r>
+              <a:rPr lang="en-US" altLang="zh-CN" sz="1000" b="1">
+                <a:solidFill>
+                  <a:srgbClr val="FF0000"/>
+                </a:solidFill>
+                <a:latin typeface="微软雅黑" panose="020B0503020204020204" charset="-122"/>
+                <a:ea typeface="微软雅黑" panose="020B0503020204020204" charset="-122"/>
+              </a:rPr>
+              <a:t>conv1_1</a:t>
+            </a:r>
+            <a:endParaRPr lang="zh-CN" altLang="en-US" sz="1000" b="1">
+              <a:solidFill>
+                <a:srgbClr val="FF0000"/>
+              </a:solidFill>
+              <a:latin typeface="微软雅黑" panose="020B0503020204020204" charset="-122"/>
+              <a:ea typeface="微软雅黑" panose="020B0503020204020204" charset="-122"/>
+            </a:endParaRPr>
+          </a:p>
+          <a:p>
+            <a:pPr algn="ctr"/>
+            <a:r>
+              <a:rPr lang="en-US" altLang="zh-CN" sz="1000" b="1">
+                <a:solidFill>
+                  <a:srgbClr val="FF0000"/>
+                </a:solidFill>
+                <a:latin typeface="微软雅黑" panose="020B0503020204020204" charset="-122"/>
+                <a:ea typeface="微软雅黑" panose="020B0503020204020204" charset="-122"/>
+              </a:rPr>
+              <a:t>3x3x64@1</a:t>
+            </a:r>
+            <a:endParaRPr lang="en-US" altLang="zh-CN" sz="1000" b="1">
+              <a:solidFill>
+                <a:srgbClr val="FF0000"/>
+              </a:solidFill>
+              <a:latin typeface="微软雅黑" panose="020B0503020204020204" charset="-122"/>
+              <a:ea typeface="微软雅黑" panose="020B0503020204020204" charset="-122"/>
+            </a:endParaRPr>
+          </a:p>
+        </p:txBody>
+      </p:sp>
+      <p:sp>
+        <p:nvSpPr>
+          <p:cNvPr id="30" name="文本框 29"/>
+          <p:cNvSpPr txBox="1"/>
+          <p:nvPr/>
+        </p:nvSpPr>
+        <p:spPr>
+          <a:xfrm>
+            <a:off x="1735455" y="4554855"/>
+            <a:ext cx="685800" cy="553085"/>
+          </a:xfrm>
+          <a:prstGeom prst="rect">
+            <a:avLst/>
+          </a:prstGeom>
+          <a:noFill/>
+        </p:spPr>
+        <p:txBody>
+          <a:bodyPr wrap="square" rtlCol="0">
+            <a:spAutoFit/>
+          </a:bodyPr>
+          <a:p>
+            <a:pPr algn="ctr"/>
+            <a:r>
+              <a:rPr lang="en-US" altLang="zh-CN" sz="1000" b="1">
+                <a:solidFill>
+                  <a:srgbClr val="FF0000"/>
+                </a:solidFill>
+                <a:latin typeface="微软雅黑" panose="020B0503020204020204" charset="-122"/>
+                <a:ea typeface="微软雅黑" panose="020B0503020204020204" charset="-122"/>
+              </a:rPr>
+              <a:t>conv1_2</a:t>
+            </a:r>
+            <a:endParaRPr lang="zh-CN" altLang="en-US" sz="1000" b="1">
+              <a:solidFill>
+                <a:srgbClr val="FF0000"/>
+              </a:solidFill>
+              <a:latin typeface="微软雅黑" panose="020B0503020204020204" charset="-122"/>
+              <a:ea typeface="微软雅黑" panose="020B0503020204020204" charset="-122"/>
+            </a:endParaRPr>
+          </a:p>
+          <a:p>
+            <a:pPr algn="ctr"/>
+            <a:r>
+              <a:rPr lang="en-US" altLang="zh-CN" sz="1000" b="1">
+                <a:solidFill>
+                  <a:srgbClr val="FF0000"/>
+                </a:solidFill>
+                <a:latin typeface="微软雅黑" panose="020B0503020204020204" charset="-122"/>
+                <a:ea typeface="微软雅黑" panose="020B0503020204020204" charset="-122"/>
+              </a:rPr>
+              <a:t>3x3x64@1</a:t>
+            </a:r>
+            <a:endParaRPr lang="en-US" altLang="zh-CN" sz="1000" b="1">
+              <a:solidFill>
+                <a:srgbClr val="FF0000"/>
+              </a:solidFill>
+              <a:latin typeface="微软雅黑" panose="020B0503020204020204" charset="-122"/>
+              <a:ea typeface="微软雅黑" panose="020B0503020204020204" charset="-122"/>
+            </a:endParaRPr>
+          </a:p>
+        </p:txBody>
+      </p:sp>
+      <p:sp>
+        <p:nvSpPr>
+          <p:cNvPr id="31" name="文本框 30"/>
+          <p:cNvSpPr txBox="1"/>
+          <p:nvPr/>
+        </p:nvSpPr>
+        <p:spPr>
+          <a:xfrm>
+            <a:off x="2969260" y="4554855"/>
+            <a:ext cx="685800" cy="506730"/>
+          </a:xfrm>
+          <a:prstGeom prst="rect">
+            <a:avLst/>
+          </a:prstGeom>
+          <a:noFill/>
+        </p:spPr>
+        <p:txBody>
+          <a:bodyPr wrap="square" rtlCol="0">
+            <a:spAutoFit/>
+          </a:bodyPr>
+          <a:p>
+            <a:pPr algn="ctr"/>
+            <a:r>
+              <a:rPr lang="en-US" altLang="zh-CN" sz="900" b="1">
+                <a:solidFill>
+                  <a:srgbClr val="FF0000"/>
+                </a:solidFill>
+                <a:latin typeface="微软雅黑" panose="020B0503020204020204" charset="-122"/>
+                <a:ea typeface="微软雅黑" panose="020B0503020204020204" charset="-122"/>
+              </a:rPr>
+              <a:t>conv2_1</a:t>
+            </a:r>
+            <a:endParaRPr lang="zh-CN" altLang="en-US" sz="900" b="1">
+              <a:solidFill>
+                <a:srgbClr val="FF0000"/>
+              </a:solidFill>
+              <a:latin typeface="微软雅黑" panose="020B0503020204020204" charset="-122"/>
+              <a:ea typeface="微软雅黑" panose="020B0503020204020204" charset="-122"/>
+            </a:endParaRPr>
+          </a:p>
+          <a:p>
+            <a:pPr algn="ctr"/>
+            <a:r>
+              <a:rPr lang="en-US" altLang="zh-CN" sz="900" b="1">
+                <a:solidFill>
+                  <a:srgbClr val="FF0000"/>
+                </a:solidFill>
+                <a:latin typeface="微软雅黑" panose="020B0503020204020204" charset="-122"/>
+                <a:ea typeface="微软雅黑" panose="020B0503020204020204" charset="-122"/>
+              </a:rPr>
+              <a:t>3x3x128@1</a:t>
+            </a:r>
+            <a:endParaRPr lang="en-US" altLang="zh-CN" sz="900" b="1">
+              <a:solidFill>
+                <a:srgbClr val="FF0000"/>
+              </a:solidFill>
+              <a:latin typeface="微软雅黑" panose="020B0503020204020204" charset="-122"/>
+              <a:ea typeface="微软雅黑" panose="020B0503020204020204" charset="-122"/>
+            </a:endParaRPr>
+          </a:p>
+        </p:txBody>
+      </p:sp>
+      <p:sp>
+        <p:nvSpPr>
+          <p:cNvPr id="32" name="文本框 31"/>
+          <p:cNvSpPr txBox="1"/>
+          <p:nvPr/>
+        </p:nvSpPr>
+        <p:spPr>
+          <a:xfrm>
+            <a:off x="3474085" y="4554855"/>
+            <a:ext cx="685800" cy="506730"/>
+          </a:xfrm>
+          <a:prstGeom prst="rect">
+            <a:avLst/>
+          </a:prstGeom>
+          <a:noFill/>
+        </p:spPr>
+        <p:txBody>
+          <a:bodyPr wrap="square" rtlCol="0">
+            <a:spAutoFit/>
+          </a:bodyPr>
+          <a:p>
+            <a:pPr algn="ctr"/>
+            <a:r>
+              <a:rPr lang="en-US" altLang="zh-CN" sz="900" b="1">
+                <a:solidFill>
+                  <a:srgbClr val="FF0000"/>
+                </a:solidFill>
+                <a:latin typeface="微软雅黑" panose="020B0503020204020204" charset="-122"/>
+                <a:ea typeface="微软雅黑" panose="020B0503020204020204" charset="-122"/>
+              </a:rPr>
+              <a:t>conv2_2</a:t>
+            </a:r>
+            <a:endParaRPr lang="zh-CN" altLang="en-US" sz="900" b="1">
+              <a:solidFill>
+                <a:srgbClr val="FF0000"/>
+              </a:solidFill>
+              <a:latin typeface="微软雅黑" panose="020B0503020204020204" charset="-122"/>
+              <a:ea typeface="微软雅黑" panose="020B0503020204020204" charset="-122"/>
+            </a:endParaRPr>
+          </a:p>
+          <a:p>
+            <a:pPr algn="ctr"/>
+            <a:r>
+              <a:rPr lang="en-US" altLang="zh-CN" sz="900" b="1">
+                <a:solidFill>
+                  <a:srgbClr val="FF0000"/>
+                </a:solidFill>
+                <a:latin typeface="微软雅黑" panose="020B0503020204020204" charset="-122"/>
+                <a:ea typeface="微软雅黑" panose="020B0503020204020204" charset="-122"/>
+              </a:rPr>
+              <a:t>3x3x128@1</a:t>
+            </a:r>
+            <a:endParaRPr lang="en-US" altLang="zh-CN" sz="900" b="1">
+              <a:solidFill>
+                <a:srgbClr val="FF0000"/>
+              </a:solidFill>
+              <a:latin typeface="微软雅黑" panose="020B0503020204020204" charset="-122"/>
+              <a:ea typeface="微软雅黑" panose="020B0503020204020204" charset="-122"/>
+            </a:endParaRPr>
+          </a:p>
+        </p:txBody>
+      </p:sp>
+      <p:sp>
+        <p:nvSpPr>
+          <p:cNvPr id="33" name="文本框 32"/>
+          <p:cNvSpPr txBox="1"/>
+          <p:nvPr/>
+        </p:nvSpPr>
+        <p:spPr>
+          <a:xfrm>
+            <a:off x="4189730" y="5148580"/>
+            <a:ext cx="685800" cy="460375"/>
+          </a:xfrm>
+          <a:prstGeom prst="rect">
+            <a:avLst/>
+          </a:prstGeom>
+          <a:noFill/>
+        </p:spPr>
+        <p:txBody>
+          <a:bodyPr wrap="square" rtlCol="0">
+            <a:spAutoFit/>
+          </a:bodyPr>
+          <a:p>
+            <a:pPr algn="ctr"/>
+            <a:r>
+              <a:rPr lang="en-US" altLang="zh-CN" sz="800" b="1">
+                <a:solidFill>
+                  <a:srgbClr val="FF0000"/>
+                </a:solidFill>
+                <a:latin typeface="微软雅黑" panose="020B0503020204020204" charset="-122"/>
+                <a:ea typeface="微软雅黑" panose="020B0503020204020204" charset="-122"/>
+              </a:rPr>
+              <a:t>conv3_1</a:t>
+            </a:r>
+            <a:endParaRPr lang="zh-CN" altLang="en-US" sz="800" b="1">
+              <a:solidFill>
+                <a:srgbClr val="FF0000"/>
+              </a:solidFill>
+              <a:latin typeface="微软雅黑" panose="020B0503020204020204" charset="-122"/>
+              <a:ea typeface="微软雅黑" panose="020B0503020204020204" charset="-122"/>
+            </a:endParaRPr>
+          </a:p>
+          <a:p>
+            <a:pPr algn="ctr"/>
+            <a:r>
+              <a:rPr lang="en-US" altLang="zh-CN" sz="800" b="1">
+                <a:solidFill>
+                  <a:srgbClr val="FF0000"/>
+                </a:solidFill>
+                <a:latin typeface="微软雅黑" panose="020B0503020204020204" charset="-122"/>
+                <a:ea typeface="微软雅黑" panose="020B0503020204020204" charset="-122"/>
+              </a:rPr>
+              <a:t>3x3x256@1</a:t>
+            </a:r>
+            <a:endParaRPr lang="en-US" altLang="zh-CN" sz="800" b="1">
+              <a:solidFill>
+                <a:srgbClr val="FF0000"/>
+              </a:solidFill>
+              <a:latin typeface="微软雅黑" panose="020B0503020204020204" charset="-122"/>
+              <a:ea typeface="微软雅黑" panose="020B0503020204020204" charset="-122"/>
+            </a:endParaRPr>
+          </a:p>
+        </p:txBody>
+      </p:sp>
+      <p:sp>
+        <p:nvSpPr>
+          <p:cNvPr id="34" name="文本框 33"/>
+          <p:cNvSpPr txBox="1"/>
+          <p:nvPr/>
+        </p:nvSpPr>
+        <p:spPr>
+          <a:xfrm>
+            <a:off x="4655820" y="5148580"/>
+            <a:ext cx="685800" cy="460375"/>
+          </a:xfrm>
+          <a:prstGeom prst="rect">
+            <a:avLst/>
+          </a:prstGeom>
+          <a:noFill/>
+        </p:spPr>
+        <p:txBody>
+          <a:bodyPr wrap="square" rtlCol="0">
+            <a:spAutoFit/>
+          </a:bodyPr>
+          <a:p>
+            <a:pPr algn="ctr"/>
+            <a:r>
+              <a:rPr lang="en-US" altLang="zh-CN" sz="800" b="1">
+                <a:solidFill>
+                  <a:srgbClr val="FF0000"/>
+                </a:solidFill>
+                <a:latin typeface="微软雅黑" panose="020B0503020204020204" charset="-122"/>
+                <a:ea typeface="微软雅黑" panose="020B0503020204020204" charset="-122"/>
+              </a:rPr>
+              <a:t>conv3_2</a:t>
+            </a:r>
+            <a:endParaRPr lang="zh-CN" altLang="en-US" sz="800" b="1">
+              <a:solidFill>
+                <a:srgbClr val="FF0000"/>
+              </a:solidFill>
+              <a:latin typeface="微软雅黑" panose="020B0503020204020204" charset="-122"/>
+              <a:ea typeface="微软雅黑" panose="020B0503020204020204" charset="-122"/>
+            </a:endParaRPr>
+          </a:p>
+          <a:p>
+            <a:pPr algn="ctr"/>
+            <a:r>
+              <a:rPr lang="en-US" altLang="zh-CN" sz="800" b="1">
+                <a:solidFill>
+                  <a:srgbClr val="FF0000"/>
+                </a:solidFill>
+                <a:latin typeface="微软雅黑" panose="020B0503020204020204" charset="-122"/>
+                <a:ea typeface="微软雅黑" panose="020B0503020204020204" charset="-122"/>
+              </a:rPr>
+              <a:t>3x3x256@1</a:t>
+            </a:r>
+            <a:endParaRPr lang="en-US" altLang="zh-CN" sz="800" b="1">
+              <a:solidFill>
+                <a:srgbClr val="FF0000"/>
+              </a:solidFill>
+              <a:latin typeface="微软雅黑" panose="020B0503020204020204" charset="-122"/>
+              <a:ea typeface="微软雅黑" panose="020B0503020204020204" charset="-122"/>
+            </a:endParaRPr>
+          </a:p>
+        </p:txBody>
+      </p:sp>
+      <p:sp>
+        <p:nvSpPr>
+          <p:cNvPr id="35" name="文本框 34"/>
+          <p:cNvSpPr txBox="1"/>
+          <p:nvPr/>
+        </p:nvSpPr>
+        <p:spPr>
+          <a:xfrm>
+            <a:off x="5120640" y="5148580"/>
+            <a:ext cx="685800" cy="460375"/>
+          </a:xfrm>
+          <a:prstGeom prst="rect">
+            <a:avLst/>
+          </a:prstGeom>
+          <a:noFill/>
+        </p:spPr>
+        <p:txBody>
+          <a:bodyPr wrap="square" rtlCol="0">
+            <a:spAutoFit/>
+          </a:bodyPr>
+          <a:p>
+            <a:pPr algn="ctr"/>
+            <a:r>
+              <a:rPr lang="en-US" altLang="zh-CN" sz="800" b="1">
+                <a:solidFill>
+                  <a:srgbClr val="FF0000"/>
+                </a:solidFill>
+                <a:latin typeface="微软雅黑" panose="020B0503020204020204" charset="-122"/>
+                <a:ea typeface="微软雅黑" panose="020B0503020204020204" charset="-122"/>
+              </a:rPr>
+              <a:t>conv3_3</a:t>
+            </a:r>
+            <a:endParaRPr lang="zh-CN" altLang="en-US" sz="800" b="1">
+              <a:solidFill>
+                <a:srgbClr val="FF0000"/>
+              </a:solidFill>
+              <a:latin typeface="微软雅黑" panose="020B0503020204020204" charset="-122"/>
+              <a:ea typeface="微软雅黑" panose="020B0503020204020204" charset="-122"/>
+            </a:endParaRPr>
+          </a:p>
+          <a:p>
+            <a:pPr algn="ctr"/>
+            <a:r>
+              <a:rPr lang="en-US" altLang="zh-CN" sz="800" b="1">
+                <a:solidFill>
+                  <a:srgbClr val="FF0000"/>
+                </a:solidFill>
+                <a:latin typeface="微软雅黑" panose="020B0503020204020204" charset="-122"/>
+                <a:ea typeface="微软雅黑" panose="020B0503020204020204" charset="-122"/>
+              </a:rPr>
+              <a:t>3x3x256@1</a:t>
+            </a:r>
+            <a:endParaRPr lang="en-US" altLang="zh-CN" sz="800" b="1">
+              <a:solidFill>
+                <a:srgbClr val="FF0000"/>
+              </a:solidFill>
+              <a:latin typeface="微软雅黑" panose="020B0503020204020204" charset="-122"/>
+              <a:ea typeface="微软雅黑" panose="020B0503020204020204" charset="-122"/>
+            </a:endParaRPr>
+          </a:p>
+        </p:txBody>
+      </p:sp>
+      <p:sp>
+        <p:nvSpPr>
+          <p:cNvPr id="36" name="文本框 35"/>
+          <p:cNvSpPr txBox="1"/>
+          <p:nvPr/>
+        </p:nvSpPr>
+        <p:spPr>
+          <a:xfrm>
+            <a:off x="5273040" y="4721860"/>
+            <a:ext cx="610870" cy="460375"/>
+          </a:xfrm>
+          <a:prstGeom prst="rect">
+            <a:avLst/>
+          </a:prstGeom>
+          <a:noFill/>
+        </p:spPr>
+        <p:txBody>
+          <a:bodyPr wrap="square" rtlCol="0">
+            <a:spAutoFit/>
+          </a:bodyPr>
+          <a:p>
+            <a:pPr algn="ctr"/>
+            <a:r>
+              <a:rPr lang="en-US" altLang="zh-CN" sz="800" b="1">
+                <a:solidFill>
+                  <a:srgbClr val="FF0000"/>
+                </a:solidFill>
+                <a:latin typeface="微软雅黑" panose="020B0503020204020204" charset="-122"/>
+                <a:ea typeface="微软雅黑" panose="020B0503020204020204" charset="-122"/>
+              </a:rPr>
+              <a:t>conv4_1</a:t>
+            </a:r>
+            <a:endParaRPr lang="zh-CN" altLang="en-US" sz="800" b="1">
+              <a:solidFill>
+                <a:srgbClr val="FF0000"/>
+              </a:solidFill>
+              <a:latin typeface="微软雅黑" panose="020B0503020204020204" charset="-122"/>
+              <a:ea typeface="微软雅黑" panose="020B0503020204020204" charset="-122"/>
+            </a:endParaRPr>
+          </a:p>
+          <a:p>
+            <a:pPr algn="ctr"/>
+            <a:r>
+              <a:rPr lang="en-US" altLang="zh-CN" sz="800" b="1">
+                <a:solidFill>
+                  <a:srgbClr val="FF0000"/>
+                </a:solidFill>
+                <a:latin typeface="微软雅黑" panose="020B0503020204020204" charset="-122"/>
+                <a:ea typeface="微软雅黑" panose="020B0503020204020204" charset="-122"/>
+              </a:rPr>
+              <a:t>3x3x512@1</a:t>
+            </a:r>
+            <a:endParaRPr lang="en-US" altLang="zh-CN" sz="800" b="1">
+              <a:solidFill>
+                <a:srgbClr val="FF0000"/>
+              </a:solidFill>
+              <a:latin typeface="微软雅黑" panose="020B0503020204020204" charset="-122"/>
+              <a:ea typeface="微软雅黑" panose="020B0503020204020204" charset="-122"/>
+            </a:endParaRPr>
+          </a:p>
+        </p:txBody>
+      </p:sp>
+      <p:sp>
+        <p:nvSpPr>
+          <p:cNvPr id="37" name="文本框 36"/>
+          <p:cNvSpPr txBox="1"/>
+          <p:nvPr/>
+        </p:nvSpPr>
+        <p:spPr>
+          <a:xfrm>
+            <a:off x="5717540" y="4721860"/>
+            <a:ext cx="685800" cy="460375"/>
+          </a:xfrm>
+          <a:prstGeom prst="rect">
+            <a:avLst/>
+          </a:prstGeom>
+          <a:noFill/>
+        </p:spPr>
+        <p:txBody>
+          <a:bodyPr wrap="square" rtlCol="0">
+            <a:spAutoFit/>
+          </a:bodyPr>
+          <a:p>
+            <a:pPr algn="ctr"/>
+            <a:r>
+              <a:rPr lang="en-US" altLang="zh-CN" sz="800" b="1">
+                <a:solidFill>
+                  <a:srgbClr val="FF0000"/>
+                </a:solidFill>
+                <a:latin typeface="微软雅黑" panose="020B0503020204020204" charset="-122"/>
+                <a:ea typeface="微软雅黑" panose="020B0503020204020204" charset="-122"/>
+              </a:rPr>
+              <a:t>conv4_2</a:t>
+            </a:r>
+            <a:endParaRPr lang="zh-CN" altLang="en-US" sz="800" b="1">
+              <a:solidFill>
+                <a:srgbClr val="FF0000"/>
+              </a:solidFill>
+              <a:latin typeface="微软雅黑" panose="020B0503020204020204" charset="-122"/>
+              <a:ea typeface="微软雅黑" panose="020B0503020204020204" charset="-122"/>
+            </a:endParaRPr>
+          </a:p>
+          <a:p>
+            <a:pPr algn="ctr"/>
+            <a:r>
+              <a:rPr lang="en-US" altLang="zh-CN" sz="800" b="1">
+                <a:solidFill>
+                  <a:srgbClr val="FF0000"/>
+                </a:solidFill>
+                <a:latin typeface="微软雅黑" panose="020B0503020204020204" charset="-122"/>
+                <a:ea typeface="微软雅黑" panose="020B0503020204020204" charset="-122"/>
+              </a:rPr>
+              <a:t>3x3x512@1</a:t>
+            </a:r>
+            <a:endParaRPr lang="en-US" altLang="zh-CN" sz="800" b="1">
+              <a:solidFill>
+                <a:srgbClr val="FF0000"/>
+              </a:solidFill>
+              <a:latin typeface="微软雅黑" panose="020B0503020204020204" charset="-122"/>
+              <a:ea typeface="微软雅黑" panose="020B0503020204020204" charset="-122"/>
+            </a:endParaRPr>
+          </a:p>
+        </p:txBody>
+      </p:sp>
+      <p:sp>
+        <p:nvSpPr>
+          <p:cNvPr id="38" name="文本框 37"/>
+          <p:cNvSpPr txBox="1"/>
+          <p:nvPr/>
+        </p:nvSpPr>
+        <p:spPr>
+          <a:xfrm>
+            <a:off x="6193790" y="4721860"/>
+            <a:ext cx="685800" cy="460375"/>
+          </a:xfrm>
+          <a:prstGeom prst="rect">
+            <a:avLst/>
+          </a:prstGeom>
+          <a:noFill/>
+        </p:spPr>
+        <p:txBody>
+          <a:bodyPr wrap="square" rtlCol="0">
+            <a:spAutoFit/>
+          </a:bodyPr>
+          <a:p>
+            <a:pPr algn="ctr"/>
+            <a:r>
+              <a:rPr lang="en-US" altLang="zh-CN" sz="800" b="1">
+                <a:solidFill>
+                  <a:srgbClr val="FF0000"/>
+                </a:solidFill>
+                <a:latin typeface="微软雅黑" panose="020B0503020204020204" charset="-122"/>
+                <a:ea typeface="微软雅黑" panose="020B0503020204020204" charset="-122"/>
+              </a:rPr>
+              <a:t>conv4_3</a:t>
+            </a:r>
+            <a:endParaRPr lang="zh-CN" altLang="en-US" sz="800" b="1">
+              <a:solidFill>
+                <a:srgbClr val="FF0000"/>
+              </a:solidFill>
+              <a:latin typeface="微软雅黑" panose="020B0503020204020204" charset="-122"/>
+              <a:ea typeface="微软雅黑" panose="020B0503020204020204" charset="-122"/>
+            </a:endParaRPr>
+          </a:p>
+          <a:p>
+            <a:pPr algn="ctr"/>
+            <a:r>
+              <a:rPr lang="en-US" altLang="zh-CN" sz="800" b="1">
+                <a:solidFill>
+                  <a:srgbClr val="FF0000"/>
+                </a:solidFill>
+                <a:latin typeface="微软雅黑" panose="020B0503020204020204" charset="-122"/>
+                <a:ea typeface="微软雅黑" panose="020B0503020204020204" charset="-122"/>
+              </a:rPr>
+              <a:t>3x3x512@1</a:t>
+            </a:r>
+            <a:endParaRPr lang="en-US" altLang="zh-CN" sz="800" b="1">
+              <a:solidFill>
+                <a:srgbClr val="FF0000"/>
+              </a:solidFill>
+              <a:latin typeface="微软雅黑" panose="020B0503020204020204" charset="-122"/>
+              <a:ea typeface="微软雅黑" panose="020B0503020204020204" charset="-122"/>
+            </a:endParaRPr>
+          </a:p>
+        </p:txBody>
+      </p:sp>
+      <p:sp>
+        <p:nvSpPr>
+          <p:cNvPr id="39" name="文本框 38"/>
+          <p:cNvSpPr txBox="1"/>
+          <p:nvPr/>
+        </p:nvSpPr>
+        <p:spPr>
+          <a:xfrm>
+            <a:off x="6202680" y="4305935"/>
+            <a:ext cx="685800" cy="460375"/>
+          </a:xfrm>
+          <a:prstGeom prst="rect">
+            <a:avLst/>
+          </a:prstGeom>
+          <a:noFill/>
+        </p:spPr>
+        <p:txBody>
+          <a:bodyPr wrap="square" rtlCol="0">
+            <a:spAutoFit/>
+          </a:bodyPr>
+          <a:p>
+            <a:pPr algn="ctr"/>
+            <a:r>
+              <a:rPr lang="en-US" altLang="zh-CN" sz="800" b="1">
+                <a:solidFill>
+                  <a:srgbClr val="FF0000"/>
+                </a:solidFill>
+                <a:latin typeface="微软雅黑" panose="020B0503020204020204" charset="-122"/>
+                <a:ea typeface="微软雅黑" panose="020B0503020204020204" charset="-122"/>
+              </a:rPr>
+              <a:t>conv5_1</a:t>
+            </a:r>
+            <a:endParaRPr lang="zh-CN" altLang="en-US" sz="800" b="1">
+              <a:solidFill>
+                <a:srgbClr val="FF0000"/>
+              </a:solidFill>
+              <a:latin typeface="微软雅黑" panose="020B0503020204020204" charset="-122"/>
+              <a:ea typeface="微软雅黑" panose="020B0503020204020204" charset="-122"/>
+            </a:endParaRPr>
+          </a:p>
+          <a:p>
+            <a:pPr algn="ctr"/>
+            <a:r>
+              <a:rPr lang="en-US" altLang="zh-CN" sz="800" b="1">
+                <a:solidFill>
+                  <a:srgbClr val="FF0000"/>
+                </a:solidFill>
+                <a:latin typeface="微软雅黑" panose="020B0503020204020204" charset="-122"/>
+                <a:ea typeface="微软雅黑" panose="020B0503020204020204" charset="-122"/>
+              </a:rPr>
+              <a:t>3x3x512@1</a:t>
+            </a:r>
+            <a:endParaRPr lang="en-US" altLang="zh-CN" sz="800" b="1">
+              <a:solidFill>
+                <a:srgbClr val="FF0000"/>
+              </a:solidFill>
+              <a:latin typeface="微软雅黑" panose="020B0503020204020204" charset="-122"/>
+              <a:ea typeface="微软雅黑" panose="020B0503020204020204" charset="-122"/>
+            </a:endParaRPr>
+          </a:p>
+        </p:txBody>
+      </p:sp>
+      <p:sp>
+        <p:nvSpPr>
+          <p:cNvPr id="40" name="文本框 39"/>
+          <p:cNvSpPr txBox="1"/>
+          <p:nvPr/>
+        </p:nvSpPr>
+        <p:spPr>
+          <a:xfrm>
+            <a:off x="6664960" y="4305935"/>
+            <a:ext cx="685800" cy="460375"/>
+          </a:xfrm>
+          <a:prstGeom prst="rect">
+            <a:avLst/>
+          </a:prstGeom>
+          <a:noFill/>
+        </p:spPr>
+        <p:txBody>
+          <a:bodyPr wrap="square" rtlCol="0">
+            <a:spAutoFit/>
+          </a:bodyPr>
+          <a:p>
+            <a:pPr algn="ctr"/>
+            <a:r>
+              <a:rPr lang="en-US" altLang="zh-CN" sz="800" b="1">
+                <a:solidFill>
+                  <a:srgbClr val="FF0000"/>
+                </a:solidFill>
+                <a:latin typeface="微软雅黑" panose="020B0503020204020204" charset="-122"/>
+                <a:ea typeface="微软雅黑" panose="020B0503020204020204" charset="-122"/>
+              </a:rPr>
+              <a:t>conv5_2</a:t>
+            </a:r>
+            <a:endParaRPr lang="zh-CN" altLang="en-US" sz="800" b="1">
+              <a:solidFill>
+                <a:srgbClr val="FF0000"/>
+              </a:solidFill>
+              <a:latin typeface="微软雅黑" panose="020B0503020204020204" charset="-122"/>
+              <a:ea typeface="微软雅黑" panose="020B0503020204020204" charset="-122"/>
+            </a:endParaRPr>
+          </a:p>
+          <a:p>
+            <a:pPr algn="ctr"/>
+            <a:r>
+              <a:rPr lang="en-US" altLang="zh-CN" sz="800" b="1">
+                <a:solidFill>
+                  <a:srgbClr val="FF0000"/>
+                </a:solidFill>
+                <a:latin typeface="微软雅黑" panose="020B0503020204020204" charset="-122"/>
+                <a:ea typeface="微软雅黑" panose="020B0503020204020204" charset="-122"/>
+              </a:rPr>
+              <a:t>3x3x512@1</a:t>
+            </a:r>
+            <a:endParaRPr lang="en-US" altLang="zh-CN" sz="800" b="1">
+              <a:solidFill>
+                <a:srgbClr val="FF0000"/>
+              </a:solidFill>
+              <a:latin typeface="微软雅黑" panose="020B0503020204020204" charset="-122"/>
+              <a:ea typeface="微软雅黑" panose="020B0503020204020204" charset="-122"/>
+            </a:endParaRPr>
+          </a:p>
+        </p:txBody>
+      </p:sp>
+      <p:sp>
+        <p:nvSpPr>
+          <p:cNvPr id="41" name="文本框 40"/>
+          <p:cNvSpPr txBox="1"/>
+          <p:nvPr/>
+        </p:nvSpPr>
+        <p:spPr>
+          <a:xfrm>
+            <a:off x="7155815" y="4288155"/>
+            <a:ext cx="685800" cy="460375"/>
+          </a:xfrm>
+          <a:prstGeom prst="rect">
+            <a:avLst/>
+          </a:prstGeom>
+          <a:noFill/>
+        </p:spPr>
+        <p:txBody>
+          <a:bodyPr wrap="square" rtlCol="0">
+            <a:spAutoFit/>
+          </a:bodyPr>
+          <a:p>
+            <a:pPr algn="ctr"/>
+            <a:r>
+              <a:rPr lang="en-US" altLang="zh-CN" sz="800" b="1">
+                <a:solidFill>
+                  <a:srgbClr val="FF0000"/>
+                </a:solidFill>
+                <a:latin typeface="微软雅黑" panose="020B0503020204020204" charset="-122"/>
+                <a:ea typeface="微软雅黑" panose="020B0503020204020204" charset="-122"/>
+              </a:rPr>
+              <a:t>conv5_3</a:t>
+            </a:r>
+            <a:endParaRPr lang="zh-CN" altLang="en-US" sz="800" b="1">
+              <a:solidFill>
+                <a:srgbClr val="FF0000"/>
+              </a:solidFill>
+              <a:latin typeface="微软雅黑" panose="020B0503020204020204" charset="-122"/>
+              <a:ea typeface="微软雅黑" panose="020B0503020204020204" charset="-122"/>
+            </a:endParaRPr>
+          </a:p>
+          <a:p>
+            <a:pPr algn="ctr"/>
+            <a:r>
+              <a:rPr lang="en-US" altLang="zh-CN" sz="800" b="1">
+                <a:solidFill>
+                  <a:srgbClr val="FF0000"/>
+                </a:solidFill>
+                <a:latin typeface="微软雅黑" panose="020B0503020204020204" charset="-122"/>
+                <a:ea typeface="微软雅黑" panose="020B0503020204020204" charset="-122"/>
+              </a:rPr>
+              <a:t>3x3x512@1</a:t>
+            </a:r>
+            <a:endParaRPr lang="en-US" altLang="zh-CN" sz="800" b="1">
+              <a:solidFill>
+                <a:srgbClr val="FF0000"/>
+              </a:solidFill>
+              <a:latin typeface="微软雅黑" panose="020B0503020204020204" charset="-122"/>
+              <a:ea typeface="微软雅黑" panose="020B0503020204020204" charset="-122"/>
+            </a:endParaRPr>
+          </a:p>
+        </p:txBody>
+      </p:sp>
+      <p:sp>
+        <p:nvSpPr>
+          <p:cNvPr id="42" name="文本框 41"/>
+          <p:cNvSpPr txBox="1"/>
+          <p:nvPr/>
+        </p:nvSpPr>
+        <p:spPr>
+          <a:xfrm>
+            <a:off x="2279015" y="4554855"/>
+            <a:ext cx="685800" cy="553085"/>
+          </a:xfrm>
+          <a:prstGeom prst="rect">
+            <a:avLst/>
+          </a:prstGeom>
+          <a:noFill/>
+        </p:spPr>
+        <p:txBody>
+          <a:bodyPr wrap="square" rtlCol="0">
+            <a:spAutoFit/>
+          </a:bodyPr>
+          <a:p>
+            <a:pPr algn="ctr"/>
+            <a:r>
+              <a:rPr lang="en-US" altLang="zh-CN" sz="1000" b="1">
+                <a:solidFill>
+                  <a:schemeClr val="accent6">
+                    <a:lumMod val="75000"/>
+                  </a:schemeClr>
+                </a:solidFill>
+                <a:latin typeface="微软雅黑" panose="020B0503020204020204" charset="-122"/>
+                <a:ea typeface="微软雅黑" panose="020B0503020204020204" charset="-122"/>
+              </a:rPr>
+              <a:t>max pooling</a:t>
+            </a:r>
+            <a:endParaRPr lang="zh-CN" altLang="en-US" sz="1000" b="1">
+              <a:solidFill>
+                <a:schemeClr val="accent6">
+                  <a:lumMod val="75000"/>
+                </a:schemeClr>
+              </a:solidFill>
+              <a:latin typeface="微软雅黑" panose="020B0503020204020204" charset="-122"/>
+              <a:ea typeface="微软雅黑" panose="020B0503020204020204" charset="-122"/>
+            </a:endParaRPr>
+          </a:p>
+          <a:p>
+            <a:pPr algn="ctr"/>
+            <a:r>
+              <a:rPr lang="en-US" altLang="zh-CN" sz="1000" b="1">
+                <a:solidFill>
+                  <a:schemeClr val="accent6">
+                    <a:lumMod val="75000"/>
+                  </a:schemeClr>
+                </a:solidFill>
+                <a:latin typeface="微软雅黑" panose="020B0503020204020204" charset="-122"/>
+                <a:ea typeface="微软雅黑" panose="020B0503020204020204" charset="-122"/>
+              </a:rPr>
+              <a:t>2x2@2</a:t>
+            </a:r>
+            <a:endParaRPr lang="en-US" altLang="zh-CN" sz="1000" b="1">
+              <a:solidFill>
+                <a:schemeClr val="accent6">
+                  <a:lumMod val="75000"/>
+                </a:schemeClr>
+              </a:solidFill>
+              <a:latin typeface="微软雅黑" panose="020B0503020204020204" charset="-122"/>
+              <a:ea typeface="微软雅黑" panose="020B0503020204020204" charset="-122"/>
+            </a:endParaRPr>
+          </a:p>
+        </p:txBody>
+      </p:sp>
+      <p:sp>
+        <p:nvSpPr>
+          <p:cNvPr id="43" name="文本框 42"/>
+          <p:cNvSpPr txBox="1"/>
+          <p:nvPr/>
+        </p:nvSpPr>
+        <p:spPr>
+          <a:xfrm>
+            <a:off x="3945890" y="4554855"/>
+            <a:ext cx="685800" cy="506730"/>
+          </a:xfrm>
+          <a:prstGeom prst="rect">
+            <a:avLst/>
+          </a:prstGeom>
+          <a:noFill/>
+        </p:spPr>
+        <p:txBody>
+          <a:bodyPr wrap="square" rtlCol="0">
+            <a:spAutoFit/>
+          </a:bodyPr>
+          <a:p>
+            <a:pPr algn="ctr"/>
+            <a:r>
+              <a:rPr lang="en-US" altLang="zh-CN" sz="900" b="1">
+                <a:solidFill>
+                  <a:schemeClr val="accent6">
+                    <a:lumMod val="75000"/>
+                  </a:schemeClr>
+                </a:solidFill>
+                <a:latin typeface="微软雅黑" panose="020B0503020204020204" charset="-122"/>
+                <a:ea typeface="微软雅黑" panose="020B0503020204020204" charset="-122"/>
+              </a:rPr>
+              <a:t>max pooling</a:t>
+            </a:r>
+            <a:endParaRPr lang="zh-CN" altLang="en-US" sz="900" b="1">
+              <a:solidFill>
+                <a:schemeClr val="accent6">
+                  <a:lumMod val="75000"/>
+                </a:schemeClr>
+              </a:solidFill>
+              <a:latin typeface="微软雅黑" panose="020B0503020204020204" charset="-122"/>
+              <a:ea typeface="微软雅黑" panose="020B0503020204020204" charset="-122"/>
+            </a:endParaRPr>
+          </a:p>
+          <a:p>
+            <a:pPr algn="ctr"/>
+            <a:r>
+              <a:rPr lang="en-US" altLang="zh-CN" sz="900" b="1">
+                <a:solidFill>
+                  <a:schemeClr val="accent6">
+                    <a:lumMod val="75000"/>
+                  </a:schemeClr>
+                </a:solidFill>
+                <a:latin typeface="微软雅黑" panose="020B0503020204020204" charset="-122"/>
+                <a:ea typeface="微软雅黑" panose="020B0503020204020204" charset="-122"/>
+              </a:rPr>
+              <a:t>2x2@2</a:t>
+            </a:r>
+            <a:endParaRPr lang="en-US" altLang="zh-CN" sz="900" b="1">
+              <a:solidFill>
+                <a:schemeClr val="accent6">
+                  <a:lumMod val="75000"/>
+                </a:schemeClr>
+              </a:solidFill>
+              <a:latin typeface="微软雅黑" panose="020B0503020204020204" charset="-122"/>
+              <a:ea typeface="微软雅黑" panose="020B0503020204020204" charset="-122"/>
+            </a:endParaRPr>
+          </a:p>
+        </p:txBody>
+      </p:sp>
+      <p:sp>
+        <p:nvSpPr>
+          <p:cNvPr id="44" name="文本框 43"/>
+          <p:cNvSpPr txBox="1"/>
+          <p:nvPr/>
+        </p:nvSpPr>
+        <p:spPr>
+          <a:xfrm>
+            <a:off x="5554980" y="5123815"/>
+            <a:ext cx="685800" cy="460375"/>
+          </a:xfrm>
+          <a:prstGeom prst="rect">
+            <a:avLst/>
+          </a:prstGeom>
+          <a:noFill/>
+        </p:spPr>
+        <p:txBody>
+          <a:bodyPr wrap="square" rtlCol="0">
+            <a:spAutoFit/>
+          </a:bodyPr>
+          <a:p>
+            <a:pPr algn="ctr"/>
+            <a:r>
+              <a:rPr lang="en-US" altLang="zh-CN" sz="800" b="1">
+                <a:solidFill>
+                  <a:schemeClr val="accent6">
+                    <a:lumMod val="75000"/>
+                  </a:schemeClr>
+                </a:solidFill>
+                <a:latin typeface="微软雅黑" panose="020B0503020204020204" charset="-122"/>
+                <a:ea typeface="微软雅黑" panose="020B0503020204020204" charset="-122"/>
+              </a:rPr>
+              <a:t>max pooling</a:t>
+            </a:r>
+            <a:endParaRPr lang="zh-CN" altLang="en-US" sz="800" b="1">
+              <a:solidFill>
+                <a:schemeClr val="accent6">
+                  <a:lumMod val="75000"/>
+                </a:schemeClr>
+              </a:solidFill>
+              <a:latin typeface="微软雅黑" panose="020B0503020204020204" charset="-122"/>
+              <a:ea typeface="微软雅黑" panose="020B0503020204020204" charset="-122"/>
+            </a:endParaRPr>
+          </a:p>
+          <a:p>
+            <a:pPr algn="ctr"/>
+            <a:r>
+              <a:rPr lang="en-US" altLang="zh-CN" sz="800" b="1">
+                <a:solidFill>
+                  <a:schemeClr val="accent6">
+                    <a:lumMod val="75000"/>
+                  </a:schemeClr>
+                </a:solidFill>
+                <a:latin typeface="微软雅黑" panose="020B0503020204020204" charset="-122"/>
+                <a:ea typeface="微软雅黑" panose="020B0503020204020204" charset="-122"/>
+              </a:rPr>
+              <a:t>2x2@2</a:t>
+            </a:r>
+            <a:endParaRPr lang="en-US" altLang="zh-CN" sz="800" b="1">
+              <a:solidFill>
+                <a:schemeClr val="accent6">
+                  <a:lumMod val="75000"/>
+                </a:schemeClr>
+              </a:solidFill>
+              <a:latin typeface="微软雅黑" panose="020B0503020204020204" charset="-122"/>
+              <a:ea typeface="微软雅黑" panose="020B0503020204020204" charset="-122"/>
+            </a:endParaRPr>
+          </a:p>
+        </p:txBody>
+      </p:sp>
+      <p:sp>
+        <p:nvSpPr>
+          <p:cNvPr id="45" name="文本框 44"/>
+          <p:cNvSpPr txBox="1"/>
+          <p:nvPr/>
+        </p:nvSpPr>
+        <p:spPr>
+          <a:xfrm>
+            <a:off x="6625590" y="4707890"/>
+            <a:ext cx="685800" cy="460375"/>
+          </a:xfrm>
+          <a:prstGeom prst="rect">
+            <a:avLst/>
+          </a:prstGeom>
+          <a:noFill/>
+        </p:spPr>
+        <p:txBody>
+          <a:bodyPr wrap="square" rtlCol="0">
+            <a:spAutoFit/>
+          </a:bodyPr>
+          <a:p>
+            <a:pPr algn="ctr"/>
+            <a:r>
+              <a:rPr lang="en-US" altLang="zh-CN" sz="800" b="1">
+                <a:solidFill>
+                  <a:schemeClr val="accent6">
+                    <a:lumMod val="75000"/>
+                  </a:schemeClr>
+                </a:solidFill>
+                <a:latin typeface="微软雅黑" panose="020B0503020204020204" charset="-122"/>
+                <a:ea typeface="微软雅黑" panose="020B0503020204020204" charset="-122"/>
+              </a:rPr>
+              <a:t>max pooling</a:t>
+            </a:r>
+            <a:endParaRPr lang="zh-CN" altLang="en-US" sz="800" b="1">
+              <a:solidFill>
+                <a:schemeClr val="accent6">
+                  <a:lumMod val="75000"/>
+                </a:schemeClr>
+              </a:solidFill>
+              <a:latin typeface="微软雅黑" panose="020B0503020204020204" charset="-122"/>
+              <a:ea typeface="微软雅黑" panose="020B0503020204020204" charset="-122"/>
+            </a:endParaRPr>
+          </a:p>
+          <a:p>
+            <a:pPr algn="ctr"/>
+            <a:r>
+              <a:rPr lang="en-US" altLang="zh-CN" sz="800" b="1">
+                <a:solidFill>
+                  <a:schemeClr val="accent6">
+                    <a:lumMod val="75000"/>
+                  </a:schemeClr>
+                </a:solidFill>
+                <a:latin typeface="微软雅黑" panose="020B0503020204020204" charset="-122"/>
+                <a:ea typeface="微软雅黑" panose="020B0503020204020204" charset="-122"/>
+              </a:rPr>
+              <a:t>2x2@2</a:t>
+            </a:r>
+            <a:endParaRPr lang="en-US" altLang="zh-CN" sz="800" b="1">
+              <a:solidFill>
+                <a:schemeClr val="accent6">
+                  <a:lumMod val="75000"/>
+                </a:schemeClr>
+              </a:solidFill>
+              <a:latin typeface="微软雅黑" panose="020B0503020204020204" charset="-122"/>
+              <a:ea typeface="微软雅黑" panose="020B0503020204020204" charset="-122"/>
+            </a:endParaRPr>
+          </a:p>
+        </p:txBody>
+      </p:sp>
+      <p:sp>
+        <p:nvSpPr>
+          <p:cNvPr id="46" name="文本框 45"/>
+          <p:cNvSpPr txBox="1"/>
+          <p:nvPr/>
+        </p:nvSpPr>
+        <p:spPr>
+          <a:xfrm>
+            <a:off x="7605395" y="4276725"/>
+            <a:ext cx="685800" cy="460375"/>
+          </a:xfrm>
+          <a:prstGeom prst="rect">
+            <a:avLst/>
+          </a:prstGeom>
+          <a:noFill/>
+        </p:spPr>
+        <p:txBody>
+          <a:bodyPr wrap="square" rtlCol="0">
+            <a:spAutoFit/>
+          </a:bodyPr>
+          <a:p>
+            <a:pPr algn="ctr"/>
+            <a:r>
+              <a:rPr lang="en-US" altLang="zh-CN" sz="800" b="1">
+                <a:solidFill>
+                  <a:schemeClr val="accent6">
+                    <a:lumMod val="75000"/>
+                  </a:schemeClr>
+                </a:solidFill>
+                <a:latin typeface="微软雅黑" panose="020B0503020204020204" charset="-122"/>
+                <a:ea typeface="微软雅黑" panose="020B0503020204020204" charset="-122"/>
+              </a:rPr>
+              <a:t>max pooling</a:t>
+            </a:r>
+            <a:endParaRPr lang="zh-CN" altLang="en-US" sz="800" b="1">
+              <a:solidFill>
+                <a:schemeClr val="accent6">
+                  <a:lumMod val="75000"/>
+                </a:schemeClr>
+              </a:solidFill>
+              <a:latin typeface="微软雅黑" panose="020B0503020204020204" charset="-122"/>
+              <a:ea typeface="微软雅黑" panose="020B0503020204020204" charset="-122"/>
+            </a:endParaRPr>
+          </a:p>
+          <a:p>
+            <a:pPr algn="ctr"/>
+            <a:r>
+              <a:rPr lang="en-US" altLang="zh-CN" sz="800" b="1">
+                <a:solidFill>
+                  <a:schemeClr val="accent6">
+                    <a:lumMod val="75000"/>
+                  </a:schemeClr>
+                </a:solidFill>
+                <a:latin typeface="微软雅黑" panose="020B0503020204020204" charset="-122"/>
+                <a:ea typeface="微软雅黑" panose="020B0503020204020204" charset="-122"/>
+              </a:rPr>
+              <a:t>2x2@2</a:t>
+            </a:r>
+            <a:endParaRPr lang="en-US" altLang="zh-CN" sz="800" b="1">
+              <a:solidFill>
+                <a:schemeClr val="accent6">
+                  <a:lumMod val="75000"/>
+                </a:schemeClr>
+              </a:solidFill>
+              <a:latin typeface="微软雅黑" panose="020B0503020204020204" charset="-122"/>
+              <a:ea typeface="微软雅黑" panose="020B0503020204020204" charset="-122"/>
+            </a:endParaRPr>
+          </a:p>
+        </p:txBody>
+      </p:sp>
+      <p:sp>
+        <p:nvSpPr>
+          <p:cNvPr id="47" name="文本框 46"/>
+          <p:cNvSpPr txBox="1"/>
+          <p:nvPr/>
+        </p:nvSpPr>
+        <p:spPr>
+          <a:xfrm>
+            <a:off x="1405255" y="1923415"/>
+            <a:ext cx="1395095" cy="460375"/>
+          </a:xfrm>
+          <a:prstGeom prst="rect">
+            <a:avLst/>
+          </a:prstGeom>
+          <a:noFill/>
+        </p:spPr>
+        <p:txBody>
+          <a:bodyPr wrap="square" rtlCol="0">
+            <a:spAutoFit/>
+          </a:bodyPr>
+          <a:p>
+            <a:pPr algn="ctr"/>
+            <a:r>
+              <a:rPr lang="en-US" altLang="zh-CN" sz="1200">
+                <a:solidFill>
+                  <a:srgbClr val="C00000"/>
+                </a:solidFill>
+                <a:latin typeface="微软雅黑" panose="020B0503020204020204" charset="-122"/>
+                <a:ea typeface="微软雅黑" panose="020B0503020204020204" charset="-122"/>
+              </a:rPr>
+              <a:t>conv1</a:t>
+            </a:r>
+            <a:r>
+              <a:rPr lang="zh-CN" altLang="en-US" sz="1200">
+                <a:solidFill>
+                  <a:srgbClr val="C00000"/>
+                </a:solidFill>
+                <a:latin typeface="微软雅黑" panose="020B0503020204020204" charset="-122"/>
+                <a:ea typeface="微软雅黑" panose="020B0503020204020204" charset="-122"/>
+              </a:rPr>
+              <a:t>特征图</a:t>
+            </a:r>
+            <a:endParaRPr lang="zh-CN" altLang="en-US" sz="1200">
+              <a:solidFill>
+                <a:srgbClr val="C00000"/>
+              </a:solidFill>
+              <a:latin typeface="微软雅黑" panose="020B0503020204020204" charset="-122"/>
+              <a:ea typeface="微软雅黑" panose="020B0503020204020204" charset="-122"/>
+            </a:endParaRPr>
+          </a:p>
+          <a:p>
+            <a:pPr algn="ctr"/>
+            <a:r>
+              <a:rPr lang="en-US" altLang="zh-CN" sz="1200">
+                <a:solidFill>
+                  <a:srgbClr val="C00000"/>
+                </a:solidFill>
+                <a:latin typeface="微软雅黑" panose="020B0503020204020204" charset="-122"/>
+                <a:ea typeface="微软雅黑" panose="020B0503020204020204" charset="-122"/>
+              </a:rPr>
+              <a:t>224x224x64</a:t>
+            </a:r>
+            <a:endParaRPr lang="en-US" altLang="zh-CN" sz="1200">
+              <a:solidFill>
+                <a:srgbClr val="C00000"/>
+              </a:solidFill>
+              <a:latin typeface="微软雅黑" panose="020B0503020204020204" charset="-122"/>
+              <a:ea typeface="微软雅黑" panose="020B0503020204020204" charset="-122"/>
+            </a:endParaRPr>
+          </a:p>
+        </p:txBody>
+      </p:sp>
+      <p:sp>
+        <p:nvSpPr>
+          <p:cNvPr id="48" name="文本框 47"/>
+          <p:cNvSpPr txBox="1"/>
+          <p:nvPr/>
+        </p:nvSpPr>
+        <p:spPr>
+          <a:xfrm>
+            <a:off x="2728595" y="1923415"/>
+            <a:ext cx="1395095" cy="645160"/>
+          </a:xfrm>
+          <a:prstGeom prst="rect">
+            <a:avLst/>
+          </a:prstGeom>
+          <a:noFill/>
+        </p:spPr>
+        <p:txBody>
+          <a:bodyPr wrap="square" rtlCol="0">
+            <a:spAutoFit/>
+          </a:bodyPr>
+          <a:p>
+            <a:pPr algn="ctr"/>
+            <a:r>
+              <a:rPr lang="en-US" altLang="zh-CN" sz="1200">
+                <a:solidFill>
+                  <a:schemeClr val="accent6">
+                    <a:lumMod val="75000"/>
+                  </a:schemeClr>
+                </a:solidFill>
+                <a:latin typeface="微软雅黑" panose="020B0503020204020204" charset="-122"/>
+                <a:ea typeface="微软雅黑" panose="020B0503020204020204" charset="-122"/>
+              </a:rPr>
+              <a:t>max pool 1</a:t>
+            </a:r>
+            <a:endParaRPr lang="en-US" altLang="zh-CN" sz="1200">
+              <a:solidFill>
+                <a:schemeClr val="accent6">
+                  <a:lumMod val="75000"/>
+                </a:schemeClr>
+              </a:solidFill>
+              <a:latin typeface="微软雅黑" panose="020B0503020204020204" charset="-122"/>
+              <a:ea typeface="微软雅黑" panose="020B0503020204020204" charset="-122"/>
+            </a:endParaRPr>
+          </a:p>
+          <a:p>
+            <a:pPr algn="ctr"/>
+            <a:r>
+              <a:rPr lang="zh-CN" altLang="en-US" sz="1200">
+                <a:solidFill>
+                  <a:schemeClr val="accent6">
+                    <a:lumMod val="75000"/>
+                  </a:schemeClr>
+                </a:solidFill>
+                <a:latin typeface="微软雅黑" panose="020B0503020204020204" charset="-122"/>
+                <a:ea typeface="微软雅黑" panose="020B0503020204020204" charset="-122"/>
+              </a:rPr>
+              <a:t>特征图</a:t>
+            </a:r>
+            <a:endParaRPr lang="zh-CN" altLang="en-US" sz="1200">
+              <a:solidFill>
+                <a:schemeClr val="accent6">
+                  <a:lumMod val="75000"/>
+                </a:schemeClr>
+              </a:solidFill>
+              <a:latin typeface="微软雅黑" panose="020B0503020204020204" charset="-122"/>
+              <a:ea typeface="微软雅黑" panose="020B0503020204020204" charset="-122"/>
+            </a:endParaRPr>
+          </a:p>
+          <a:p>
+            <a:pPr algn="ctr"/>
+            <a:r>
+              <a:rPr lang="en-US" altLang="zh-CN" sz="1200">
+                <a:solidFill>
+                  <a:schemeClr val="accent6">
+                    <a:lumMod val="75000"/>
+                  </a:schemeClr>
+                </a:solidFill>
+                <a:latin typeface="微软雅黑" panose="020B0503020204020204" charset="-122"/>
+                <a:ea typeface="微软雅黑" panose="020B0503020204020204" charset="-122"/>
+              </a:rPr>
+              <a:t>112x112x64</a:t>
+            </a:r>
+            <a:endParaRPr lang="en-US" altLang="zh-CN" sz="1200">
+              <a:solidFill>
+                <a:schemeClr val="accent6">
+                  <a:lumMod val="75000"/>
+                </a:schemeClr>
+              </a:solidFill>
+              <a:latin typeface="微软雅黑" panose="020B0503020204020204" charset="-122"/>
+              <a:ea typeface="微软雅黑" panose="020B0503020204020204" charset="-122"/>
+            </a:endParaRPr>
+          </a:p>
+        </p:txBody>
+      </p:sp>
+      <p:sp>
+        <p:nvSpPr>
+          <p:cNvPr id="49" name="文本框 48"/>
+          <p:cNvSpPr txBox="1"/>
+          <p:nvPr/>
+        </p:nvSpPr>
+        <p:spPr>
+          <a:xfrm>
+            <a:off x="3981450" y="1923415"/>
+            <a:ext cx="1395095" cy="460375"/>
+          </a:xfrm>
+          <a:prstGeom prst="rect">
+            <a:avLst/>
+          </a:prstGeom>
+          <a:noFill/>
+        </p:spPr>
+        <p:txBody>
+          <a:bodyPr wrap="square" rtlCol="0">
+            <a:spAutoFit/>
+          </a:bodyPr>
+          <a:p>
+            <a:pPr algn="ctr"/>
+            <a:r>
+              <a:rPr lang="en-US" altLang="zh-CN" sz="1200">
+                <a:solidFill>
+                  <a:srgbClr val="C00000"/>
+                </a:solidFill>
+                <a:latin typeface="微软雅黑" panose="020B0503020204020204" charset="-122"/>
+                <a:ea typeface="微软雅黑" panose="020B0503020204020204" charset="-122"/>
+              </a:rPr>
+              <a:t>conv2</a:t>
+            </a:r>
+            <a:r>
+              <a:rPr lang="zh-CN" altLang="en-US" sz="1200">
+                <a:solidFill>
+                  <a:srgbClr val="C00000"/>
+                </a:solidFill>
+                <a:latin typeface="微软雅黑" panose="020B0503020204020204" charset="-122"/>
+                <a:ea typeface="微软雅黑" panose="020B0503020204020204" charset="-122"/>
+              </a:rPr>
+              <a:t>特征图</a:t>
+            </a:r>
+            <a:endParaRPr lang="zh-CN" altLang="en-US" sz="1200">
+              <a:solidFill>
+                <a:srgbClr val="C00000"/>
+              </a:solidFill>
+              <a:latin typeface="微软雅黑" panose="020B0503020204020204" charset="-122"/>
+              <a:ea typeface="微软雅黑" panose="020B0503020204020204" charset="-122"/>
+            </a:endParaRPr>
+          </a:p>
+          <a:p>
+            <a:pPr algn="ctr"/>
+            <a:r>
+              <a:rPr lang="en-US" altLang="zh-CN" sz="1200">
+                <a:solidFill>
+                  <a:srgbClr val="C00000"/>
+                </a:solidFill>
+                <a:latin typeface="微软雅黑" panose="020B0503020204020204" charset="-122"/>
+                <a:ea typeface="微软雅黑" panose="020B0503020204020204" charset="-122"/>
+              </a:rPr>
+              <a:t>112x112x128</a:t>
+            </a:r>
+            <a:endParaRPr lang="en-US" altLang="zh-CN" sz="1200">
+              <a:solidFill>
+                <a:srgbClr val="C00000"/>
+              </a:solidFill>
+              <a:latin typeface="微软雅黑" panose="020B0503020204020204" charset="-122"/>
+              <a:ea typeface="微软雅黑" panose="020B0503020204020204" charset="-122"/>
+            </a:endParaRPr>
+          </a:p>
+        </p:txBody>
+      </p:sp>
+      <p:sp>
+        <p:nvSpPr>
+          <p:cNvPr id="50" name="文本框 49"/>
+          <p:cNvSpPr txBox="1"/>
+          <p:nvPr/>
+        </p:nvSpPr>
+        <p:spPr>
+          <a:xfrm>
+            <a:off x="5008245" y="1923415"/>
+            <a:ext cx="1395095" cy="645160"/>
+          </a:xfrm>
+          <a:prstGeom prst="rect">
+            <a:avLst/>
+          </a:prstGeom>
+          <a:noFill/>
+        </p:spPr>
+        <p:txBody>
+          <a:bodyPr wrap="square" rtlCol="0">
+            <a:spAutoFit/>
+          </a:bodyPr>
+          <a:p>
+            <a:pPr algn="ctr"/>
+            <a:r>
+              <a:rPr lang="en-US" altLang="zh-CN" sz="1200">
+                <a:solidFill>
+                  <a:schemeClr val="accent6">
+                    <a:lumMod val="75000"/>
+                  </a:schemeClr>
+                </a:solidFill>
+                <a:latin typeface="微软雅黑" panose="020B0503020204020204" charset="-122"/>
+                <a:ea typeface="微软雅黑" panose="020B0503020204020204" charset="-122"/>
+              </a:rPr>
+              <a:t>max pool 2</a:t>
+            </a:r>
+            <a:endParaRPr lang="en-US" altLang="zh-CN" sz="1200">
+              <a:solidFill>
+                <a:schemeClr val="accent6">
+                  <a:lumMod val="75000"/>
+                </a:schemeClr>
+              </a:solidFill>
+              <a:latin typeface="微软雅黑" panose="020B0503020204020204" charset="-122"/>
+              <a:ea typeface="微软雅黑" panose="020B0503020204020204" charset="-122"/>
+            </a:endParaRPr>
+          </a:p>
+          <a:p>
+            <a:pPr algn="ctr"/>
+            <a:r>
+              <a:rPr lang="zh-CN" altLang="en-US" sz="1200">
+                <a:solidFill>
+                  <a:schemeClr val="accent6">
+                    <a:lumMod val="75000"/>
+                  </a:schemeClr>
+                </a:solidFill>
+                <a:latin typeface="微软雅黑" panose="020B0503020204020204" charset="-122"/>
+                <a:ea typeface="微软雅黑" panose="020B0503020204020204" charset="-122"/>
+              </a:rPr>
+              <a:t>特征图</a:t>
+            </a:r>
+            <a:endParaRPr lang="zh-CN" altLang="en-US" sz="1200">
+              <a:solidFill>
+                <a:schemeClr val="accent6">
+                  <a:lumMod val="75000"/>
+                </a:schemeClr>
+              </a:solidFill>
+              <a:latin typeface="微软雅黑" panose="020B0503020204020204" charset="-122"/>
+              <a:ea typeface="微软雅黑" panose="020B0503020204020204" charset="-122"/>
+            </a:endParaRPr>
+          </a:p>
+          <a:p>
+            <a:pPr algn="ctr"/>
+            <a:r>
+              <a:rPr lang="en-US" altLang="zh-CN" sz="1200">
+                <a:solidFill>
+                  <a:schemeClr val="accent6">
+                    <a:lumMod val="75000"/>
+                  </a:schemeClr>
+                </a:solidFill>
+                <a:latin typeface="微软雅黑" panose="020B0503020204020204" charset="-122"/>
+                <a:ea typeface="微软雅黑" panose="020B0503020204020204" charset="-122"/>
+              </a:rPr>
+              <a:t>56x56x128</a:t>
+            </a:r>
+            <a:endParaRPr lang="en-US" altLang="zh-CN" sz="1200">
+              <a:solidFill>
+                <a:schemeClr val="accent6">
+                  <a:lumMod val="75000"/>
+                </a:schemeClr>
+              </a:solidFill>
+              <a:latin typeface="微软雅黑" panose="020B0503020204020204" charset="-122"/>
+              <a:ea typeface="微软雅黑" panose="020B0503020204020204" charset="-122"/>
+            </a:endParaRPr>
+          </a:p>
+        </p:txBody>
+      </p:sp>
+      <p:sp>
+        <p:nvSpPr>
+          <p:cNvPr id="51" name="文本框 50"/>
+          <p:cNvSpPr txBox="1"/>
+          <p:nvPr/>
+        </p:nvSpPr>
+        <p:spPr>
+          <a:xfrm>
+            <a:off x="7517765" y="4152265"/>
+            <a:ext cx="685800" cy="213995"/>
+          </a:xfrm>
+          <a:prstGeom prst="rect">
+            <a:avLst/>
+          </a:prstGeom>
+          <a:noFill/>
+        </p:spPr>
+        <p:txBody>
+          <a:bodyPr wrap="square" rtlCol="0">
+            <a:spAutoFit/>
+          </a:bodyPr>
+          <a:p>
+            <a:pPr algn="ctr"/>
+            <a:r>
+              <a:rPr lang="en-US" sz="800" b="1">
+                <a:solidFill>
+                  <a:schemeClr val="tx1">
+                    <a:lumMod val="50000"/>
+                    <a:lumOff val="50000"/>
+                  </a:schemeClr>
+                </a:solidFill>
+                <a:latin typeface="微软雅黑" panose="020B0503020204020204" charset="-122"/>
+                <a:ea typeface="微软雅黑" panose="020B0503020204020204" charset="-122"/>
+              </a:rPr>
+              <a:t>FC 4096</a:t>
+            </a:r>
+            <a:endParaRPr lang="en-US" sz="800" b="1">
+              <a:solidFill>
+                <a:schemeClr val="tx1">
+                  <a:lumMod val="50000"/>
+                  <a:lumOff val="50000"/>
+                </a:schemeClr>
+              </a:solidFill>
+              <a:latin typeface="微软雅黑" panose="020B0503020204020204" charset="-122"/>
+              <a:ea typeface="微软雅黑" panose="020B0503020204020204" charset="-122"/>
+            </a:endParaRPr>
+          </a:p>
+        </p:txBody>
+      </p:sp>
+      <p:sp>
+        <p:nvSpPr>
+          <p:cNvPr id="53" name="文本框 52"/>
+          <p:cNvSpPr txBox="1"/>
+          <p:nvPr/>
+        </p:nvSpPr>
+        <p:spPr>
+          <a:xfrm>
+            <a:off x="7990205" y="4152265"/>
+            <a:ext cx="685800" cy="213995"/>
+          </a:xfrm>
+          <a:prstGeom prst="rect">
+            <a:avLst/>
+          </a:prstGeom>
+          <a:noFill/>
+        </p:spPr>
+        <p:txBody>
+          <a:bodyPr wrap="square" rtlCol="0">
+            <a:spAutoFit/>
+          </a:bodyPr>
+          <a:p>
+            <a:pPr algn="ctr"/>
+            <a:r>
+              <a:rPr lang="en-US" sz="800" b="1">
+                <a:solidFill>
+                  <a:schemeClr val="tx1">
+                    <a:lumMod val="50000"/>
+                    <a:lumOff val="50000"/>
+                  </a:schemeClr>
+                </a:solidFill>
+                <a:latin typeface="微软雅黑" panose="020B0503020204020204" charset="-122"/>
+                <a:ea typeface="微软雅黑" panose="020B0503020204020204" charset="-122"/>
+              </a:rPr>
+              <a:t>FC 4096</a:t>
+            </a:r>
+            <a:endParaRPr lang="en-US" sz="800" b="1">
+              <a:solidFill>
+                <a:schemeClr val="tx1">
+                  <a:lumMod val="50000"/>
+                  <a:lumOff val="50000"/>
+                </a:schemeClr>
+              </a:solidFill>
+              <a:latin typeface="微软雅黑" panose="020B0503020204020204" charset="-122"/>
+              <a:ea typeface="微软雅黑" panose="020B0503020204020204" charset="-122"/>
+            </a:endParaRPr>
+          </a:p>
+        </p:txBody>
+      </p:sp>
+      <p:sp>
+        <p:nvSpPr>
+          <p:cNvPr id="54" name="文本框 53"/>
+          <p:cNvSpPr txBox="1"/>
+          <p:nvPr/>
+        </p:nvSpPr>
+        <p:spPr>
+          <a:xfrm>
+            <a:off x="8456930" y="4151630"/>
+            <a:ext cx="685800" cy="213995"/>
+          </a:xfrm>
+          <a:prstGeom prst="rect">
+            <a:avLst/>
+          </a:prstGeom>
+          <a:noFill/>
+        </p:spPr>
+        <p:txBody>
+          <a:bodyPr wrap="square" rtlCol="0">
+            <a:spAutoFit/>
+          </a:bodyPr>
+          <a:p>
+            <a:pPr algn="ctr"/>
+            <a:r>
+              <a:rPr lang="en-US" sz="800" b="1">
+                <a:solidFill>
+                  <a:schemeClr val="tx1">
+                    <a:lumMod val="50000"/>
+                    <a:lumOff val="50000"/>
+                  </a:schemeClr>
+                </a:solidFill>
+                <a:latin typeface="微软雅黑" panose="020B0503020204020204" charset="-122"/>
+                <a:ea typeface="微软雅黑" panose="020B0503020204020204" charset="-122"/>
+              </a:rPr>
+              <a:t>FC 1000</a:t>
+            </a:r>
+            <a:endParaRPr lang="en-US" sz="800" b="1">
+              <a:solidFill>
+                <a:schemeClr val="tx1">
+                  <a:lumMod val="50000"/>
+                  <a:lumOff val="50000"/>
+                </a:schemeClr>
+              </a:solidFill>
+              <a:latin typeface="微软雅黑" panose="020B0503020204020204" charset="-122"/>
+              <a:ea typeface="微软雅黑" panose="020B0503020204020204" charset="-122"/>
+            </a:endParaRPr>
+          </a:p>
+        </p:txBody>
+      </p:sp>
+      <p:sp>
+        <p:nvSpPr>
+          <p:cNvPr id="55" name="文本框 54"/>
+          <p:cNvSpPr txBox="1"/>
+          <p:nvPr/>
+        </p:nvSpPr>
+        <p:spPr>
+          <a:xfrm>
+            <a:off x="5974080" y="1680210"/>
+            <a:ext cx="1395095" cy="460375"/>
+          </a:xfrm>
+          <a:prstGeom prst="rect">
+            <a:avLst/>
+          </a:prstGeom>
+          <a:noFill/>
+        </p:spPr>
+        <p:txBody>
+          <a:bodyPr wrap="square" rtlCol="0">
+            <a:spAutoFit/>
+          </a:bodyPr>
+          <a:p>
+            <a:pPr algn="ctr"/>
+            <a:r>
+              <a:rPr lang="en-US" altLang="zh-CN" sz="1200">
+                <a:solidFill>
+                  <a:srgbClr val="C00000"/>
+                </a:solidFill>
+                <a:latin typeface="微软雅黑" panose="020B0503020204020204" charset="-122"/>
+                <a:ea typeface="微软雅黑" panose="020B0503020204020204" charset="-122"/>
+              </a:rPr>
+              <a:t>conv3</a:t>
+            </a:r>
+            <a:r>
+              <a:rPr lang="zh-CN" altLang="en-US" sz="1200">
+                <a:solidFill>
+                  <a:srgbClr val="C00000"/>
+                </a:solidFill>
+                <a:latin typeface="微软雅黑" panose="020B0503020204020204" charset="-122"/>
+                <a:ea typeface="微软雅黑" panose="020B0503020204020204" charset="-122"/>
+              </a:rPr>
+              <a:t>特征图</a:t>
+            </a:r>
+            <a:endParaRPr lang="zh-CN" altLang="en-US" sz="1200">
+              <a:solidFill>
+                <a:srgbClr val="C00000"/>
+              </a:solidFill>
+              <a:latin typeface="微软雅黑" panose="020B0503020204020204" charset="-122"/>
+              <a:ea typeface="微软雅黑" panose="020B0503020204020204" charset="-122"/>
+            </a:endParaRPr>
+          </a:p>
+          <a:p>
+            <a:pPr algn="ctr"/>
+            <a:r>
+              <a:rPr lang="en-US" altLang="zh-CN" sz="1200">
+                <a:solidFill>
+                  <a:srgbClr val="C00000"/>
+                </a:solidFill>
+                <a:latin typeface="微软雅黑" panose="020B0503020204020204" charset="-122"/>
+                <a:ea typeface="微软雅黑" panose="020B0503020204020204" charset="-122"/>
+              </a:rPr>
+              <a:t>56x56x256</a:t>
+            </a:r>
+            <a:endParaRPr lang="en-US" altLang="zh-CN" sz="1200">
+              <a:solidFill>
+                <a:srgbClr val="C00000"/>
+              </a:solidFill>
+              <a:latin typeface="微软雅黑" panose="020B0503020204020204" charset="-122"/>
+              <a:ea typeface="微软雅黑" panose="020B0503020204020204" charset="-122"/>
+            </a:endParaRPr>
+          </a:p>
+        </p:txBody>
+      </p:sp>
+      <p:sp>
+        <p:nvSpPr>
+          <p:cNvPr id="56" name="文本框 55"/>
+          <p:cNvSpPr txBox="1"/>
+          <p:nvPr/>
+        </p:nvSpPr>
+        <p:spPr>
+          <a:xfrm>
+            <a:off x="6883400" y="1424940"/>
+            <a:ext cx="1395095" cy="645160"/>
+          </a:xfrm>
+          <a:prstGeom prst="rect">
+            <a:avLst/>
+          </a:prstGeom>
+          <a:noFill/>
+        </p:spPr>
+        <p:txBody>
+          <a:bodyPr wrap="square" rtlCol="0">
+            <a:spAutoFit/>
+          </a:bodyPr>
+          <a:p>
+            <a:pPr algn="ctr"/>
+            <a:r>
+              <a:rPr lang="en-US" altLang="zh-CN" sz="1200">
+                <a:solidFill>
+                  <a:schemeClr val="accent6">
+                    <a:lumMod val="75000"/>
+                  </a:schemeClr>
+                </a:solidFill>
+                <a:latin typeface="微软雅黑" panose="020B0503020204020204" charset="-122"/>
+                <a:ea typeface="微软雅黑" panose="020B0503020204020204" charset="-122"/>
+              </a:rPr>
+              <a:t>max pool 3</a:t>
+            </a:r>
+            <a:endParaRPr lang="en-US" altLang="zh-CN" sz="1200">
+              <a:solidFill>
+                <a:schemeClr val="accent6">
+                  <a:lumMod val="75000"/>
+                </a:schemeClr>
+              </a:solidFill>
+              <a:latin typeface="微软雅黑" panose="020B0503020204020204" charset="-122"/>
+              <a:ea typeface="微软雅黑" panose="020B0503020204020204" charset="-122"/>
+            </a:endParaRPr>
+          </a:p>
+          <a:p>
+            <a:pPr algn="ctr"/>
+            <a:r>
+              <a:rPr lang="zh-CN" altLang="en-US" sz="1200">
+                <a:solidFill>
+                  <a:schemeClr val="accent6">
+                    <a:lumMod val="75000"/>
+                  </a:schemeClr>
+                </a:solidFill>
+                <a:latin typeface="微软雅黑" panose="020B0503020204020204" charset="-122"/>
+                <a:ea typeface="微软雅黑" panose="020B0503020204020204" charset="-122"/>
+              </a:rPr>
+              <a:t>特征图</a:t>
+            </a:r>
+            <a:endParaRPr lang="zh-CN" altLang="en-US" sz="1200">
+              <a:solidFill>
+                <a:schemeClr val="accent6">
+                  <a:lumMod val="75000"/>
+                </a:schemeClr>
+              </a:solidFill>
+              <a:latin typeface="微软雅黑" panose="020B0503020204020204" charset="-122"/>
+              <a:ea typeface="微软雅黑" panose="020B0503020204020204" charset="-122"/>
+            </a:endParaRPr>
+          </a:p>
+          <a:p>
+            <a:pPr algn="ctr"/>
+            <a:r>
+              <a:rPr lang="en-US" altLang="zh-CN" sz="1200">
+                <a:solidFill>
+                  <a:schemeClr val="accent6">
+                    <a:lumMod val="75000"/>
+                  </a:schemeClr>
+                </a:solidFill>
+                <a:latin typeface="微软雅黑" panose="020B0503020204020204" charset="-122"/>
+                <a:ea typeface="微软雅黑" panose="020B0503020204020204" charset="-122"/>
+              </a:rPr>
+              <a:t>28x28x256</a:t>
+            </a:r>
+            <a:endParaRPr lang="en-US" altLang="zh-CN" sz="1200">
+              <a:solidFill>
+                <a:schemeClr val="accent6">
+                  <a:lumMod val="75000"/>
+                </a:schemeClr>
+              </a:solidFill>
+              <a:latin typeface="微软雅黑" panose="020B0503020204020204" charset="-122"/>
+              <a:ea typeface="微软雅黑" panose="020B0503020204020204" charset="-122"/>
+            </a:endParaRPr>
+          </a:p>
+        </p:txBody>
+      </p:sp>
+      <p:sp>
+        <p:nvSpPr>
+          <p:cNvPr id="57" name="文本框 56"/>
+          <p:cNvSpPr txBox="1"/>
+          <p:nvPr/>
+        </p:nvSpPr>
+        <p:spPr>
+          <a:xfrm>
+            <a:off x="7747635" y="902970"/>
+            <a:ext cx="1395095" cy="460375"/>
+          </a:xfrm>
+          <a:prstGeom prst="rect">
+            <a:avLst/>
+          </a:prstGeom>
+          <a:noFill/>
+        </p:spPr>
+        <p:txBody>
+          <a:bodyPr wrap="square" rtlCol="0">
+            <a:spAutoFit/>
+          </a:bodyPr>
+          <a:p>
+            <a:pPr algn="ctr"/>
+            <a:r>
+              <a:rPr lang="en-US" altLang="zh-CN" sz="1200">
+                <a:solidFill>
+                  <a:srgbClr val="C00000"/>
+                </a:solidFill>
+                <a:latin typeface="微软雅黑" panose="020B0503020204020204" charset="-122"/>
+                <a:ea typeface="微软雅黑" panose="020B0503020204020204" charset="-122"/>
+              </a:rPr>
+              <a:t>conv4</a:t>
+            </a:r>
+            <a:r>
+              <a:rPr lang="zh-CN" altLang="en-US" sz="1200">
+                <a:solidFill>
+                  <a:srgbClr val="C00000"/>
+                </a:solidFill>
+                <a:latin typeface="微软雅黑" panose="020B0503020204020204" charset="-122"/>
+                <a:ea typeface="微软雅黑" panose="020B0503020204020204" charset="-122"/>
+              </a:rPr>
+              <a:t>特征图</a:t>
+            </a:r>
+            <a:endParaRPr lang="zh-CN" altLang="en-US" sz="1200">
+              <a:solidFill>
+                <a:srgbClr val="C00000"/>
+              </a:solidFill>
+              <a:latin typeface="微软雅黑" panose="020B0503020204020204" charset="-122"/>
+              <a:ea typeface="微软雅黑" panose="020B0503020204020204" charset="-122"/>
+            </a:endParaRPr>
+          </a:p>
+          <a:p>
+            <a:pPr algn="ctr"/>
+            <a:r>
+              <a:rPr lang="en-US" altLang="zh-CN" sz="1200">
+                <a:solidFill>
+                  <a:srgbClr val="C00000"/>
+                </a:solidFill>
+                <a:latin typeface="微软雅黑" panose="020B0503020204020204" charset="-122"/>
+                <a:ea typeface="微软雅黑" panose="020B0503020204020204" charset="-122"/>
+              </a:rPr>
+              <a:t>28x28x512</a:t>
+            </a:r>
+            <a:endParaRPr lang="en-US" altLang="zh-CN" sz="1200">
+              <a:solidFill>
+                <a:srgbClr val="C00000"/>
+              </a:solidFill>
+              <a:latin typeface="微软雅黑" panose="020B0503020204020204" charset="-122"/>
+              <a:ea typeface="微软雅黑" panose="020B0503020204020204" charset="-122"/>
+            </a:endParaRPr>
+          </a:p>
+        </p:txBody>
+      </p:sp>
+      <p:sp>
+        <p:nvSpPr>
+          <p:cNvPr id="58" name="文本框 57"/>
+          <p:cNvSpPr txBox="1"/>
+          <p:nvPr/>
+        </p:nvSpPr>
+        <p:spPr>
+          <a:xfrm>
+            <a:off x="8629015" y="451485"/>
+            <a:ext cx="1395095" cy="645160"/>
+          </a:xfrm>
+          <a:prstGeom prst="rect">
+            <a:avLst/>
+          </a:prstGeom>
+          <a:noFill/>
+        </p:spPr>
+        <p:txBody>
+          <a:bodyPr wrap="square" rtlCol="0">
+            <a:spAutoFit/>
+          </a:bodyPr>
+          <a:p>
+            <a:pPr algn="ctr"/>
+            <a:r>
+              <a:rPr lang="en-US" altLang="zh-CN" sz="1200">
+                <a:solidFill>
+                  <a:schemeClr val="accent6">
+                    <a:lumMod val="75000"/>
+                  </a:schemeClr>
+                </a:solidFill>
+                <a:latin typeface="微软雅黑" panose="020B0503020204020204" charset="-122"/>
+                <a:ea typeface="微软雅黑" panose="020B0503020204020204" charset="-122"/>
+              </a:rPr>
+              <a:t>max pool 4</a:t>
+            </a:r>
+            <a:endParaRPr lang="en-US" altLang="zh-CN" sz="1200">
+              <a:solidFill>
+                <a:schemeClr val="accent6">
+                  <a:lumMod val="75000"/>
+                </a:schemeClr>
+              </a:solidFill>
+              <a:latin typeface="微软雅黑" panose="020B0503020204020204" charset="-122"/>
+              <a:ea typeface="微软雅黑" panose="020B0503020204020204" charset="-122"/>
+            </a:endParaRPr>
+          </a:p>
+          <a:p>
+            <a:pPr algn="ctr"/>
+            <a:r>
+              <a:rPr lang="zh-CN" altLang="en-US" sz="1200">
+                <a:solidFill>
+                  <a:schemeClr val="accent6">
+                    <a:lumMod val="75000"/>
+                  </a:schemeClr>
+                </a:solidFill>
+                <a:latin typeface="微软雅黑" panose="020B0503020204020204" charset="-122"/>
+                <a:ea typeface="微软雅黑" panose="020B0503020204020204" charset="-122"/>
+              </a:rPr>
+              <a:t>特征图</a:t>
+            </a:r>
+            <a:endParaRPr lang="zh-CN" altLang="en-US" sz="1200">
+              <a:solidFill>
+                <a:schemeClr val="accent6">
+                  <a:lumMod val="75000"/>
+                </a:schemeClr>
+              </a:solidFill>
+              <a:latin typeface="微软雅黑" panose="020B0503020204020204" charset="-122"/>
+              <a:ea typeface="微软雅黑" panose="020B0503020204020204" charset="-122"/>
+            </a:endParaRPr>
+          </a:p>
+          <a:p>
+            <a:pPr algn="ctr"/>
+            <a:r>
+              <a:rPr lang="en-US" altLang="zh-CN" sz="1200">
+                <a:solidFill>
+                  <a:schemeClr val="accent6">
+                    <a:lumMod val="75000"/>
+                  </a:schemeClr>
+                </a:solidFill>
+                <a:latin typeface="微软雅黑" panose="020B0503020204020204" charset="-122"/>
+                <a:ea typeface="微软雅黑" panose="020B0503020204020204" charset="-122"/>
+              </a:rPr>
+              <a:t>14x14x512</a:t>
+            </a:r>
+            <a:endParaRPr lang="en-US" altLang="zh-CN" sz="1200">
+              <a:solidFill>
+                <a:schemeClr val="accent6">
+                  <a:lumMod val="75000"/>
+                </a:schemeClr>
+              </a:solidFill>
+              <a:latin typeface="微软雅黑" panose="020B0503020204020204" charset="-122"/>
+              <a:ea typeface="微软雅黑" panose="020B0503020204020204" charset="-122"/>
+            </a:endParaRPr>
+          </a:p>
+        </p:txBody>
+      </p:sp>
+      <p:sp>
+        <p:nvSpPr>
+          <p:cNvPr id="59" name="文本框 58"/>
+          <p:cNvSpPr txBox="1"/>
+          <p:nvPr/>
+        </p:nvSpPr>
+        <p:spPr>
+          <a:xfrm>
+            <a:off x="9511030" y="808990"/>
+            <a:ext cx="1395095" cy="460375"/>
+          </a:xfrm>
+          <a:prstGeom prst="rect">
+            <a:avLst/>
+          </a:prstGeom>
+          <a:noFill/>
+        </p:spPr>
+        <p:txBody>
+          <a:bodyPr wrap="square" rtlCol="0">
+            <a:spAutoFit/>
+          </a:bodyPr>
+          <a:p>
+            <a:pPr algn="ctr"/>
+            <a:r>
+              <a:rPr lang="en-US" altLang="zh-CN" sz="1200">
+                <a:solidFill>
+                  <a:srgbClr val="C00000"/>
+                </a:solidFill>
+                <a:latin typeface="微软雅黑" panose="020B0503020204020204" charset="-122"/>
+                <a:ea typeface="微软雅黑" panose="020B0503020204020204" charset="-122"/>
+              </a:rPr>
+              <a:t>conv5</a:t>
+            </a:r>
+            <a:r>
+              <a:rPr lang="zh-CN" altLang="en-US" sz="1200">
+                <a:solidFill>
+                  <a:srgbClr val="C00000"/>
+                </a:solidFill>
+                <a:latin typeface="微软雅黑" panose="020B0503020204020204" charset="-122"/>
+                <a:ea typeface="微软雅黑" panose="020B0503020204020204" charset="-122"/>
+              </a:rPr>
+              <a:t>特征图</a:t>
+            </a:r>
+            <a:endParaRPr lang="zh-CN" altLang="en-US" sz="1200">
+              <a:solidFill>
+                <a:srgbClr val="C00000"/>
+              </a:solidFill>
+              <a:latin typeface="微软雅黑" panose="020B0503020204020204" charset="-122"/>
+              <a:ea typeface="微软雅黑" panose="020B0503020204020204" charset="-122"/>
+            </a:endParaRPr>
+          </a:p>
+          <a:p>
+            <a:pPr algn="ctr"/>
+            <a:r>
+              <a:rPr lang="en-US" altLang="zh-CN" sz="1200">
+                <a:solidFill>
+                  <a:srgbClr val="C00000"/>
+                </a:solidFill>
+                <a:latin typeface="微软雅黑" panose="020B0503020204020204" charset="-122"/>
+                <a:ea typeface="微软雅黑" panose="020B0503020204020204" charset="-122"/>
+              </a:rPr>
+              <a:t>14x14x512</a:t>
+            </a:r>
+            <a:endParaRPr lang="en-US" altLang="zh-CN" sz="1200">
+              <a:solidFill>
+                <a:srgbClr val="C00000"/>
+              </a:solidFill>
+              <a:latin typeface="微软雅黑" panose="020B0503020204020204" charset="-122"/>
+              <a:ea typeface="微软雅黑" panose="020B0503020204020204" charset="-122"/>
+            </a:endParaRPr>
+          </a:p>
+        </p:txBody>
+      </p:sp>
+      <p:sp>
+        <p:nvSpPr>
+          <p:cNvPr id="60" name="文本框 59"/>
+          <p:cNvSpPr txBox="1"/>
+          <p:nvPr/>
+        </p:nvSpPr>
+        <p:spPr>
+          <a:xfrm>
+            <a:off x="10237470" y="387350"/>
+            <a:ext cx="1395095" cy="645160"/>
+          </a:xfrm>
+          <a:prstGeom prst="rect">
+            <a:avLst/>
+          </a:prstGeom>
+          <a:noFill/>
+        </p:spPr>
+        <p:txBody>
+          <a:bodyPr wrap="square" rtlCol="0">
+            <a:spAutoFit/>
+          </a:bodyPr>
+          <a:p>
+            <a:pPr algn="ctr"/>
+            <a:r>
+              <a:rPr lang="en-US" altLang="zh-CN" sz="1200">
+                <a:solidFill>
+                  <a:schemeClr val="accent6">
+                    <a:lumMod val="75000"/>
+                  </a:schemeClr>
+                </a:solidFill>
+                <a:latin typeface="微软雅黑" panose="020B0503020204020204" charset="-122"/>
+                <a:ea typeface="微软雅黑" panose="020B0503020204020204" charset="-122"/>
+              </a:rPr>
+              <a:t>max pool 5</a:t>
+            </a:r>
+            <a:endParaRPr lang="en-US" altLang="zh-CN" sz="1200">
+              <a:solidFill>
+                <a:schemeClr val="accent6">
+                  <a:lumMod val="75000"/>
+                </a:schemeClr>
+              </a:solidFill>
+              <a:latin typeface="微软雅黑" panose="020B0503020204020204" charset="-122"/>
+              <a:ea typeface="微软雅黑" panose="020B0503020204020204" charset="-122"/>
+            </a:endParaRPr>
+          </a:p>
+          <a:p>
+            <a:pPr algn="ctr"/>
+            <a:r>
+              <a:rPr lang="zh-CN" altLang="en-US" sz="1200">
+                <a:solidFill>
+                  <a:schemeClr val="accent6">
+                    <a:lumMod val="75000"/>
+                  </a:schemeClr>
+                </a:solidFill>
+                <a:latin typeface="微软雅黑" panose="020B0503020204020204" charset="-122"/>
+                <a:ea typeface="微软雅黑" panose="020B0503020204020204" charset="-122"/>
+              </a:rPr>
+              <a:t>特征图</a:t>
+            </a:r>
+            <a:endParaRPr lang="zh-CN" altLang="en-US" sz="1200">
+              <a:solidFill>
+                <a:schemeClr val="accent6">
+                  <a:lumMod val="75000"/>
+                </a:schemeClr>
+              </a:solidFill>
+              <a:latin typeface="微软雅黑" panose="020B0503020204020204" charset="-122"/>
+              <a:ea typeface="微软雅黑" panose="020B0503020204020204" charset="-122"/>
+            </a:endParaRPr>
+          </a:p>
+          <a:p>
+            <a:pPr algn="ctr"/>
+            <a:r>
+              <a:rPr lang="en-US" altLang="zh-CN" sz="1200">
+                <a:solidFill>
+                  <a:schemeClr val="accent6">
+                    <a:lumMod val="75000"/>
+                  </a:schemeClr>
+                </a:solidFill>
+                <a:latin typeface="微软雅黑" panose="020B0503020204020204" charset="-122"/>
+                <a:ea typeface="微软雅黑" panose="020B0503020204020204" charset="-122"/>
+              </a:rPr>
+              <a:t>7x7x512</a:t>
+            </a:r>
+            <a:endParaRPr lang="en-US" altLang="zh-CN" sz="1200">
+              <a:solidFill>
+                <a:schemeClr val="accent6">
+                  <a:lumMod val="75000"/>
+                </a:schemeClr>
+              </a:solidFill>
+              <a:latin typeface="微软雅黑" panose="020B0503020204020204" charset="-122"/>
+              <a:ea typeface="微软雅黑" panose="020B0503020204020204" charset="-122"/>
+            </a:endParaRPr>
+          </a:p>
+        </p:txBody>
+      </p:sp>
+      <p:sp>
+        <p:nvSpPr>
+          <p:cNvPr id="61" name="立方体 60"/>
+          <p:cNvSpPr/>
+          <p:nvPr/>
+        </p:nvSpPr>
+        <p:spPr>
+          <a:xfrm>
+            <a:off x="1816735" y="3091815"/>
+            <a:ext cx="1041400" cy="1054100"/>
+          </a:xfrm>
+          <a:prstGeom prst="cube">
+            <a:avLst>
+              <a:gd name="adj" fmla="val 31402"/>
+            </a:avLst>
+          </a:prstGeom>
+          <a:solidFill>
+            <a:srgbClr val="00B0F0"/>
+          </a:solidFill>
+        </p:spPr>
+        <p:style>
+          <a:lnRef idx="2">
+            <a:schemeClr val="accent1">
+              <a:shade val="50000"/>
+            </a:schemeClr>
+          </a:lnRef>
+          <a:fillRef idx="1">
+            <a:schemeClr val="accent1"/>
+          </a:fillRef>
+          <a:effectRef idx="0">
+            <a:schemeClr val="accent1"/>
+          </a:effectRef>
+          <a:fontRef idx="minor">
+            <a:schemeClr val="lt1"/>
+          </a:fontRef>
+        </p:style>
+        <p:txBody>
+          <a:bodyPr rtlCol="0" anchor="ctr"/>
+          <a:p>
+            <a:pPr algn="ctr"/>
+            <a:endParaRPr lang="zh-CN" altLang="en-US"/>
+          </a:p>
+        </p:txBody>
+      </p:sp>
+      <p:sp>
+        <p:nvSpPr>
+          <p:cNvPr id="10" name="立方体 9"/>
+          <p:cNvSpPr/>
+          <p:nvPr/>
+        </p:nvSpPr>
+        <p:spPr>
+          <a:xfrm>
+            <a:off x="2586355" y="3434080"/>
+            <a:ext cx="725170" cy="718820"/>
+          </a:xfrm>
+          <a:prstGeom prst="cube">
+            <a:avLst>
+              <a:gd name="adj" fmla="val 57560"/>
+            </a:avLst>
+          </a:prstGeom>
+          <a:solidFill>
+            <a:schemeClr val="accent6">
+              <a:lumMod val="20000"/>
+              <a:lumOff val="80000"/>
+            </a:schemeClr>
+          </a:solidFill>
+        </p:spPr>
+        <p:style>
+          <a:lnRef idx="2">
+            <a:schemeClr val="accent1">
+              <a:shade val="50000"/>
+            </a:schemeClr>
+          </a:lnRef>
+          <a:fillRef idx="1">
+            <a:schemeClr val="accent1"/>
+          </a:fillRef>
+          <a:effectRef idx="0">
+            <a:schemeClr val="accent1"/>
+          </a:effectRef>
+          <a:fontRef idx="minor">
+            <a:schemeClr val="lt1"/>
+          </a:fontRef>
+        </p:style>
+        <p:txBody>
+          <a:bodyPr rtlCol="0" anchor="ctr"/>
+          <a:p>
+            <a:pPr algn="ctr"/>
+            <a:endParaRPr lang="zh-CN" altLang="en-US"/>
+          </a:p>
+        </p:txBody>
+      </p:sp>
+      <p:sp>
+        <p:nvSpPr>
+          <p:cNvPr id="11" name="立方体 10"/>
+          <p:cNvSpPr/>
+          <p:nvPr/>
+        </p:nvSpPr>
+        <p:spPr>
+          <a:xfrm>
+            <a:off x="3225165" y="2694305"/>
+            <a:ext cx="1457325" cy="1469390"/>
+          </a:xfrm>
+          <a:prstGeom prst="cube">
+            <a:avLst>
+              <a:gd name="adj" fmla="val 74553"/>
+            </a:avLst>
+          </a:prstGeom>
+          <a:solidFill>
+            <a:srgbClr val="00B0F0"/>
+          </a:solidFill>
+        </p:spPr>
+        <p:style>
+          <a:lnRef idx="2">
+            <a:schemeClr val="accent1">
+              <a:shade val="50000"/>
+            </a:schemeClr>
+          </a:lnRef>
+          <a:fillRef idx="1">
+            <a:schemeClr val="accent1"/>
+          </a:fillRef>
+          <a:effectRef idx="0">
+            <a:schemeClr val="accent1"/>
+          </a:effectRef>
+          <a:fontRef idx="minor">
+            <a:schemeClr val="lt1"/>
+          </a:fontRef>
+        </p:style>
+        <p:txBody>
+          <a:bodyPr rtlCol="0" anchor="ctr"/>
+          <a:p>
+            <a:pPr algn="ctr"/>
+            <a:endParaRPr lang="zh-CN" altLang="en-US"/>
+          </a:p>
+        </p:txBody>
+      </p:sp>
+      <p:sp>
+        <p:nvSpPr>
+          <p:cNvPr id="12" name="立方体 11"/>
+          <p:cNvSpPr/>
+          <p:nvPr/>
+        </p:nvSpPr>
+        <p:spPr>
+          <a:xfrm>
+            <a:off x="3667125" y="2694305"/>
+            <a:ext cx="1457325" cy="1469390"/>
+          </a:xfrm>
+          <a:prstGeom prst="cube">
+            <a:avLst>
+              <a:gd name="adj" fmla="val 74553"/>
+            </a:avLst>
+          </a:prstGeom>
+          <a:solidFill>
+            <a:srgbClr val="00B0F0"/>
+          </a:solidFill>
+        </p:spPr>
+        <p:style>
+          <a:lnRef idx="2">
+            <a:schemeClr val="accent1">
+              <a:shade val="50000"/>
+            </a:schemeClr>
+          </a:lnRef>
+          <a:fillRef idx="1">
+            <a:schemeClr val="accent1"/>
+          </a:fillRef>
+          <a:effectRef idx="0">
+            <a:schemeClr val="accent1"/>
+          </a:effectRef>
+          <a:fontRef idx="minor">
+            <a:schemeClr val="lt1"/>
+          </a:fontRef>
+        </p:style>
+        <p:txBody>
+          <a:bodyPr rtlCol="0" anchor="ctr"/>
+          <a:p>
+            <a:pPr algn="ctr"/>
+            <a:endParaRPr lang="zh-CN" altLang="en-US"/>
+          </a:p>
+        </p:txBody>
+      </p:sp>
+      <p:sp>
+        <p:nvSpPr>
+          <p:cNvPr id="13" name="立方体 12"/>
+          <p:cNvSpPr/>
+          <p:nvPr/>
+        </p:nvSpPr>
+        <p:spPr>
+          <a:xfrm>
+            <a:off x="4124325" y="2922905"/>
+            <a:ext cx="1243965" cy="1229995"/>
+          </a:xfrm>
+          <a:prstGeom prst="cube">
+            <a:avLst>
+              <a:gd name="adj" fmla="val 85838"/>
+            </a:avLst>
+          </a:prstGeom>
+          <a:solidFill>
+            <a:schemeClr val="accent6">
+              <a:lumMod val="20000"/>
+              <a:lumOff val="80000"/>
+            </a:schemeClr>
+          </a:solidFill>
+        </p:spPr>
+        <p:style>
+          <a:lnRef idx="2">
+            <a:schemeClr val="accent1">
+              <a:shade val="50000"/>
+            </a:schemeClr>
+          </a:lnRef>
+          <a:fillRef idx="1">
+            <a:schemeClr val="accent1"/>
+          </a:fillRef>
+          <a:effectRef idx="0">
+            <a:schemeClr val="accent1"/>
           </a:effectRef>
           <a:fontRef idx="minor">
             <a:schemeClr val="lt1"/>

--- a/assets/block_diagram/object_detection_block_diagram.pptx
+++ b/assets/block_diagram/object_detection_block_diagram.pptx
@@ -5038,54 +5038,6 @@
       </p:sp>
       <p:sp>
         <p:nvSpPr>
-          <p:cNvPr id="54" name="文本框 53"/>
-          <p:cNvSpPr txBox="1"/>
-          <p:nvPr/>
-        </p:nvSpPr>
-        <p:spPr>
-          <a:xfrm>
-            <a:off x="8456930" y="4151630"/>
-            <a:ext cx="685800" cy="213995"/>
-          </a:xfrm>
-          <a:prstGeom prst="rect">
-            <a:avLst/>
-          </a:prstGeom>
-          <a:noFill/>
-        </p:spPr>
-        <p:txBody>
-          <a:bodyPr wrap="square" rtlCol="0">
-            <a:spAutoFit/>
-          </a:bodyPr>
-          <a:p>
-            <a:pPr algn="ctr"/>
-            <a:r>
-              <a:rPr lang="en-US" sz="800" b="1">
-                <a:solidFill>
-                  <a:schemeClr val="tx1">
-                    <a:lumMod val="50000"/>
-                    <a:lumOff val="50000"/>
-                  </a:schemeClr>
-                </a:solidFill>
-                <a:latin typeface="微软雅黑" panose="020B0503020204020204" charset="-122"/>
-                <a:ea typeface="微软雅黑" panose="020B0503020204020204" charset="-122"/>
-              </a:rPr>
-              <a:t>FC 1000</a:t>
-            </a:r>
-            <a:endParaRPr lang="en-US" sz="800" b="1">
-              <a:solidFill>
-                <a:schemeClr val="tx1">
-                  <a:lumMod val="50000"/>
-                  <a:lumOff val="50000"/>
-                </a:schemeClr>
-              </a:solidFill>
-              <a:latin typeface="微软雅黑" panose="020B0503020204020204" charset="-122"/>
-              <a:ea typeface="微软雅黑" panose="020B0503020204020204" charset="-122"/>
-            </a:endParaRPr>
-          </a:p>
-        </p:txBody>
-      </p:sp>
-      <p:sp>
-        <p:nvSpPr>
           <p:cNvPr id="55" name="文本框 54"/>
           <p:cNvSpPr txBox="1"/>
           <p:nvPr/>
@@ -5805,6 +5757,168 @@
           <a:p>
             <a:pPr algn="ctr"/>
             <a:endParaRPr lang="zh-CN" altLang="en-US"/>
+          </a:p>
+        </p:txBody>
+      </p:sp>
+      <p:sp>
+        <p:nvSpPr>
+          <p:cNvPr id="2" name="文本框 1"/>
+          <p:cNvSpPr txBox="1"/>
+          <p:nvPr/>
+        </p:nvSpPr>
+        <p:spPr>
+          <a:xfrm>
+            <a:off x="8456930" y="4151630"/>
+            <a:ext cx="1162685" cy="213995"/>
+          </a:xfrm>
+          <a:prstGeom prst="rect">
+            <a:avLst/>
+          </a:prstGeom>
+          <a:noFill/>
+        </p:spPr>
+        <p:txBody>
+          <a:bodyPr wrap="square" rtlCol="0">
+            <a:spAutoFit/>
+          </a:bodyPr>
+          <a:p>
+            <a:pPr algn="ctr"/>
+            <a:r>
+              <a:rPr lang="en-US" sz="800" b="1">
+                <a:solidFill>
+                  <a:schemeClr val="tx1">
+                    <a:lumMod val="50000"/>
+                    <a:lumOff val="50000"/>
+                  </a:schemeClr>
+                </a:solidFill>
+                <a:latin typeface="微软雅黑" panose="020B0503020204020204" charset="-122"/>
+                <a:ea typeface="微软雅黑" panose="020B0503020204020204" charset="-122"/>
+              </a:rPr>
+              <a:t>FC 1000+Softmax</a:t>
+            </a:r>
+            <a:endParaRPr lang="en-US" sz="800" b="1">
+              <a:solidFill>
+                <a:schemeClr val="tx1">
+                  <a:lumMod val="50000"/>
+                  <a:lumOff val="50000"/>
+                </a:schemeClr>
+              </a:solidFill>
+              <a:latin typeface="微软雅黑" panose="020B0503020204020204" charset="-122"/>
+              <a:ea typeface="微软雅黑" panose="020B0503020204020204" charset="-122"/>
+            </a:endParaRPr>
+          </a:p>
+        </p:txBody>
+      </p:sp>
+      <p:sp>
+        <p:nvSpPr>
+          <p:cNvPr id="3" name="文本框 2"/>
+          <p:cNvSpPr txBox="1"/>
+          <p:nvPr/>
+        </p:nvSpPr>
+        <p:spPr>
+          <a:xfrm>
+            <a:off x="1601470" y="1078230"/>
+            <a:ext cx="3775075" cy="533400"/>
+          </a:xfrm>
+          <a:prstGeom prst="rect">
+            <a:avLst/>
+          </a:prstGeom>
+          <a:noFill/>
+        </p:spPr>
+        <p:txBody>
+          <a:bodyPr wrap="square" rtlCol="0">
+            <a:spAutoFit/>
+          </a:bodyPr>
+          <a:p>
+            <a:pPr marL="171450" indent="-171450" algn="l">
+              <a:lnSpc>
+                <a:spcPct val="120000"/>
+              </a:lnSpc>
+              <a:buFont typeface="Arial" panose="020B0604020202090204" pitchFamily="34" charset="0"/>
+              <a:buChar char="•"/>
+            </a:pPr>
+            <a:r>
+              <a:rPr lang="zh-CN" altLang="en-US" sz="1200">
+                <a:solidFill>
+                  <a:srgbClr val="00B0F0"/>
+                </a:solidFill>
+                <a:latin typeface="微软雅黑" panose="020B0503020204020204" charset="-122"/>
+                <a:ea typeface="微软雅黑" panose="020B0503020204020204" charset="-122"/>
+              </a:rPr>
+              <a:t>卷积后的激活函数都是</a:t>
+            </a:r>
+            <a:r>
+              <a:rPr lang="en-US" altLang="zh-CN" sz="1200">
+                <a:solidFill>
+                  <a:srgbClr val="00B0F0"/>
+                </a:solidFill>
+                <a:latin typeface="微软雅黑" panose="020B0503020204020204" charset="-122"/>
+                <a:ea typeface="微软雅黑" panose="020B0503020204020204" charset="-122"/>
+              </a:rPr>
+              <a:t>ReLU</a:t>
+            </a:r>
+            <a:endParaRPr lang="en-US" altLang="zh-CN" sz="1200">
+              <a:solidFill>
+                <a:srgbClr val="00B0F0"/>
+              </a:solidFill>
+              <a:latin typeface="微软雅黑" panose="020B0503020204020204" charset="-122"/>
+              <a:ea typeface="微软雅黑" panose="020B0503020204020204" charset="-122"/>
+            </a:endParaRPr>
+          </a:p>
+          <a:p>
+            <a:pPr marL="171450" indent="-171450" algn="l">
+              <a:lnSpc>
+                <a:spcPct val="120000"/>
+              </a:lnSpc>
+              <a:buFont typeface="Arial" panose="020B0604020202090204" pitchFamily="34" charset="0"/>
+              <a:buChar char="•"/>
+            </a:pPr>
+            <a:r>
+              <a:rPr lang="zh-CN" altLang="en-US" sz="1200">
+                <a:solidFill>
+                  <a:srgbClr val="00B0F0"/>
+                </a:solidFill>
+                <a:latin typeface="微软雅黑" panose="020B0503020204020204" charset="-122"/>
+                <a:ea typeface="微软雅黑" panose="020B0503020204020204" charset="-122"/>
+              </a:rPr>
+              <a:t>每层全连接后都用</a:t>
+            </a:r>
+            <a:r>
+              <a:rPr lang="en-US" altLang="zh-CN" sz="1200">
+                <a:solidFill>
+                  <a:srgbClr val="00B0F0"/>
+                </a:solidFill>
+                <a:latin typeface="微软雅黑" panose="020B0503020204020204" charset="-122"/>
+                <a:ea typeface="微软雅黑" panose="020B0503020204020204" charset="-122"/>
+              </a:rPr>
+              <a:t>ReLU</a:t>
+            </a:r>
+            <a:r>
+              <a:rPr lang="zh-CN" altLang="en-US" sz="1200">
+                <a:solidFill>
+                  <a:srgbClr val="00B0F0"/>
+                </a:solidFill>
+                <a:latin typeface="微软雅黑" panose="020B0503020204020204" charset="-122"/>
+                <a:ea typeface="微软雅黑" panose="020B0503020204020204" charset="-122"/>
+              </a:rPr>
+              <a:t>，前两层</a:t>
+            </a:r>
+            <a:r>
+              <a:rPr lang="en-US" altLang="zh-CN" sz="1200">
+                <a:solidFill>
+                  <a:srgbClr val="00B0F0"/>
+                </a:solidFill>
+                <a:latin typeface="微软雅黑" panose="020B0503020204020204" charset="-122"/>
+                <a:ea typeface="微软雅黑" panose="020B0503020204020204" charset="-122"/>
+              </a:rPr>
+              <a:t>Dropout</a:t>
+            </a:r>
+            <a:endParaRPr lang="en-US" altLang="zh-CN" sz="1200">
+              <a:solidFill>
+                <a:srgbClr val="00B0F0"/>
+              </a:solidFill>
+              <a:latin typeface="微软雅黑" panose="020B0503020204020204" charset="-122"/>
+              <a:ea typeface="微软雅黑" panose="020B0503020204020204" charset="-122"/>
+            </a:endParaRPr>
           </a:p>
         </p:txBody>
       </p:sp>
@@ -5852,7 +5966,7 @@
                 <a:latin typeface="微软雅黑" panose="020B0503020204020204" charset="-122"/>
                 <a:ea typeface="微软雅黑" panose="020B0503020204020204" charset="-122"/>
               </a:rPr>
-              <a:t>VGG16</a:t>
+              <a:t>VGG19</a:t>
             </a:r>
             <a:endParaRPr lang="en-US" altLang="zh-CN" sz="2800" b="1">
               <a:latin typeface="微软雅黑" panose="020B0503020204020204" charset="-122"/>
@@ -6017,7 +6131,7 @@
         </p:nvSpPr>
         <p:spPr>
           <a:xfrm>
-            <a:off x="4809490" y="2128520"/>
+            <a:off x="4631690" y="2128520"/>
             <a:ext cx="2048510" cy="2035175"/>
           </a:xfrm>
           <a:prstGeom prst="cube">
@@ -6061,7 +6175,7 @@
         </p:nvSpPr>
         <p:spPr>
           <a:xfrm>
-            <a:off x="5046980" y="2128520"/>
+            <a:off x="4869180" y="2128520"/>
             <a:ext cx="2048510" cy="2035175"/>
           </a:xfrm>
           <a:prstGeom prst="cube">
@@ -6105,7 +6219,7 @@
         </p:nvSpPr>
         <p:spPr>
           <a:xfrm>
-            <a:off x="5298440" y="2117725"/>
+            <a:off x="5108575" y="2129790"/>
             <a:ext cx="2048510" cy="2035175"/>
           </a:xfrm>
           <a:prstGeom prst="cube">
@@ -6284,7 +6398,7 @@
         </p:nvSpPr>
         <p:spPr>
           <a:xfrm>
-            <a:off x="6435725" y="1078230"/>
+            <a:off x="6399530" y="1090295"/>
             <a:ext cx="3093085" cy="3074670"/>
           </a:xfrm>
           <a:prstGeom prst="cube">
@@ -6328,7 +6442,7 @@
         </p:nvSpPr>
         <p:spPr>
           <a:xfrm>
-            <a:off x="6638290" y="1188720"/>
+            <a:off x="6780530" y="1188720"/>
             <a:ext cx="2980690" cy="2974975"/>
           </a:xfrm>
           <a:prstGeom prst="cube">
@@ -6507,7 +6621,7 @@
         </p:nvSpPr>
         <p:spPr>
           <a:xfrm>
-            <a:off x="7447280" y="1188720"/>
+            <a:off x="7553960" y="1188720"/>
             <a:ext cx="2980690" cy="2974975"/>
           </a:xfrm>
           <a:prstGeom prst="cube">
@@ -6554,7 +6668,7 @@
         </p:nvCxnSpPr>
         <p:spPr>
           <a:xfrm flipV="1">
-            <a:off x="7980680" y="513080"/>
+            <a:off x="8016240" y="513080"/>
             <a:ext cx="3689985" cy="3632835"/>
           </a:xfrm>
           <a:prstGeom prst="line">
@@ -6591,7 +6705,7 @@
         </p:nvCxnSpPr>
         <p:spPr>
           <a:xfrm flipV="1">
-            <a:off x="8221980" y="513080"/>
+            <a:off x="8257540" y="513080"/>
             <a:ext cx="3689985" cy="3632835"/>
           </a:xfrm>
           <a:prstGeom prst="line">
@@ -6628,7 +6742,7 @@
         </p:nvCxnSpPr>
         <p:spPr>
           <a:xfrm flipV="1">
-            <a:off x="8425815" y="530860"/>
+            <a:off x="8461375" y="530860"/>
             <a:ext cx="3689985" cy="3632835"/>
           </a:xfrm>
           <a:prstGeom prst="line">
@@ -6913,7 +7027,7 @@
         </p:nvSpPr>
         <p:spPr>
           <a:xfrm>
-            <a:off x="4189730" y="5148580"/>
+            <a:off x="3798570" y="5148580"/>
             <a:ext cx="685800" cy="460375"/>
           </a:xfrm>
           <a:prstGeom prst="rect">
@@ -6975,7 +7089,7 @@
         </p:nvSpPr>
         <p:spPr>
           <a:xfrm>
-            <a:off x="4655820" y="5148580"/>
+            <a:off x="4264660" y="5148580"/>
             <a:ext cx="685800" cy="460375"/>
           </a:xfrm>
           <a:prstGeom prst="rect">
@@ -7037,7 +7151,7 @@
         </p:nvSpPr>
         <p:spPr>
           <a:xfrm>
-            <a:off x="5120640" y="5148580"/>
+            <a:off x="4729480" y="5148580"/>
             <a:ext cx="685800" cy="460375"/>
           </a:xfrm>
           <a:prstGeom prst="rect">
@@ -8250,7 +8364,7 @@
         <p:spPr>
           <a:xfrm>
             <a:off x="8456930" y="4151630"/>
-            <a:ext cx="685800" cy="213995"/>
+            <a:ext cx="1162685" cy="213995"/>
           </a:xfrm>
           <a:prstGeom prst="rect">
             <a:avLst/>
@@ -8274,7 +8388,7 @@
                 <a:latin typeface="微软雅黑" panose="020B0503020204020204" charset="-122"/>
                 <a:ea typeface="微软雅黑" panose="020B0503020204020204" charset="-122"/>
               </a:rPr>
-              <a:t>FC 1000</a:t>
+              <a:t>FC 1000+Softmax</a:t>
             </a:r>
             <a:endParaRPr lang="en-US" sz="800" b="1">
               <a:solidFill>
@@ -9010,6 +9124,438 @@
           <a:p>
             <a:pPr algn="ctr"/>
             <a:endParaRPr lang="zh-CN" altLang="en-US"/>
+          </a:p>
+        </p:txBody>
+      </p:sp>
+      <p:sp>
+        <p:nvSpPr>
+          <p:cNvPr id="2" name="文本框 1"/>
+          <p:cNvSpPr txBox="1"/>
+          <p:nvPr/>
+        </p:nvSpPr>
+        <p:spPr>
+          <a:xfrm>
+            <a:off x="1601470" y="1078230"/>
+            <a:ext cx="3775075" cy="533400"/>
+          </a:xfrm>
+          <a:prstGeom prst="rect">
+            <a:avLst/>
+          </a:prstGeom>
+          <a:noFill/>
+        </p:spPr>
+        <p:txBody>
+          <a:bodyPr wrap="square" rtlCol="0">
+            <a:spAutoFit/>
+          </a:bodyPr>
+          <a:p>
+            <a:pPr marL="171450" indent="-171450" algn="l">
+              <a:lnSpc>
+                <a:spcPct val="120000"/>
+              </a:lnSpc>
+              <a:buFont typeface="Arial" panose="020B0604020202090204" pitchFamily="34" charset="0"/>
+              <a:buChar char="•"/>
+            </a:pPr>
+            <a:r>
+              <a:rPr lang="zh-CN" altLang="en-US" sz="1200">
+                <a:solidFill>
+                  <a:srgbClr val="00B0F0"/>
+                </a:solidFill>
+                <a:latin typeface="微软雅黑" panose="020B0503020204020204" charset="-122"/>
+                <a:ea typeface="微软雅黑" panose="020B0503020204020204" charset="-122"/>
+              </a:rPr>
+              <a:t>卷积后的激活函数都是</a:t>
+            </a:r>
+            <a:r>
+              <a:rPr lang="en-US" altLang="zh-CN" sz="1200">
+                <a:solidFill>
+                  <a:srgbClr val="00B0F0"/>
+                </a:solidFill>
+                <a:latin typeface="微软雅黑" panose="020B0503020204020204" charset="-122"/>
+                <a:ea typeface="微软雅黑" panose="020B0503020204020204" charset="-122"/>
+              </a:rPr>
+              <a:t>ReLU</a:t>
+            </a:r>
+            <a:endParaRPr lang="en-US" altLang="zh-CN" sz="1200">
+              <a:solidFill>
+                <a:srgbClr val="00B0F0"/>
+              </a:solidFill>
+              <a:latin typeface="微软雅黑" panose="020B0503020204020204" charset="-122"/>
+              <a:ea typeface="微软雅黑" panose="020B0503020204020204" charset="-122"/>
+            </a:endParaRPr>
+          </a:p>
+          <a:p>
+            <a:pPr marL="171450" indent="-171450" algn="l">
+              <a:lnSpc>
+                <a:spcPct val="120000"/>
+              </a:lnSpc>
+              <a:buFont typeface="Arial" panose="020B0604020202090204" pitchFamily="34" charset="0"/>
+              <a:buChar char="•"/>
+            </a:pPr>
+            <a:r>
+              <a:rPr lang="zh-CN" altLang="en-US" sz="1200">
+                <a:solidFill>
+                  <a:srgbClr val="00B0F0"/>
+                </a:solidFill>
+                <a:latin typeface="微软雅黑" panose="020B0503020204020204" charset="-122"/>
+                <a:ea typeface="微软雅黑" panose="020B0503020204020204" charset="-122"/>
+              </a:rPr>
+              <a:t>每层全连接后都用</a:t>
+            </a:r>
+            <a:r>
+              <a:rPr lang="en-US" altLang="zh-CN" sz="1200">
+                <a:solidFill>
+                  <a:srgbClr val="00B0F0"/>
+                </a:solidFill>
+                <a:latin typeface="微软雅黑" panose="020B0503020204020204" charset="-122"/>
+                <a:ea typeface="微软雅黑" panose="020B0503020204020204" charset="-122"/>
+              </a:rPr>
+              <a:t>ReLU</a:t>
+            </a:r>
+            <a:r>
+              <a:rPr lang="zh-CN" altLang="en-US" sz="1200">
+                <a:solidFill>
+                  <a:srgbClr val="00B0F0"/>
+                </a:solidFill>
+                <a:latin typeface="微软雅黑" panose="020B0503020204020204" charset="-122"/>
+                <a:ea typeface="微软雅黑" panose="020B0503020204020204" charset="-122"/>
+              </a:rPr>
+              <a:t>，前两层</a:t>
+            </a:r>
+            <a:r>
+              <a:rPr lang="en-US" altLang="zh-CN" sz="1200">
+                <a:solidFill>
+                  <a:srgbClr val="00B0F0"/>
+                </a:solidFill>
+                <a:latin typeface="微软雅黑" panose="020B0503020204020204" charset="-122"/>
+                <a:ea typeface="微软雅黑" panose="020B0503020204020204" charset="-122"/>
+              </a:rPr>
+              <a:t>Dropout</a:t>
+            </a:r>
+            <a:endParaRPr lang="en-US" altLang="zh-CN" sz="1200">
+              <a:solidFill>
+                <a:srgbClr val="00B0F0"/>
+              </a:solidFill>
+              <a:latin typeface="微软雅黑" panose="020B0503020204020204" charset="-122"/>
+              <a:ea typeface="微软雅黑" panose="020B0503020204020204" charset="-122"/>
+            </a:endParaRPr>
+          </a:p>
+        </p:txBody>
+      </p:sp>
+      <p:sp>
+        <p:nvSpPr>
+          <p:cNvPr id="3" name="立方体 2"/>
+          <p:cNvSpPr/>
+          <p:nvPr/>
+        </p:nvSpPr>
+        <p:spPr>
+          <a:xfrm>
+            <a:off x="5332095" y="2125980"/>
+            <a:ext cx="2048510" cy="2035175"/>
+          </a:xfrm>
+          <a:prstGeom prst="cube">
+            <a:avLst>
+              <a:gd name="adj" fmla="val 91971"/>
+            </a:avLst>
+          </a:prstGeom>
+          <a:solidFill>
+            <a:srgbClr val="66FFFF"/>
+          </a:solidFill>
+        </p:spPr>
+        <p:style>
+          <a:lnRef idx="2">
+            <a:schemeClr val="accent1">
+              <a:shade val="50000"/>
+            </a:schemeClr>
+          </a:lnRef>
+          <a:fillRef idx="1">
+            <a:schemeClr val="accent1"/>
+          </a:fillRef>
+          <a:effectRef idx="0">
+            <a:schemeClr val="accent1"/>
+          </a:effectRef>
+          <a:fontRef idx="minor">
+            <a:schemeClr val="lt1"/>
+          </a:fontRef>
+        </p:style>
+        <p:txBody>
+          <a:bodyPr rtlCol="0" anchor="ctr"/>
+          <a:p>
+            <a:pPr algn="ctr"/>
+            <a:endParaRPr lang="zh-CN" altLang="en-US"/>
+          </a:p>
+        </p:txBody>
+      </p:sp>
+      <p:sp>
+        <p:nvSpPr>
+          <p:cNvPr id="4" name="立方体 3"/>
+          <p:cNvSpPr/>
+          <p:nvPr/>
+        </p:nvSpPr>
+        <p:spPr>
+          <a:xfrm>
+            <a:off x="6598920" y="1086485"/>
+            <a:ext cx="3093085" cy="3074670"/>
+          </a:xfrm>
+          <a:prstGeom prst="cube">
+            <a:avLst>
+              <a:gd name="adj" fmla="val 96736"/>
+            </a:avLst>
+          </a:prstGeom>
+          <a:solidFill>
+            <a:srgbClr val="66FFFF"/>
+          </a:solidFill>
+        </p:spPr>
+        <p:style>
+          <a:lnRef idx="2">
+            <a:schemeClr val="accent1">
+              <a:shade val="50000"/>
+            </a:schemeClr>
+          </a:lnRef>
+          <a:fillRef idx="1">
+            <a:schemeClr val="accent1"/>
+          </a:fillRef>
+          <a:effectRef idx="0">
+            <a:schemeClr val="accent1"/>
+          </a:effectRef>
+          <a:fontRef idx="minor">
+            <a:schemeClr val="lt1"/>
+          </a:fontRef>
+        </p:style>
+        <p:txBody>
+          <a:bodyPr rtlCol="0" anchor="ctr"/>
+          <a:p>
+            <a:pPr algn="ctr"/>
+            <a:endParaRPr lang="zh-CN" altLang="en-US"/>
+          </a:p>
+        </p:txBody>
+      </p:sp>
+      <p:sp>
+        <p:nvSpPr>
+          <p:cNvPr id="9" name="立方体 8"/>
+          <p:cNvSpPr/>
+          <p:nvPr/>
+        </p:nvSpPr>
+        <p:spPr>
+          <a:xfrm>
+            <a:off x="7435850" y="1197610"/>
+            <a:ext cx="2980690" cy="2974975"/>
+          </a:xfrm>
+          <a:prstGeom prst="cube">
+            <a:avLst>
+              <a:gd name="adj" fmla="val 97976"/>
+            </a:avLst>
+          </a:prstGeom>
+          <a:solidFill>
+            <a:srgbClr val="66FFFF"/>
+          </a:solidFill>
+        </p:spPr>
+        <p:style>
+          <a:lnRef idx="2">
+            <a:schemeClr val="accent1">
+              <a:shade val="50000"/>
+            </a:schemeClr>
+          </a:lnRef>
+          <a:fillRef idx="1">
+            <a:schemeClr val="accent1"/>
+          </a:fillRef>
+          <a:effectRef idx="0">
+            <a:schemeClr val="accent1"/>
+          </a:effectRef>
+          <a:fontRef idx="minor">
+            <a:schemeClr val="lt1"/>
+          </a:fontRef>
+        </p:style>
+        <p:txBody>
+          <a:bodyPr rtlCol="0" anchor="ctr"/>
+          <a:p>
+            <a:pPr algn="ctr"/>
+            <a:endParaRPr lang="zh-CN" altLang="en-US"/>
+          </a:p>
+        </p:txBody>
+      </p:sp>
+      <p:sp>
+        <p:nvSpPr>
+          <p:cNvPr id="52" name="文本框 51"/>
+          <p:cNvSpPr txBox="1"/>
+          <p:nvPr/>
+        </p:nvSpPr>
+        <p:spPr>
+          <a:xfrm>
+            <a:off x="5150485" y="5136515"/>
+            <a:ext cx="685800" cy="460375"/>
+          </a:xfrm>
+          <a:prstGeom prst="rect">
+            <a:avLst/>
+          </a:prstGeom>
+          <a:noFill/>
+        </p:spPr>
+        <p:txBody>
+          <a:bodyPr wrap="square" rtlCol="0">
+            <a:spAutoFit/>
+          </a:bodyPr>
+          <a:p>
+            <a:pPr algn="ctr"/>
+            <a:r>
+              <a:rPr lang="en-US" altLang="zh-CN" sz="800" b="1">
+                <a:solidFill>
+                  <a:srgbClr val="66CCFF"/>
+                </a:solidFill>
+                <a:latin typeface="微软雅黑" panose="020B0503020204020204" charset="-122"/>
+                <a:ea typeface="微软雅黑" panose="020B0503020204020204" charset="-122"/>
+              </a:rPr>
+              <a:t>conv3_4</a:t>
+            </a:r>
+            <a:endParaRPr lang="zh-CN" altLang="en-US" sz="800" b="1">
+              <a:solidFill>
+                <a:srgbClr val="66CCFF"/>
+              </a:solidFill>
+              <a:latin typeface="微软雅黑" panose="020B0503020204020204" charset="-122"/>
+              <a:ea typeface="微软雅黑" panose="020B0503020204020204" charset="-122"/>
+            </a:endParaRPr>
+          </a:p>
+          <a:p>
+            <a:pPr algn="ctr"/>
+            <a:r>
+              <a:rPr lang="en-US" altLang="zh-CN" sz="800" b="1">
+                <a:solidFill>
+                  <a:srgbClr val="66CCFF"/>
+                </a:solidFill>
+                <a:latin typeface="微软雅黑" panose="020B0503020204020204" charset="-122"/>
+                <a:ea typeface="微软雅黑" panose="020B0503020204020204" charset="-122"/>
+              </a:rPr>
+              <a:t>3x3x256@1</a:t>
+            </a:r>
+            <a:endParaRPr lang="en-US" altLang="zh-CN" sz="800" b="1">
+              <a:solidFill>
+                <a:srgbClr val="66CCFF"/>
+              </a:solidFill>
+              <a:latin typeface="微软雅黑" panose="020B0503020204020204" charset="-122"/>
+              <a:ea typeface="微软雅黑" panose="020B0503020204020204" charset="-122"/>
+            </a:endParaRPr>
+          </a:p>
+        </p:txBody>
+      </p:sp>
+      <p:sp>
+        <p:nvSpPr>
+          <p:cNvPr id="62" name="文本框 61"/>
+          <p:cNvSpPr txBox="1"/>
+          <p:nvPr/>
+        </p:nvSpPr>
+        <p:spPr>
+          <a:xfrm>
+            <a:off x="6383020" y="5099050"/>
+            <a:ext cx="685800" cy="460375"/>
+          </a:xfrm>
+          <a:prstGeom prst="rect">
+            <a:avLst/>
+          </a:prstGeom>
+          <a:noFill/>
+        </p:spPr>
+        <p:txBody>
+          <a:bodyPr wrap="square" rtlCol="0">
+            <a:spAutoFit/>
+          </a:bodyPr>
+          <a:p>
+            <a:pPr algn="ctr"/>
+            <a:r>
+              <a:rPr lang="en-US" altLang="zh-CN" sz="800" b="1">
+                <a:solidFill>
+                  <a:srgbClr val="66CCFF"/>
+                </a:solidFill>
+                <a:latin typeface="微软雅黑" panose="020B0503020204020204" charset="-122"/>
+                <a:ea typeface="微软雅黑" panose="020B0503020204020204" charset="-122"/>
+              </a:rPr>
+              <a:t>conv4_4</a:t>
+            </a:r>
+            <a:endParaRPr lang="zh-CN" altLang="en-US" sz="800" b="1">
+              <a:solidFill>
+                <a:srgbClr val="66CCFF"/>
+              </a:solidFill>
+              <a:latin typeface="微软雅黑" panose="020B0503020204020204" charset="-122"/>
+              <a:ea typeface="微软雅黑" panose="020B0503020204020204" charset="-122"/>
+            </a:endParaRPr>
+          </a:p>
+          <a:p>
+            <a:pPr algn="ctr"/>
+            <a:r>
+              <a:rPr lang="en-US" altLang="zh-CN" sz="800" b="1">
+                <a:solidFill>
+                  <a:srgbClr val="66CCFF"/>
+                </a:solidFill>
+                <a:latin typeface="微软雅黑" panose="020B0503020204020204" charset="-122"/>
+                <a:ea typeface="微软雅黑" panose="020B0503020204020204" charset="-122"/>
+              </a:rPr>
+              <a:t>3x3x512@1</a:t>
+            </a:r>
+            <a:endParaRPr lang="en-US" altLang="zh-CN" sz="800" b="1">
+              <a:solidFill>
+                <a:srgbClr val="66CCFF"/>
+              </a:solidFill>
+              <a:latin typeface="微软雅黑" panose="020B0503020204020204" charset="-122"/>
+              <a:ea typeface="微软雅黑" panose="020B0503020204020204" charset="-122"/>
+            </a:endParaRPr>
+          </a:p>
+        </p:txBody>
+      </p:sp>
+      <p:sp>
+        <p:nvSpPr>
+          <p:cNvPr id="63" name="文本框 62"/>
+          <p:cNvSpPr txBox="1"/>
+          <p:nvPr/>
+        </p:nvSpPr>
+        <p:spPr>
+          <a:xfrm>
+            <a:off x="7380605" y="4617085"/>
+            <a:ext cx="685800" cy="460375"/>
+          </a:xfrm>
+          <a:prstGeom prst="rect">
+            <a:avLst/>
+          </a:prstGeom>
+          <a:noFill/>
+        </p:spPr>
+        <p:txBody>
+          <a:bodyPr wrap="square" rtlCol="0">
+            <a:spAutoFit/>
+          </a:bodyPr>
+          <a:p>
+            <a:pPr algn="ctr"/>
+            <a:r>
+              <a:rPr lang="en-US" altLang="zh-CN" sz="800" b="1">
+                <a:solidFill>
+                  <a:srgbClr val="66CCFF"/>
+                </a:solidFill>
+                <a:latin typeface="微软雅黑" panose="020B0503020204020204" charset="-122"/>
+                <a:ea typeface="微软雅黑" panose="020B0503020204020204" charset="-122"/>
+              </a:rPr>
+              <a:t>conv5_4</a:t>
+            </a:r>
+            <a:endParaRPr lang="zh-CN" altLang="en-US" sz="800" b="1">
+              <a:solidFill>
+                <a:srgbClr val="66CCFF"/>
+              </a:solidFill>
+              <a:latin typeface="微软雅黑" panose="020B0503020204020204" charset="-122"/>
+              <a:ea typeface="微软雅黑" panose="020B0503020204020204" charset="-122"/>
+            </a:endParaRPr>
+          </a:p>
+          <a:p>
+            <a:pPr algn="ctr"/>
+            <a:r>
+              <a:rPr lang="en-US" altLang="zh-CN" sz="800" b="1">
+                <a:solidFill>
+                  <a:srgbClr val="66CCFF"/>
+                </a:solidFill>
+                <a:latin typeface="微软雅黑" panose="020B0503020204020204" charset="-122"/>
+                <a:ea typeface="微软雅黑" panose="020B0503020204020204" charset="-122"/>
+              </a:rPr>
+              <a:t>3x3x512@1</a:t>
+            </a:r>
+            <a:endParaRPr lang="en-US" altLang="zh-CN" sz="800" b="1">
+              <a:solidFill>
+                <a:srgbClr val="66CCFF"/>
+              </a:solidFill>
+              <a:latin typeface="微软雅黑" panose="020B0503020204020204" charset="-122"/>
+              <a:ea typeface="微软雅黑" panose="020B0503020204020204" charset="-122"/>
+            </a:endParaRPr>
           </a:p>
         </p:txBody>
       </p:sp>

--- a/assets/block_diagram/object_detection_block_diagram.pptx
+++ b/assets/block_diagram/object_detection_block_diagram.pptx
@@ -7,6 +7,10 @@
   <p:sldIdLst>
     <p:sldId id="256" r:id="rId3"/>
     <p:sldId id="257" r:id="rId4"/>
+    <p:sldId id="259" r:id="rId5"/>
+    <p:sldId id="258" r:id="rId6"/>
+    <p:sldId id="261" r:id="rId7"/>
+    <p:sldId id="260" r:id="rId8"/>
   </p:sldIdLst>
   <p:sldSz cx="12192000" cy="6858000"/>
   <p:notesSz cx="7103745" cy="10234295"/>
@@ -9567,6 +9571,3883 @@
 </p:sld>
 </file>
 
+<file path=ppt/slides/slide3.xml><?xml version="1.0" encoding="utf-8"?>
+<p:sld xmlns:a="http://schemas.openxmlformats.org/drawingml/2006/main" xmlns:r="http://schemas.openxmlformats.org/officeDocument/2006/relationships" xmlns:p="http://schemas.openxmlformats.org/presentationml/2006/main">
+  <p:cSld>
+    <p:spTree>
+      <p:nvGrpSpPr>
+        <p:cNvPr id="1" name=""/>
+        <p:cNvGrpSpPr/>
+        <p:nvPr/>
+      </p:nvGrpSpPr>
+      <p:grpSpPr/>
+      <p:sp>
+        <p:nvSpPr>
+          <p:cNvPr id="5" name="文本框 4"/>
+          <p:cNvSpPr txBox="1"/>
+          <p:nvPr/>
+        </p:nvSpPr>
+        <p:spPr>
+          <a:xfrm>
+            <a:off x="335280" y="574675"/>
+            <a:ext cx="4548505" cy="521970"/>
+          </a:xfrm>
+          <a:prstGeom prst="rect">
+            <a:avLst/>
+          </a:prstGeom>
+          <a:noFill/>
+        </p:spPr>
+        <p:txBody>
+          <a:bodyPr wrap="square" rtlCol="0">
+            <a:spAutoFit/>
+          </a:bodyPr>
+          <a:p>
+            <a:r>
+              <a:rPr lang="en-US" altLang="zh-CN" sz="2800" b="1">
+                <a:latin typeface="微软雅黑" panose="020B0503020204020204" charset="-122"/>
+                <a:ea typeface="微软雅黑" panose="020B0503020204020204" charset="-122"/>
+              </a:rPr>
+              <a:t>OverFeat</a:t>
+            </a:r>
+            <a:r>
+              <a:rPr lang="en-US" altLang="zh-CN" sz="2800" b="1">
+                <a:latin typeface="微软雅黑" panose="020B0503020204020204" charset="-122"/>
+                <a:ea typeface="微软雅黑" panose="020B0503020204020204" charset="-122"/>
+              </a:rPr>
+              <a:t> Pipeline</a:t>
+            </a:r>
+            <a:endParaRPr lang="en-US" altLang="zh-CN" sz="2800" b="1">
+              <a:latin typeface="微软雅黑" panose="020B0503020204020204" charset="-122"/>
+              <a:ea typeface="微软雅黑" panose="020B0503020204020204" charset="-122"/>
+            </a:endParaRPr>
+          </a:p>
+        </p:txBody>
+      </p:sp>
+    </p:spTree>
+  </p:cSld>
+  <p:clrMapOvr>
+    <a:masterClrMapping/>
+  </p:clrMapOvr>
+</p:sld>
+</file>
+
+<file path=ppt/slides/slide4.xml><?xml version="1.0" encoding="utf-8"?>
+<p:sld xmlns:a="http://schemas.openxmlformats.org/drawingml/2006/main" xmlns:r="http://schemas.openxmlformats.org/officeDocument/2006/relationships" xmlns:p="http://schemas.openxmlformats.org/presentationml/2006/main">
+  <p:cSld>
+    <p:spTree>
+      <p:nvGrpSpPr>
+        <p:cNvPr id="1" name=""/>
+        <p:cNvGrpSpPr/>
+        <p:nvPr/>
+      </p:nvGrpSpPr>
+      <p:grpSpPr/>
+      <p:sp>
+        <p:nvSpPr>
+          <p:cNvPr id="5" name="文本框 4"/>
+          <p:cNvSpPr txBox="1"/>
+          <p:nvPr/>
+        </p:nvSpPr>
+        <p:spPr>
+          <a:xfrm>
+            <a:off x="335280" y="574675"/>
+            <a:ext cx="3050540" cy="521970"/>
+          </a:xfrm>
+          <a:prstGeom prst="rect">
+            <a:avLst/>
+          </a:prstGeom>
+          <a:noFill/>
+        </p:spPr>
+        <p:txBody>
+          <a:bodyPr wrap="square" rtlCol="0">
+            <a:spAutoFit/>
+          </a:bodyPr>
+          <a:p>
+            <a:r>
+              <a:rPr lang="en-US" altLang="zh-CN" sz="2800" b="1">
+                <a:latin typeface="微软雅黑" panose="020B0503020204020204" charset="-122"/>
+                <a:ea typeface="微软雅黑" panose="020B0503020204020204" charset="-122"/>
+              </a:rPr>
+              <a:t>RCNN Pipeline</a:t>
+            </a:r>
+            <a:endParaRPr lang="en-US" altLang="zh-CN" sz="2800" b="1">
+              <a:latin typeface="微软雅黑" panose="020B0503020204020204" charset="-122"/>
+              <a:ea typeface="微软雅黑" panose="020B0503020204020204" charset="-122"/>
+            </a:endParaRPr>
+          </a:p>
+        </p:txBody>
+      </p:sp>
+      <p:pic>
+        <p:nvPicPr>
+          <p:cNvPr id="9" name="图片 8"/>
+          <p:cNvPicPr>
+            <a:picLocks noChangeAspect="1"/>
+          </p:cNvPicPr>
+          <p:nvPr/>
+        </p:nvPicPr>
+        <p:blipFill>
+          <a:blip r:embed="rId1"/>
+          <a:stretch>
+            <a:fillRect/>
+          </a:stretch>
+        </p:blipFill>
+        <p:spPr>
+          <a:xfrm>
+            <a:off x="405765" y="1337945"/>
+            <a:ext cx="2129155" cy="2148205"/>
+          </a:xfrm>
+          <a:prstGeom prst="rect">
+            <a:avLst/>
+          </a:prstGeom>
+        </p:spPr>
+      </p:pic>
+      <p:pic>
+        <p:nvPicPr>
+          <p:cNvPr id="54" name="图片 53"/>
+          <p:cNvPicPr>
+            <a:picLocks noChangeAspect="1"/>
+          </p:cNvPicPr>
+          <p:nvPr/>
+        </p:nvPicPr>
+        <p:blipFill>
+          <a:blip r:embed="rId2"/>
+          <a:stretch>
+            <a:fillRect/>
+          </a:stretch>
+        </p:blipFill>
+        <p:spPr>
+          <a:xfrm>
+            <a:off x="566420" y="4441825"/>
+            <a:ext cx="4128770" cy="1597660"/>
+          </a:xfrm>
+          <a:prstGeom prst="rect">
+            <a:avLst/>
+          </a:prstGeom>
+        </p:spPr>
+      </p:pic>
+      <p:pic>
+        <p:nvPicPr>
+          <p:cNvPr id="66" name="图片 65"/>
+          <p:cNvPicPr>
+            <a:picLocks noChangeAspect="1"/>
+          </p:cNvPicPr>
+          <p:nvPr/>
+        </p:nvPicPr>
+        <p:blipFill>
+          <a:blip r:embed="rId3"/>
+          <a:stretch>
+            <a:fillRect/>
+          </a:stretch>
+        </p:blipFill>
+        <p:spPr>
+          <a:xfrm>
+            <a:off x="6435090" y="1620520"/>
+            <a:ext cx="4246880" cy="1758315"/>
+          </a:xfrm>
+          <a:prstGeom prst="rect">
+            <a:avLst/>
+          </a:prstGeom>
+        </p:spPr>
+      </p:pic>
+      <p:pic>
+        <p:nvPicPr>
+          <p:cNvPr id="52" name="图片 51"/>
+          <p:cNvPicPr>
+            <a:picLocks noChangeAspect="1"/>
+          </p:cNvPicPr>
+          <p:nvPr/>
+        </p:nvPicPr>
+        <p:blipFill>
+          <a:blip r:embed="rId4"/>
+          <a:stretch>
+            <a:fillRect/>
+          </a:stretch>
+        </p:blipFill>
+        <p:spPr>
+          <a:xfrm>
+            <a:off x="2734310" y="1255395"/>
+            <a:ext cx="3713480" cy="2313305"/>
+          </a:xfrm>
+          <a:prstGeom prst="rect">
+            <a:avLst/>
+          </a:prstGeom>
+        </p:spPr>
+      </p:pic>
+      <p:sp>
+        <p:nvSpPr>
+          <p:cNvPr id="64" name="文本框 63"/>
+          <p:cNvSpPr txBox="1"/>
+          <p:nvPr/>
+        </p:nvSpPr>
+        <p:spPr>
+          <a:xfrm>
+            <a:off x="5506720" y="3146425"/>
+            <a:ext cx="869950" cy="245110"/>
+          </a:xfrm>
+          <a:prstGeom prst="rect">
+            <a:avLst/>
+          </a:prstGeom>
+          <a:noFill/>
+        </p:spPr>
+        <p:txBody>
+          <a:bodyPr wrap="square" rtlCol="0">
+            <a:spAutoFit/>
+          </a:bodyPr>
+          <a:p>
+            <a:pPr algn="ctr"/>
+            <a:r>
+              <a:rPr lang="en-US" altLang="zh-CN" sz="1000">
+                <a:latin typeface="微软雅黑" panose="020B0503020204020204" charset="-122"/>
+                <a:ea typeface="微软雅黑" panose="020B0503020204020204" charset="-122"/>
+              </a:rPr>
+              <a:t>227x227x3</a:t>
+            </a:r>
+            <a:endParaRPr lang="en-US" altLang="zh-CN" sz="1000">
+              <a:latin typeface="微软雅黑" panose="020B0503020204020204" charset="-122"/>
+              <a:ea typeface="微软雅黑" panose="020B0503020204020204" charset="-122"/>
+            </a:endParaRPr>
+          </a:p>
+        </p:txBody>
+      </p:sp>
+      <p:sp>
+        <p:nvSpPr>
+          <p:cNvPr id="67" name="文本框 66"/>
+          <p:cNvSpPr txBox="1"/>
+          <p:nvPr/>
+        </p:nvSpPr>
+        <p:spPr>
+          <a:xfrm>
+            <a:off x="772795" y="3486150"/>
+            <a:ext cx="1395095" cy="306705"/>
+          </a:xfrm>
+          <a:prstGeom prst="rect">
+            <a:avLst/>
+          </a:prstGeom>
+          <a:noFill/>
+        </p:spPr>
+        <p:txBody>
+          <a:bodyPr wrap="square" rtlCol="0">
+            <a:spAutoFit/>
+          </a:bodyPr>
+          <a:p>
+            <a:pPr algn="ctr"/>
+            <a:r>
+              <a:rPr lang="en-US" altLang="zh-CN" sz="1400" b="1">
+                <a:solidFill>
+                  <a:srgbClr val="0070C0"/>
+                </a:solidFill>
+                <a:latin typeface="微软雅黑" panose="020B0503020204020204" charset="-122"/>
+                <a:ea typeface="微软雅黑" panose="020B0503020204020204" charset="-122"/>
+              </a:rPr>
+              <a:t>1. </a:t>
+            </a:r>
+            <a:r>
+              <a:rPr lang="zh-CN" altLang="en-US" sz="1400" b="1">
+                <a:solidFill>
+                  <a:srgbClr val="0070C0"/>
+                </a:solidFill>
+                <a:latin typeface="微软雅黑" panose="020B0503020204020204" charset="-122"/>
+                <a:ea typeface="微软雅黑" panose="020B0503020204020204" charset="-122"/>
+              </a:rPr>
+              <a:t>输入图像</a:t>
+            </a:r>
+            <a:endParaRPr lang="zh-CN" altLang="en-US" sz="1400" b="1">
+              <a:solidFill>
+                <a:srgbClr val="0070C0"/>
+              </a:solidFill>
+              <a:latin typeface="微软雅黑" panose="020B0503020204020204" charset="-122"/>
+              <a:ea typeface="微软雅黑" panose="020B0503020204020204" charset="-122"/>
+            </a:endParaRPr>
+          </a:p>
+        </p:txBody>
+      </p:sp>
+      <p:sp>
+        <p:nvSpPr>
+          <p:cNvPr id="68" name="文本框 67"/>
+          <p:cNvSpPr txBox="1"/>
+          <p:nvPr/>
+        </p:nvSpPr>
+        <p:spPr>
+          <a:xfrm>
+            <a:off x="2830195" y="3486150"/>
+            <a:ext cx="2004695" cy="306705"/>
+          </a:xfrm>
+          <a:prstGeom prst="rect">
+            <a:avLst/>
+          </a:prstGeom>
+          <a:noFill/>
+        </p:spPr>
+        <p:txBody>
+          <a:bodyPr wrap="square" rtlCol="0">
+            <a:spAutoFit/>
+          </a:bodyPr>
+          <a:p>
+            <a:pPr algn="ctr"/>
+            <a:r>
+              <a:rPr lang="en-US" altLang="zh-CN" sz="1400" b="1">
+                <a:solidFill>
+                  <a:srgbClr val="0070C0"/>
+                </a:solidFill>
+                <a:latin typeface="微软雅黑" panose="020B0503020204020204" charset="-122"/>
+                <a:ea typeface="微软雅黑" panose="020B0503020204020204" charset="-122"/>
+              </a:rPr>
+              <a:t>2. </a:t>
+            </a:r>
+            <a:r>
+              <a:rPr lang="zh-CN" altLang="en-US" sz="1400" b="1">
+                <a:solidFill>
+                  <a:srgbClr val="0070C0"/>
+                </a:solidFill>
+                <a:latin typeface="微软雅黑" panose="020B0503020204020204" charset="-122"/>
+                <a:ea typeface="微软雅黑" panose="020B0503020204020204" charset="-122"/>
+              </a:rPr>
+              <a:t>提取区域小图（</a:t>
+            </a:r>
+            <a:r>
+              <a:rPr lang="en-US" altLang="zh-CN" sz="1400" b="1">
+                <a:solidFill>
+                  <a:srgbClr val="0070C0"/>
+                </a:solidFill>
+                <a:latin typeface="微软雅黑" panose="020B0503020204020204" charset="-122"/>
+                <a:ea typeface="微软雅黑" panose="020B0503020204020204" charset="-122"/>
+              </a:rPr>
+              <a:t>~2K</a:t>
+            </a:r>
+            <a:r>
+              <a:rPr lang="zh-CN" altLang="en-US" sz="1400" b="1">
+                <a:solidFill>
+                  <a:srgbClr val="0070C0"/>
+                </a:solidFill>
+                <a:latin typeface="微软雅黑" panose="020B0503020204020204" charset="-122"/>
+                <a:ea typeface="微软雅黑" panose="020B0503020204020204" charset="-122"/>
+              </a:rPr>
+              <a:t>）</a:t>
+            </a:r>
+            <a:endParaRPr lang="zh-CN" altLang="en-US" sz="1400" b="1">
+              <a:solidFill>
+                <a:srgbClr val="0070C0"/>
+              </a:solidFill>
+              <a:latin typeface="微软雅黑" panose="020B0503020204020204" charset="-122"/>
+              <a:ea typeface="微软雅黑" panose="020B0503020204020204" charset="-122"/>
+            </a:endParaRPr>
+          </a:p>
+        </p:txBody>
+      </p:sp>
+      <p:sp>
+        <p:nvSpPr>
+          <p:cNvPr id="69" name="文本框 68"/>
+          <p:cNvSpPr txBox="1"/>
+          <p:nvPr/>
+        </p:nvSpPr>
+        <p:spPr>
+          <a:xfrm>
+            <a:off x="1605915" y="6038850"/>
+            <a:ext cx="2004695" cy="521970"/>
+          </a:xfrm>
+          <a:prstGeom prst="rect">
+            <a:avLst/>
+          </a:prstGeom>
+          <a:noFill/>
+        </p:spPr>
+        <p:txBody>
+          <a:bodyPr wrap="square" rtlCol="0">
+            <a:spAutoFit/>
+          </a:bodyPr>
+          <a:p>
+            <a:pPr algn="ctr"/>
+            <a:r>
+              <a:rPr lang="zh-CN" altLang="en-US" sz="1400" b="1">
+                <a:solidFill>
+                  <a:srgbClr val="0070C0"/>
+                </a:solidFill>
+                <a:latin typeface="微软雅黑" panose="020B0503020204020204" charset="-122"/>
+                <a:ea typeface="微软雅黑" panose="020B0503020204020204" charset="-122"/>
+              </a:rPr>
+              <a:t>选择性搜索（</a:t>
+            </a:r>
+            <a:r>
+              <a:rPr lang="en-US" altLang="zh-CN" sz="1400" b="1">
+                <a:solidFill>
+                  <a:srgbClr val="0070C0"/>
+                </a:solidFill>
+                <a:latin typeface="微软雅黑" panose="020B0503020204020204" charset="-122"/>
+                <a:ea typeface="微软雅黑" panose="020B0503020204020204" charset="-122"/>
+              </a:rPr>
+              <a:t>Selective Search</a:t>
+            </a:r>
+            <a:r>
+              <a:rPr lang="zh-CN" altLang="en-US" sz="1400" b="1">
+                <a:solidFill>
+                  <a:srgbClr val="0070C0"/>
+                </a:solidFill>
+                <a:latin typeface="微软雅黑" panose="020B0503020204020204" charset="-122"/>
+                <a:ea typeface="微软雅黑" panose="020B0503020204020204" charset="-122"/>
+              </a:rPr>
+              <a:t>）</a:t>
+            </a:r>
+            <a:endParaRPr lang="zh-CN" altLang="en-US" sz="1400" b="1">
+              <a:solidFill>
+                <a:srgbClr val="0070C0"/>
+              </a:solidFill>
+              <a:latin typeface="微软雅黑" panose="020B0503020204020204" charset="-122"/>
+              <a:ea typeface="微软雅黑" panose="020B0503020204020204" charset="-122"/>
+            </a:endParaRPr>
+          </a:p>
+        </p:txBody>
+      </p:sp>
+      <p:sp>
+        <p:nvSpPr>
+          <p:cNvPr id="70" name="下箭头 69"/>
+          <p:cNvSpPr/>
+          <p:nvPr/>
+        </p:nvSpPr>
+        <p:spPr>
+          <a:xfrm>
+            <a:off x="1432560" y="4010660"/>
+            <a:ext cx="431800" cy="395605"/>
+          </a:xfrm>
+          <a:prstGeom prst="downArrow">
+            <a:avLst/>
+          </a:prstGeom>
+        </p:spPr>
+        <p:style>
+          <a:lnRef idx="3">
+            <a:schemeClr val="lt1"/>
+          </a:lnRef>
+          <a:fillRef idx="1">
+            <a:schemeClr val="accent1"/>
+          </a:fillRef>
+          <a:effectRef idx="1">
+            <a:schemeClr val="accent1"/>
+          </a:effectRef>
+          <a:fontRef idx="minor">
+            <a:schemeClr val="lt1"/>
+          </a:fontRef>
+        </p:style>
+        <p:txBody>
+          <a:bodyPr rtlCol="0" anchor="ctr"/>
+          <a:p>
+            <a:pPr algn="ctr"/>
+            <a:endParaRPr lang="zh-CN" altLang="en-US"/>
+          </a:p>
+        </p:txBody>
+      </p:sp>
+      <p:sp>
+        <p:nvSpPr>
+          <p:cNvPr id="71" name="下箭头 70"/>
+          <p:cNvSpPr/>
+          <p:nvPr/>
+        </p:nvSpPr>
+        <p:spPr>
+          <a:xfrm rot="10800000">
+            <a:off x="3610610" y="4010660"/>
+            <a:ext cx="431800" cy="395605"/>
+          </a:xfrm>
+          <a:prstGeom prst="downArrow">
+            <a:avLst/>
+          </a:prstGeom>
+        </p:spPr>
+        <p:style>
+          <a:lnRef idx="3">
+            <a:schemeClr val="lt1"/>
+          </a:lnRef>
+          <a:fillRef idx="1">
+            <a:schemeClr val="accent1"/>
+          </a:fillRef>
+          <a:effectRef idx="1">
+            <a:schemeClr val="accent1"/>
+          </a:effectRef>
+          <a:fontRef idx="minor">
+            <a:schemeClr val="lt1"/>
+          </a:fontRef>
+        </p:style>
+        <p:txBody>
+          <a:bodyPr rtlCol="0" anchor="ctr"/>
+          <a:p>
+            <a:pPr algn="ctr"/>
+            <a:endParaRPr lang="zh-CN" altLang="en-US"/>
+          </a:p>
+        </p:txBody>
+      </p:sp>
+      <p:sp>
+        <p:nvSpPr>
+          <p:cNvPr id="72" name="文本框 71"/>
+          <p:cNvSpPr txBox="1"/>
+          <p:nvPr/>
+        </p:nvSpPr>
+        <p:spPr>
+          <a:xfrm>
+            <a:off x="5116195" y="1313815"/>
+            <a:ext cx="1522095" cy="306705"/>
+          </a:xfrm>
+          <a:prstGeom prst="rect">
+            <a:avLst/>
+          </a:prstGeom>
+          <a:noFill/>
+        </p:spPr>
+        <p:txBody>
+          <a:bodyPr wrap="square" rtlCol="0">
+            <a:spAutoFit/>
+          </a:bodyPr>
+          <a:p>
+            <a:pPr algn="ctr"/>
+            <a:r>
+              <a:rPr lang="zh-CN" altLang="en-US" sz="1400" b="1">
+                <a:solidFill>
+                  <a:srgbClr val="0070C0"/>
+                </a:solidFill>
+                <a:latin typeface="微软雅黑" panose="020B0503020204020204" charset="-122"/>
+                <a:ea typeface="微软雅黑" panose="020B0503020204020204" charset="-122"/>
+              </a:rPr>
+              <a:t>图像仿射扭曲</a:t>
+            </a:r>
+            <a:endParaRPr lang="zh-CN" altLang="en-US" sz="1400" b="1">
+              <a:solidFill>
+                <a:srgbClr val="0070C0"/>
+              </a:solidFill>
+              <a:latin typeface="微软雅黑" panose="020B0503020204020204" charset="-122"/>
+              <a:ea typeface="微软雅黑" panose="020B0503020204020204" charset="-122"/>
+            </a:endParaRPr>
+          </a:p>
+        </p:txBody>
+      </p:sp>
+      <p:sp>
+        <p:nvSpPr>
+          <p:cNvPr id="73" name="文本框 72"/>
+          <p:cNvSpPr txBox="1"/>
+          <p:nvPr/>
+        </p:nvSpPr>
+        <p:spPr>
+          <a:xfrm>
+            <a:off x="6907530" y="3686175"/>
+            <a:ext cx="2443480" cy="1419860"/>
+          </a:xfrm>
+          <a:prstGeom prst="rect">
+            <a:avLst/>
+          </a:prstGeom>
+          <a:noFill/>
+        </p:spPr>
+        <p:txBody>
+          <a:bodyPr wrap="square" rtlCol="0">
+            <a:spAutoFit/>
+          </a:bodyPr>
+          <a:p>
+            <a:pPr marL="285750" indent="-285750" algn="l">
+              <a:lnSpc>
+                <a:spcPct val="90000"/>
+              </a:lnSpc>
+              <a:buFont typeface="Arial" panose="020B0604020202090204" pitchFamily="34" charset="0"/>
+              <a:buChar char="•"/>
+            </a:pPr>
+            <a:r>
+              <a:rPr lang="en-US" sz="1200" b="1">
+                <a:solidFill>
+                  <a:schemeClr val="tx1">
+                    <a:lumMod val="50000"/>
+                    <a:lumOff val="50000"/>
+                  </a:schemeClr>
+                </a:solidFill>
+                <a:latin typeface="微软雅黑" panose="020B0503020204020204" charset="-122"/>
+                <a:ea typeface="微软雅黑" panose="020B0503020204020204" charset="-122"/>
+              </a:rPr>
+              <a:t>pool5</a:t>
+            </a:r>
+            <a:r>
+              <a:rPr lang="en-US" sz="1200">
+                <a:solidFill>
+                  <a:schemeClr val="tx1">
+                    <a:lumMod val="50000"/>
+                    <a:lumOff val="50000"/>
+                  </a:schemeClr>
+                </a:solidFill>
+                <a:latin typeface="微软雅黑" panose="020B0503020204020204" charset="-122"/>
+                <a:ea typeface="微软雅黑" panose="020B0503020204020204" charset="-122"/>
+              </a:rPr>
+              <a:t>: 6x6x256 = 9216 </a:t>
+            </a:r>
+            <a:r>
+              <a:rPr lang="zh-CN" altLang="en-US" sz="1200">
+                <a:solidFill>
+                  <a:schemeClr val="tx1">
+                    <a:lumMod val="50000"/>
+                    <a:lumOff val="50000"/>
+                  </a:schemeClr>
+                </a:solidFill>
+                <a:latin typeface="微软雅黑" panose="020B0503020204020204" charset="-122"/>
+                <a:ea typeface="微软雅黑" panose="020B0503020204020204" charset="-122"/>
+              </a:rPr>
+              <a:t>维</a:t>
+            </a:r>
+            <a:endParaRPr lang="zh-CN" altLang="en-US" sz="1200">
+              <a:solidFill>
+                <a:schemeClr val="tx1">
+                  <a:lumMod val="50000"/>
+                  <a:lumOff val="50000"/>
+                </a:schemeClr>
+              </a:solidFill>
+              <a:latin typeface="微软雅黑" panose="020B0503020204020204" charset="-122"/>
+              <a:ea typeface="微软雅黑" panose="020B0503020204020204" charset="-122"/>
+            </a:endParaRPr>
+          </a:p>
+          <a:p>
+            <a:pPr indent="0" algn="l">
+              <a:lnSpc>
+                <a:spcPct val="90000"/>
+              </a:lnSpc>
+              <a:buFont typeface="Arial" panose="020B0604020202090204" pitchFamily="34" charset="0"/>
+              <a:buNone/>
+            </a:pPr>
+            <a:r>
+              <a:rPr lang="en-US" altLang="zh-CN" sz="1200">
+                <a:solidFill>
+                  <a:schemeClr val="tx1">
+                    <a:lumMod val="50000"/>
+                    <a:lumOff val="50000"/>
+                  </a:schemeClr>
+                </a:solidFill>
+                <a:latin typeface="微软雅黑" panose="020B0503020204020204" charset="-122"/>
+                <a:ea typeface="微软雅黑" panose="020B0503020204020204" charset="-122"/>
+              </a:rPr>
+              <a:t>       6.5% / 15% </a:t>
+            </a:r>
+            <a:r>
+              <a:rPr lang="zh-CN" altLang="en-US" sz="1200">
+                <a:solidFill>
+                  <a:schemeClr val="tx1">
+                    <a:lumMod val="50000"/>
+                    <a:lumOff val="50000"/>
+                  </a:schemeClr>
+                </a:solidFill>
+                <a:latin typeface="微软雅黑" panose="020B0503020204020204" charset="-122"/>
+                <a:ea typeface="微软雅黑" panose="020B0503020204020204" charset="-122"/>
+              </a:rPr>
+              <a:t>非零</a:t>
+            </a:r>
+            <a:endParaRPr lang="zh-CN" altLang="en-US" sz="1200">
+              <a:solidFill>
+                <a:schemeClr val="tx1">
+                  <a:lumMod val="50000"/>
+                  <a:lumOff val="50000"/>
+                </a:schemeClr>
+              </a:solidFill>
+              <a:latin typeface="微软雅黑" panose="020B0503020204020204" charset="-122"/>
+              <a:ea typeface="微软雅黑" panose="020B0503020204020204" charset="-122"/>
+            </a:endParaRPr>
+          </a:p>
+          <a:p>
+            <a:pPr marL="285750" indent="-285750" algn="l">
+              <a:lnSpc>
+                <a:spcPct val="90000"/>
+              </a:lnSpc>
+              <a:buFont typeface="Arial" panose="020B0604020202090204" pitchFamily="34" charset="0"/>
+              <a:buChar char="•"/>
+            </a:pPr>
+            <a:endParaRPr lang="zh-CN" altLang="en-US" sz="1200">
+              <a:solidFill>
+                <a:schemeClr val="tx1">
+                  <a:lumMod val="50000"/>
+                  <a:lumOff val="50000"/>
+                </a:schemeClr>
+              </a:solidFill>
+              <a:latin typeface="微软雅黑" panose="020B0503020204020204" charset="-122"/>
+              <a:ea typeface="微软雅黑" panose="020B0503020204020204" charset="-122"/>
+            </a:endParaRPr>
+          </a:p>
+          <a:p>
+            <a:pPr marL="285750" indent="-285750" algn="l">
+              <a:lnSpc>
+                <a:spcPct val="90000"/>
+              </a:lnSpc>
+              <a:buFont typeface="Arial" panose="020B0604020202090204" pitchFamily="34" charset="0"/>
+              <a:buChar char="•"/>
+            </a:pPr>
+            <a:r>
+              <a:rPr lang="en-US" altLang="zh-CN" sz="1200" b="1">
+                <a:solidFill>
+                  <a:schemeClr val="tx1">
+                    <a:lumMod val="50000"/>
+                    <a:lumOff val="50000"/>
+                  </a:schemeClr>
+                </a:solidFill>
+                <a:latin typeface="微软雅黑" panose="020B0503020204020204" charset="-122"/>
+                <a:ea typeface="微软雅黑" panose="020B0503020204020204" charset="-122"/>
+              </a:rPr>
+              <a:t>fc6</a:t>
+            </a:r>
+            <a:r>
+              <a:rPr lang="en-US" altLang="zh-CN" sz="1200">
+                <a:solidFill>
+                  <a:schemeClr val="tx1">
+                    <a:lumMod val="50000"/>
+                    <a:lumOff val="50000"/>
+                  </a:schemeClr>
+                </a:solidFill>
+                <a:latin typeface="微软雅黑" panose="020B0503020204020204" charset="-122"/>
+                <a:ea typeface="微软雅黑" panose="020B0503020204020204" charset="-122"/>
+              </a:rPr>
+              <a:t>: 4096 </a:t>
+            </a:r>
+            <a:r>
+              <a:rPr lang="zh-CN" altLang="en-US" sz="1200">
+                <a:solidFill>
+                  <a:schemeClr val="tx1">
+                    <a:lumMod val="50000"/>
+                    <a:lumOff val="50000"/>
+                  </a:schemeClr>
+                </a:solidFill>
+                <a:latin typeface="微软雅黑" panose="020B0503020204020204" charset="-122"/>
+                <a:ea typeface="微软雅黑" panose="020B0503020204020204" charset="-122"/>
+              </a:rPr>
+              <a:t>维</a:t>
+            </a:r>
+            <a:endParaRPr lang="zh-CN" altLang="en-US" sz="1200">
+              <a:solidFill>
+                <a:schemeClr val="tx1">
+                  <a:lumMod val="50000"/>
+                  <a:lumOff val="50000"/>
+                </a:schemeClr>
+              </a:solidFill>
+              <a:latin typeface="微软雅黑" panose="020B0503020204020204" charset="-122"/>
+              <a:ea typeface="微软雅黑" panose="020B0503020204020204" charset="-122"/>
+            </a:endParaRPr>
+          </a:p>
+          <a:p>
+            <a:pPr indent="0" algn="l">
+              <a:lnSpc>
+                <a:spcPct val="90000"/>
+              </a:lnSpc>
+              <a:buFont typeface="Arial" panose="020B0604020202090204" pitchFamily="34" charset="0"/>
+              <a:buNone/>
+            </a:pPr>
+            <a:r>
+              <a:rPr lang="en-US" altLang="zh-CN" sz="1200">
+                <a:solidFill>
+                  <a:schemeClr val="tx1">
+                    <a:lumMod val="50000"/>
+                    <a:lumOff val="50000"/>
+                  </a:schemeClr>
+                </a:solidFill>
+                <a:latin typeface="微软雅黑" panose="020B0503020204020204" charset="-122"/>
+                <a:ea typeface="微软雅黑" panose="020B0503020204020204" charset="-122"/>
+              </a:rPr>
+              <a:t>       71.2% / 20% </a:t>
+            </a:r>
+            <a:r>
+              <a:rPr lang="zh-CN" altLang="en-US" sz="1200">
+                <a:solidFill>
+                  <a:schemeClr val="tx1">
+                    <a:lumMod val="50000"/>
+                    <a:lumOff val="50000"/>
+                  </a:schemeClr>
+                </a:solidFill>
+                <a:latin typeface="微软雅黑" panose="020B0503020204020204" charset="-122"/>
+                <a:ea typeface="微软雅黑" panose="020B0503020204020204" charset="-122"/>
+              </a:rPr>
+              <a:t>非零</a:t>
+            </a:r>
+            <a:endParaRPr lang="zh-CN" altLang="en-US" sz="1200">
+              <a:solidFill>
+                <a:schemeClr val="tx1">
+                  <a:lumMod val="50000"/>
+                  <a:lumOff val="50000"/>
+                </a:schemeClr>
+              </a:solidFill>
+              <a:latin typeface="微软雅黑" panose="020B0503020204020204" charset="-122"/>
+              <a:ea typeface="微软雅黑" panose="020B0503020204020204" charset="-122"/>
+            </a:endParaRPr>
+          </a:p>
+          <a:p>
+            <a:pPr marL="285750" indent="-285750" algn="l">
+              <a:lnSpc>
+                <a:spcPct val="90000"/>
+              </a:lnSpc>
+              <a:buFont typeface="Arial" panose="020B0604020202090204" pitchFamily="34" charset="0"/>
+              <a:buChar char="•"/>
+            </a:pPr>
+            <a:endParaRPr lang="zh-CN" altLang="en-US" sz="1200">
+              <a:solidFill>
+                <a:schemeClr val="tx1">
+                  <a:lumMod val="50000"/>
+                  <a:lumOff val="50000"/>
+                </a:schemeClr>
+              </a:solidFill>
+              <a:latin typeface="微软雅黑" panose="020B0503020204020204" charset="-122"/>
+              <a:ea typeface="微软雅黑" panose="020B0503020204020204" charset="-122"/>
+            </a:endParaRPr>
+          </a:p>
+          <a:p>
+            <a:pPr marL="285750" indent="-285750" algn="l">
+              <a:lnSpc>
+                <a:spcPct val="90000"/>
+              </a:lnSpc>
+              <a:buFont typeface="Arial" panose="020B0604020202090204" pitchFamily="34" charset="0"/>
+              <a:buChar char="•"/>
+            </a:pPr>
+            <a:r>
+              <a:rPr lang="en-US" altLang="zh-CN" sz="1200" b="1">
+                <a:solidFill>
+                  <a:schemeClr val="tx1">
+                    <a:lumMod val="50000"/>
+                    <a:lumOff val="50000"/>
+                  </a:schemeClr>
+                </a:solidFill>
+                <a:latin typeface="微软雅黑" panose="020B0503020204020204" charset="-122"/>
+                <a:ea typeface="微软雅黑" panose="020B0503020204020204" charset="-122"/>
+                <a:sym typeface="+mn-ea"/>
+              </a:rPr>
+              <a:t>fc7</a:t>
+            </a:r>
+            <a:r>
+              <a:rPr lang="en-US" altLang="zh-CN" sz="1200">
+                <a:solidFill>
+                  <a:schemeClr val="tx1">
+                    <a:lumMod val="50000"/>
+                    <a:lumOff val="50000"/>
+                  </a:schemeClr>
+                </a:solidFill>
+                <a:latin typeface="微软雅黑" panose="020B0503020204020204" charset="-122"/>
+                <a:ea typeface="微软雅黑" panose="020B0503020204020204" charset="-122"/>
+                <a:sym typeface="+mn-ea"/>
+              </a:rPr>
+              <a:t>: 4096 </a:t>
+            </a:r>
+            <a:r>
+              <a:rPr lang="zh-CN" altLang="en-US" sz="1200">
+                <a:solidFill>
+                  <a:schemeClr val="tx1">
+                    <a:lumMod val="50000"/>
+                    <a:lumOff val="50000"/>
+                  </a:schemeClr>
+                </a:solidFill>
+                <a:latin typeface="微软雅黑" panose="020B0503020204020204" charset="-122"/>
+                <a:ea typeface="微软雅黑" panose="020B0503020204020204" charset="-122"/>
+                <a:sym typeface="+mn-ea"/>
+              </a:rPr>
+              <a:t>维</a:t>
+            </a:r>
+            <a:endParaRPr lang="zh-CN" altLang="en-US" sz="1200">
+              <a:solidFill>
+                <a:schemeClr val="tx1">
+                  <a:lumMod val="50000"/>
+                  <a:lumOff val="50000"/>
+                </a:schemeClr>
+              </a:solidFill>
+              <a:latin typeface="微软雅黑" panose="020B0503020204020204" charset="-122"/>
+              <a:ea typeface="微软雅黑" panose="020B0503020204020204" charset="-122"/>
+            </a:endParaRPr>
+          </a:p>
+          <a:p>
+            <a:pPr indent="0" algn="l">
+              <a:lnSpc>
+                <a:spcPct val="90000"/>
+              </a:lnSpc>
+              <a:buFont typeface="Arial" panose="020B0604020202090204" pitchFamily="34" charset="0"/>
+              <a:buNone/>
+            </a:pPr>
+            <a:r>
+              <a:rPr lang="en-US" altLang="zh-CN" sz="1200">
+                <a:solidFill>
+                  <a:schemeClr val="tx1">
+                    <a:lumMod val="50000"/>
+                    <a:lumOff val="50000"/>
+                  </a:schemeClr>
+                </a:solidFill>
+                <a:latin typeface="微软雅黑" panose="020B0503020204020204" charset="-122"/>
+                <a:ea typeface="微软雅黑" panose="020B0503020204020204" charset="-122"/>
+                <a:sym typeface="+mn-ea"/>
+              </a:rPr>
+              <a:t>       100% / 20% </a:t>
+            </a:r>
+            <a:r>
+              <a:rPr lang="zh-CN" altLang="en-US" sz="1200">
+                <a:solidFill>
+                  <a:schemeClr val="tx1">
+                    <a:lumMod val="50000"/>
+                    <a:lumOff val="50000"/>
+                  </a:schemeClr>
+                </a:solidFill>
+                <a:latin typeface="微软雅黑" panose="020B0503020204020204" charset="-122"/>
+                <a:ea typeface="微软雅黑" panose="020B0503020204020204" charset="-122"/>
+                <a:sym typeface="+mn-ea"/>
+              </a:rPr>
+              <a:t>非零</a:t>
+            </a:r>
+            <a:endParaRPr lang="zh-CN" altLang="en-US" sz="1200">
+              <a:solidFill>
+                <a:schemeClr val="tx1">
+                  <a:lumMod val="50000"/>
+                  <a:lumOff val="50000"/>
+                </a:schemeClr>
+              </a:solidFill>
+              <a:latin typeface="微软雅黑" panose="020B0503020204020204" charset="-122"/>
+              <a:ea typeface="微软雅黑" panose="020B0503020204020204" charset="-122"/>
+              <a:sym typeface="+mn-ea"/>
+            </a:endParaRPr>
+          </a:p>
+        </p:txBody>
+      </p:sp>
+      <p:cxnSp>
+        <p:nvCxnSpPr>
+          <p:cNvPr id="74" name="直接箭头连接符 73"/>
+          <p:cNvCxnSpPr/>
+          <p:nvPr/>
+        </p:nvCxnSpPr>
+        <p:spPr>
+          <a:xfrm flipH="1">
+            <a:off x="9011920" y="2828290"/>
+            <a:ext cx="663575" cy="924560"/>
+          </a:xfrm>
+          <a:prstGeom prst="straightConnector1">
+            <a:avLst/>
+          </a:prstGeom>
+          <a:ln w="12700">
+            <a:solidFill>
+              <a:schemeClr val="accent2"/>
+            </a:solidFill>
+            <a:tailEnd type="arrow"/>
+          </a:ln>
+        </p:spPr>
+        <p:style>
+          <a:lnRef idx="1">
+            <a:schemeClr val="accent1"/>
+          </a:lnRef>
+          <a:fillRef idx="0">
+            <a:schemeClr val="accent1"/>
+          </a:fillRef>
+          <a:effectRef idx="0">
+            <a:schemeClr val="accent1"/>
+          </a:effectRef>
+          <a:fontRef idx="minor">
+            <a:schemeClr val="tx1"/>
+          </a:fontRef>
+        </p:style>
+      </p:cxnSp>
+      <p:cxnSp>
+        <p:nvCxnSpPr>
+          <p:cNvPr id="75" name="直接箭头连接符 74"/>
+          <p:cNvCxnSpPr/>
+          <p:nvPr/>
+        </p:nvCxnSpPr>
+        <p:spPr>
+          <a:xfrm flipH="1">
+            <a:off x="8759825" y="3391535"/>
+            <a:ext cx="1183005" cy="1081405"/>
+          </a:xfrm>
+          <a:prstGeom prst="straightConnector1">
+            <a:avLst/>
+          </a:prstGeom>
+          <a:ln w="12700">
+            <a:solidFill>
+              <a:schemeClr val="accent2"/>
+            </a:solidFill>
+            <a:tailEnd type="arrow"/>
+          </a:ln>
+        </p:spPr>
+        <p:style>
+          <a:lnRef idx="1">
+            <a:schemeClr val="accent1"/>
+          </a:lnRef>
+          <a:fillRef idx="0">
+            <a:schemeClr val="accent1"/>
+          </a:fillRef>
+          <a:effectRef idx="0">
+            <a:schemeClr val="accent1"/>
+          </a:effectRef>
+          <a:fontRef idx="minor">
+            <a:schemeClr val="tx1"/>
+          </a:fontRef>
+        </p:style>
+      </p:cxnSp>
+      <p:sp>
+        <p:nvSpPr>
+          <p:cNvPr id="77" name="椭圆 76"/>
+          <p:cNvSpPr/>
+          <p:nvPr/>
+        </p:nvSpPr>
+        <p:spPr>
+          <a:xfrm>
+            <a:off x="9698990" y="2581275"/>
+            <a:ext cx="107950" cy="119380"/>
+          </a:xfrm>
+          <a:prstGeom prst="ellipse">
+            <a:avLst/>
+          </a:prstGeom>
+        </p:spPr>
+        <p:style>
+          <a:lnRef idx="3">
+            <a:schemeClr val="lt1"/>
+          </a:lnRef>
+          <a:fillRef idx="1">
+            <a:schemeClr val="accent2"/>
+          </a:fillRef>
+          <a:effectRef idx="1">
+            <a:schemeClr val="accent2"/>
+          </a:effectRef>
+          <a:fontRef idx="minor">
+            <a:schemeClr val="lt1"/>
+          </a:fontRef>
+        </p:style>
+        <p:txBody>
+          <a:bodyPr rtlCol="0" anchor="ctr"/>
+          <a:p>
+            <a:pPr algn="ctr"/>
+            <a:endParaRPr lang="zh-CN" altLang="en-US"/>
+          </a:p>
+        </p:txBody>
+      </p:sp>
+      <p:sp>
+        <p:nvSpPr>
+          <p:cNvPr id="78" name="椭圆 77"/>
+          <p:cNvSpPr/>
+          <p:nvPr/>
+        </p:nvSpPr>
+        <p:spPr>
+          <a:xfrm>
+            <a:off x="10194290" y="1746250"/>
+            <a:ext cx="201295" cy="1535430"/>
+          </a:xfrm>
+          <a:prstGeom prst="ellipse">
+            <a:avLst/>
+          </a:prstGeom>
+          <a:noFill/>
+          <a:ln w="28575">
+            <a:solidFill>
+              <a:schemeClr val="accent2"/>
+            </a:solidFill>
+          </a:ln>
+          <a:extLst>
+            <a:ext uri="{909E8E84-426E-40DD-AFC4-6F175D3DCCD1}">
+              <a14:hiddenFill xmlns:a14="http://schemas.microsoft.com/office/drawing/2010/main">
+                <a:solidFill>
+                  <a:schemeClr val="accent1"/>
+                </a:solidFill>
+              </a14:hiddenFill>
+            </a:ext>
+          </a:extLst>
+        </p:spPr>
+        <p:style>
+          <a:lnRef idx="2">
+            <a:schemeClr val="accent1">
+              <a:shade val="50000"/>
+            </a:schemeClr>
+          </a:lnRef>
+          <a:fillRef idx="1">
+            <a:schemeClr val="accent1"/>
+          </a:fillRef>
+          <a:effectRef idx="0">
+            <a:schemeClr val="accent1"/>
+          </a:effectRef>
+          <a:fontRef idx="minor">
+            <a:schemeClr val="lt1"/>
+          </a:fontRef>
+        </p:style>
+        <p:txBody>
+          <a:bodyPr rtlCol="0" anchor="ctr"/>
+          <a:p>
+            <a:pPr algn="ctr"/>
+            <a:endParaRPr lang="zh-CN" altLang="en-US"/>
+          </a:p>
+        </p:txBody>
+      </p:sp>
+      <p:sp>
+        <p:nvSpPr>
+          <p:cNvPr id="79" name="椭圆 78"/>
+          <p:cNvSpPr/>
+          <p:nvPr/>
+        </p:nvSpPr>
+        <p:spPr>
+          <a:xfrm>
+            <a:off x="9907270" y="1753870"/>
+            <a:ext cx="201295" cy="1535430"/>
+          </a:xfrm>
+          <a:prstGeom prst="ellipse">
+            <a:avLst/>
+          </a:prstGeom>
+          <a:noFill/>
+          <a:ln w="28575">
+            <a:solidFill>
+              <a:schemeClr val="accent2"/>
+            </a:solidFill>
+          </a:ln>
+          <a:extLst>
+            <a:ext uri="{909E8E84-426E-40DD-AFC4-6F175D3DCCD1}">
+              <a14:hiddenFill xmlns:a14="http://schemas.microsoft.com/office/drawing/2010/main">
+                <a:solidFill>
+                  <a:schemeClr val="accent1"/>
+                </a:solidFill>
+              </a14:hiddenFill>
+            </a:ext>
+          </a:extLst>
+        </p:spPr>
+        <p:style>
+          <a:lnRef idx="2">
+            <a:schemeClr val="accent1">
+              <a:shade val="50000"/>
+            </a:schemeClr>
+          </a:lnRef>
+          <a:fillRef idx="1">
+            <a:schemeClr val="accent1"/>
+          </a:fillRef>
+          <a:effectRef idx="0">
+            <a:schemeClr val="accent1"/>
+          </a:effectRef>
+          <a:fontRef idx="minor">
+            <a:schemeClr val="lt1"/>
+          </a:fontRef>
+        </p:style>
+        <p:txBody>
+          <a:bodyPr rtlCol="0" anchor="ctr"/>
+          <a:p>
+            <a:pPr algn="ctr"/>
+            <a:endParaRPr lang="zh-CN" altLang="en-US"/>
+          </a:p>
+        </p:txBody>
+      </p:sp>
+      <p:cxnSp>
+        <p:nvCxnSpPr>
+          <p:cNvPr id="80" name="直接箭头连接符 79"/>
+          <p:cNvCxnSpPr/>
+          <p:nvPr/>
+        </p:nvCxnSpPr>
+        <p:spPr>
+          <a:xfrm flipH="1">
+            <a:off x="8651875" y="3430270"/>
+            <a:ext cx="1587500" cy="1510665"/>
+          </a:xfrm>
+          <a:prstGeom prst="straightConnector1">
+            <a:avLst/>
+          </a:prstGeom>
+          <a:ln w="12700">
+            <a:solidFill>
+              <a:schemeClr val="accent2"/>
+            </a:solidFill>
+            <a:tailEnd type="arrow"/>
+          </a:ln>
+        </p:spPr>
+        <p:style>
+          <a:lnRef idx="1">
+            <a:schemeClr val="accent1"/>
+          </a:lnRef>
+          <a:fillRef idx="0">
+            <a:schemeClr val="accent1"/>
+          </a:fillRef>
+          <a:effectRef idx="0">
+            <a:schemeClr val="accent1"/>
+          </a:effectRef>
+          <a:fontRef idx="minor">
+            <a:schemeClr val="tx1"/>
+          </a:fontRef>
+        </p:style>
+      </p:cxnSp>
+      <p:sp>
+        <p:nvSpPr>
+          <p:cNvPr id="81" name="流程图: 对照 80"/>
+          <p:cNvSpPr/>
+          <p:nvPr/>
+        </p:nvSpPr>
+        <p:spPr>
+          <a:xfrm>
+            <a:off x="10497820" y="1954530"/>
+            <a:ext cx="171450" cy="1204595"/>
+          </a:xfrm>
+          <a:prstGeom prst="flowChartCollate">
+            <a:avLst/>
+          </a:prstGeom>
+          <a:noFill/>
+          <a:ln w="38100">
+            <a:solidFill>
+              <a:schemeClr val="accent2"/>
+            </a:solidFill>
+          </a:ln>
+          <a:extLst>
+            <a:ext uri="{909E8E84-426E-40DD-AFC4-6F175D3DCCD1}">
+              <a14:hiddenFill xmlns:a14="http://schemas.microsoft.com/office/drawing/2010/main">
+                <a:solidFill>
+                  <a:schemeClr val="accent1"/>
+                </a:solidFill>
+              </a14:hiddenFill>
+            </a:ext>
+          </a:extLst>
+        </p:spPr>
+        <p:style>
+          <a:lnRef idx="2">
+            <a:schemeClr val="accent1">
+              <a:shade val="50000"/>
+            </a:schemeClr>
+          </a:lnRef>
+          <a:fillRef idx="1">
+            <a:schemeClr val="accent1"/>
+          </a:fillRef>
+          <a:effectRef idx="0">
+            <a:schemeClr val="accent1"/>
+          </a:effectRef>
+          <a:fontRef idx="minor">
+            <a:schemeClr val="lt1"/>
+          </a:fontRef>
+        </p:style>
+        <p:txBody>
+          <a:bodyPr rtlCol="0" anchor="ctr"/>
+          <a:p>
+            <a:pPr algn="ctr"/>
+            <a:endParaRPr lang="zh-CN" altLang="en-US">
+              <a:solidFill>
+                <a:schemeClr val="tx1"/>
+              </a:solidFill>
+            </a:endParaRPr>
+          </a:p>
+        </p:txBody>
+      </p:sp>
+      <p:sp>
+        <p:nvSpPr>
+          <p:cNvPr id="82" name="文本框 81"/>
+          <p:cNvSpPr txBox="1"/>
+          <p:nvPr/>
+        </p:nvSpPr>
+        <p:spPr>
+          <a:xfrm>
+            <a:off x="9102090" y="4128770"/>
+            <a:ext cx="2555875" cy="995045"/>
+          </a:xfrm>
+          <a:prstGeom prst="rect">
+            <a:avLst/>
+          </a:prstGeom>
+          <a:noFill/>
+        </p:spPr>
+        <p:txBody>
+          <a:bodyPr wrap="square" rtlCol="0">
+            <a:spAutoFit/>
+          </a:bodyPr>
+          <a:p>
+            <a:pPr algn="ctr">
+              <a:lnSpc>
+                <a:spcPct val="140000"/>
+              </a:lnSpc>
+            </a:pPr>
+            <a:r>
+              <a:rPr lang="zh-CN" altLang="en-US" sz="1400" b="1">
+                <a:solidFill>
+                  <a:schemeClr val="tx1">
+                    <a:lumMod val="50000"/>
+                    <a:lumOff val="50000"/>
+                  </a:schemeClr>
+                </a:solidFill>
+                <a:latin typeface="微软雅黑" panose="020B0503020204020204" charset="-122"/>
+                <a:ea typeface="微软雅黑" panose="020B0503020204020204" charset="-122"/>
+              </a:rPr>
+              <a:t>删除旧分类器</a:t>
+            </a:r>
+            <a:r>
+              <a:rPr lang="en-US" altLang="zh-CN" sz="1400" b="1">
+                <a:solidFill>
+                  <a:schemeClr val="tx1">
+                    <a:lumMod val="50000"/>
+                    <a:lumOff val="50000"/>
+                  </a:schemeClr>
+                </a:solidFill>
+                <a:latin typeface="微软雅黑" panose="020B0503020204020204" charset="-122"/>
+                <a:ea typeface="微软雅黑" panose="020B0503020204020204" charset="-122"/>
+              </a:rPr>
+              <a:t>Softmax</a:t>
+            </a:r>
+            <a:endParaRPr lang="en-US" altLang="zh-CN" sz="1400" b="1">
+              <a:solidFill>
+                <a:srgbClr val="0070C0"/>
+              </a:solidFill>
+              <a:latin typeface="微软雅黑" panose="020B0503020204020204" charset="-122"/>
+              <a:ea typeface="微软雅黑" panose="020B0503020204020204" charset="-122"/>
+            </a:endParaRPr>
+          </a:p>
+          <a:p>
+            <a:pPr algn="ctr">
+              <a:lnSpc>
+                <a:spcPct val="140000"/>
+              </a:lnSpc>
+            </a:pPr>
+            <a:r>
+              <a:rPr lang="zh-CN" altLang="en-US" sz="1400" b="1">
+                <a:solidFill>
+                  <a:srgbClr val="0070C0"/>
+                </a:solidFill>
+                <a:latin typeface="微软雅黑" panose="020B0503020204020204" charset="-122"/>
+                <a:ea typeface="微软雅黑" panose="020B0503020204020204" charset="-122"/>
+              </a:rPr>
+              <a:t>每一类都训练一个</a:t>
+            </a:r>
+            <a:endParaRPr lang="zh-CN" altLang="en-US" sz="1400" b="1">
+              <a:solidFill>
+                <a:srgbClr val="0070C0"/>
+              </a:solidFill>
+              <a:latin typeface="微软雅黑" panose="020B0503020204020204" charset="-122"/>
+              <a:ea typeface="微软雅黑" panose="020B0503020204020204" charset="-122"/>
+            </a:endParaRPr>
+          </a:p>
+          <a:p>
+            <a:pPr algn="ctr">
+              <a:lnSpc>
+                <a:spcPct val="140000"/>
+              </a:lnSpc>
+            </a:pPr>
+            <a:r>
+              <a:rPr lang="zh-CN" altLang="en-US" sz="1400" b="1">
+                <a:solidFill>
+                  <a:srgbClr val="0070C0"/>
+                </a:solidFill>
+                <a:latin typeface="微软雅黑" panose="020B0503020204020204" charset="-122"/>
+                <a:ea typeface="微软雅黑" panose="020B0503020204020204" charset="-122"/>
+              </a:rPr>
+              <a:t>二值</a:t>
+            </a:r>
+            <a:r>
+              <a:rPr lang="en-US" altLang="zh-CN" sz="1400" b="1">
+                <a:solidFill>
+                  <a:srgbClr val="0070C0"/>
+                </a:solidFill>
+                <a:latin typeface="微软雅黑" panose="020B0503020204020204" charset="-122"/>
+                <a:ea typeface="微软雅黑" panose="020B0503020204020204" charset="-122"/>
+              </a:rPr>
+              <a:t>SVM</a:t>
+            </a:r>
+            <a:r>
+              <a:rPr lang="zh-CN" altLang="en-US" sz="1400" b="1">
+                <a:solidFill>
+                  <a:srgbClr val="0070C0"/>
+                </a:solidFill>
+                <a:latin typeface="微软雅黑" panose="020B0503020204020204" charset="-122"/>
+                <a:ea typeface="微软雅黑" panose="020B0503020204020204" charset="-122"/>
+              </a:rPr>
+              <a:t>分类器（物体</a:t>
+            </a:r>
+            <a:r>
+              <a:rPr lang="en-US" altLang="zh-CN" sz="1400" b="1">
+                <a:solidFill>
+                  <a:srgbClr val="0070C0"/>
+                </a:solidFill>
+                <a:latin typeface="微软雅黑" panose="020B0503020204020204" charset="-122"/>
+                <a:ea typeface="微软雅黑" panose="020B0503020204020204" charset="-122"/>
+              </a:rPr>
+              <a:t>+</a:t>
+            </a:r>
+            <a:r>
+              <a:rPr lang="zh-CN" altLang="en-US" sz="1400" b="1">
+                <a:solidFill>
+                  <a:srgbClr val="0070C0"/>
+                </a:solidFill>
+                <a:latin typeface="微软雅黑" panose="020B0503020204020204" charset="-122"/>
+                <a:ea typeface="微软雅黑" panose="020B0503020204020204" charset="-122"/>
+              </a:rPr>
+              <a:t>背景）</a:t>
+            </a:r>
+            <a:endParaRPr lang="zh-CN" altLang="en-US" sz="1400" b="1">
+              <a:solidFill>
+                <a:srgbClr val="0070C0"/>
+              </a:solidFill>
+              <a:latin typeface="微软雅黑" panose="020B0503020204020204" charset="-122"/>
+              <a:ea typeface="微软雅黑" panose="020B0503020204020204" charset="-122"/>
+            </a:endParaRPr>
+          </a:p>
+        </p:txBody>
+      </p:sp>
+      <p:cxnSp>
+        <p:nvCxnSpPr>
+          <p:cNvPr id="83" name="直接箭头连接符 82"/>
+          <p:cNvCxnSpPr/>
+          <p:nvPr/>
+        </p:nvCxnSpPr>
+        <p:spPr>
+          <a:xfrm flipH="1">
+            <a:off x="10236200" y="3321050"/>
+            <a:ext cx="287655" cy="864235"/>
+          </a:xfrm>
+          <a:prstGeom prst="straightConnector1">
+            <a:avLst/>
+          </a:prstGeom>
+          <a:ln w="28575">
+            <a:solidFill>
+              <a:schemeClr val="accent2"/>
+            </a:solidFill>
+            <a:tailEnd type="arrow"/>
+          </a:ln>
+        </p:spPr>
+        <p:style>
+          <a:lnRef idx="1">
+            <a:schemeClr val="accent1"/>
+          </a:lnRef>
+          <a:fillRef idx="0">
+            <a:schemeClr val="accent1"/>
+          </a:fillRef>
+          <a:effectRef idx="0">
+            <a:schemeClr val="accent1"/>
+          </a:effectRef>
+          <a:fontRef idx="minor">
+            <a:schemeClr val="tx1"/>
+          </a:fontRef>
+        </p:style>
+      </p:cxnSp>
+      <p:sp>
+        <p:nvSpPr>
+          <p:cNvPr id="84" name="矩形 83"/>
+          <p:cNvSpPr/>
+          <p:nvPr/>
+        </p:nvSpPr>
+        <p:spPr>
+          <a:xfrm>
+            <a:off x="10465435" y="1830705"/>
+            <a:ext cx="612140" cy="1438910"/>
+          </a:xfrm>
+          <a:prstGeom prst="rect">
+            <a:avLst/>
+          </a:prstGeom>
+        </p:spPr>
+        <p:style>
+          <a:lnRef idx="2">
+            <a:schemeClr val="accent1">
+              <a:shade val="50000"/>
+            </a:schemeClr>
+          </a:lnRef>
+          <a:fillRef idx="1">
+            <a:schemeClr val="accent1"/>
+          </a:fillRef>
+          <a:effectRef idx="0">
+            <a:schemeClr val="accent1"/>
+          </a:effectRef>
+          <a:fontRef idx="minor">
+            <a:schemeClr val="lt1"/>
+          </a:fontRef>
+        </p:style>
+        <p:txBody>
+          <a:bodyPr rtlCol="0" anchor="ctr"/>
+          <a:p>
+            <a:pPr algn="ctr"/>
+            <a:r>
+              <a:rPr lang="en-US" altLang="zh-CN" sz="1400" b="1">
+                <a:latin typeface="微软雅黑" panose="020B0503020204020204" charset="-122"/>
+                <a:ea typeface="微软雅黑" panose="020B0503020204020204" charset="-122"/>
+              </a:rPr>
+              <a:t>SVM</a:t>
+            </a:r>
+            <a:endParaRPr lang="en-US" altLang="zh-CN" sz="1400" b="1">
+              <a:latin typeface="微软雅黑" panose="020B0503020204020204" charset="-122"/>
+              <a:ea typeface="微软雅黑" panose="020B0503020204020204" charset="-122"/>
+            </a:endParaRPr>
+          </a:p>
+        </p:txBody>
+      </p:sp>
+      <p:sp>
+        <p:nvSpPr>
+          <p:cNvPr id="85" name="文本框 84"/>
+          <p:cNvSpPr txBox="1"/>
+          <p:nvPr/>
+        </p:nvSpPr>
+        <p:spPr>
+          <a:xfrm>
+            <a:off x="11225530" y="2399665"/>
+            <a:ext cx="640080" cy="306705"/>
+          </a:xfrm>
+          <a:prstGeom prst="rect">
+            <a:avLst/>
+          </a:prstGeom>
+          <a:noFill/>
+        </p:spPr>
+        <p:txBody>
+          <a:bodyPr wrap="square" rtlCol="0">
+            <a:spAutoFit/>
+          </a:bodyPr>
+          <a:p>
+            <a:r>
+              <a:rPr lang="en-US" altLang="zh-CN" sz="1400" b="1">
+                <a:solidFill>
+                  <a:schemeClr val="accent5"/>
+                </a:solidFill>
+                <a:latin typeface="微软雅黑" panose="020B0503020204020204" charset="-122"/>
+                <a:ea typeface="微软雅黑" panose="020B0503020204020204" charset="-122"/>
+              </a:rPr>
+              <a:t>class</a:t>
+            </a:r>
+            <a:endParaRPr lang="en-US" altLang="zh-CN" sz="1400" b="1">
+              <a:solidFill>
+                <a:schemeClr val="accent5"/>
+              </a:solidFill>
+              <a:latin typeface="微软雅黑" panose="020B0503020204020204" charset="-122"/>
+              <a:ea typeface="微软雅黑" panose="020B0503020204020204" charset="-122"/>
+            </a:endParaRPr>
+          </a:p>
+        </p:txBody>
+      </p:sp>
+      <p:cxnSp>
+        <p:nvCxnSpPr>
+          <p:cNvPr id="86" name="直接连接符 85"/>
+          <p:cNvCxnSpPr>
+            <a:stCxn id="84" idx="3"/>
+            <a:endCxn id="85" idx="1"/>
+          </p:cNvCxnSpPr>
+          <p:nvPr/>
+        </p:nvCxnSpPr>
+        <p:spPr>
+          <a:xfrm>
+            <a:off x="11042015" y="2550160"/>
+            <a:ext cx="147955" cy="3175"/>
+          </a:xfrm>
+          <a:prstGeom prst="line">
+            <a:avLst/>
+          </a:prstGeom>
+        </p:spPr>
+        <p:style>
+          <a:lnRef idx="1">
+            <a:schemeClr val="accent1"/>
+          </a:lnRef>
+          <a:fillRef idx="0">
+            <a:schemeClr val="accent1"/>
+          </a:fillRef>
+          <a:effectRef idx="0">
+            <a:schemeClr val="accent1"/>
+          </a:effectRef>
+          <a:fontRef idx="minor">
+            <a:schemeClr val="tx1"/>
+          </a:fontRef>
+        </p:style>
+      </p:cxnSp>
+      <p:sp>
+        <p:nvSpPr>
+          <p:cNvPr id="87" name="文本框 86"/>
+          <p:cNvSpPr txBox="1"/>
+          <p:nvPr/>
+        </p:nvSpPr>
+        <p:spPr>
+          <a:xfrm>
+            <a:off x="5805170" y="5306060"/>
+            <a:ext cx="5139055" cy="694055"/>
+          </a:xfrm>
+          <a:prstGeom prst="rect">
+            <a:avLst/>
+          </a:prstGeom>
+          <a:noFill/>
+        </p:spPr>
+        <p:txBody>
+          <a:bodyPr wrap="square" rtlCol="0">
+            <a:spAutoFit/>
+          </a:bodyPr>
+          <a:p>
+            <a:pPr algn="ctr">
+              <a:lnSpc>
+                <a:spcPct val="140000"/>
+              </a:lnSpc>
+            </a:pPr>
+            <a:r>
+              <a:rPr lang="zh-CN" altLang="en-US" sz="1600" b="1" u="sng">
+                <a:solidFill>
+                  <a:srgbClr val="C00000"/>
+                </a:solidFill>
+                <a:latin typeface="微软雅黑" panose="020B0503020204020204" charset="-122"/>
+                <a:ea typeface="微软雅黑" panose="020B0503020204020204" charset="-122"/>
+              </a:rPr>
+              <a:t>分类</a:t>
+            </a:r>
+            <a:r>
+              <a:rPr lang="zh-CN" altLang="en-US" sz="1600" b="1">
+                <a:solidFill>
+                  <a:srgbClr val="C00000"/>
+                </a:solidFill>
+                <a:latin typeface="微软雅黑" panose="020B0503020204020204" charset="-122"/>
+                <a:ea typeface="微软雅黑" panose="020B0503020204020204" charset="-122"/>
+              </a:rPr>
+              <a:t>    </a:t>
+            </a:r>
+            <a:r>
+              <a:rPr lang="en-US" altLang="zh-CN" sz="1600" b="1">
+                <a:solidFill>
+                  <a:srgbClr val="C00000"/>
+                </a:solidFill>
+                <a:latin typeface="微软雅黑" panose="020B0503020204020204" charset="-122"/>
+                <a:ea typeface="微软雅黑" panose="020B0503020204020204" charset="-122"/>
+              </a:rPr>
+              <a:t>	+      	 </a:t>
+            </a:r>
+            <a:r>
+              <a:rPr lang="zh-CN" altLang="en-US" sz="1600" b="1" u="sng">
+                <a:solidFill>
+                  <a:srgbClr val="C00000"/>
+                </a:solidFill>
+                <a:latin typeface="微软雅黑" panose="020B0503020204020204" charset="-122"/>
+                <a:ea typeface="微软雅黑" panose="020B0503020204020204" charset="-122"/>
+              </a:rPr>
+              <a:t>定位</a:t>
+            </a:r>
+            <a:r>
+              <a:rPr lang="zh-CN" altLang="en-US" sz="1600" b="1">
+                <a:solidFill>
+                  <a:srgbClr val="C00000"/>
+                </a:solidFill>
+                <a:latin typeface="微软雅黑" panose="020B0503020204020204" charset="-122"/>
+                <a:ea typeface="微软雅黑" panose="020B0503020204020204" charset="-122"/>
+              </a:rPr>
+              <a:t> </a:t>
+            </a:r>
+            <a:r>
+              <a:rPr lang="en-US" altLang="zh-CN" sz="1600" b="1">
+                <a:solidFill>
+                  <a:srgbClr val="C00000"/>
+                </a:solidFill>
+                <a:latin typeface="微软雅黑" panose="020B0503020204020204" charset="-122"/>
+                <a:ea typeface="微软雅黑" panose="020B0503020204020204" charset="-122"/>
+              </a:rPr>
+              <a:t>	</a:t>
+            </a:r>
+            <a:r>
+              <a:rPr lang="zh-CN" altLang="en-US" sz="1600" b="1">
+                <a:solidFill>
+                  <a:srgbClr val="C00000"/>
+                </a:solidFill>
+                <a:latin typeface="微软雅黑" panose="020B0503020204020204" charset="-122"/>
+                <a:ea typeface="微软雅黑" panose="020B0503020204020204" charset="-122"/>
+              </a:rPr>
+              <a:t>        </a:t>
+            </a:r>
+            <a:r>
+              <a:rPr lang="en-US" altLang="zh-CN" sz="1600" b="1">
+                <a:solidFill>
+                  <a:srgbClr val="C00000"/>
+                </a:solidFill>
+                <a:latin typeface="微软雅黑" panose="020B0503020204020204" charset="-122"/>
+                <a:ea typeface="微软雅黑" panose="020B0503020204020204" charset="-122"/>
+              </a:rPr>
+              <a:t>+  	  </a:t>
+            </a:r>
+            <a:r>
+              <a:rPr lang="zh-CN" altLang="en-US" sz="1600" b="1" u="sng">
+                <a:solidFill>
+                  <a:srgbClr val="C00000"/>
+                </a:solidFill>
+                <a:latin typeface="微软雅黑" panose="020B0503020204020204" charset="-122"/>
+                <a:ea typeface="微软雅黑" panose="020B0503020204020204" charset="-122"/>
+              </a:rPr>
+              <a:t>检测</a:t>
+            </a:r>
+            <a:endParaRPr lang="zh-CN" altLang="en-US" sz="1600" b="1" u="sng">
+              <a:solidFill>
+                <a:srgbClr val="C00000"/>
+              </a:solidFill>
+              <a:latin typeface="微软雅黑" panose="020B0503020204020204" charset="-122"/>
+              <a:ea typeface="微软雅黑" panose="020B0503020204020204" charset="-122"/>
+            </a:endParaRPr>
+          </a:p>
+          <a:p>
+            <a:pPr algn="ctr">
+              <a:lnSpc>
+                <a:spcPct val="140000"/>
+              </a:lnSpc>
+            </a:pPr>
+            <a:r>
+              <a:rPr lang="en-US" altLang="zh-CN" sz="1200" b="1">
+                <a:solidFill>
+                  <a:schemeClr val="tx1">
+                    <a:lumMod val="50000"/>
+                    <a:lumOff val="50000"/>
+                  </a:schemeClr>
+                </a:solidFill>
+                <a:latin typeface="微软雅黑" panose="020B0503020204020204" charset="-122"/>
+                <a:ea typeface="微软雅黑" panose="020B0503020204020204" charset="-122"/>
+              </a:rPr>
+              <a:t>SVM</a:t>
+            </a:r>
+            <a:r>
+              <a:rPr lang="zh-CN" altLang="en-US" sz="1200" b="1">
+                <a:solidFill>
+                  <a:schemeClr val="tx1">
+                    <a:lumMod val="50000"/>
+                    <a:lumOff val="50000"/>
+                  </a:schemeClr>
+                </a:solidFill>
+                <a:latin typeface="微软雅黑" panose="020B0503020204020204" charset="-122"/>
+                <a:ea typeface="微软雅黑" panose="020B0503020204020204" charset="-122"/>
+              </a:rPr>
+              <a:t>分类器          </a:t>
+            </a:r>
+            <a:r>
+              <a:rPr lang="en-US" altLang="zh-CN" sz="1200" b="1">
+                <a:solidFill>
+                  <a:schemeClr val="tx1">
+                    <a:lumMod val="50000"/>
+                    <a:lumOff val="50000"/>
+                  </a:schemeClr>
+                </a:solidFill>
+                <a:latin typeface="微软雅黑" panose="020B0503020204020204" charset="-122"/>
+                <a:ea typeface="微软雅黑" panose="020B0503020204020204" charset="-122"/>
+              </a:rPr>
+              <a:t>BoundingBox</a:t>
+            </a:r>
+            <a:r>
+              <a:rPr lang="zh-CN" altLang="en-US" sz="1200" b="1">
+                <a:solidFill>
+                  <a:schemeClr val="tx1">
+                    <a:lumMod val="50000"/>
+                    <a:lumOff val="50000"/>
+                  </a:schemeClr>
+                </a:solidFill>
+                <a:latin typeface="微软雅黑" panose="020B0503020204020204" charset="-122"/>
+                <a:ea typeface="微软雅黑" panose="020B0503020204020204" charset="-122"/>
+              </a:rPr>
+              <a:t>回归器优化定位 </a:t>
+            </a:r>
+            <a:r>
+              <a:rPr lang="en-US" altLang="zh-CN" sz="1200" b="1">
+                <a:solidFill>
+                  <a:schemeClr val="tx1">
+                    <a:lumMod val="50000"/>
+                    <a:lumOff val="50000"/>
+                  </a:schemeClr>
+                </a:solidFill>
+                <a:latin typeface="微软雅黑" panose="020B0503020204020204" charset="-122"/>
+                <a:ea typeface="微软雅黑" panose="020B0503020204020204" charset="-122"/>
+              </a:rPr>
+              <a:t>	</a:t>
+            </a:r>
+            <a:r>
+              <a:rPr lang="zh-CN" altLang="en-US" sz="1200" b="1">
+                <a:solidFill>
+                  <a:schemeClr val="tx1">
+                    <a:lumMod val="50000"/>
+                    <a:lumOff val="50000"/>
+                  </a:schemeClr>
+                </a:solidFill>
+                <a:latin typeface="微软雅黑" panose="020B0503020204020204" charset="-122"/>
+                <a:ea typeface="微软雅黑" panose="020B0503020204020204" charset="-122"/>
+              </a:rPr>
+              <a:t> 多个</a:t>
+            </a:r>
+            <a:r>
+              <a:rPr lang="zh-CN" altLang="en-US" sz="1200" b="1">
+                <a:solidFill>
+                  <a:schemeClr val="tx1">
+                    <a:lumMod val="50000"/>
+                    <a:lumOff val="50000"/>
+                  </a:schemeClr>
+                </a:solidFill>
+                <a:latin typeface="微软雅黑" panose="020B0503020204020204" charset="-122"/>
+                <a:ea typeface="微软雅黑" panose="020B0503020204020204" charset="-122"/>
+              </a:rPr>
+              <a:t>分类器</a:t>
+            </a:r>
+            <a:r>
+              <a:rPr lang="zh-CN" altLang="en-US" sz="1200" b="1">
+                <a:solidFill>
+                  <a:schemeClr val="tx1">
+                    <a:lumMod val="50000"/>
+                    <a:lumOff val="50000"/>
+                  </a:schemeClr>
+                </a:solidFill>
+                <a:latin typeface="微软雅黑" panose="020B0503020204020204" charset="-122"/>
+                <a:ea typeface="微软雅黑" panose="020B0503020204020204" charset="-122"/>
+              </a:rPr>
+              <a:t> </a:t>
+            </a:r>
+            <a:endParaRPr lang="zh-CN" altLang="en-US" sz="1200" b="1">
+              <a:solidFill>
+                <a:schemeClr val="tx1">
+                  <a:lumMod val="50000"/>
+                  <a:lumOff val="50000"/>
+                </a:schemeClr>
+              </a:solidFill>
+              <a:latin typeface="微软雅黑" panose="020B0503020204020204" charset="-122"/>
+              <a:ea typeface="微软雅黑" panose="020B0503020204020204" charset="-122"/>
+            </a:endParaRPr>
+          </a:p>
+        </p:txBody>
+      </p:sp>
+      <p:sp>
+        <p:nvSpPr>
+          <p:cNvPr id="88" name="文本框 87"/>
+          <p:cNvSpPr txBox="1"/>
+          <p:nvPr/>
+        </p:nvSpPr>
+        <p:spPr>
+          <a:xfrm>
+            <a:off x="6836410" y="3321050"/>
+            <a:ext cx="2004695" cy="306705"/>
+          </a:xfrm>
+          <a:prstGeom prst="rect">
+            <a:avLst/>
+          </a:prstGeom>
+          <a:noFill/>
+        </p:spPr>
+        <p:txBody>
+          <a:bodyPr wrap="square" rtlCol="0">
+            <a:spAutoFit/>
+          </a:bodyPr>
+          <a:p>
+            <a:pPr algn="ctr"/>
+            <a:r>
+              <a:rPr lang="en-US" altLang="zh-CN" sz="1400" b="1">
+                <a:solidFill>
+                  <a:srgbClr val="0070C0"/>
+                </a:solidFill>
+                <a:latin typeface="微软雅黑" panose="020B0503020204020204" charset="-122"/>
+                <a:ea typeface="微软雅黑" panose="020B0503020204020204" charset="-122"/>
+              </a:rPr>
+              <a:t>3. CNN</a:t>
+            </a:r>
+            <a:r>
+              <a:rPr lang="zh-CN" altLang="en-US" sz="1400" b="1">
+                <a:solidFill>
+                  <a:srgbClr val="0070C0"/>
+                </a:solidFill>
+                <a:latin typeface="微软雅黑" panose="020B0503020204020204" charset="-122"/>
+                <a:ea typeface="微软雅黑" panose="020B0503020204020204" charset="-122"/>
+              </a:rPr>
+              <a:t>提取特征向量</a:t>
+            </a:r>
+            <a:endParaRPr lang="zh-CN" altLang="en-US" sz="1400" b="1">
+              <a:solidFill>
+                <a:srgbClr val="0070C0"/>
+              </a:solidFill>
+              <a:latin typeface="微软雅黑" panose="020B0503020204020204" charset="-122"/>
+              <a:ea typeface="微软雅黑" panose="020B0503020204020204" charset="-122"/>
+            </a:endParaRPr>
+          </a:p>
+        </p:txBody>
+      </p:sp>
+      <p:sp>
+        <p:nvSpPr>
+          <p:cNvPr id="89" name="文本框 88"/>
+          <p:cNvSpPr txBox="1"/>
+          <p:nvPr/>
+        </p:nvSpPr>
+        <p:spPr>
+          <a:xfrm>
+            <a:off x="10310495" y="3486150"/>
+            <a:ext cx="1483995" cy="306705"/>
+          </a:xfrm>
+          <a:prstGeom prst="rect">
+            <a:avLst/>
+          </a:prstGeom>
+          <a:noFill/>
+        </p:spPr>
+        <p:txBody>
+          <a:bodyPr wrap="square" rtlCol="0">
+            <a:spAutoFit/>
+          </a:bodyPr>
+          <a:p>
+            <a:pPr algn="ctr"/>
+            <a:r>
+              <a:rPr lang="en-US" altLang="zh-CN" sz="1400" b="1">
+                <a:solidFill>
+                  <a:srgbClr val="0070C0"/>
+                </a:solidFill>
+                <a:latin typeface="微软雅黑" panose="020B0503020204020204" charset="-122"/>
+                <a:ea typeface="微软雅黑" panose="020B0503020204020204" charset="-122"/>
+              </a:rPr>
+              <a:t>4. </a:t>
+            </a:r>
+            <a:r>
+              <a:rPr lang="zh-CN" altLang="en-US" sz="1400" b="1">
+                <a:solidFill>
+                  <a:srgbClr val="0070C0"/>
+                </a:solidFill>
+                <a:latin typeface="微软雅黑" panose="020B0503020204020204" charset="-122"/>
+                <a:ea typeface="微软雅黑" panose="020B0503020204020204" charset="-122"/>
+              </a:rPr>
+              <a:t>对小图分类</a:t>
+            </a:r>
+            <a:endParaRPr lang="zh-CN" altLang="en-US" sz="1400" b="1">
+              <a:solidFill>
+                <a:srgbClr val="0070C0"/>
+              </a:solidFill>
+              <a:latin typeface="微软雅黑" panose="020B0503020204020204" charset="-122"/>
+              <a:ea typeface="微软雅黑" panose="020B0503020204020204" charset="-122"/>
+            </a:endParaRPr>
+          </a:p>
+        </p:txBody>
+      </p:sp>
+      <p:sp>
+        <p:nvSpPr>
+          <p:cNvPr id="90" name="文本框 89"/>
+          <p:cNvSpPr txBox="1"/>
+          <p:nvPr/>
+        </p:nvSpPr>
+        <p:spPr>
+          <a:xfrm>
+            <a:off x="6517640" y="6146165"/>
+            <a:ext cx="3590925" cy="306705"/>
+          </a:xfrm>
+          <a:prstGeom prst="rect">
+            <a:avLst/>
+          </a:prstGeom>
+          <a:noFill/>
+        </p:spPr>
+        <p:txBody>
+          <a:bodyPr wrap="square" rtlCol="0">
+            <a:spAutoFit/>
+          </a:bodyPr>
+          <a:p>
+            <a:pPr algn="ctr"/>
+            <a:r>
+              <a:rPr lang="zh-CN" altLang="en-US" sz="1400" b="1">
+                <a:solidFill>
+                  <a:srgbClr val="0070C0"/>
+                </a:solidFill>
+                <a:latin typeface="微软雅黑" panose="020B0503020204020204" charset="-122"/>
+                <a:ea typeface="微软雅黑" panose="020B0503020204020204" charset="-122"/>
+              </a:rPr>
+              <a:t>预训练分类卷积网络 </a:t>
+            </a:r>
+            <a:r>
+              <a:rPr lang="en-US" altLang="zh-CN" sz="1400" b="1">
+                <a:solidFill>
+                  <a:srgbClr val="0070C0"/>
+                </a:solidFill>
+                <a:latin typeface="微软雅黑" panose="020B0503020204020204" charset="-122"/>
+                <a:ea typeface="微软雅黑" panose="020B0503020204020204" charset="-122"/>
+              </a:rPr>
+              <a:t>+ </a:t>
+            </a:r>
+            <a:r>
+              <a:rPr lang="zh-CN" altLang="en-US" sz="1400" b="1">
+                <a:solidFill>
+                  <a:srgbClr val="0070C0"/>
+                </a:solidFill>
+                <a:latin typeface="微软雅黑" panose="020B0503020204020204" charset="-122"/>
+                <a:ea typeface="微软雅黑" panose="020B0503020204020204" charset="-122"/>
+              </a:rPr>
+              <a:t>定位问题微调</a:t>
+            </a:r>
+            <a:endParaRPr lang="zh-CN" altLang="en-US" sz="1400" b="1">
+              <a:solidFill>
+                <a:srgbClr val="0070C0"/>
+              </a:solidFill>
+              <a:latin typeface="微软雅黑" panose="020B0503020204020204" charset="-122"/>
+              <a:ea typeface="微软雅黑" panose="020B0503020204020204" charset="-122"/>
+            </a:endParaRPr>
+          </a:p>
+        </p:txBody>
+      </p:sp>
+    </p:spTree>
+  </p:cSld>
+  <p:clrMapOvr>
+    <a:masterClrMapping/>
+  </p:clrMapOvr>
+</p:sld>
+</file>
+
+<file path=ppt/slides/slide5.xml><?xml version="1.0" encoding="utf-8"?>
+<p:sld xmlns:a="http://schemas.openxmlformats.org/drawingml/2006/main" xmlns:r="http://schemas.openxmlformats.org/officeDocument/2006/relationships" xmlns:p="http://schemas.openxmlformats.org/presentationml/2006/main">
+  <p:cSld>
+    <p:spTree>
+      <p:nvGrpSpPr>
+        <p:cNvPr id="1" name=""/>
+        <p:cNvGrpSpPr/>
+        <p:nvPr/>
+      </p:nvGrpSpPr>
+      <p:grpSpPr/>
+      <p:sp>
+        <p:nvSpPr>
+          <p:cNvPr id="5" name="文本框 4"/>
+          <p:cNvSpPr txBox="1"/>
+          <p:nvPr/>
+        </p:nvSpPr>
+        <p:spPr>
+          <a:xfrm>
+            <a:off x="335280" y="574675"/>
+            <a:ext cx="4548505" cy="521970"/>
+          </a:xfrm>
+          <a:prstGeom prst="rect">
+            <a:avLst/>
+          </a:prstGeom>
+          <a:noFill/>
+        </p:spPr>
+        <p:txBody>
+          <a:bodyPr wrap="square" rtlCol="0">
+            <a:spAutoFit/>
+          </a:bodyPr>
+          <a:p>
+            <a:r>
+              <a:rPr lang="en-US" altLang="zh-CN" sz="2800" b="1">
+                <a:latin typeface="微软雅黑" panose="020B0503020204020204" charset="-122"/>
+                <a:ea typeface="微软雅黑" panose="020B0503020204020204" charset="-122"/>
+              </a:rPr>
+              <a:t>SPPnet</a:t>
+            </a:r>
+            <a:endParaRPr lang="en-US" altLang="zh-CN" sz="2800" b="1">
+              <a:latin typeface="微软雅黑" panose="020B0503020204020204" charset="-122"/>
+              <a:ea typeface="微软雅黑" panose="020B0503020204020204" charset="-122"/>
+            </a:endParaRPr>
+          </a:p>
+        </p:txBody>
+      </p:sp>
+    </p:spTree>
+  </p:cSld>
+  <p:clrMapOvr>
+    <a:masterClrMapping/>
+  </p:clrMapOvr>
+</p:sld>
+</file>
+
+<file path=ppt/slides/slide6.xml><?xml version="1.0" encoding="utf-8"?>
+<p:sld xmlns:a="http://schemas.openxmlformats.org/drawingml/2006/main" xmlns:r="http://schemas.openxmlformats.org/officeDocument/2006/relationships" xmlns:p="http://schemas.openxmlformats.org/presentationml/2006/main">
+  <p:cSld>
+    <p:spTree>
+      <p:nvGrpSpPr>
+        <p:cNvPr id="1" name=""/>
+        <p:cNvGrpSpPr/>
+        <p:nvPr/>
+      </p:nvGrpSpPr>
+      <p:grpSpPr/>
+      <p:sp>
+        <p:nvSpPr>
+          <p:cNvPr id="5" name="文本框 4"/>
+          <p:cNvSpPr txBox="1"/>
+          <p:nvPr/>
+        </p:nvSpPr>
+        <p:spPr>
+          <a:xfrm>
+            <a:off x="335280" y="574675"/>
+            <a:ext cx="3050540" cy="521970"/>
+          </a:xfrm>
+          <a:prstGeom prst="rect">
+            <a:avLst/>
+          </a:prstGeom>
+          <a:noFill/>
+        </p:spPr>
+        <p:txBody>
+          <a:bodyPr wrap="square" rtlCol="0">
+            <a:spAutoFit/>
+          </a:bodyPr>
+          <a:p>
+            <a:r>
+              <a:rPr lang="en-US" altLang="zh-CN" sz="2800" b="1">
+                <a:latin typeface="微软雅黑" panose="020B0503020204020204" charset="-122"/>
+                <a:ea typeface="微软雅黑" panose="020B0503020204020204" charset="-122"/>
+              </a:rPr>
+              <a:t>Fast-RCNN</a:t>
+            </a:r>
+            <a:endParaRPr lang="en-US" altLang="zh-CN" sz="2800" b="1">
+              <a:latin typeface="微软雅黑" panose="020B0503020204020204" charset="-122"/>
+              <a:ea typeface="微软雅黑" panose="020B0503020204020204" charset="-122"/>
+            </a:endParaRPr>
+          </a:p>
+        </p:txBody>
+      </p:sp>
+      <p:pic>
+        <p:nvPicPr>
+          <p:cNvPr id="9" name="图片 8"/>
+          <p:cNvPicPr>
+            <a:picLocks noChangeAspect="1"/>
+          </p:cNvPicPr>
+          <p:nvPr/>
+        </p:nvPicPr>
+        <p:blipFill>
+          <a:blip r:embed="rId1"/>
+          <a:stretch>
+            <a:fillRect/>
+          </a:stretch>
+        </p:blipFill>
+        <p:spPr>
+          <a:xfrm>
+            <a:off x="405765" y="1337945"/>
+            <a:ext cx="2129155" cy="2148205"/>
+          </a:xfrm>
+          <a:prstGeom prst="rect">
+            <a:avLst/>
+          </a:prstGeom>
+        </p:spPr>
+      </p:pic>
+      <p:pic>
+        <p:nvPicPr>
+          <p:cNvPr id="54" name="图片 53"/>
+          <p:cNvPicPr>
+            <a:picLocks noChangeAspect="1"/>
+          </p:cNvPicPr>
+          <p:nvPr/>
+        </p:nvPicPr>
+        <p:blipFill>
+          <a:blip r:embed="rId2"/>
+          <a:stretch>
+            <a:fillRect/>
+          </a:stretch>
+        </p:blipFill>
+        <p:spPr>
+          <a:xfrm>
+            <a:off x="566420" y="4441825"/>
+            <a:ext cx="4128770" cy="1597660"/>
+          </a:xfrm>
+          <a:prstGeom prst="rect">
+            <a:avLst/>
+          </a:prstGeom>
+        </p:spPr>
+      </p:pic>
+      <p:pic>
+        <p:nvPicPr>
+          <p:cNvPr id="66" name="图片 65"/>
+          <p:cNvPicPr>
+            <a:picLocks noChangeAspect="1"/>
+          </p:cNvPicPr>
+          <p:nvPr/>
+        </p:nvPicPr>
+        <p:blipFill>
+          <a:blip r:embed="rId3"/>
+          <a:stretch>
+            <a:fillRect/>
+          </a:stretch>
+        </p:blipFill>
+        <p:spPr>
+          <a:xfrm>
+            <a:off x="6435090" y="1620520"/>
+            <a:ext cx="4246880" cy="1758315"/>
+          </a:xfrm>
+          <a:prstGeom prst="rect">
+            <a:avLst/>
+          </a:prstGeom>
+        </p:spPr>
+      </p:pic>
+      <p:pic>
+        <p:nvPicPr>
+          <p:cNvPr id="52" name="图片 51"/>
+          <p:cNvPicPr>
+            <a:picLocks noChangeAspect="1"/>
+          </p:cNvPicPr>
+          <p:nvPr/>
+        </p:nvPicPr>
+        <p:blipFill>
+          <a:blip r:embed="rId4"/>
+          <a:stretch>
+            <a:fillRect/>
+          </a:stretch>
+        </p:blipFill>
+        <p:spPr>
+          <a:xfrm>
+            <a:off x="2734310" y="1255395"/>
+            <a:ext cx="3713480" cy="2313305"/>
+          </a:xfrm>
+          <a:prstGeom prst="rect">
+            <a:avLst/>
+          </a:prstGeom>
+        </p:spPr>
+      </p:pic>
+      <p:sp>
+        <p:nvSpPr>
+          <p:cNvPr id="64" name="文本框 63"/>
+          <p:cNvSpPr txBox="1"/>
+          <p:nvPr/>
+        </p:nvSpPr>
+        <p:spPr>
+          <a:xfrm>
+            <a:off x="5506720" y="3146425"/>
+            <a:ext cx="869950" cy="245110"/>
+          </a:xfrm>
+          <a:prstGeom prst="rect">
+            <a:avLst/>
+          </a:prstGeom>
+          <a:noFill/>
+        </p:spPr>
+        <p:txBody>
+          <a:bodyPr wrap="square" rtlCol="0">
+            <a:spAutoFit/>
+          </a:bodyPr>
+          <a:p>
+            <a:pPr algn="ctr"/>
+            <a:r>
+              <a:rPr lang="en-US" altLang="zh-CN" sz="1000">
+                <a:latin typeface="微软雅黑" panose="020B0503020204020204" charset="-122"/>
+                <a:ea typeface="微软雅黑" panose="020B0503020204020204" charset="-122"/>
+              </a:rPr>
+              <a:t>227x227x3</a:t>
+            </a:r>
+            <a:endParaRPr lang="en-US" altLang="zh-CN" sz="1000">
+              <a:latin typeface="微软雅黑" panose="020B0503020204020204" charset="-122"/>
+              <a:ea typeface="微软雅黑" panose="020B0503020204020204" charset="-122"/>
+            </a:endParaRPr>
+          </a:p>
+        </p:txBody>
+      </p:sp>
+      <p:sp>
+        <p:nvSpPr>
+          <p:cNvPr id="67" name="文本框 66"/>
+          <p:cNvSpPr txBox="1"/>
+          <p:nvPr/>
+        </p:nvSpPr>
+        <p:spPr>
+          <a:xfrm>
+            <a:off x="772795" y="3486150"/>
+            <a:ext cx="1395095" cy="306705"/>
+          </a:xfrm>
+          <a:prstGeom prst="rect">
+            <a:avLst/>
+          </a:prstGeom>
+          <a:noFill/>
+        </p:spPr>
+        <p:txBody>
+          <a:bodyPr wrap="square" rtlCol="0">
+            <a:spAutoFit/>
+          </a:bodyPr>
+          <a:p>
+            <a:pPr algn="ctr"/>
+            <a:r>
+              <a:rPr lang="en-US" altLang="zh-CN" sz="1400" b="1">
+                <a:solidFill>
+                  <a:srgbClr val="0070C0"/>
+                </a:solidFill>
+                <a:latin typeface="微软雅黑" panose="020B0503020204020204" charset="-122"/>
+                <a:ea typeface="微软雅黑" panose="020B0503020204020204" charset="-122"/>
+              </a:rPr>
+              <a:t>1. </a:t>
+            </a:r>
+            <a:r>
+              <a:rPr lang="zh-CN" altLang="en-US" sz="1400" b="1">
+                <a:solidFill>
+                  <a:srgbClr val="0070C0"/>
+                </a:solidFill>
+                <a:latin typeface="微软雅黑" panose="020B0503020204020204" charset="-122"/>
+                <a:ea typeface="微软雅黑" panose="020B0503020204020204" charset="-122"/>
+              </a:rPr>
+              <a:t>输入图像</a:t>
+            </a:r>
+            <a:endParaRPr lang="zh-CN" altLang="en-US" sz="1400" b="1">
+              <a:solidFill>
+                <a:srgbClr val="0070C0"/>
+              </a:solidFill>
+              <a:latin typeface="微软雅黑" panose="020B0503020204020204" charset="-122"/>
+              <a:ea typeface="微软雅黑" panose="020B0503020204020204" charset="-122"/>
+            </a:endParaRPr>
+          </a:p>
+        </p:txBody>
+      </p:sp>
+      <p:sp>
+        <p:nvSpPr>
+          <p:cNvPr id="68" name="文本框 67"/>
+          <p:cNvSpPr txBox="1"/>
+          <p:nvPr/>
+        </p:nvSpPr>
+        <p:spPr>
+          <a:xfrm>
+            <a:off x="2830195" y="3486150"/>
+            <a:ext cx="2004695" cy="306705"/>
+          </a:xfrm>
+          <a:prstGeom prst="rect">
+            <a:avLst/>
+          </a:prstGeom>
+          <a:noFill/>
+        </p:spPr>
+        <p:txBody>
+          <a:bodyPr wrap="square" rtlCol="0">
+            <a:spAutoFit/>
+          </a:bodyPr>
+          <a:p>
+            <a:pPr algn="ctr"/>
+            <a:r>
+              <a:rPr lang="en-US" altLang="zh-CN" sz="1400" b="1">
+                <a:solidFill>
+                  <a:srgbClr val="0070C0"/>
+                </a:solidFill>
+                <a:latin typeface="微软雅黑" panose="020B0503020204020204" charset="-122"/>
+                <a:ea typeface="微软雅黑" panose="020B0503020204020204" charset="-122"/>
+              </a:rPr>
+              <a:t>2. </a:t>
+            </a:r>
+            <a:r>
+              <a:rPr lang="zh-CN" altLang="en-US" sz="1400" b="1">
+                <a:solidFill>
+                  <a:srgbClr val="0070C0"/>
+                </a:solidFill>
+                <a:latin typeface="微软雅黑" panose="020B0503020204020204" charset="-122"/>
+                <a:ea typeface="微软雅黑" panose="020B0503020204020204" charset="-122"/>
+              </a:rPr>
+              <a:t>提取区域小图（</a:t>
+            </a:r>
+            <a:r>
+              <a:rPr lang="en-US" altLang="zh-CN" sz="1400" b="1">
+                <a:solidFill>
+                  <a:srgbClr val="0070C0"/>
+                </a:solidFill>
+                <a:latin typeface="微软雅黑" panose="020B0503020204020204" charset="-122"/>
+                <a:ea typeface="微软雅黑" panose="020B0503020204020204" charset="-122"/>
+              </a:rPr>
+              <a:t>~2K</a:t>
+            </a:r>
+            <a:r>
+              <a:rPr lang="zh-CN" altLang="en-US" sz="1400" b="1">
+                <a:solidFill>
+                  <a:srgbClr val="0070C0"/>
+                </a:solidFill>
+                <a:latin typeface="微软雅黑" panose="020B0503020204020204" charset="-122"/>
+                <a:ea typeface="微软雅黑" panose="020B0503020204020204" charset="-122"/>
+              </a:rPr>
+              <a:t>）</a:t>
+            </a:r>
+            <a:endParaRPr lang="zh-CN" altLang="en-US" sz="1400" b="1">
+              <a:solidFill>
+                <a:srgbClr val="0070C0"/>
+              </a:solidFill>
+              <a:latin typeface="微软雅黑" panose="020B0503020204020204" charset="-122"/>
+              <a:ea typeface="微软雅黑" panose="020B0503020204020204" charset="-122"/>
+            </a:endParaRPr>
+          </a:p>
+        </p:txBody>
+      </p:sp>
+      <p:sp>
+        <p:nvSpPr>
+          <p:cNvPr id="69" name="文本框 68"/>
+          <p:cNvSpPr txBox="1"/>
+          <p:nvPr/>
+        </p:nvSpPr>
+        <p:spPr>
+          <a:xfrm>
+            <a:off x="1605915" y="6038850"/>
+            <a:ext cx="2004695" cy="521970"/>
+          </a:xfrm>
+          <a:prstGeom prst="rect">
+            <a:avLst/>
+          </a:prstGeom>
+          <a:noFill/>
+        </p:spPr>
+        <p:txBody>
+          <a:bodyPr wrap="square" rtlCol="0">
+            <a:spAutoFit/>
+          </a:bodyPr>
+          <a:p>
+            <a:pPr algn="ctr"/>
+            <a:r>
+              <a:rPr lang="zh-CN" altLang="en-US" sz="1400" b="1">
+                <a:solidFill>
+                  <a:srgbClr val="0070C0"/>
+                </a:solidFill>
+                <a:latin typeface="微软雅黑" panose="020B0503020204020204" charset="-122"/>
+                <a:ea typeface="微软雅黑" panose="020B0503020204020204" charset="-122"/>
+              </a:rPr>
+              <a:t>选择性搜索（</a:t>
+            </a:r>
+            <a:r>
+              <a:rPr lang="en-US" altLang="zh-CN" sz="1400" b="1">
+                <a:solidFill>
+                  <a:srgbClr val="0070C0"/>
+                </a:solidFill>
+                <a:latin typeface="微软雅黑" panose="020B0503020204020204" charset="-122"/>
+                <a:ea typeface="微软雅黑" panose="020B0503020204020204" charset="-122"/>
+              </a:rPr>
+              <a:t>Selective Search</a:t>
+            </a:r>
+            <a:r>
+              <a:rPr lang="zh-CN" altLang="en-US" sz="1400" b="1">
+                <a:solidFill>
+                  <a:srgbClr val="0070C0"/>
+                </a:solidFill>
+                <a:latin typeface="微软雅黑" panose="020B0503020204020204" charset="-122"/>
+                <a:ea typeface="微软雅黑" panose="020B0503020204020204" charset="-122"/>
+              </a:rPr>
+              <a:t>）</a:t>
+            </a:r>
+            <a:endParaRPr lang="zh-CN" altLang="en-US" sz="1400" b="1">
+              <a:solidFill>
+                <a:srgbClr val="0070C0"/>
+              </a:solidFill>
+              <a:latin typeface="微软雅黑" panose="020B0503020204020204" charset="-122"/>
+              <a:ea typeface="微软雅黑" panose="020B0503020204020204" charset="-122"/>
+            </a:endParaRPr>
+          </a:p>
+        </p:txBody>
+      </p:sp>
+      <p:sp>
+        <p:nvSpPr>
+          <p:cNvPr id="70" name="下箭头 69"/>
+          <p:cNvSpPr/>
+          <p:nvPr/>
+        </p:nvSpPr>
+        <p:spPr>
+          <a:xfrm>
+            <a:off x="1432560" y="4010660"/>
+            <a:ext cx="431800" cy="395605"/>
+          </a:xfrm>
+          <a:prstGeom prst="downArrow">
+            <a:avLst/>
+          </a:prstGeom>
+        </p:spPr>
+        <p:style>
+          <a:lnRef idx="3">
+            <a:schemeClr val="lt1"/>
+          </a:lnRef>
+          <a:fillRef idx="1">
+            <a:schemeClr val="accent1"/>
+          </a:fillRef>
+          <a:effectRef idx="1">
+            <a:schemeClr val="accent1"/>
+          </a:effectRef>
+          <a:fontRef idx="minor">
+            <a:schemeClr val="lt1"/>
+          </a:fontRef>
+        </p:style>
+        <p:txBody>
+          <a:bodyPr rtlCol="0" anchor="ctr"/>
+          <a:p>
+            <a:pPr algn="ctr"/>
+            <a:endParaRPr lang="zh-CN" altLang="en-US"/>
+          </a:p>
+        </p:txBody>
+      </p:sp>
+      <p:sp>
+        <p:nvSpPr>
+          <p:cNvPr id="71" name="下箭头 70"/>
+          <p:cNvSpPr/>
+          <p:nvPr/>
+        </p:nvSpPr>
+        <p:spPr>
+          <a:xfrm rot="10800000">
+            <a:off x="3610610" y="4010660"/>
+            <a:ext cx="431800" cy="395605"/>
+          </a:xfrm>
+          <a:prstGeom prst="downArrow">
+            <a:avLst/>
+          </a:prstGeom>
+        </p:spPr>
+        <p:style>
+          <a:lnRef idx="3">
+            <a:schemeClr val="lt1"/>
+          </a:lnRef>
+          <a:fillRef idx="1">
+            <a:schemeClr val="accent1"/>
+          </a:fillRef>
+          <a:effectRef idx="1">
+            <a:schemeClr val="accent1"/>
+          </a:effectRef>
+          <a:fontRef idx="minor">
+            <a:schemeClr val="lt1"/>
+          </a:fontRef>
+        </p:style>
+        <p:txBody>
+          <a:bodyPr rtlCol="0" anchor="ctr"/>
+          <a:p>
+            <a:pPr algn="ctr"/>
+            <a:endParaRPr lang="zh-CN" altLang="en-US"/>
+          </a:p>
+        </p:txBody>
+      </p:sp>
+      <p:sp>
+        <p:nvSpPr>
+          <p:cNvPr id="72" name="文本框 71"/>
+          <p:cNvSpPr txBox="1"/>
+          <p:nvPr/>
+        </p:nvSpPr>
+        <p:spPr>
+          <a:xfrm>
+            <a:off x="5116195" y="1313815"/>
+            <a:ext cx="1522095" cy="306705"/>
+          </a:xfrm>
+          <a:prstGeom prst="rect">
+            <a:avLst/>
+          </a:prstGeom>
+          <a:noFill/>
+        </p:spPr>
+        <p:txBody>
+          <a:bodyPr wrap="square" rtlCol="0">
+            <a:spAutoFit/>
+          </a:bodyPr>
+          <a:p>
+            <a:pPr algn="ctr"/>
+            <a:r>
+              <a:rPr lang="zh-CN" altLang="en-US" sz="1400" b="1">
+                <a:solidFill>
+                  <a:srgbClr val="0070C0"/>
+                </a:solidFill>
+                <a:latin typeface="微软雅黑" panose="020B0503020204020204" charset="-122"/>
+                <a:ea typeface="微软雅黑" panose="020B0503020204020204" charset="-122"/>
+              </a:rPr>
+              <a:t>图像仿射扭曲</a:t>
+            </a:r>
+            <a:endParaRPr lang="zh-CN" altLang="en-US" sz="1400" b="1">
+              <a:solidFill>
+                <a:srgbClr val="0070C0"/>
+              </a:solidFill>
+              <a:latin typeface="微软雅黑" panose="020B0503020204020204" charset="-122"/>
+              <a:ea typeface="微软雅黑" panose="020B0503020204020204" charset="-122"/>
+            </a:endParaRPr>
+          </a:p>
+        </p:txBody>
+      </p:sp>
+      <p:sp>
+        <p:nvSpPr>
+          <p:cNvPr id="73" name="文本框 72"/>
+          <p:cNvSpPr txBox="1"/>
+          <p:nvPr/>
+        </p:nvSpPr>
+        <p:spPr>
+          <a:xfrm>
+            <a:off x="6907530" y="3686175"/>
+            <a:ext cx="2443480" cy="1419860"/>
+          </a:xfrm>
+          <a:prstGeom prst="rect">
+            <a:avLst/>
+          </a:prstGeom>
+          <a:noFill/>
+        </p:spPr>
+        <p:txBody>
+          <a:bodyPr wrap="square" rtlCol="0">
+            <a:spAutoFit/>
+          </a:bodyPr>
+          <a:p>
+            <a:pPr marL="285750" indent="-285750" algn="l">
+              <a:lnSpc>
+                <a:spcPct val="90000"/>
+              </a:lnSpc>
+              <a:buFont typeface="Arial" panose="020B0604020202090204" pitchFamily="34" charset="0"/>
+              <a:buChar char="•"/>
+            </a:pPr>
+            <a:r>
+              <a:rPr lang="en-US" sz="1200" b="1">
+                <a:solidFill>
+                  <a:schemeClr val="tx1">
+                    <a:lumMod val="50000"/>
+                    <a:lumOff val="50000"/>
+                  </a:schemeClr>
+                </a:solidFill>
+                <a:latin typeface="微软雅黑" panose="020B0503020204020204" charset="-122"/>
+                <a:ea typeface="微软雅黑" panose="020B0503020204020204" charset="-122"/>
+              </a:rPr>
+              <a:t>pool5</a:t>
+            </a:r>
+            <a:r>
+              <a:rPr lang="en-US" sz="1200">
+                <a:solidFill>
+                  <a:schemeClr val="tx1">
+                    <a:lumMod val="50000"/>
+                    <a:lumOff val="50000"/>
+                  </a:schemeClr>
+                </a:solidFill>
+                <a:latin typeface="微软雅黑" panose="020B0503020204020204" charset="-122"/>
+                <a:ea typeface="微软雅黑" panose="020B0503020204020204" charset="-122"/>
+              </a:rPr>
+              <a:t>: 6x6x256 = 9216 </a:t>
+            </a:r>
+            <a:r>
+              <a:rPr lang="zh-CN" altLang="en-US" sz="1200">
+                <a:solidFill>
+                  <a:schemeClr val="tx1">
+                    <a:lumMod val="50000"/>
+                    <a:lumOff val="50000"/>
+                  </a:schemeClr>
+                </a:solidFill>
+                <a:latin typeface="微软雅黑" panose="020B0503020204020204" charset="-122"/>
+                <a:ea typeface="微软雅黑" panose="020B0503020204020204" charset="-122"/>
+              </a:rPr>
+              <a:t>维</a:t>
+            </a:r>
+            <a:endParaRPr lang="zh-CN" altLang="en-US" sz="1200">
+              <a:solidFill>
+                <a:schemeClr val="tx1">
+                  <a:lumMod val="50000"/>
+                  <a:lumOff val="50000"/>
+                </a:schemeClr>
+              </a:solidFill>
+              <a:latin typeface="微软雅黑" panose="020B0503020204020204" charset="-122"/>
+              <a:ea typeface="微软雅黑" panose="020B0503020204020204" charset="-122"/>
+            </a:endParaRPr>
+          </a:p>
+          <a:p>
+            <a:pPr indent="0" algn="l">
+              <a:lnSpc>
+                <a:spcPct val="90000"/>
+              </a:lnSpc>
+              <a:buFont typeface="Arial" panose="020B0604020202090204" pitchFamily="34" charset="0"/>
+              <a:buNone/>
+            </a:pPr>
+            <a:r>
+              <a:rPr lang="en-US" altLang="zh-CN" sz="1200">
+                <a:solidFill>
+                  <a:schemeClr val="tx1">
+                    <a:lumMod val="50000"/>
+                    <a:lumOff val="50000"/>
+                  </a:schemeClr>
+                </a:solidFill>
+                <a:latin typeface="微软雅黑" panose="020B0503020204020204" charset="-122"/>
+                <a:ea typeface="微软雅黑" panose="020B0503020204020204" charset="-122"/>
+              </a:rPr>
+              <a:t>       6.5% / 15% </a:t>
+            </a:r>
+            <a:r>
+              <a:rPr lang="zh-CN" altLang="en-US" sz="1200">
+                <a:solidFill>
+                  <a:schemeClr val="tx1">
+                    <a:lumMod val="50000"/>
+                    <a:lumOff val="50000"/>
+                  </a:schemeClr>
+                </a:solidFill>
+                <a:latin typeface="微软雅黑" panose="020B0503020204020204" charset="-122"/>
+                <a:ea typeface="微软雅黑" panose="020B0503020204020204" charset="-122"/>
+              </a:rPr>
+              <a:t>非零</a:t>
+            </a:r>
+            <a:endParaRPr lang="zh-CN" altLang="en-US" sz="1200">
+              <a:solidFill>
+                <a:schemeClr val="tx1">
+                  <a:lumMod val="50000"/>
+                  <a:lumOff val="50000"/>
+                </a:schemeClr>
+              </a:solidFill>
+              <a:latin typeface="微软雅黑" panose="020B0503020204020204" charset="-122"/>
+              <a:ea typeface="微软雅黑" panose="020B0503020204020204" charset="-122"/>
+            </a:endParaRPr>
+          </a:p>
+          <a:p>
+            <a:pPr marL="285750" indent="-285750" algn="l">
+              <a:lnSpc>
+                <a:spcPct val="90000"/>
+              </a:lnSpc>
+              <a:buFont typeface="Arial" panose="020B0604020202090204" pitchFamily="34" charset="0"/>
+              <a:buChar char="•"/>
+            </a:pPr>
+            <a:endParaRPr lang="zh-CN" altLang="en-US" sz="1200">
+              <a:solidFill>
+                <a:schemeClr val="tx1">
+                  <a:lumMod val="50000"/>
+                  <a:lumOff val="50000"/>
+                </a:schemeClr>
+              </a:solidFill>
+              <a:latin typeface="微软雅黑" panose="020B0503020204020204" charset="-122"/>
+              <a:ea typeface="微软雅黑" panose="020B0503020204020204" charset="-122"/>
+            </a:endParaRPr>
+          </a:p>
+          <a:p>
+            <a:pPr marL="285750" indent="-285750" algn="l">
+              <a:lnSpc>
+                <a:spcPct val="90000"/>
+              </a:lnSpc>
+              <a:buFont typeface="Arial" panose="020B0604020202090204" pitchFamily="34" charset="0"/>
+              <a:buChar char="•"/>
+            </a:pPr>
+            <a:r>
+              <a:rPr lang="en-US" altLang="zh-CN" sz="1200" b="1">
+                <a:solidFill>
+                  <a:schemeClr val="tx1">
+                    <a:lumMod val="50000"/>
+                    <a:lumOff val="50000"/>
+                  </a:schemeClr>
+                </a:solidFill>
+                <a:latin typeface="微软雅黑" panose="020B0503020204020204" charset="-122"/>
+                <a:ea typeface="微软雅黑" panose="020B0503020204020204" charset="-122"/>
+              </a:rPr>
+              <a:t>fc6</a:t>
+            </a:r>
+            <a:r>
+              <a:rPr lang="en-US" altLang="zh-CN" sz="1200">
+                <a:solidFill>
+                  <a:schemeClr val="tx1">
+                    <a:lumMod val="50000"/>
+                    <a:lumOff val="50000"/>
+                  </a:schemeClr>
+                </a:solidFill>
+                <a:latin typeface="微软雅黑" panose="020B0503020204020204" charset="-122"/>
+                <a:ea typeface="微软雅黑" panose="020B0503020204020204" charset="-122"/>
+              </a:rPr>
+              <a:t>: 4096 </a:t>
+            </a:r>
+            <a:r>
+              <a:rPr lang="zh-CN" altLang="en-US" sz="1200">
+                <a:solidFill>
+                  <a:schemeClr val="tx1">
+                    <a:lumMod val="50000"/>
+                    <a:lumOff val="50000"/>
+                  </a:schemeClr>
+                </a:solidFill>
+                <a:latin typeface="微软雅黑" panose="020B0503020204020204" charset="-122"/>
+                <a:ea typeface="微软雅黑" panose="020B0503020204020204" charset="-122"/>
+              </a:rPr>
+              <a:t>维</a:t>
+            </a:r>
+            <a:endParaRPr lang="zh-CN" altLang="en-US" sz="1200">
+              <a:solidFill>
+                <a:schemeClr val="tx1">
+                  <a:lumMod val="50000"/>
+                  <a:lumOff val="50000"/>
+                </a:schemeClr>
+              </a:solidFill>
+              <a:latin typeface="微软雅黑" panose="020B0503020204020204" charset="-122"/>
+              <a:ea typeface="微软雅黑" panose="020B0503020204020204" charset="-122"/>
+            </a:endParaRPr>
+          </a:p>
+          <a:p>
+            <a:pPr indent="0" algn="l">
+              <a:lnSpc>
+                <a:spcPct val="90000"/>
+              </a:lnSpc>
+              <a:buFont typeface="Arial" panose="020B0604020202090204" pitchFamily="34" charset="0"/>
+              <a:buNone/>
+            </a:pPr>
+            <a:r>
+              <a:rPr lang="en-US" altLang="zh-CN" sz="1200">
+                <a:solidFill>
+                  <a:schemeClr val="tx1">
+                    <a:lumMod val="50000"/>
+                    <a:lumOff val="50000"/>
+                  </a:schemeClr>
+                </a:solidFill>
+                <a:latin typeface="微软雅黑" panose="020B0503020204020204" charset="-122"/>
+                <a:ea typeface="微软雅黑" panose="020B0503020204020204" charset="-122"/>
+              </a:rPr>
+              <a:t>       71.2% / 20% </a:t>
+            </a:r>
+            <a:r>
+              <a:rPr lang="zh-CN" altLang="en-US" sz="1200">
+                <a:solidFill>
+                  <a:schemeClr val="tx1">
+                    <a:lumMod val="50000"/>
+                    <a:lumOff val="50000"/>
+                  </a:schemeClr>
+                </a:solidFill>
+                <a:latin typeface="微软雅黑" panose="020B0503020204020204" charset="-122"/>
+                <a:ea typeface="微软雅黑" panose="020B0503020204020204" charset="-122"/>
+              </a:rPr>
+              <a:t>非零</a:t>
+            </a:r>
+            <a:endParaRPr lang="zh-CN" altLang="en-US" sz="1200">
+              <a:solidFill>
+                <a:schemeClr val="tx1">
+                  <a:lumMod val="50000"/>
+                  <a:lumOff val="50000"/>
+                </a:schemeClr>
+              </a:solidFill>
+              <a:latin typeface="微软雅黑" panose="020B0503020204020204" charset="-122"/>
+              <a:ea typeface="微软雅黑" panose="020B0503020204020204" charset="-122"/>
+            </a:endParaRPr>
+          </a:p>
+          <a:p>
+            <a:pPr marL="285750" indent="-285750" algn="l">
+              <a:lnSpc>
+                <a:spcPct val="90000"/>
+              </a:lnSpc>
+              <a:buFont typeface="Arial" panose="020B0604020202090204" pitchFamily="34" charset="0"/>
+              <a:buChar char="•"/>
+            </a:pPr>
+            <a:endParaRPr lang="zh-CN" altLang="en-US" sz="1200">
+              <a:solidFill>
+                <a:schemeClr val="tx1">
+                  <a:lumMod val="50000"/>
+                  <a:lumOff val="50000"/>
+                </a:schemeClr>
+              </a:solidFill>
+              <a:latin typeface="微软雅黑" panose="020B0503020204020204" charset="-122"/>
+              <a:ea typeface="微软雅黑" panose="020B0503020204020204" charset="-122"/>
+            </a:endParaRPr>
+          </a:p>
+          <a:p>
+            <a:pPr marL="285750" indent="-285750" algn="l">
+              <a:lnSpc>
+                <a:spcPct val="90000"/>
+              </a:lnSpc>
+              <a:buFont typeface="Arial" panose="020B0604020202090204" pitchFamily="34" charset="0"/>
+              <a:buChar char="•"/>
+            </a:pPr>
+            <a:r>
+              <a:rPr lang="en-US" altLang="zh-CN" sz="1200" b="1">
+                <a:solidFill>
+                  <a:schemeClr val="tx1">
+                    <a:lumMod val="50000"/>
+                    <a:lumOff val="50000"/>
+                  </a:schemeClr>
+                </a:solidFill>
+                <a:latin typeface="微软雅黑" panose="020B0503020204020204" charset="-122"/>
+                <a:ea typeface="微软雅黑" panose="020B0503020204020204" charset="-122"/>
+                <a:sym typeface="+mn-ea"/>
+              </a:rPr>
+              <a:t>fc7</a:t>
+            </a:r>
+            <a:r>
+              <a:rPr lang="en-US" altLang="zh-CN" sz="1200">
+                <a:solidFill>
+                  <a:schemeClr val="tx1">
+                    <a:lumMod val="50000"/>
+                    <a:lumOff val="50000"/>
+                  </a:schemeClr>
+                </a:solidFill>
+                <a:latin typeface="微软雅黑" panose="020B0503020204020204" charset="-122"/>
+                <a:ea typeface="微软雅黑" panose="020B0503020204020204" charset="-122"/>
+                <a:sym typeface="+mn-ea"/>
+              </a:rPr>
+              <a:t>: 4096 </a:t>
+            </a:r>
+            <a:r>
+              <a:rPr lang="zh-CN" altLang="en-US" sz="1200">
+                <a:solidFill>
+                  <a:schemeClr val="tx1">
+                    <a:lumMod val="50000"/>
+                    <a:lumOff val="50000"/>
+                  </a:schemeClr>
+                </a:solidFill>
+                <a:latin typeface="微软雅黑" panose="020B0503020204020204" charset="-122"/>
+                <a:ea typeface="微软雅黑" panose="020B0503020204020204" charset="-122"/>
+                <a:sym typeface="+mn-ea"/>
+              </a:rPr>
+              <a:t>维</a:t>
+            </a:r>
+            <a:endParaRPr lang="zh-CN" altLang="en-US" sz="1200">
+              <a:solidFill>
+                <a:schemeClr val="tx1">
+                  <a:lumMod val="50000"/>
+                  <a:lumOff val="50000"/>
+                </a:schemeClr>
+              </a:solidFill>
+              <a:latin typeface="微软雅黑" panose="020B0503020204020204" charset="-122"/>
+              <a:ea typeface="微软雅黑" panose="020B0503020204020204" charset="-122"/>
+            </a:endParaRPr>
+          </a:p>
+          <a:p>
+            <a:pPr indent="0" algn="l">
+              <a:lnSpc>
+                <a:spcPct val="90000"/>
+              </a:lnSpc>
+              <a:buFont typeface="Arial" panose="020B0604020202090204" pitchFamily="34" charset="0"/>
+              <a:buNone/>
+            </a:pPr>
+            <a:r>
+              <a:rPr lang="en-US" altLang="zh-CN" sz="1200">
+                <a:solidFill>
+                  <a:schemeClr val="tx1">
+                    <a:lumMod val="50000"/>
+                    <a:lumOff val="50000"/>
+                  </a:schemeClr>
+                </a:solidFill>
+                <a:latin typeface="微软雅黑" panose="020B0503020204020204" charset="-122"/>
+                <a:ea typeface="微软雅黑" panose="020B0503020204020204" charset="-122"/>
+                <a:sym typeface="+mn-ea"/>
+              </a:rPr>
+              <a:t>       100% / 20% </a:t>
+            </a:r>
+            <a:r>
+              <a:rPr lang="zh-CN" altLang="en-US" sz="1200">
+                <a:solidFill>
+                  <a:schemeClr val="tx1">
+                    <a:lumMod val="50000"/>
+                    <a:lumOff val="50000"/>
+                  </a:schemeClr>
+                </a:solidFill>
+                <a:latin typeface="微软雅黑" panose="020B0503020204020204" charset="-122"/>
+                <a:ea typeface="微软雅黑" panose="020B0503020204020204" charset="-122"/>
+                <a:sym typeface="+mn-ea"/>
+              </a:rPr>
+              <a:t>非零</a:t>
+            </a:r>
+            <a:endParaRPr lang="zh-CN" altLang="en-US" sz="1200">
+              <a:solidFill>
+                <a:schemeClr val="tx1">
+                  <a:lumMod val="50000"/>
+                  <a:lumOff val="50000"/>
+                </a:schemeClr>
+              </a:solidFill>
+              <a:latin typeface="微软雅黑" panose="020B0503020204020204" charset="-122"/>
+              <a:ea typeface="微软雅黑" panose="020B0503020204020204" charset="-122"/>
+              <a:sym typeface="+mn-ea"/>
+            </a:endParaRPr>
+          </a:p>
+        </p:txBody>
+      </p:sp>
+      <p:cxnSp>
+        <p:nvCxnSpPr>
+          <p:cNvPr id="74" name="直接箭头连接符 73"/>
+          <p:cNvCxnSpPr/>
+          <p:nvPr/>
+        </p:nvCxnSpPr>
+        <p:spPr>
+          <a:xfrm flipH="1">
+            <a:off x="9011920" y="2828290"/>
+            <a:ext cx="663575" cy="924560"/>
+          </a:xfrm>
+          <a:prstGeom prst="straightConnector1">
+            <a:avLst/>
+          </a:prstGeom>
+          <a:ln w="12700">
+            <a:solidFill>
+              <a:schemeClr val="accent2"/>
+            </a:solidFill>
+            <a:tailEnd type="arrow"/>
+          </a:ln>
+        </p:spPr>
+        <p:style>
+          <a:lnRef idx="1">
+            <a:schemeClr val="accent1"/>
+          </a:lnRef>
+          <a:fillRef idx="0">
+            <a:schemeClr val="accent1"/>
+          </a:fillRef>
+          <a:effectRef idx="0">
+            <a:schemeClr val="accent1"/>
+          </a:effectRef>
+          <a:fontRef idx="minor">
+            <a:schemeClr val="tx1"/>
+          </a:fontRef>
+        </p:style>
+      </p:cxnSp>
+      <p:cxnSp>
+        <p:nvCxnSpPr>
+          <p:cNvPr id="75" name="直接箭头连接符 74"/>
+          <p:cNvCxnSpPr/>
+          <p:nvPr/>
+        </p:nvCxnSpPr>
+        <p:spPr>
+          <a:xfrm flipH="1">
+            <a:off x="8759825" y="3391535"/>
+            <a:ext cx="1183005" cy="1081405"/>
+          </a:xfrm>
+          <a:prstGeom prst="straightConnector1">
+            <a:avLst/>
+          </a:prstGeom>
+          <a:ln w="12700">
+            <a:solidFill>
+              <a:schemeClr val="accent2"/>
+            </a:solidFill>
+            <a:tailEnd type="arrow"/>
+          </a:ln>
+        </p:spPr>
+        <p:style>
+          <a:lnRef idx="1">
+            <a:schemeClr val="accent1"/>
+          </a:lnRef>
+          <a:fillRef idx="0">
+            <a:schemeClr val="accent1"/>
+          </a:fillRef>
+          <a:effectRef idx="0">
+            <a:schemeClr val="accent1"/>
+          </a:effectRef>
+          <a:fontRef idx="minor">
+            <a:schemeClr val="tx1"/>
+          </a:fontRef>
+        </p:style>
+      </p:cxnSp>
+      <p:sp>
+        <p:nvSpPr>
+          <p:cNvPr id="77" name="椭圆 76"/>
+          <p:cNvSpPr/>
+          <p:nvPr/>
+        </p:nvSpPr>
+        <p:spPr>
+          <a:xfrm>
+            <a:off x="9698990" y="2581275"/>
+            <a:ext cx="107950" cy="119380"/>
+          </a:xfrm>
+          <a:prstGeom prst="ellipse">
+            <a:avLst/>
+          </a:prstGeom>
+        </p:spPr>
+        <p:style>
+          <a:lnRef idx="3">
+            <a:schemeClr val="lt1"/>
+          </a:lnRef>
+          <a:fillRef idx="1">
+            <a:schemeClr val="accent2"/>
+          </a:fillRef>
+          <a:effectRef idx="1">
+            <a:schemeClr val="accent2"/>
+          </a:effectRef>
+          <a:fontRef idx="minor">
+            <a:schemeClr val="lt1"/>
+          </a:fontRef>
+        </p:style>
+        <p:txBody>
+          <a:bodyPr rtlCol="0" anchor="ctr"/>
+          <a:p>
+            <a:pPr algn="ctr"/>
+            <a:endParaRPr lang="zh-CN" altLang="en-US"/>
+          </a:p>
+        </p:txBody>
+      </p:sp>
+      <p:sp>
+        <p:nvSpPr>
+          <p:cNvPr id="78" name="椭圆 77"/>
+          <p:cNvSpPr/>
+          <p:nvPr/>
+        </p:nvSpPr>
+        <p:spPr>
+          <a:xfrm>
+            <a:off x="10194290" y="1746250"/>
+            <a:ext cx="201295" cy="1535430"/>
+          </a:xfrm>
+          <a:prstGeom prst="ellipse">
+            <a:avLst/>
+          </a:prstGeom>
+          <a:noFill/>
+          <a:ln w="28575">
+            <a:solidFill>
+              <a:schemeClr val="accent2"/>
+            </a:solidFill>
+          </a:ln>
+          <a:extLst>
+            <a:ext uri="{909E8E84-426E-40DD-AFC4-6F175D3DCCD1}">
+              <a14:hiddenFill xmlns:a14="http://schemas.microsoft.com/office/drawing/2010/main">
+                <a:solidFill>
+                  <a:schemeClr val="accent1"/>
+                </a:solidFill>
+              </a14:hiddenFill>
+            </a:ext>
+          </a:extLst>
+        </p:spPr>
+        <p:style>
+          <a:lnRef idx="2">
+            <a:schemeClr val="accent1">
+              <a:shade val="50000"/>
+            </a:schemeClr>
+          </a:lnRef>
+          <a:fillRef idx="1">
+            <a:schemeClr val="accent1"/>
+          </a:fillRef>
+          <a:effectRef idx="0">
+            <a:schemeClr val="accent1"/>
+          </a:effectRef>
+          <a:fontRef idx="minor">
+            <a:schemeClr val="lt1"/>
+          </a:fontRef>
+        </p:style>
+        <p:txBody>
+          <a:bodyPr rtlCol="0" anchor="ctr"/>
+          <a:p>
+            <a:pPr algn="ctr"/>
+            <a:endParaRPr lang="zh-CN" altLang="en-US"/>
+          </a:p>
+        </p:txBody>
+      </p:sp>
+      <p:sp>
+        <p:nvSpPr>
+          <p:cNvPr id="79" name="椭圆 78"/>
+          <p:cNvSpPr/>
+          <p:nvPr/>
+        </p:nvSpPr>
+        <p:spPr>
+          <a:xfrm>
+            <a:off x="9907270" y="1753870"/>
+            <a:ext cx="201295" cy="1535430"/>
+          </a:xfrm>
+          <a:prstGeom prst="ellipse">
+            <a:avLst/>
+          </a:prstGeom>
+          <a:noFill/>
+          <a:ln w="28575">
+            <a:solidFill>
+              <a:schemeClr val="accent2"/>
+            </a:solidFill>
+          </a:ln>
+          <a:extLst>
+            <a:ext uri="{909E8E84-426E-40DD-AFC4-6F175D3DCCD1}">
+              <a14:hiddenFill xmlns:a14="http://schemas.microsoft.com/office/drawing/2010/main">
+                <a:solidFill>
+                  <a:schemeClr val="accent1"/>
+                </a:solidFill>
+              </a14:hiddenFill>
+            </a:ext>
+          </a:extLst>
+        </p:spPr>
+        <p:style>
+          <a:lnRef idx="2">
+            <a:schemeClr val="accent1">
+              <a:shade val="50000"/>
+            </a:schemeClr>
+          </a:lnRef>
+          <a:fillRef idx="1">
+            <a:schemeClr val="accent1"/>
+          </a:fillRef>
+          <a:effectRef idx="0">
+            <a:schemeClr val="accent1"/>
+          </a:effectRef>
+          <a:fontRef idx="minor">
+            <a:schemeClr val="lt1"/>
+          </a:fontRef>
+        </p:style>
+        <p:txBody>
+          <a:bodyPr rtlCol="0" anchor="ctr"/>
+          <a:p>
+            <a:pPr algn="ctr"/>
+            <a:endParaRPr lang="zh-CN" altLang="en-US"/>
+          </a:p>
+        </p:txBody>
+      </p:sp>
+      <p:cxnSp>
+        <p:nvCxnSpPr>
+          <p:cNvPr id="80" name="直接箭头连接符 79"/>
+          <p:cNvCxnSpPr/>
+          <p:nvPr/>
+        </p:nvCxnSpPr>
+        <p:spPr>
+          <a:xfrm flipH="1">
+            <a:off x="8651875" y="3430270"/>
+            <a:ext cx="1587500" cy="1510665"/>
+          </a:xfrm>
+          <a:prstGeom prst="straightConnector1">
+            <a:avLst/>
+          </a:prstGeom>
+          <a:ln w="12700">
+            <a:solidFill>
+              <a:schemeClr val="accent2"/>
+            </a:solidFill>
+            <a:tailEnd type="arrow"/>
+          </a:ln>
+        </p:spPr>
+        <p:style>
+          <a:lnRef idx="1">
+            <a:schemeClr val="accent1"/>
+          </a:lnRef>
+          <a:fillRef idx="0">
+            <a:schemeClr val="accent1"/>
+          </a:fillRef>
+          <a:effectRef idx="0">
+            <a:schemeClr val="accent1"/>
+          </a:effectRef>
+          <a:fontRef idx="minor">
+            <a:schemeClr val="tx1"/>
+          </a:fontRef>
+        </p:style>
+      </p:cxnSp>
+      <p:sp>
+        <p:nvSpPr>
+          <p:cNvPr id="81" name="流程图: 对照 80"/>
+          <p:cNvSpPr/>
+          <p:nvPr/>
+        </p:nvSpPr>
+        <p:spPr>
+          <a:xfrm>
+            <a:off x="10497820" y="1954530"/>
+            <a:ext cx="171450" cy="1204595"/>
+          </a:xfrm>
+          <a:prstGeom prst="flowChartCollate">
+            <a:avLst/>
+          </a:prstGeom>
+          <a:noFill/>
+          <a:ln w="38100">
+            <a:solidFill>
+              <a:schemeClr val="accent2"/>
+            </a:solidFill>
+          </a:ln>
+          <a:extLst>
+            <a:ext uri="{909E8E84-426E-40DD-AFC4-6F175D3DCCD1}">
+              <a14:hiddenFill xmlns:a14="http://schemas.microsoft.com/office/drawing/2010/main">
+                <a:solidFill>
+                  <a:schemeClr val="accent1"/>
+                </a:solidFill>
+              </a14:hiddenFill>
+            </a:ext>
+          </a:extLst>
+        </p:spPr>
+        <p:style>
+          <a:lnRef idx="2">
+            <a:schemeClr val="accent1">
+              <a:shade val="50000"/>
+            </a:schemeClr>
+          </a:lnRef>
+          <a:fillRef idx="1">
+            <a:schemeClr val="accent1"/>
+          </a:fillRef>
+          <a:effectRef idx="0">
+            <a:schemeClr val="accent1"/>
+          </a:effectRef>
+          <a:fontRef idx="minor">
+            <a:schemeClr val="lt1"/>
+          </a:fontRef>
+        </p:style>
+        <p:txBody>
+          <a:bodyPr rtlCol="0" anchor="ctr"/>
+          <a:p>
+            <a:pPr algn="ctr"/>
+            <a:endParaRPr lang="zh-CN" altLang="en-US">
+              <a:solidFill>
+                <a:schemeClr val="tx1"/>
+              </a:solidFill>
+            </a:endParaRPr>
+          </a:p>
+        </p:txBody>
+      </p:sp>
+      <p:sp>
+        <p:nvSpPr>
+          <p:cNvPr id="82" name="文本框 81"/>
+          <p:cNvSpPr txBox="1"/>
+          <p:nvPr/>
+        </p:nvSpPr>
+        <p:spPr>
+          <a:xfrm>
+            <a:off x="9102090" y="4128770"/>
+            <a:ext cx="2555875" cy="995045"/>
+          </a:xfrm>
+          <a:prstGeom prst="rect">
+            <a:avLst/>
+          </a:prstGeom>
+          <a:noFill/>
+        </p:spPr>
+        <p:txBody>
+          <a:bodyPr wrap="square" rtlCol="0">
+            <a:spAutoFit/>
+          </a:bodyPr>
+          <a:p>
+            <a:pPr algn="ctr">
+              <a:lnSpc>
+                <a:spcPct val="140000"/>
+              </a:lnSpc>
+            </a:pPr>
+            <a:r>
+              <a:rPr lang="zh-CN" altLang="en-US" sz="1400" b="1">
+                <a:solidFill>
+                  <a:schemeClr val="tx1">
+                    <a:lumMod val="50000"/>
+                    <a:lumOff val="50000"/>
+                  </a:schemeClr>
+                </a:solidFill>
+                <a:latin typeface="微软雅黑" panose="020B0503020204020204" charset="-122"/>
+                <a:ea typeface="微软雅黑" panose="020B0503020204020204" charset="-122"/>
+              </a:rPr>
+              <a:t>删除旧分类器</a:t>
+            </a:r>
+            <a:r>
+              <a:rPr lang="en-US" altLang="zh-CN" sz="1400" b="1">
+                <a:solidFill>
+                  <a:schemeClr val="tx1">
+                    <a:lumMod val="50000"/>
+                    <a:lumOff val="50000"/>
+                  </a:schemeClr>
+                </a:solidFill>
+                <a:latin typeface="微软雅黑" panose="020B0503020204020204" charset="-122"/>
+                <a:ea typeface="微软雅黑" panose="020B0503020204020204" charset="-122"/>
+              </a:rPr>
+              <a:t>Softmax</a:t>
+            </a:r>
+            <a:endParaRPr lang="en-US" altLang="zh-CN" sz="1400" b="1">
+              <a:solidFill>
+                <a:srgbClr val="0070C0"/>
+              </a:solidFill>
+              <a:latin typeface="微软雅黑" panose="020B0503020204020204" charset="-122"/>
+              <a:ea typeface="微软雅黑" panose="020B0503020204020204" charset="-122"/>
+            </a:endParaRPr>
+          </a:p>
+          <a:p>
+            <a:pPr algn="ctr">
+              <a:lnSpc>
+                <a:spcPct val="140000"/>
+              </a:lnSpc>
+            </a:pPr>
+            <a:r>
+              <a:rPr lang="zh-CN" altLang="en-US" sz="1400" b="1">
+                <a:solidFill>
+                  <a:srgbClr val="0070C0"/>
+                </a:solidFill>
+                <a:latin typeface="微软雅黑" panose="020B0503020204020204" charset="-122"/>
+                <a:ea typeface="微软雅黑" panose="020B0503020204020204" charset="-122"/>
+              </a:rPr>
+              <a:t>每一类都训练一个</a:t>
+            </a:r>
+            <a:endParaRPr lang="zh-CN" altLang="en-US" sz="1400" b="1">
+              <a:solidFill>
+                <a:srgbClr val="0070C0"/>
+              </a:solidFill>
+              <a:latin typeface="微软雅黑" panose="020B0503020204020204" charset="-122"/>
+              <a:ea typeface="微软雅黑" panose="020B0503020204020204" charset="-122"/>
+            </a:endParaRPr>
+          </a:p>
+          <a:p>
+            <a:pPr algn="ctr">
+              <a:lnSpc>
+                <a:spcPct val="140000"/>
+              </a:lnSpc>
+            </a:pPr>
+            <a:r>
+              <a:rPr lang="zh-CN" altLang="en-US" sz="1400" b="1">
+                <a:solidFill>
+                  <a:srgbClr val="0070C0"/>
+                </a:solidFill>
+                <a:latin typeface="微软雅黑" panose="020B0503020204020204" charset="-122"/>
+                <a:ea typeface="微软雅黑" panose="020B0503020204020204" charset="-122"/>
+              </a:rPr>
+              <a:t>二值</a:t>
+            </a:r>
+            <a:r>
+              <a:rPr lang="en-US" altLang="zh-CN" sz="1400" b="1">
+                <a:solidFill>
+                  <a:srgbClr val="0070C0"/>
+                </a:solidFill>
+                <a:latin typeface="微软雅黑" panose="020B0503020204020204" charset="-122"/>
+                <a:ea typeface="微软雅黑" panose="020B0503020204020204" charset="-122"/>
+              </a:rPr>
+              <a:t>SVM</a:t>
+            </a:r>
+            <a:r>
+              <a:rPr lang="zh-CN" altLang="en-US" sz="1400" b="1">
+                <a:solidFill>
+                  <a:srgbClr val="0070C0"/>
+                </a:solidFill>
+                <a:latin typeface="微软雅黑" panose="020B0503020204020204" charset="-122"/>
+                <a:ea typeface="微软雅黑" panose="020B0503020204020204" charset="-122"/>
+              </a:rPr>
+              <a:t>分类器（物体</a:t>
+            </a:r>
+            <a:r>
+              <a:rPr lang="en-US" altLang="zh-CN" sz="1400" b="1">
+                <a:solidFill>
+                  <a:srgbClr val="0070C0"/>
+                </a:solidFill>
+                <a:latin typeface="微软雅黑" panose="020B0503020204020204" charset="-122"/>
+                <a:ea typeface="微软雅黑" panose="020B0503020204020204" charset="-122"/>
+              </a:rPr>
+              <a:t>+</a:t>
+            </a:r>
+            <a:r>
+              <a:rPr lang="zh-CN" altLang="en-US" sz="1400" b="1">
+                <a:solidFill>
+                  <a:srgbClr val="0070C0"/>
+                </a:solidFill>
+                <a:latin typeface="微软雅黑" panose="020B0503020204020204" charset="-122"/>
+                <a:ea typeface="微软雅黑" panose="020B0503020204020204" charset="-122"/>
+              </a:rPr>
+              <a:t>背景）</a:t>
+            </a:r>
+            <a:endParaRPr lang="zh-CN" altLang="en-US" sz="1400" b="1">
+              <a:solidFill>
+                <a:srgbClr val="0070C0"/>
+              </a:solidFill>
+              <a:latin typeface="微软雅黑" panose="020B0503020204020204" charset="-122"/>
+              <a:ea typeface="微软雅黑" panose="020B0503020204020204" charset="-122"/>
+            </a:endParaRPr>
+          </a:p>
+        </p:txBody>
+      </p:sp>
+      <p:cxnSp>
+        <p:nvCxnSpPr>
+          <p:cNvPr id="83" name="直接箭头连接符 82"/>
+          <p:cNvCxnSpPr/>
+          <p:nvPr/>
+        </p:nvCxnSpPr>
+        <p:spPr>
+          <a:xfrm flipH="1">
+            <a:off x="10236200" y="3321050"/>
+            <a:ext cx="287655" cy="864235"/>
+          </a:xfrm>
+          <a:prstGeom prst="straightConnector1">
+            <a:avLst/>
+          </a:prstGeom>
+          <a:ln w="28575">
+            <a:solidFill>
+              <a:schemeClr val="accent2"/>
+            </a:solidFill>
+            <a:tailEnd type="arrow"/>
+          </a:ln>
+        </p:spPr>
+        <p:style>
+          <a:lnRef idx="1">
+            <a:schemeClr val="accent1"/>
+          </a:lnRef>
+          <a:fillRef idx="0">
+            <a:schemeClr val="accent1"/>
+          </a:fillRef>
+          <a:effectRef idx="0">
+            <a:schemeClr val="accent1"/>
+          </a:effectRef>
+          <a:fontRef idx="minor">
+            <a:schemeClr val="tx1"/>
+          </a:fontRef>
+        </p:style>
+      </p:cxnSp>
+      <p:sp>
+        <p:nvSpPr>
+          <p:cNvPr id="84" name="矩形 83"/>
+          <p:cNvSpPr/>
+          <p:nvPr/>
+        </p:nvSpPr>
+        <p:spPr>
+          <a:xfrm>
+            <a:off x="10465435" y="1830705"/>
+            <a:ext cx="612140" cy="1438910"/>
+          </a:xfrm>
+          <a:prstGeom prst="rect">
+            <a:avLst/>
+          </a:prstGeom>
+        </p:spPr>
+        <p:style>
+          <a:lnRef idx="2">
+            <a:schemeClr val="accent1">
+              <a:shade val="50000"/>
+            </a:schemeClr>
+          </a:lnRef>
+          <a:fillRef idx="1">
+            <a:schemeClr val="accent1"/>
+          </a:fillRef>
+          <a:effectRef idx="0">
+            <a:schemeClr val="accent1"/>
+          </a:effectRef>
+          <a:fontRef idx="minor">
+            <a:schemeClr val="lt1"/>
+          </a:fontRef>
+        </p:style>
+        <p:txBody>
+          <a:bodyPr rtlCol="0" anchor="ctr"/>
+          <a:p>
+            <a:pPr algn="ctr"/>
+            <a:r>
+              <a:rPr lang="en-US" altLang="zh-CN" sz="1400" b="1">
+                <a:latin typeface="微软雅黑" panose="020B0503020204020204" charset="-122"/>
+                <a:ea typeface="微软雅黑" panose="020B0503020204020204" charset="-122"/>
+              </a:rPr>
+              <a:t>SVM</a:t>
+            </a:r>
+            <a:endParaRPr lang="en-US" altLang="zh-CN" sz="1400" b="1">
+              <a:latin typeface="微软雅黑" panose="020B0503020204020204" charset="-122"/>
+              <a:ea typeface="微软雅黑" panose="020B0503020204020204" charset="-122"/>
+            </a:endParaRPr>
+          </a:p>
+        </p:txBody>
+      </p:sp>
+      <p:sp>
+        <p:nvSpPr>
+          <p:cNvPr id="85" name="文本框 84"/>
+          <p:cNvSpPr txBox="1"/>
+          <p:nvPr/>
+        </p:nvSpPr>
+        <p:spPr>
+          <a:xfrm>
+            <a:off x="11225530" y="2399665"/>
+            <a:ext cx="640080" cy="306705"/>
+          </a:xfrm>
+          <a:prstGeom prst="rect">
+            <a:avLst/>
+          </a:prstGeom>
+          <a:noFill/>
+        </p:spPr>
+        <p:txBody>
+          <a:bodyPr wrap="square" rtlCol="0">
+            <a:spAutoFit/>
+          </a:bodyPr>
+          <a:p>
+            <a:r>
+              <a:rPr lang="en-US" altLang="zh-CN" sz="1400" b="1">
+                <a:solidFill>
+                  <a:schemeClr val="accent5"/>
+                </a:solidFill>
+                <a:latin typeface="微软雅黑" panose="020B0503020204020204" charset="-122"/>
+                <a:ea typeface="微软雅黑" panose="020B0503020204020204" charset="-122"/>
+              </a:rPr>
+              <a:t>class</a:t>
+            </a:r>
+            <a:endParaRPr lang="en-US" altLang="zh-CN" sz="1400" b="1">
+              <a:solidFill>
+                <a:schemeClr val="accent5"/>
+              </a:solidFill>
+              <a:latin typeface="微软雅黑" panose="020B0503020204020204" charset="-122"/>
+              <a:ea typeface="微软雅黑" panose="020B0503020204020204" charset="-122"/>
+            </a:endParaRPr>
+          </a:p>
+        </p:txBody>
+      </p:sp>
+      <p:cxnSp>
+        <p:nvCxnSpPr>
+          <p:cNvPr id="86" name="直接连接符 85"/>
+          <p:cNvCxnSpPr>
+            <a:stCxn id="84" idx="3"/>
+            <a:endCxn id="85" idx="1"/>
+          </p:cNvCxnSpPr>
+          <p:nvPr/>
+        </p:nvCxnSpPr>
+        <p:spPr>
+          <a:xfrm>
+            <a:off x="11042015" y="2550160"/>
+            <a:ext cx="147955" cy="3175"/>
+          </a:xfrm>
+          <a:prstGeom prst="line">
+            <a:avLst/>
+          </a:prstGeom>
+        </p:spPr>
+        <p:style>
+          <a:lnRef idx="1">
+            <a:schemeClr val="accent1"/>
+          </a:lnRef>
+          <a:fillRef idx="0">
+            <a:schemeClr val="accent1"/>
+          </a:fillRef>
+          <a:effectRef idx="0">
+            <a:schemeClr val="accent1"/>
+          </a:effectRef>
+          <a:fontRef idx="minor">
+            <a:schemeClr val="tx1"/>
+          </a:fontRef>
+        </p:style>
+      </p:cxnSp>
+      <p:sp>
+        <p:nvSpPr>
+          <p:cNvPr id="87" name="文本框 86"/>
+          <p:cNvSpPr txBox="1"/>
+          <p:nvPr/>
+        </p:nvSpPr>
+        <p:spPr>
+          <a:xfrm>
+            <a:off x="5805170" y="5306060"/>
+            <a:ext cx="5139055" cy="694055"/>
+          </a:xfrm>
+          <a:prstGeom prst="rect">
+            <a:avLst/>
+          </a:prstGeom>
+          <a:noFill/>
+        </p:spPr>
+        <p:txBody>
+          <a:bodyPr wrap="square" rtlCol="0">
+            <a:spAutoFit/>
+          </a:bodyPr>
+          <a:p>
+            <a:pPr algn="ctr">
+              <a:lnSpc>
+                <a:spcPct val="140000"/>
+              </a:lnSpc>
+            </a:pPr>
+            <a:r>
+              <a:rPr lang="zh-CN" altLang="en-US" sz="1600" b="1" u="sng">
+                <a:solidFill>
+                  <a:srgbClr val="C00000"/>
+                </a:solidFill>
+                <a:latin typeface="微软雅黑" panose="020B0503020204020204" charset="-122"/>
+                <a:ea typeface="微软雅黑" panose="020B0503020204020204" charset="-122"/>
+              </a:rPr>
+              <a:t>分类</a:t>
+            </a:r>
+            <a:r>
+              <a:rPr lang="zh-CN" altLang="en-US" sz="1600" b="1">
+                <a:solidFill>
+                  <a:srgbClr val="C00000"/>
+                </a:solidFill>
+                <a:latin typeface="微软雅黑" panose="020B0503020204020204" charset="-122"/>
+                <a:ea typeface="微软雅黑" panose="020B0503020204020204" charset="-122"/>
+              </a:rPr>
+              <a:t>    </a:t>
+            </a:r>
+            <a:r>
+              <a:rPr lang="en-US" altLang="zh-CN" sz="1600" b="1">
+                <a:solidFill>
+                  <a:srgbClr val="C00000"/>
+                </a:solidFill>
+                <a:latin typeface="微软雅黑" panose="020B0503020204020204" charset="-122"/>
+                <a:ea typeface="微软雅黑" panose="020B0503020204020204" charset="-122"/>
+              </a:rPr>
+              <a:t>	+      	 </a:t>
+            </a:r>
+            <a:r>
+              <a:rPr lang="zh-CN" altLang="en-US" sz="1600" b="1" u="sng">
+                <a:solidFill>
+                  <a:srgbClr val="C00000"/>
+                </a:solidFill>
+                <a:latin typeface="微软雅黑" panose="020B0503020204020204" charset="-122"/>
+                <a:ea typeface="微软雅黑" panose="020B0503020204020204" charset="-122"/>
+              </a:rPr>
+              <a:t>定位</a:t>
+            </a:r>
+            <a:r>
+              <a:rPr lang="zh-CN" altLang="en-US" sz="1600" b="1">
+                <a:solidFill>
+                  <a:srgbClr val="C00000"/>
+                </a:solidFill>
+                <a:latin typeface="微软雅黑" panose="020B0503020204020204" charset="-122"/>
+                <a:ea typeface="微软雅黑" panose="020B0503020204020204" charset="-122"/>
+              </a:rPr>
+              <a:t> </a:t>
+            </a:r>
+            <a:r>
+              <a:rPr lang="en-US" altLang="zh-CN" sz="1600" b="1">
+                <a:solidFill>
+                  <a:srgbClr val="C00000"/>
+                </a:solidFill>
+                <a:latin typeface="微软雅黑" panose="020B0503020204020204" charset="-122"/>
+                <a:ea typeface="微软雅黑" panose="020B0503020204020204" charset="-122"/>
+              </a:rPr>
+              <a:t>	</a:t>
+            </a:r>
+            <a:r>
+              <a:rPr lang="zh-CN" altLang="en-US" sz="1600" b="1">
+                <a:solidFill>
+                  <a:srgbClr val="C00000"/>
+                </a:solidFill>
+                <a:latin typeface="微软雅黑" panose="020B0503020204020204" charset="-122"/>
+                <a:ea typeface="微软雅黑" panose="020B0503020204020204" charset="-122"/>
+              </a:rPr>
+              <a:t>        </a:t>
+            </a:r>
+            <a:r>
+              <a:rPr lang="en-US" altLang="zh-CN" sz="1600" b="1">
+                <a:solidFill>
+                  <a:srgbClr val="C00000"/>
+                </a:solidFill>
+                <a:latin typeface="微软雅黑" panose="020B0503020204020204" charset="-122"/>
+                <a:ea typeface="微软雅黑" panose="020B0503020204020204" charset="-122"/>
+              </a:rPr>
+              <a:t>+  	  </a:t>
+            </a:r>
+            <a:r>
+              <a:rPr lang="zh-CN" altLang="en-US" sz="1600" b="1" u="sng">
+                <a:solidFill>
+                  <a:srgbClr val="C00000"/>
+                </a:solidFill>
+                <a:latin typeface="微软雅黑" panose="020B0503020204020204" charset="-122"/>
+                <a:ea typeface="微软雅黑" panose="020B0503020204020204" charset="-122"/>
+              </a:rPr>
+              <a:t>检测</a:t>
+            </a:r>
+            <a:endParaRPr lang="zh-CN" altLang="en-US" sz="1600" b="1" u="sng">
+              <a:solidFill>
+                <a:srgbClr val="C00000"/>
+              </a:solidFill>
+              <a:latin typeface="微软雅黑" panose="020B0503020204020204" charset="-122"/>
+              <a:ea typeface="微软雅黑" panose="020B0503020204020204" charset="-122"/>
+            </a:endParaRPr>
+          </a:p>
+          <a:p>
+            <a:pPr algn="ctr">
+              <a:lnSpc>
+                <a:spcPct val="140000"/>
+              </a:lnSpc>
+            </a:pPr>
+            <a:r>
+              <a:rPr lang="en-US" altLang="zh-CN" sz="1200" b="1">
+                <a:solidFill>
+                  <a:schemeClr val="tx1">
+                    <a:lumMod val="50000"/>
+                    <a:lumOff val="50000"/>
+                  </a:schemeClr>
+                </a:solidFill>
+                <a:latin typeface="微软雅黑" panose="020B0503020204020204" charset="-122"/>
+                <a:ea typeface="微软雅黑" panose="020B0503020204020204" charset="-122"/>
+              </a:rPr>
+              <a:t>SVM</a:t>
+            </a:r>
+            <a:r>
+              <a:rPr lang="zh-CN" altLang="en-US" sz="1200" b="1">
+                <a:solidFill>
+                  <a:schemeClr val="tx1">
+                    <a:lumMod val="50000"/>
+                    <a:lumOff val="50000"/>
+                  </a:schemeClr>
+                </a:solidFill>
+                <a:latin typeface="微软雅黑" panose="020B0503020204020204" charset="-122"/>
+                <a:ea typeface="微软雅黑" panose="020B0503020204020204" charset="-122"/>
+              </a:rPr>
+              <a:t>分类器          </a:t>
+            </a:r>
+            <a:r>
+              <a:rPr lang="en-US" altLang="zh-CN" sz="1200" b="1">
+                <a:solidFill>
+                  <a:schemeClr val="tx1">
+                    <a:lumMod val="50000"/>
+                    <a:lumOff val="50000"/>
+                  </a:schemeClr>
+                </a:solidFill>
+                <a:latin typeface="微软雅黑" panose="020B0503020204020204" charset="-122"/>
+                <a:ea typeface="微软雅黑" panose="020B0503020204020204" charset="-122"/>
+              </a:rPr>
+              <a:t>BoundingBox</a:t>
+            </a:r>
+            <a:r>
+              <a:rPr lang="zh-CN" altLang="en-US" sz="1200" b="1">
+                <a:solidFill>
+                  <a:schemeClr val="tx1">
+                    <a:lumMod val="50000"/>
+                    <a:lumOff val="50000"/>
+                  </a:schemeClr>
+                </a:solidFill>
+                <a:latin typeface="微软雅黑" panose="020B0503020204020204" charset="-122"/>
+                <a:ea typeface="微软雅黑" panose="020B0503020204020204" charset="-122"/>
+              </a:rPr>
+              <a:t>回归器优化定位 </a:t>
+            </a:r>
+            <a:r>
+              <a:rPr lang="en-US" altLang="zh-CN" sz="1200" b="1">
+                <a:solidFill>
+                  <a:schemeClr val="tx1">
+                    <a:lumMod val="50000"/>
+                    <a:lumOff val="50000"/>
+                  </a:schemeClr>
+                </a:solidFill>
+                <a:latin typeface="微软雅黑" panose="020B0503020204020204" charset="-122"/>
+                <a:ea typeface="微软雅黑" panose="020B0503020204020204" charset="-122"/>
+              </a:rPr>
+              <a:t>	</a:t>
+            </a:r>
+            <a:r>
+              <a:rPr lang="zh-CN" altLang="en-US" sz="1200" b="1">
+                <a:solidFill>
+                  <a:schemeClr val="tx1">
+                    <a:lumMod val="50000"/>
+                    <a:lumOff val="50000"/>
+                  </a:schemeClr>
+                </a:solidFill>
+                <a:latin typeface="微软雅黑" panose="020B0503020204020204" charset="-122"/>
+                <a:ea typeface="微软雅黑" panose="020B0503020204020204" charset="-122"/>
+              </a:rPr>
+              <a:t> 多个分类器 </a:t>
+            </a:r>
+            <a:endParaRPr lang="zh-CN" altLang="en-US" sz="1200" b="1">
+              <a:solidFill>
+                <a:schemeClr val="tx1">
+                  <a:lumMod val="50000"/>
+                  <a:lumOff val="50000"/>
+                </a:schemeClr>
+              </a:solidFill>
+              <a:latin typeface="微软雅黑" panose="020B0503020204020204" charset="-122"/>
+              <a:ea typeface="微软雅黑" panose="020B0503020204020204" charset="-122"/>
+            </a:endParaRPr>
+          </a:p>
+        </p:txBody>
+      </p:sp>
+      <p:sp>
+        <p:nvSpPr>
+          <p:cNvPr id="88" name="文本框 87"/>
+          <p:cNvSpPr txBox="1"/>
+          <p:nvPr/>
+        </p:nvSpPr>
+        <p:spPr>
+          <a:xfrm>
+            <a:off x="6836410" y="3321050"/>
+            <a:ext cx="2004695" cy="306705"/>
+          </a:xfrm>
+          <a:prstGeom prst="rect">
+            <a:avLst/>
+          </a:prstGeom>
+          <a:noFill/>
+        </p:spPr>
+        <p:txBody>
+          <a:bodyPr wrap="square" rtlCol="0">
+            <a:spAutoFit/>
+          </a:bodyPr>
+          <a:p>
+            <a:pPr algn="ctr"/>
+            <a:r>
+              <a:rPr lang="en-US" altLang="zh-CN" sz="1400" b="1">
+                <a:solidFill>
+                  <a:srgbClr val="0070C0"/>
+                </a:solidFill>
+                <a:latin typeface="微软雅黑" panose="020B0503020204020204" charset="-122"/>
+                <a:ea typeface="微软雅黑" panose="020B0503020204020204" charset="-122"/>
+              </a:rPr>
+              <a:t>3. CNN</a:t>
+            </a:r>
+            <a:r>
+              <a:rPr lang="zh-CN" altLang="en-US" sz="1400" b="1">
+                <a:solidFill>
+                  <a:srgbClr val="0070C0"/>
+                </a:solidFill>
+                <a:latin typeface="微软雅黑" panose="020B0503020204020204" charset="-122"/>
+                <a:ea typeface="微软雅黑" panose="020B0503020204020204" charset="-122"/>
+              </a:rPr>
+              <a:t>提取特征向量</a:t>
+            </a:r>
+            <a:endParaRPr lang="zh-CN" altLang="en-US" sz="1400" b="1">
+              <a:solidFill>
+                <a:srgbClr val="0070C0"/>
+              </a:solidFill>
+              <a:latin typeface="微软雅黑" panose="020B0503020204020204" charset="-122"/>
+              <a:ea typeface="微软雅黑" panose="020B0503020204020204" charset="-122"/>
+            </a:endParaRPr>
+          </a:p>
+        </p:txBody>
+      </p:sp>
+      <p:sp>
+        <p:nvSpPr>
+          <p:cNvPr id="89" name="文本框 88"/>
+          <p:cNvSpPr txBox="1"/>
+          <p:nvPr/>
+        </p:nvSpPr>
+        <p:spPr>
+          <a:xfrm>
+            <a:off x="10310495" y="3486150"/>
+            <a:ext cx="1483995" cy="306705"/>
+          </a:xfrm>
+          <a:prstGeom prst="rect">
+            <a:avLst/>
+          </a:prstGeom>
+          <a:noFill/>
+        </p:spPr>
+        <p:txBody>
+          <a:bodyPr wrap="square" rtlCol="0">
+            <a:spAutoFit/>
+          </a:bodyPr>
+          <a:p>
+            <a:pPr algn="ctr"/>
+            <a:r>
+              <a:rPr lang="en-US" altLang="zh-CN" sz="1400" b="1">
+                <a:solidFill>
+                  <a:srgbClr val="0070C0"/>
+                </a:solidFill>
+                <a:latin typeface="微软雅黑" panose="020B0503020204020204" charset="-122"/>
+                <a:ea typeface="微软雅黑" panose="020B0503020204020204" charset="-122"/>
+              </a:rPr>
+              <a:t>4. </a:t>
+            </a:r>
+            <a:r>
+              <a:rPr lang="zh-CN" altLang="en-US" sz="1400" b="1">
+                <a:solidFill>
+                  <a:srgbClr val="0070C0"/>
+                </a:solidFill>
+                <a:latin typeface="微软雅黑" panose="020B0503020204020204" charset="-122"/>
+                <a:ea typeface="微软雅黑" panose="020B0503020204020204" charset="-122"/>
+              </a:rPr>
+              <a:t>对小图分类</a:t>
+            </a:r>
+            <a:endParaRPr lang="zh-CN" altLang="en-US" sz="1400" b="1">
+              <a:solidFill>
+                <a:srgbClr val="0070C0"/>
+              </a:solidFill>
+              <a:latin typeface="微软雅黑" panose="020B0503020204020204" charset="-122"/>
+              <a:ea typeface="微软雅黑" panose="020B0503020204020204" charset="-122"/>
+            </a:endParaRPr>
+          </a:p>
+        </p:txBody>
+      </p:sp>
+      <p:sp>
+        <p:nvSpPr>
+          <p:cNvPr id="90" name="文本框 89"/>
+          <p:cNvSpPr txBox="1"/>
+          <p:nvPr/>
+        </p:nvSpPr>
+        <p:spPr>
+          <a:xfrm>
+            <a:off x="6517640" y="6146165"/>
+            <a:ext cx="3590925" cy="306705"/>
+          </a:xfrm>
+          <a:prstGeom prst="rect">
+            <a:avLst/>
+          </a:prstGeom>
+          <a:noFill/>
+        </p:spPr>
+        <p:txBody>
+          <a:bodyPr wrap="square" rtlCol="0">
+            <a:spAutoFit/>
+          </a:bodyPr>
+          <a:p>
+            <a:pPr algn="ctr"/>
+            <a:r>
+              <a:rPr lang="zh-CN" altLang="en-US" sz="1400" b="1">
+                <a:solidFill>
+                  <a:srgbClr val="0070C0"/>
+                </a:solidFill>
+                <a:latin typeface="微软雅黑" panose="020B0503020204020204" charset="-122"/>
+                <a:ea typeface="微软雅黑" panose="020B0503020204020204" charset="-122"/>
+              </a:rPr>
+              <a:t>预训练分类卷积网络 </a:t>
+            </a:r>
+            <a:r>
+              <a:rPr lang="en-US" altLang="zh-CN" sz="1400" b="1">
+                <a:solidFill>
+                  <a:srgbClr val="0070C0"/>
+                </a:solidFill>
+                <a:latin typeface="微软雅黑" panose="020B0503020204020204" charset="-122"/>
+                <a:ea typeface="微软雅黑" panose="020B0503020204020204" charset="-122"/>
+              </a:rPr>
+              <a:t>+ </a:t>
+            </a:r>
+            <a:r>
+              <a:rPr lang="zh-CN" altLang="en-US" sz="1400" b="1">
+                <a:solidFill>
+                  <a:srgbClr val="0070C0"/>
+                </a:solidFill>
+                <a:latin typeface="微软雅黑" panose="020B0503020204020204" charset="-122"/>
+                <a:ea typeface="微软雅黑" panose="020B0503020204020204" charset="-122"/>
+              </a:rPr>
+              <a:t>定位问题微调</a:t>
+            </a:r>
+            <a:endParaRPr lang="zh-CN" altLang="en-US" sz="1400" b="1">
+              <a:solidFill>
+                <a:srgbClr val="0070C0"/>
+              </a:solidFill>
+              <a:latin typeface="微软雅黑" panose="020B0503020204020204" charset="-122"/>
+              <a:ea typeface="微软雅黑" panose="020B0503020204020204" charset="-122"/>
+            </a:endParaRPr>
+          </a:p>
+        </p:txBody>
+      </p:sp>
+    </p:spTree>
+  </p:cSld>
+  <p:clrMapOvr>
+    <a:masterClrMapping/>
+  </p:clrMapOvr>
+</p:sld>
+</file>
+
 <file path=ppt/theme/theme1.xml><?xml version="1.0" encoding="utf-8"?>
 <a:theme xmlns:a="http://schemas.openxmlformats.org/drawingml/2006/main" name="Office 主题">
   <a:themeElements>

--- a/assets/block_diagram/object_detection_block_diagram.pptx
+++ b/assets/block_diagram/object_detection_block_diagram.pptx
@@ -9607,14 +9607,7 @@
                 <a:latin typeface="微软雅黑" panose="020B0503020204020204" charset="-122"/>
                 <a:ea typeface="微软雅黑" panose="020B0503020204020204" charset="-122"/>
               </a:rPr>
-              <a:t>OverFeat</a:t>
-            </a:r>
-            <a:r>
-              <a:rPr lang="en-US" altLang="zh-CN" sz="2800" b="1">
-                <a:latin typeface="微软雅黑" panose="020B0503020204020204" charset="-122"/>
-                <a:ea typeface="微软雅黑" panose="020B0503020204020204" charset="-122"/>
-              </a:rPr>
-              <a:t> Pipeline</a:t>
+              <a:t>OverFeat Pipeline</a:t>
             </a:r>
             <a:endParaRPr lang="en-US" altLang="zh-CN" sz="2800" b="1">
               <a:latin typeface="微软雅黑" panose="020B0503020204020204" charset="-122"/>
@@ -11311,33 +11304,7 @@
                 <a:latin typeface="微软雅黑" panose="020B0503020204020204" charset="-122"/>
                 <a:ea typeface="微软雅黑" panose="020B0503020204020204" charset="-122"/>
               </a:rPr>
-              <a:t> 多个</a:t>
-            </a:r>
-            <a:r>
-              <a:rPr lang="zh-CN" altLang="en-US" sz="1200" b="1">
-                <a:solidFill>
-                  <a:schemeClr val="tx1">
-                    <a:lumMod val="50000"/>
-                    <a:lumOff val="50000"/>
-                  </a:schemeClr>
-                </a:solidFill>
-                <a:latin typeface="微软雅黑" panose="020B0503020204020204" charset="-122"/>
-                <a:ea typeface="微软雅黑" panose="020B0503020204020204" charset="-122"/>
-              </a:rPr>
-              <a:t>分类器</a:t>
-            </a:r>
-            <a:r>
-              <a:rPr lang="zh-CN" altLang="en-US" sz="1200" b="1">
-                <a:solidFill>
-                  <a:schemeClr val="tx1">
-                    <a:lumMod val="50000"/>
-                    <a:lumOff val="50000"/>
-                  </a:schemeClr>
-                </a:solidFill>
-                <a:latin typeface="微软雅黑" panose="020B0503020204020204" charset="-122"/>
-                <a:ea typeface="微软雅黑" panose="020B0503020204020204" charset="-122"/>
-              </a:rPr>
-              <a:t> </a:t>
+              <a:t> 多个分类器 </a:t>
             </a:r>
             <a:endParaRPr lang="zh-CN" altLang="en-US" sz="1200" b="1">
               <a:solidFill>
@@ -11538,6 +11505,300 @@
       <p:grpSpPr/>
       <p:sp>
         <p:nvSpPr>
+          <p:cNvPr id="22" name="平行四边形 21"/>
+          <p:cNvSpPr/>
+          <p:nvPr/>
+        </p:nvSpPr>
+        <p:spPr>
+          <a:xfrm rot="16200000" flipH="1">
+            <a:off x="7454265" y="3357245"/>
+            <a:ext cx="1434465" cy="525145"/>
+          </a:xfrm>
+          <a:prstGeom prst="parallelogram">
+            <a:avLst>
+              <a:gd name="adj" fmla="val 96851"/>
+            </a:avLst>
+          </a:prstGeom>
+          <a:solidFill>
+            <a:schemeClr val="bg1"/>
+          </a:solidFill>
+          <a:ln>
+            <a:solidFill>
+              <a:schemeClr val="accent6"/>
+            </a:solidFill>
+          </a:ln>
+        </p:spPr>
+        <p:style>
+          <a:lnRef idx="2">
+            <a:schemeClr val="accent1">
+              <a:shade val="50000"/>
+            </a:schemeClr>
+          </a:lnRef>
+          <a:fillRef idx="1">
+            <a:schemeClr val="accent1"/>
+          </a:fillRef>
+          <a:effectRef idx="0">
+            <a:schemeClr val="accent1"/>
+          </a:effectRef>
+          <a:fontRef idx="minor">
+            <a:schemeClr val="lt1"/>
+          </a:fontRef>
+        </p:style>
+        <p:txBody>
+          <a:bodyPr rtlCol="0" anchor="ctr"/>
+          <a:p>
+            <a:pPr algn="ctr"/>
+            <a:endParaRPr lang="zh-CN" altLang="en-US"/>
+          </a:p>
+        </p:txBody>
+      </p:sp>
+      <p:sp>
+        <p:nvSpPr>
+          <p:cNvPr id="24" name="平行四边形 23"/>
+          <p:cNvSpPr/>
+          <p:nvPr/>
+        </p:nvSpPr>
+        <p:spPr>
+          <a:xfrm rot="16200000" flipH="1">
+            <a:off x="7574915" y="3357245"/>
+            <a:ext cx="1434465" cy="525145"/>
+          </a:xfrm>
+          <a:prstGeom prst="parallelogram">
+            <a:avLst>
+              <a:gd name="adj" fmla="val 96851"/>
+            </a:avLst>
+          </a:prstGeom>
+          <a:solidFill>
+            <a:schemeClr val="bg1"/>
+          </a:solidFill>
+          <a:ln>
+            <a:solidFill>
+              <a:schemeClr val="accent6"/>
+            </a:solidFill>
+          </a:ln>
+        </p:spPr>
+        <p:style>
+          <a:lnRef idx="2">
+            <a:schemeClr val="accent1">
+              <a:shade val="50000"/>
+            </a:schemeClr>
+          </a:lnRef>
+          <a:fillRef idx="1">
+            <a:schemeClr val="accent1"/>
+          </a:fillRef>
+          <a:effectRef idx="0">
+            <a:schemeClr val="accent1"/>
+          </a:effectRef>
+          <a:fontRef idx="minor">
+            <a:schemeClr val="lt1"/>
+          </a:fontRef>
+        </p:style>
+        <p:txBody>
+          <a:bodyPr rtlCol="0" anchor="ctr"/>
+          <a:p>
+            <a:pPr algn="ctr"/>
+            <a:endParaRPr lang="zh-CN" altLang="en-US"/>
+          </a:p>
+        </p:txBody>
+      </p:sp>
+      <p:sp>
+        <p:nvSpPr>
+          <p:cNvPr id="25" name="平行四边形 24"/>
+          <p:cNvSpPr/>
+          <p:nvPr/>
+        </p:nvSpPr>
+        <p:spPr>
+          <a:xfrm rot="16200000" flipH="1">
+            <a:off x="7697470" y="3357245"/>
+            <a:ext cx="1434465" cy="525145"/>
+          </a:xfrm>
+          <a:prstGeom prst="parallelogram">
+            <a:avLst>
+              <a:gd name="adj" fmla="val 96851"/>
+            </a:avLst>
+          </a:prstGeom>
+          <a:solidFill>
+            <a:schemeClr val="bg1"/>
+          </a:solidFill>
+          <a:ln>
+            <a:solidFill>
+              <a:schemeClr val="accent6"/>
+            </a:solidFill>
+          </a:ln>
+        </p:spPr>
+        <p:style>
+          <a:lnRef idx="2">
+            <a:schemeClr val="accent1">
+              <a:shade val="50000"/>
+            </a:schemeClr>
+          </a:lnRef>
+          <a:fillRef idx="1">
+            <a:schemeClr val="accent1"/>
+          </a:fillRef>
+          <a:effectRef idx="0">
+            <a:schemeClr val="accent1"/>
+          </a:effectRef>
+          <a:fontRef idx="minor">
+            <a:schemeClr val="lt1"/>
+          </a:fontRef>
+        </p:style>
+        <p:txBody>
+          <a:bodyPr rtlCol="0" anchor="ctr"/>
+          <a:p>
+            <a:pPr algn="ctr"/>
+            <a:endParaRPr lang="zh-CN" altLang="en-US"/>
+          </a:p>
+        </p:txBody>
+      </p:sp>
+      <p:sp>
+        <p:nvSpPr>
+          <p:cNvPr id="16" name="平行四边形 15"/>
+          <p:cNvSpPr/>
+          <p:nvPr/>
+        </p:nvSpPr>
+        <p:spPr>
+          <a:xfrm rot="16200000" flipH="1">
+            <a:off x="7454265" y="1708150"/>
+            <a:ext cx="1434465" cy="525145"/>
+          </a:xfrm>
+          <a:prstGeom prst="parallelogram">
+            <a:avLst>
+              <a:gd name="adj" fmla="val 96851"/>
+            </a:avLst>
+          </a:prstGeom>
+          <a:solidFill>
+            <a:schemeClr val="bg1"/>
+          </a:solidFill>
+          <a:ln>
+            <a:solidFill>
+              <a:schemeClr val="accent1"/>
+            </a:solidFill>
+          </a:ln>
+        </p:spPr>
+        <p:style>
+          <a:lnRef idx="2">
+            <a:schemeClr val="accent1">
+              <a:shade val="50000"/>
+            </a:schemeClr>
+          </a:lnRef>
+          <a:fillRef idx="1">
+            <a:schemeClr val="accent1"/>
+          </a:fillRef>
+          <a:effectRef idx="0">
+            <a:schemeClr val="accent1"/>
+          </a:effectRef>
+          <a:fontRef idx="minor">
+            <a:schemeClr val="lt1"/>
+          </a:fontRef>
+        </p:style>
+        <p:txBody>
+          <a:bodyPr rtlCol="0" anchor="ctr"/>
+          <a:p>
+            <a:pPr algn="ctr"/>
+            <a:endParaRPr lang="zh-CN" altLang="en-US"/>
+          </a:p>
+        </p:txBody>
+      </p:sp>
+      <p:sp>
+        <p:nvSpPr>
+          <p:cNvPr id="17" name="平行四边形 16"/>
+          <p:cNvSpPr/>
+          <p:nvPr/>
+        </p:nvSpPr>
+        <p:spPr>
+          <a:xfrm rot="16200000" flipH="1">
+            <a:off x="7594600" y="1708150"/>
+            <a:ext cx="1434465" cy="525145"/>
+          </a:xfrm>
+          <a:prstGeom prst="parallelogram">
+            <a:avLst>
+              <a:gd name="adj" fmla="val 96851"/>
+            </a:avLst>
+          </a:prstGeom>
+          <a:solidFill>
+            <a:schemeClr val="bg1"/>
+          </a:solidFill>
+          <a:ln>
+            <a:solidFill>
+              <a:schemeClr val="accent1"/>
+            </a:solidFill>
+          </a:ln>
+        </p:spPr>
+        <p:style>
+          <a:lnRef idx="2">
+            <a:schemeClr val="accent1">
+              <a:shade val="50000"/>
+            </a:schemeClr>
+          </a:lnRef>
+          <a:fillRef idx="1">
+            <a:schemeClr val="accent1"/>
+          </a:fillRef>
+          <a:effectRef idx="0">
+            <a:schemeClr val="accent1"/>
+          </a:effectRef>
+          <a:fontRef idx="minor">
+            <a:schemeClr val="lt1"/>
+          </a:fontRef>
+        </p:style>
+        <p:txBody>
+          <a:bodyPr rtlCol="0" anchor="ctr"/>
+          <a:p>
+            <a:pPr algn="ctr"/>
+            <a:endParaRPr lang="zh-CN" altLang="en-US"/>
+          </a:p>
+        </p:txBody>
+      </p:sp>
+      <p:sp>
+        <p:nvSpPr>
+          <p:cNvPr id="15" name="平行四边形 14"/>
+          <p:cNvSpPr/>
+          <p:nvPr/>
+        </p:nvSpPr>
+        <p:spPr>
+          <a:xfrm rot="16200000" flipH="1">
+            <a:off x="7715250" y="1708150"/>
+            <a:ext cx="1434465" cy="525145"/>
+          </a:xfrm>
+          <a:prstGeom prst="parallelogram">
+            <a:avLst>
+              <a:gd name="adj" fmla="val 96851"/>
+            </a:avLst>
+          </a:prstGeom>
+          <a:solidFill>
+            <a:schemeClr val="bg1"/>
+          </a:solidFill>
+          <a:ln>
+            <a:solidFill>
+              <a:schemeClr val="accent1"/>
+            </a:solidFill>
+          </a:ln>
+        </p:spPr>
+        <p:style>
+          <a:lnRef idx="2">
+            <a:schemeClr val="accent1">
+              <a:shade val="50000"/>
+            </a:schemeClr>
+          </a:lnRef>
+          <a:fillRef idx="1">
+            <a:schemeClr val="accent1"/>
+          </a:fillRef>
+          <a:effectRef idx="0">
+            <a:schemeClr val="accent1"/>
+          </a:effectRef>
+          <a:fontRef idx="minor">
+            <a:schemeClr val="lt1"/>
+          </a:fontRef>
+        </p:style>
+        <p:txBody>
+          <a:bodyPr rtlCol="0" anchor="ctr"/>
+          <a:p>
+            <a:pPr algn="ctr"/>
+            <a:endParaRPr lang="zh-CN" altLang="en-US"/>
+          </a:p>
+        </p:txBody>
+      </p:sp>
+      <p:sp>
+        <p:nvSpPr>
           <p:cNvPr id="5" name="文本框 4"/>
           <p:cNvSpPr txBox="1"/>
           <p:nvPr/>
@@ -11565,6 +11826,2740 @@
               <a:t>SPPnet</a:t>
             </a:r>
             <a:endParaRPr lang="en-US" altLang="zh-CN" sz="2800" b="1">
+              <a:latin typeface="微软雅黑" panose="020B0503020204020204" charset="-122"/>
+              <a:ea typeface="微软雅黑" panose="020B0503020204020204" charset="-122"/>
+            </a:endParaRPr>
+          </a:p>
+        </p:txBody>
+      </p:sp>
+      <p:sp>
+        <p:nvSpPr>
+          <p:cNvPr id="90" name="文本框 89"/>
+          <p:cNvSpPr txBox="1"/>
+          <p:nvPr/>
+        </p:nvSpPr>
+        <p:spPr>
+          <a:xfrm>
+            <a:off x="376555" y="1096645"/>
+            <a:ext cx="4672965" cy="306705"/>
+          </a:xfrm>
+          <a:prstGeom prst="rect">
+            <a:avLst/>
+          </a:prstGeom>
+          <a:noFill/>
+        </p:spPr>
+        <p:txBody>
+          <a:bodyPr wrap="square" rtlCol="0">
+            <a:spAutoFit/>
+          </a:bodyPr>
+          <a:p>
+            <a:pPr algn="ctr"/>
+            <a:r>
+              <a:rPr lang="zh-CN" altLang="en-US" sz="1400">
+                <a:solidFill>
+                  <a:schemeClr val="tx1">
+                    <a:lumMod val="50000"/>
+                    <a:lumOff val="50000"/>
+                  </a:schemeClr>
+                </a:solidFill>
+                <a:latin typeface="微软雅黑" panose="020B0503020204020204" charset="-122"/>
+                <a:ea typeface="微软雅黑" panose="020B0503020204020204" charset="-122"/>
+              </a:rPr>
+              <a:t>生成固定长度的特征向量，与输入图片的大小和尺度无关</a:t>
+            </a:r>
+            <a:endParaRPr lang="zh-CN" altLang="en-US" sz="1400">
+              <a:solidFill>
+                <a:schemeClr val="tx1">
+                  <a:lumMod val="50000"/>
+                  <a:lumOff val="50000"/>
+                </a:schemeClr>
+              </a:solidFill>
+              <a:latin typeface="微软雅黑" panose="020B0503020204020204" charset="-122"/>
+              <a:ea typeface="微软雅黑" panose="020B0503020204020204" charset="-122"/>
+            </a:endParaRPr>
+          </a:p>
+        </p:txBody>
+      </p:sp>
+      <p:pic>
+        <p:nvPicPr>
+          <p:cNvPr id="66" name="图片 65"/>
+          <p:cNvPicPr>
+            <a:picLocks noChangeAspect="1"/>
+          </p:cNvPicPr>
+          <p:nvPr/>
+        </p:nvPicPr>
+        <p:blipFill>
+          <a:blip r:embed="rId1"/>
+          <a:srcRect r="21359"/>
+          <a:stretch>
+            <a:fillRect/>
+          </a:stretch>
+        </p:blipFill>
+        <p:spPr>
+          <a:xfrm>
+            <a:off x="1539875" y="2027555"/>
+            <a:ext cx="5730240" cy="3017520"/>
+          </a:xfrm>
+          <a:prstGeom prst="rect">
+            <a:avLst/>
+          </a:prstGeom>
+        </p:spPr>
+      </p:pic>
+      <p:sp>
+        <p:nvSpPr>
+          <p:cNvPr id="2" name="平行四边形 1"/>
+          <p:cNvSpPr/>
+          <p:nvPr/>
+        </p:nvSpPr>
+        <p:spPr>
+          <a:xfrm rot="16200000" flipH="1">
+            <a:off x="7836535" y="1709420"/>
+            <a:ext cx="1434465" cy="525145"/>
+          </a:xfrm>
+          <a:prstGeom prst="parallelogram">
+            <a:avLst>
+              <a:gd name="adj" fmla="val 96851"/>
+            </a:avLst>
+          </a:prstGeom>
+          <a:solidFill>
+            <a:schemeClr val="bg1"/>
+          </a:solidFill>
+          <a:ln>
+            <a:solidFill>
+              <a:schemeClr val="accent1"/>
+            </a:solidFill>
+          </a:ln>
+        </p:spPr>
+        <p:style>
+          <a:lnRef idx="2">
+            <a:schemeClr val="accent1">
+              <a:shade val="50000"/>
+            </a:schemeClr>
+          </a:lnRef>
+          <a:fillRef idx="1">
+            <a:schemeClr val="accent1"/>
+          </a:fillRef>
+          <a:effectRef idx="0">
+            <a:schemeClr val="accent1"/>
+          </a:effectRef>
+          <a:fontRef idx="minor">
+            <a:schemeClr val="lt1"/>
+          </a:fontRef>
+        </p:style>
+        <p:txBody>
+          <a:bodyPr rtlCol="0" anchor="ctr"/>
+          <a:p>
+            <a:pPr algn="ctr"/>
+            <a:endParaRPr lang="zh-CN" altLang="en-US"/>
+          </a:p>
+        </p:txBody>
+      </p:sp>
+      <p:cxnSp>
+        <p:nvCxnSpPr>
+          <p:cNvPr id="4" name="直接连接符 3"/>
+          <p:cNvCxnSpPr/>
+          <p:nvPr/>
+        </p:nvCxnSpPr>
+        <p:spPr>
+          <a:xfrm>
+            <a:off x="8573135" y="1492250"/>
+            <a:ext cx="0" cy="926465"/>
+          </a:xfrm>
+          <a:prstGeom prst="line">
+            <a:avLst/>
+          </a:prstGeom>
+        </p:spPr>
+        <p:style>
+          <a:lnRef idx="2">
+            <a:schemeClr val="accent1"/>
+          </a:lnRef>
+          <a:fillRef idx="0">
+            <a:schemeClr val="accent1"/>
+          </a:fillRef>
+          <a:effectRef idx="1">
+            <a:schemeClr val="accent1"/>
+          </a:effectRef>
+          <a:fontRef idx="minor">
+            <a:schemeClr val="tx1"/>
+          </a:fontRef>
+        </p:style>
+      </p:cxnSp>
+      <p:cxnSp>
+        <p:nvCxnSpPr>
+          <p:cNvPr id="6" name="直接连接符 5"/>
+          <p:cNvCxnSpPr/>
+          <p:nvPr/>
+        </p:nvCxnSpPr>
+        <p:spPr>
+          <a:xfrm flipV="1">
+            <a:off x="8291195" y="1717675"/>
+            <a:ext cx="525145" cy="508635"/>
+          </a:xfrm>
+          <a:prstGeom prst="line">
+            <a:avLst/>
+          </a:prstGeom>
+        </p:spPr>
+        <p:style>
+          <a:lnRef idx="2">
+            <a:schemeClr val="accent1"/>
+          </a:lnRef>
+          <a:fillRef idx="0">
+            <a:schemeClr val="accent1"/>
+          </a:fillRef>
+          <a:effectRef idx="1">
+            <a:schemeClr val="accent1"/>
+          </a:effectRef>
+          <a:fontRef idx="minor">
+            <a:schemeClr val="tx1"/>
+          </a:fontRef>
+        </p:style>
+      </p:cxnSp>
+      <p:grpSp>
+        <p:nvGrpSpPr>
+          <p:cNvPr id="14" name="组合 13"/>
+          <p:cNvGrpSpPr/>
+          <p:nvPr/>
+        </p:nvGrpSpPr>
+        <p:grpSpPr>
+          <a:xfrm>
+            <a:off x="8291830" y="1381760"/>
+            <a:ext cx="525145" cy="1181100"/>
+            <a:chOff x="11982" y="2110"/>
+            <a:chExt cx="827" cy="1860"/>
+          </a:xfrm>
+        </p:grpSpPr>
+        <p:cxnSp>
+          <p:nvCxnSpPr>
+            <p:cNvPr id="7" name="直接连接符 6"/>
+            <p:cNvCxnSpPr/>
+            <p:nvPr/>
+          </p:nvCxnSpPr>
+          <p:spPr>
+            <a:xfrm>
+              <a:off x="12616" y="2110"/>
+              <a:ext cx="0" cy="1459"/>
+            </a:xfrm>
+            <a:prstGeom prst="line">
+              <a:avLst/>
+            </a:prstGeom>
+          </p:spPr>
+          <p:style>
+            <a:lnRef idx="2">
+              <a:schemeClr val="accent1"/>
+            </a:lnRef>
+            <a:fillRef idx="0">
+              <a:schemeClr val="accent1"/>
+            </a:fillRef>
+            <a:effectRef idx="1">
+              <a:schemeClr val="accent1"/>
+            </a:effectRef>
+            <a:fontRef idx="minor">
+              <a:schemeClr val="tx1"/>
+            </a:fontRef>
+          </p:style>
+        </p:cxnSp>
+        <p:cxnSp>
+          <p:nvCxnSpPr>
+            <p:cNvPr id="8" name="直接连接符 7"/>
+            <p:cNvCxnSpPr/>
+            <p:nvPr/>
+          </p:nvCxnSpPr>
+          <p:spPr>
+            <a:xfrm>
+              <a:off x="12204" y="2512"/>
+              <a:ext cx="0" cy="1459"/>
+            </a:xfrm>
+            <a:prstGeom prst="line">
+              <a:avLst/>
+            </a:prstGeom>
+          </p:spPr>
+          <p:style>
+            <a:lnRef idx="2">
+              <a:schemeClr val="accent1"/>
+            </a:lnRef>
+            <a:fillRef idx="0">
+              <a:schemeClr val="accent1"/>
+            </a:fillRef>
+            <a:effectRef idx="1">
+              <a:schemeClr val="accent1"/>
+            </a:effectRef>
+            <a:fontRef idx="minor">
+              <a:schemeClr val="tx1"/>
+            </a:fontRef>
+          </p:style>
+        </p:cxnSp>
+        <p:cxnSp>
+          <p:nvCxnSpPr>
+            <p:cNvPr id="9" name="直接连接符 8"/>
+            <p:cNvCxnSpPr/>
+            <p:nvPr/>
+          </p:nvCxnSpPr>
+          <p:spPr>
+            <a:xfrm flipV="1">
+              <a:off x="11982" y="2970"/>
+              <a:ext cx="827" cy="801"/>
+            </a:xfrm>
+            <a:prstGeom prst="line">
+              <a:avLst/>
+            </a:prstGeom>
+          </p:spPr>
+          <p:style>
+            <a:lnRef idx="2">
+              <a:schemeClr val="accent1"/>
+            </a:lnRef>
+            <a:fillRef idx="0">
+              <a:schemeClr val="accent1"/>
+            </a:fillRef>
+            <a:effectRef idx="1">
+              <a:schemeClr val="accent1"/>
+            </a:effectRef>
+            <a:fontRef idx="minor">
+              <a:schemeClr val="tx1"/>
+            </a:fontRef>
+          </p:style>
+        </p:cxnSp>
+        <p:cxnSp>
+          <p:nvCxnSpPr>
+            <p:cNvPr id="10" name="直接连接符 9"/>
+            <p:cNvCxnSpPr/>
+            <p:nvPr/>
+          </p:nvCxnSpPr>
+          <p:spPr>
+            <a:xfrm flipV="1">
+              <a:off x="11983" y="2312"/>
+              <a:ext cx="827" cy="801"/>
+            </a:xfrm>
+            <a:prstGeom prst="line">
+              <a:avLst/>
+            </a:prstGeom>
+          </p:spPr>
+          <p:style>
+            <a:lnRef idx="2">
+              <a:schemeClr val="accent1"/>
+            </a:lnRef>
+            <a:fillRef idx="0">
+              <a:schemeClr val="accent1"/>
+            </a:fillRef>
+            <a:effectRef idx="1">
+              <a:schemeClr val="accent1"/>
+            </a:effectRef>
+            <a:fontRef idx="minor">
+              <a:schemeClr val="tx1"/>
+            </a:fontRef>
+          </p:style>
+        </p:cxnSp>
+      </p:grpSp>
+      <p:sp>
+        <p:nvSpPr>
+          <p:cNvPr id="19" name="平行四边形 18"/>
+          <p:cNvSpPr/>
+          <p:nvPr/>
+        </p:nvSpPr>
+        <p:spPr>
+          <a:xfrm rot="16200000" flipH="1">
+            <a:off x="7837805" y="3357245"/>
+            <a:ext cx="1434465" cy="525145"/>
+          </a:xfrm>
+          <a:prstGeom prst="parallelogram">
+            <a:avLst>
+              <a:gd name="adj" fmla="val 96851"/>
+            </a:avLst>
+          </a:prstGeom>
+          <a:solidFill>
+            <a:schemeClr val="bg1"/>
+          </a:solidFill>
+          <a:ln>
+            <a:solidFill>
+              <a:schemeClr val="accent6"/>
+            </a:solidFill>
+          </a:ln>
+        </p:spPr>
+        <p:style>
+          <a:lnRef idx="2">
+            <a:schemeClr val="accent1">
+              <a:shade val="50000"/>
+            </a:schemeClr>
+          </a:lnRef>
+          <a:fillRef idx="1">
+            <a:schemeClr val="accent1"/>
+          </a:fillRef>
+          <a:effectRef idx="0">
+            <a:schemeClr val="accent1"/>
+          </a:effectRef>
+          <a:fontRef idx="minor">
+            <a:schemeClr val="lt1"/>
+          </a:fontRef>
+        </p:style>
+        <p:txBody>
+          <a:bodyPr rtlCol="0" anchor="ctr"/>
+          <a:p>
+            <a:pPr algn="ctr"/>
+            <a:endParaRPr lang="zh-CN" altLang="en-US"/>
+          </a:p>
+        </p:txBody>
+      </p:sp>
+      <p:cxnSp>
+        <p:nvCxnSpPr>
+          <p:cNvPr id="20" name="直接连接符 19"/>
+          <p:cNvCxnSpPr/>
+          <p:nvPr/>
+        </p:nvCxnSpPr>
+        <p:spPr>
+          <a:xfrm>
+            <a:off x="8555355" y="3156585"/>
+            <a:ext cx="0" cy="926465"/>
+          </a:xfrm>
+          <a:prstGeom prst="line">
+            <a:avLst/>
+          </a:prstGeom>
+          <a:ln>
+            <a:solidFill>
+              <a:schemeClr val="accent6"/>
+            </a:solidFill>
+          </a:ln>
+        </p:spPr>
+        <p:style>
+          <a:lnRef idx="2">
+            <a:schemeClr val="accent1"/>
+          </a:lnRef>
+          <a:fillRef idx="0">
+            <a:schemeClr val="accent1"/>
+          </a:fillRef>
+          <a:effectRef idx="1">
+            <a:schemeClr val="accent1"/>
+          </a:effectRef>
+          <a:fontRef idx="minor">
+            <a:schemeClr val="tx1"/>
+          </a:fontRef>
+        </p:style>
+      </p:cxnSp>
+      <p:cxnSp>
+        <p:nvCxnSpPr>
+          <p:cNvPr id="21" name="直接连接符 20"/>
+          <p:cNvCxnSpPr/>
+          <p:nvPr/>
+        </p:nvCxnSpPr>
+        <p:spPr>
+          <a:xfrm flipV="1">
+            <a:off x="8292465" y="3365500"/>
+            <a:ext cx="525145" cy="508635"/>
+          </a:xfrm>
+          <a:prstGeom prst="line">
+            <a:avLst/>
+          </a:prstGeom>
+          <a:ln>
+            <a:solidFill>
+              <a:schemeClr val="accent6"/>
+            </a:solidFill>
+          </a:ln>
+        </p:spPr>
+        <p:style>
+          <a:lnRef idx="2">
+            <a:schemeClr val="accent1"/>
+          </a:lnRef>
+          <a:fillRef idx="0">
+            <a:schemeClr val="accent1"/>
+          </a:fillRef>
+          <a:effectRef idx="1">
+            <a:schemeClr val="accent1"/>
+          </a:effectRef>
+          <a:fontRef idx="minor">
+            <a:schemeClr val="tx1"/>
+          </a:fontRef>
+        </p:style>
+      </p:cxnSp>
+      <p:sp>
+        <p:nvSpPr>
+          <p:cNvPr id="23" name="平行四边形 22"/>
+          <p:cNvSpPr/>
+          <p:nvPr/>
+        </p:nvSpPr>
+        <p:spPr>
+          <a:xfrm rot="16200000" flipH="1">
+            <a:off x="7417435" y="4969510"/>
+            <a:ext cx="1434465" cy="525145"/>
+          </a:xfrm>
+          <a:prstGeom prst="parallelogram">
+            <a:avLst>
+              <a:gd name="adj" fmla="val 96851"/>
+            </a:avLst>
+          </a:prstGeom>
+          <a:solidFill>
+            <a:schemeClr val="bg1"/>
+          </a:solidFill>
+          <a:ln>
+            <a:solidFill>
+              <a:schemeClr val="tx1">
+                <a:lumMod val="50000"/>
+                <a:lumOff val="50000"/>
+              </a:schemeClr>
+            </a:solidFill>
+          </a:ln>
+        </p:spPr>
+        <p:style>
+          <a:lnRef idx="2">
+            <a:schemeClr val="accent1">
+              <a:shade val="50000"/>
+            </a:schemeClr>
+          </a:lnRef>
+          <a:fillRef idx="1">
+            <a:schemeClr val="accent1"/>
+          </a:fillRef>
+          <a:effectRef idx="0">
+            <a:schemeClr val="accent1"/>
+          </a:effectRef>
+          <a:fontRef idx="minor">
+            <a:schemeClr val="lt1"/>
+          </a:fontRef>
+        </p:style>
+        <p:txBody>
+          <a:bodyPr rtlCol="0" anchor="ctr"/>
+          <a:p>
+            <a:pPr algn="ctr"/>
+            <a:endParaRPr lang="zh-CN" altLang="en-US"/>
+          </a:p>
+        </p:txBody>
+      </p:sp>
+      <p:sp>
+        <p:nvSpPr>
+          <p:cNvPr id="26" name="平行四边形 25"/>
+          <p:cNvSpPr/>
+          <p:nvPr/>
+        </p:nvSpPr>
+        <p:spPr>
+          <a:xfrm rot="16200000" flipH="1">
+            <a:off x="7559040" y="4969510"/>
+            <a:ext cx="1434465" cy="525145"/>
+          </a:xfrm>
+          <a:prstGeom prst="parallelogram">
+            <a:avLst>
+              <a:gd name="adj" fmla="val 96851"/>
+            </a:avLst>
+          </a:prstGeom>
+          <a:solidFill>
+            <a:schemeClr val="bg1"/>
+          </a:solidFill>
+          <a:ln>
+            <a:solidFill>
+              <a:schemeClr val="tx1">
+                <a:lumMod val="50000"/>
+                <a:lumOff val="50000"/>
+              </a:schemeClr>
+            </a:solidFill>
+          </a:ln>
+        </p:spPr>
+        <p:style>
+          <a:lnRef idx="2">
+            <a:schemeClr val="accent1">
+              <a:shade val="50000"/>
+            </a:schemeClr>
+          </a:lnRef>
+          <a:fillRef idx="1">
+            <a:schemeClr val="accent1"/>
+          </a:fillRef>
+          <a:effectRef idx="0">
+            <a:schemeClr val="accent1"/>
+          </a:effectRef>
+          <a:fontRef idx="minor">
+            <a:schemeClr val="lt1"/>
+          </a:fontRef>
+        </p:style>
+        <p:txBody>
+          <a:bodyPr rtlCol="0" anchor="ctr"/>
+          <a:p>
+            <a:pPr algn="ctr"/>
+            <a:endParaRPr lang="zh-CN" altLang="en-US"/>
+          </a:p>
+        </p:txBody>
+      </p:sp>
+      <p:sp>
+        <p:nvSpPr>
+          <p:cNvPr id="27" name="平行四边形 26"/>
+          <p:cNvSpPr/>
+          <p:nvPr/>
+        </p:nvSpPr>
+        <p:spPr>
+          <a:xfrm rot="16200000" flipH="1">
+            <a:off x="7677785" y="4969510"/>
+            <a:ext cx="1434465" cy="525145"/>
+          </a:xfrm>
+          <a:prstGeom prst="parallelogram">
+            <a:avLst>
+              <a:gd name="adj" fmla="val 96851"/>
+            </a:avLst>
+          </a:prstGeom>
+          <a:solidFill>
+            <a:schemeClr val="bg1"/>
+          </a:solidFill>
+          <a:ln>
+            <a:solidFill>
+              <a:schemeClr val="tx1">
+                <a:lumMod val="50000"/>
+                <a:lumOff val="50000"/>
+              </a:schemeClr>
+            </a:solidFill>
+          </a:ln>
+        </p:spPr>
+        <p:style>
+          <a:lnRef idx="2">
+            <a:schemeClr val="accent1">
+              <a:shade val="50000"/>
+            </a:schemeClr>
+          </a:lnRef>
+          <a:fillRef idx="1">
+            <a:schemeClr val="accent1"/>
+          </a:fillRef>
+          <a:effectRef idx="0">
+            <a:schemeClr val="accent1"/>
+          </a:effectRef>
+          <a:fontRef idx="minor">
+            <a:schemeClr val="lt1"/>
+          </a:fontRef>
+        </p:style>
+        <p:txBody>
+          <a:bodyPr rtlCol="0" anchor="ctr"/>
+          <a:p>
+            <a:pPr algn="ctr"/>
+            <a:endParaRPr lang="zh-CN" altLang="en-US"/>
+          </a:p>
+        </p:txBody>
+      </p:sp>
+      <p:sp>
+        <p:nvSpPr>
+          <p:cNvPr id="28" name="平行四边形 27"/>
+          <p:cNvSpPr/>
+          <p:nvPr/>
+        </p:nvSpPr>
+        <p:spPr>
+          <a:xfrm rot="16200000" flipH="1">
+            <a:off x="7800975" y="4969510"/>
+            <a:ext cx="1434465" cy="525145"/>
+          </a:xfrm>
+          <a:prstGeom prst="parallelogram">
+            <a:avLst>
+              <a:gd name="adj" fmla="val 96851"/>
+            </a:avLst>
+          </a:prstGeom>
+          <a:solidFill>
+            <a:schemeClr val="bg1"/>
+          </a:solidFill>
+          <a:ln>
+            <a:solidFill>
+              <a:schemeClr val="tx1">
+                <a:lumMod val="50000"/>
+                <a:lumOff val="50000"/>
+              </a:schemeClr>
+            </a:solidFill>
+          </a:ln>
+        </p:spPr>
+        <p:style>
+          <a:lnRef idx="2">
+            <a:schemeClr val="accent1">
+              <a:shade val="50000"/>
+            </a:schemeClr>
+          </a:lnRef>
+          <a:fillRef idx="1">
+            <a:schemeClr val="accent1"/>
+          </a:fillRef>
+          <a:effectRef idx="0">
+            <a:schemeClr val="accent1"/>
+          </a:effectRef>
+          <a:fontRef idx="minor">
+            <a:schemeClr val="lt1"/>
+          </a:fontRef>
+        </p:style>
+        <p:txBody>
+          <a:bodyPr rtlCol="0" anchor="ctr"/>
+          <a:p>
+            <a:pPr algn="ctr"/>
+            <a:endParaRPr lang="zh-CN" altLang="en-US"/>
+          </a:p>
+        </p:txBody>
+      </p:sp>
+      <p:sp>
+        <p:nvSpPr>
+          <p:cNvPr id="29" name="矩形 28"/>
+          <p:cNvSpPr/>
+          <p:nvPr/>
+        </p:nvSpPr>
+        <p:spPr>
+          <a:xfrm>
+            <a:off x="9348470" y="1324610"/>
+            <a:ext cx="76200" cy="207645"/>
+          </a:xfrm>
+          <a:prstGeom prst="rect">
+            <a:avLst/>
+          </a:prstGeom>
+        </p:spPr>
+        <p:style>
+          <a:lnRef idx="2">
+            <a:schemeClr val="accent1">
+              <a:shade val="50000"/>
+            </a:schemeClr>
+          </a:lnRef>
+          <a:fillRef idx="1">
+            <a:schemeClr val="accent1"/>
+          </a:fillRef>
+          <a:effectRef idx="0">
+            <a:schemeClr val="accent1"/>
+          </a:effectRef>
+          <a:fontRef idx="minor">
+            <a:schemeClr val="lt1"/>
+          </a:fontRef>
+        </p:style>
+        <p:txBody>
+          <a:bodyPr rtlCol="0" anchor="ctr"/>
+          <a:p>
+            <a:pPr algn="ctr"/>
+            <a:endParaRPr lang="zh-CN" altLang="en-US"/>
+          </a:p>
+        </p:txBody>
+      </p:sp>
+      <p:sp>
+        <p:nvSpPr>
+          <p:cNvPr id="30" name="矩形 29"/>
+          <p:cNvSpPr/>
+          <p:nvPr/>
+        </p:nvSpPr>
+        <p:spPr>
+          <a:xfrm>
+            <a:off x="9348470" y="1581150"/>
+            <a:ext cx="76200" cy="207645"/>
+          </a:xfrm>
+          <a:prstGeom prst="rect">
+            <a:avLst/>
+          </a:prstGeom>
+        </p:spPr>
+        <p:style>
+          <a:lnRef idx="2">
+            <a:schemeClr val="accent1">
+              <a:shade val="50000"/>
+            </a:schemeClr>
+          </a:lnRef>
+          <a:fillRef idx="1">
+            <a:schemeClr val="accent1"/>
+          </a:fillRef>
+          <a:effectRef idx="0">
+            <a:schemeClr val="accent1"/>
+          </a:effectRef>
+          <a:fontRef idx="minor">
+            <a:schemeClr val="lt1"/>
+          </a:fontRef>
+        </p:style>
+        <p:txBody>
+          <a:bodyPr rtlCol="0" anchor="ctr"/>
+          <a:p>
+            <a:pPr algn="ctr"/>
+            <a:endParaRPr lang="zh-CN" altLang="en-US"/>
+          </a:p>
+        </p:txBody>
+      </p:sp>
+      <p:sp>
+        <p:nvSpPr>
+          <p:cNvPr id="31" name="矩形 30"/>
+          <p:cNvSpPr/>
+          <p:nvPr/>
+        </p:nvSpPr>
+        <p:spPr>
+          <a:xfrm>
+            <a:off x="9348470" y="2067560"/>
+            <a:ext cx="76200" cy="207645"/>
+          </a:xfrm>
+          <a:prstGeom prst="rect">
+            <a:avLst/>
+          </a:prstGeom>
+        </p:spPr>
+        <p:style>
+          <a:lnRef idx="2">
+            <a:schemeClr val="accent1">
+              <a:shade val="50000"/>
+            </a:schemeClr>
+          </a:lnRef>
+          <a:fillRef idx="1">
+            <a:schemeClr val="accent1"/>
+          </a:fillRef>
+          <a:effectRef idx="0">
+            <a:schemeClr val="accent1"/>
+          </a:effectRef>
+          <a:fontRef idx="minor">
+            <a:schemeClr val="lt1"/>
+          </a:fontRef>
+        </p:style>
+        <p:txBody>
+          <a:bodyPr rtlCol="0" anchor="ctr"/>
+          <a:p>
+            <a:pPr algn="ctr"/>
+            <a:endParaRPr lang="zh-CN" altLang="en-US"/>
+          </a:p>
+        </p:txBody>
+      </p:sp>
+      <p:sp>
+        <p:nvSpPr>
+          <p:cNvPr id="32" name="矩形 31"/>
+          <p:cNvSpPr/>
+          <p:nvPr/>
+        </p:nvSpPr>
+        <p:spPr>
+          <a:xfrm>
+            <a:off x="9348470" y="2324100"/>
+            <a:ext cx="76200" cy="207645"/>
+          </a:xfrm>
+          <a:prstGeom prst="rect">
+            <a:avLst/>
+          </a:prstGeom>
+        </p:spPr>
+        <p:style>
+          <a:lnRef idx="2">
+            <a:schemeClr val="accent1">
+              <a:shade val="50000"/>
+            </a:schemeClr>
+          </a:lnRef>
+          <a:fillRef idx="1">
+            <a:schemeClr val="accent1"/>
+          </a:fillRef>
+          <a:effectRef idx="0">
+            <a:schemeClr val="accent1"/>
+          </a:effectRef>
+          <a:fontRef idx="minor">
+            <a:schemeClr val="lt1"/>
+          </a:fontRef>
+        </p:style>
+        <p:txBody>
+          <a:bodyPr rtlCol="0" anchor="ctr"/>
+          <a:p>
+            <a:pPr algn="ctr"/>
+            <a:endParaRPr lang="zh-CN" altLang="en-US"/>
+          </a:p>
+        </p:txBody>
+      </p:sp>
+      <p:sp>
+        <p:nvSpPr>
+          <p:cNvPr id="33" name="矩形 32"/>
+          <p:cNvSpPr/>
+          <p:nvPr/>
+        </p:nvSpPr>
+        <p:spPr>
+          <a:xfrm>
+            <a:off x="9348470" y="3107690"/>
+            <a:ext cx="76200" cy="207645"/>
+          </a:xfrm>
+          <a:prstGeom prst="rect">
+            <a:avLst/>
+          </a:prstGeom>
+          <a:solidFill>
+            <a:schemeClr val="accent6"/>
+          </a:solidFill>
+          <a:ln>
+            <a:solidFill>
+              <a:schemeClr val="accent6"/>
+            </a:solidFill>
+          </a:ln>
+        </p:spPr>
+        <p:style>
+          <a:lnRef idx="2">
+            <a:schemeClr val="accent1">
+              <a:shade val="50000"/>
+            </a:schemeClr>
+          </a:lnRef>
+          <a:fillRef idx="1">
+            <a:schemeClr val="accent1"/>
+          </a:fillRef>
+          <a:effectRef idx="0">
+            <a:schemeClr val="accent1"/>
+          </a:effectRef>
+          <a:fontRef idx="minor">
+            <a:schemeClr val="lt1"/>
+          </a:fontRef>
+        </p:style>
+        <p:txBody>
+          <a:bodyPr rtlCol="0" anchor="ctr"/>
+          <a:p>
+            <a:pPr algn="ctr"/>
+            <a:endParaRPr lang="zh-CN" altLang="en-US"/>
+          </a:p>
+        </p:txBody>
+      </p:sp>
+      <p:sp>
+        <p:nvSpPr>
+          <p:cNvPr id="34" name="矩形 33"/>
+          <p:cNvSpPr/>
+          <p:nvPr/>
+        </p:nvSpPr>
+        <p:spPr>
+          <a:xfrm>
+            <a:off x="9348470" y="3364230"/>
+            <a:ext cx="76200" cy="207645"/>
+          </a:xfrm>
+          <a:prstGeom prst="rect">
+            <a:avLst/>
+          </a:prstGeom>
+          <a:solidFill>
+            <a:schemeClr val="accent6"/>
+          </a:solidFill>
+          <a:ln>
+            <a:solidFill>
+              <a:schemeClr val="accent6"/>
+            </a:solidFill>
+          </a:ln>
+        </p:spPr>
+        <p:style>
+          <a:lnRef idx="2">
+            <a:schemeClr val="accent1">
+              <a:shade val="50000"/>
+            </a:schemeClr>
+          </a:lnRef>
+          <a:fillRef idx="1">
+            <a:schemeClr val="accent1"/>
+          </a:fillRef>
+          <a:effectRef idx="0">
+            <a:schemeClr val="accent1"/>
+          </a:effectRef>
+          <a:fontRef idx="minor">
+            <a:schemeClr val="lt1"/>
+          </a:fontRef>
+        </p:style>
+        <p:txBody>
+          <a:bodyPr rtlCol="0" anchor="ctr"/>
+          <a:p>
+            <a:pPr algn="ctr"/>
+            <a:endParaRPr lang="zh-CN" altLang="en-US"/>
+          </a:p>
+        </p:txBody>
+      </p:sp>
+      <p:sp>
+        <p:nvSpPr>
+          <p:cNvPr id="35" name="矩形 34"/>
+          <p:cNvSpPr/>
+          <p:nvPr/>
+        </p:nvSpPr>
+        <p:spPr>
+          <a:xfrm>
+            <a:off x="9348470" y="3637280"/>
+            <a:ext cx="76200" cy="207645"/>
+          </a:xfrm>
+          <a:prstGeom prst="rect">
+            <a:avLst/>
+          </a:prstGeom>
+          <a:solidFill>
+            <a:schemeClr val="accent6"/>
+          </a:solidFill>
+          <a:ln>
+            <a:solidFill>
+              <a:schemeClr val="accent6"/>
+            </a:solidFill>
+          </a:ln>
+        </p:spPr>
+        <p:style>
+          <a:lnRef idx="2">
+            <a:schemeClr val="accent1">
+              <a:shade val="50000"/>
+            </a:schemeClr>
+          </a:lnRef>
+          <a:fillRef idx="1">
+            <a:schemeClr val="accent1"/>
+          </a:fillRef>
+          <a:effectRef idx="0">
+            <a:schemeClr val="accent1"/>
+          </a:effectRef>
+          <a:fontRef idx="minor">
+            <a:schemeClr val="lt1"/>
+          </a:fontRef>
+        </p:style>
+        <p:txBody>
+          <a:bodyPr rtlCol="0" anchor="ctr"/>
+          <a:p>
+            <a:pPr algn="ctr"/>
+            <a:endParaRPr lang="zh-CN" altLang="en-US"/>
+          </a:p>
+        </p:txBody>
+      </p:sp>
+      <p:sp>
+        <p:nvSpPr>
+          <p:cNvPr id="36" name="矩形 35"/>
+          <p:cNvSpPr/>
+          <p:nvPr/>
+        </p:nvSpPr>
+        <p:spPr>
+          <a:xfrm>
+            <a:off x="9348470" y="3893820"/>
+            <a:ext cx="76200" cy="207645"/>
+          </a:xfrm>
+          <a:prstGeom prst="rect">
+            <a:avLst/>
+          </a:prstGeom>
+          <a:solidFill>
+            <a:schemeClr val="accent6"/>
+          </a:solidFill>
+          <a:ln>
+            <a:solidFill>
+              <a:schemeClr val="accent6"/>
+            </a:solidFill>
+          </a:ln>
+        </p:spPr>
+        <p:style>
+          <a:lnRef idx="2">
+            <a:schemeClr val="accent1">
+              <a:shade val="50000"/>
+            </a:schemeClr>
+          </a:lnRef>
+          <a:fillRef idx="1">
+            <a:schemeClr val="accent1"/>
+          </a:fillRef>
+          <a:effectRef idx="0">
+            <a:schemeClr val="accent1"/>
+          </a:effectRef>
+          <a:fontRef idx="minor">
+            <a:schemeClr val="lt1"/>
+          </a:fontRef>
+        </p:style>
+        <p:txBody>
+          <a:bodyPr rtlCol="0" anchor="ctr"/>
+          <a:p>
+            <a:pPr algn="ctr"/>
+            <a:endParaRPr lang="zh-CN" altLang="en-US"/>
+          </a:p>
+        </p:txBody>
+      </p:sp>
+      <p:sp>
+        <p:nvSpPr>
+          <p:cNvPr id="37" name="矩形 36"/>
+          <p:cNvSpPr/>
+          <p:nvPr/>
+        </p:nvSpPr>
+        <p:spPr>
+          <a:xfrm>
+            <a:off x="9348470" y="5092700"/>
+            <a:ext cx="76200" cy="207645"/>
+          </a:xfrm>
+          <a:prstGeom prst="rect">
+            <a:avLst/>
+          </a:prstGeom>
+          <a:solidFill>
+            <a:schemeClr val="tx1">
+              <a:lumMod val="50000"/>
+              <a:lumOff val="50000"/>
+            </a:schemeClr>
+          </a:solidFill>
+          <a:ln>
+            <a:solidFill>
+              <a:schemeClr val="tx1">
+                <a:lumMod val="50000"/>
+                <a:lumOff val="50000"/>
+              </a:schemeClr>
+            </a:solidFill>
+          </a:ln>
+        </p:spPr>
+        <p:style>
+          <a:lnRef idx="2">
+            <a:schemeClr val="accent1">
+              <a:shade val="50000"/>
+            </a:schemeClr>
+          </a:lnRef>
+          <a:fillRef idx="1">
+            <a:schemeClr val="accent1"/>
+          </a:fillRef>
+          <a:effectRef idx="0">
+            <a:schemeClr val="accent1"/>
+          </a:effectRef>
+          <a:fontRef idx="minor">
+            <a:schemeClr val="lt1"/>
+          </a:fontRef>
+        </p:style>
+        <p:txBody>
+          <a:bodyPr rtlCol="0" anchor="ctr"/>
+          <a:p>
+            <a:pPr algn="ctr"/>
+            <a:endParaRPr lang="zh-CN" altLang="en-US"/>
+          </a:p>
+        </p:txBody>
+      </p:sp>
+      <p:sp>
+        <p:nvSpPr>
+          <p:cNvPr id="38" name="文本框 37"/>
+          <p:cNvSpPr txBox="1"/>
+          <p:nvPr/>
+        </p:nvSpPr>
+        <p:spPr>
+          <a:xfrm>
+            <a:off x="9159240" y="1639570"/>
+            <a:ext cx="459740" cy="400685"/>
+          </a:xfrm>
+          <a:prstGeom prst="rect">
+            <a:avLst/>
+          </a:prstGeom>
+          <a:noFill/>
+        </p:spPr>
+        <p:txBody>
+          <a:bodyPr vert="eaVert" wrap="square" rtlCol="0">
+            <a:spAutoFit/>
+          </a:bodyPr>
+          <a:p>
+            <a:pPr algn="ctr"/>
+            <a:r>
+              <a:rPr lang="en-US" altLang="zh-CN" b="1">
+                <a:latin typeface="微软雅黑" panose="020B0503020204020204" charset="-122"/>
+                <a:ea typeface="微软雅黑" panose="020B0503020204020204" charset="-122"/>
+              </a:rPr>
+              <a:t>...</a:t>
+            </a:r>
+            <a:endParaRPr lang="en-US" altLang="zh-CN" b="1">
+              <a:latin typeface="微软雅黑" panose="020B0503020204020204" charset="-122"/>
+              <a:ea typeface="微软雅黑" panose="020B0503020204020204" charset="-122"/>
+            </a:endParaRPr>
+          </a:p>
+        </p:txBody>
+      </p:sp>
+      <p:sp>
+        <p:nvSpPr>
+          <p:cNvPr id="40" name="文本框 39"/>
+          <p:cNvSpPr txBox="1"/>
+          <p:nvPr/>
+        </p:nvSpPr>
+        <p:spPr>
+          <a:xfrm>
+            <a:off x="8764905" y="2563495"/>
+            <a:ext cx="1116330" cy="306705"/>
+          </a:xfrm>
+          <a:prstGeom prst="rect">
+            <a:avLst/>
+          </a:prstGeom>
+          <a:noFill/>
+        </p:spPr>
+        <p:txBody>
+          <a:bodyPr wrap="square" rtlCol="0">
+            <a:spAutoFit/>
+          </a:bodyPr>
+          <a:p>
+            <a:pPr algn="ctr"/>
+            <a:r>
+              <a:rPr lang="en-US" sz="1400">
+                <a:latin typeface="微软雅黑" panose="020B0503020204020204" charset="-122"/>
+                <a:ea typeface="微软雅黑" panose="020B0503020204020204" charset="-122"/>
+              </a:rPr>
+              <a:t>16x256-d</a:t>
+            </a:r>
+            <a:endParaRPr lang="zh-CN" altLang="en-US" sz="1400">
+              <a:latin typeface="微软雅黑" panose="020B0503020204020204" charset="-122"/>
+              <a:ea typeface="微软雅黑" panose="020B0503020204020204" charset="-122"/>
+            </a:endParaRPr>
+          </a:p>
+        </p:txBody>
+      </p:sp>
+      <p:sp>
+        <p:nvSpPr>
+          <p:cNvPr id="41" name="右箭头 40"/>
+          <p:cNvSpPr/>
+          <p:nvPr/>
+        </p:nvSpPr>
+        <p:spPr>
+          <a:xfrm>
+            <a:off x="8907145" y="1826260"/>
+            <a:ext cx="252095" cy="360045"/>
+          </a:xfrm>
+          <a:prstGeom prst="rightArrow">
+            <a:avLst/>
+          </a:prstGeom>
+          <a:solidFill>
+            <a:schemeClr val="accent4">
+              <a:lumMod val="40000"/>
+              <a:lumOff val="60000"/>
+            </a:schemeClr>
+          </a:solidFill>
+        </p:spPr>
+        <p:style>
+          <a:lnRef idx="3">
+            <a:schemeClr val="lt1"/>
+          </a:lnRef>
+          <a:fillRef idx="1">
+            <a:schemeClr val="accent1"/>
+          </a:fillRef>
+          <a:effectRef idx="1">
+            <a:schemeClr val="accent1"/>
+          </a:effectRef>
+          <a:fontRef idx="minor">
+            <a:schemeClr val="lt1"/>
+          </a:fontRef>
+        </p:style>
+        <p:txBody>
+          <a:bodyPr rtlCol="0" anchor="ctr"/>
+          <a:p>
+            <a:pPr algn="ctr"/>
+            <a:endParaRPr lang="zh-CN" altLang="en-US"/>
+          </a:p>
+        </p:txBody>
+      </p:sp>
+      <p:sp>
+        <p:nvSpPr>
+          <p:cNvPr id="42" name="文本框 41"/>
+          <p:cNvSpPr txBox="1"/>
+          <p:nvPr/>
+        </p:nvSpPr>
+        <p:spPr>
+          <a:xfrm>
+            <a:off x="8773795" y="4101465"/>
+            <a:ext cx="1116330" cy="306705"/>
+          </a:xfrm>
+          <a:prstGeom prst="rect">
+            <a:avLst/>
+          </a:prstGeom>
+          <a:noFill/>
+        </p:spPr>
+        <p:txBody>
+          <a:bodyPr wrap="square" rtlCol="0">
+            <a:spAutoFit/>
+          </a:bodyPr>
+          <a:p>
+            <a:pPr algn="ctr"/>
+            <a:r>
+              <a:rPr lang="en-US" sz="1400">
+                <a:latin typeface="微软雅黑" panose="020B0503020204020204" charset="-122"/>
+                <a:ea typeface="微软雅黑" panose="020B0503020204020204" charset="-122"/>
+              </a:rPr>
+              <a:t>4x256-d</a:t>
+            </a:r>
+            <a:endParaRPr lang="zh-CN" altLang="en-US" sz="1400">
+              <a:latin typeface="微软雅黑" panose="020B0503020204020204" charset="-122"/>
+              <a:ea typeface="微软雅黑" panose="020B0503020204020204" charset="-122"/>
+            </a:endParaRPr>
+          </a:p>
+        </p:txBody>
+      </p:sp>
+      <p:sp>
+        <p:nvSpPr>
+          <p:cNvPr id="43" name="文本框 42"/>
+          <p:cNvSpPr txBox="1"/>
+          <p:nvPr/>
+        </p:nvSpPr>
+        <p:spPr>
+          <a:xfrm>
+            <a:off x="8790305" y="5300345"/>
+            <a:ext cx="1116330" cy="306705"/>
+          </a:xfrm>
+          <a:prstGeom prst="rect">
+            <a:avLst/>
+          </a:prstGeom>
+          <a:noFill/>
+        </p:spPr>
+        <p:txBody>
+          <a:bodyPr wrap="square" rtlCol="0">
+            <a:spAutoFit/>
+          </a:bodyPr>
+          <a:p>
+            <a:pPr algn="ctr"/>
+            <a:r>
+              <a:rPr lang="en-US" sz="1400">
+                <a:latin typeface="微软雅黑" panose="020B0503020204020204" charset="-122"/>
+                <a:ea typeface="微软雅黑" panose="020B0503020204020204" charset="-122"/>
+              </a:rPr>
+              <a:t>256-d</a:t>
+            </a:r>
+            <a:endParaRPr lang="zh-CN" altLang="en-US" sz="1400">
+              <a:latin typeface="微软雅黑" panose="020B0503020204020204" charset="-122"/>
+              <a:ea typeface="微软雅黑" panose="020B0503020204020204" charset="-122"/>
+            </a:endParaRPr>
+          </a:p>
+        </p:txBody>
+      </p:sp>
+      <p:sp>
+        <p:nvSpPr>
+          <p:cNvPr id="44" name="右箭头 43"/>
+          <p:cNvSpPr/>
+          <p:nvPr/>
+        </p:nvSpPr>
+        <p:spPr>
+          <a:xfrm>
+            <a:off x="8907145" y="3439795"/>
+            <a:ext cx="252095" cy="360045"/>
+          </a:xfrm>
+          <a:prstGeom prst="rightArrow">
+            <a:avLst/>
+          </a:prstGeom>
+          <a:solidFill>
+            <a:schemeClr val="accent4">
+              <a:lumMod val="40000"/>
+              <a:lumOff val="60000"/>
+            </a:schemeClr>
+          </a:solidFill>
+        </p:spPr>
+        <p:style>
+          <a:lnRef idx="3">
+            <a:schemeClr val="lt1"/>
+          </a:lnRef>
+          <a:fillRef idx="1">
+            <a:schemeClr val="accent1"/>
+          </a:fillRef>
+          <a:effectRef idx="1">
+            <a:schemeClr val="accent1"/>
+          </a:effectRef>
+          <a:fontRef idx="minor">
+            <a:schemeClr val="lt1"/>
+          </a:fontRef>
+        </p:style>
+        <p:txBody>
+          <a:bodyPr rtlCol="0" anchor="ctr"/>
+          <a:p>
+            <a:pPr algn="ctr"/>
+            <a:endParaRPr lang="zh-CN" altLang="en-US"/>
+          </a:p>
+        </p:txBody>
+      </p:sp>
+      <p:sp>
+        <p:nvSpPr>
+          <p:cNvPr id="45" name="右箭头 44"/>
+          <p:cNvSpPr/>
+          <p:nvPr/>
+        </p:nvSpPr>
+        <p:spPr>
+          <a:xfrm>
+            <a:off x="8907145" y="5016500"/>
+            <a:ext cx="252095" cy="360045"/>
+          </a:xfrm>
+          <a:prstGeom prst="rightArrow">
+            <a:avLst/>
+          </a:prstGeom>
+          <a:solidFill>
+            <a:schemeClr val="accent4">
+              <a:lumMod val="40000"/>
+              <a:lumOff val="60000"/>
+            </a:schemeClr>
+          </a:solidFill>
+        </p:spPr>
+        <p:style>
+          <a:lnRef idx="3">
+            <a:schemeClr val="lt1"/>
+          </a:lnRef>
+          <a:fillRef idx="1">
+            <a:schemeClr val="accent1"/>
+          </a:fillRef>
+          <a:effectRef idx="1">
+            <a:schemeClr val="accent1"/>
+          </a:effectRef>
+          <a:fontRef idx="minor">
+            <a:schemeClr val="lt1"/>
+          </a:fontRef>
+        </p:style>
+        <p:txBody>
+          <a:bodyPr rtlCol="0" anchor="ctr"/>
+          <a:p>
+            <a:pPr algn="ctr"/>
+            <a:endParaRPr lang="zh-CN" altLang="en-US"/>
+          </a:p>
+        </p:txBody>
+      </p:sp>
+      <p:grpSp>
+        <p:nvGrpSpPr>
+          <p:cNvPr id="51" name="组合 50"/>
+          <p:cNvGrpSpPr/>
+          <p:nvPr/>
+        </p:nvGrpSpPr>
+        <p:grpSpPr>
+          <a:xfrm>
+            <a:off x="9950450" y="2380615"/>
+            <a:ext cx="459740" cy="1206500"/>
+            <a:chOff x="15243" y="2572"/>
+            <a:chExt cx="724" cy="1900"/>
+          </a:xfrm>
+        </p:grpSpPr>
+        <p:sp>
+          <p:nvSpPr>
+            <p:cNvPr id="46" name="矩形 45"/>
+            <p:cNvSpPr/>
+            <p:nvPr/>
+          </p:nvSpPr>
+          <p:spPr>
+            <a:xfrm>
+              <a:off x="15541" y="2572"/>
+              <a:ext cx="120" cy="327"/>
+            </a:xfrm>
+            <a:prstGeom prst="rect">
+              <a:avLst/>
+            </a:prstGeom>
+          </p:spPr>
+          <p:style>
+            <a:lnRef idx="2">
+              <a:schemeClr val="accent1">
+                <a:shade val="50000"/>
+              </a:schemeClr>
+            </a:lnRef>
+            <a:fillRef idx="1">
+              <a:schemeClr val="accent1"/>
+            </a:fillRef>
+            <a:effectRef idx="0">
+              <a:schemeClr val="accent1"/>
+            </a:effectRef>
+            <a:fontRef idx="minor">
+              <a:schemeClr val="lt1"/>
+            </a:fontRef>
+          </p:style>
+          <p:txBody>
+            <a:bodyPr rtlCol="0" anchor="ctr"/>
+            <a:p>
+              <a:pPr algn="ctr"/>
+              <a:endParaRPr lang="zh-CN" altLang="en-US"/>
+            </a:p>
+          </p:txBody>
+        </p:sp>
+        <p:sp>
+          <p:nvSpPr>
+            <p:cNvPr id="47" name="矩形 46"/>
+            <p:cNvSpPr/>
+            <p:nvPr/>
+          </p:nvSpPr>
+          <p:spPr>
+            <a:xfrm>
+              <a:off x="15541" y="2976"/>
+              <a:ext cx="120" cy="327"/>
+            </a:xfrm>
+            <a:prstGeom prst="rect">
+              <a:avLst/>
+            </a:prstGeom>
+          </p:spPr>
+          <p:style>
+            <a:lnRef idx="2">
+              <a:schemeClr val="accent1">
+                <a:shade val="50000"/>
+              </a:schemeClr>
+            </a:lnRef>
+            <a:fillRef idx="1">
+              <a:schemeClr val="accent1"/>
+            </a:fillRef>
+            <a:effectRef idx="0">
+              <a:schemeClr val="accent1"/>
+            </a:effectRef>
+            <a:fontRef idx="minor">
+              <a:schemeClr val="lt1"/>
+            </a:fontRef>
+          </p:style>
+          <p:txBody>
+            <a:bodyPr rtlCol="0" anchor="ctr"/>
+            <a:p>
+              <a:pPr algn="ctr"/>
+              <a:endParaRPr lang="zh-CN" altLang="en-US"/>
+            </a:p>
+          </p:txBody>
+        </p:sp>
+        <p:sp>
+          <p:nvSpPr>
+            <p:cNvPr id="48" name="矩形 47"/>
+            <p:cNvSpPr/>
+            <p:nvPr/>
+          </p:nvSpPr>
+          <p:spPr>
+            <a:xfrm>
+              <a:off x="15541" y="3742"/>
+              <a:ext cx="120" cy="327"/>
+            </a:xfrm>
+            <a:prstGeom prst="rect">
+              <a:avLst/>
+            </a:prstGeom>
+          </p:spPr>
+          <p:style>
+            <a:lnRef idx="2">
+              <a:schemeClr val="accent1">
+                <a:shade val="50000"/>
+              </a:schemeClr>
+            </a:lnRef>
+            <a:fillRef idx="1">
+              <a:schemeClr val="accent1"/>
+            </a:fillRef>
+            <a:effectRef idx="0">
+              <a:schemeClr val="accent1"/>
+            </a:effectRef>
+            <a:fontRef idx="minor">
+              <a:schemeClr val="lt1"/>
+            </a:fontRef>
+          </p:style>
+          <p:txBody>
+            <a:bodyPr rtlCol="0" anchor="ctr"/>
+            <a:p>
+              <a:pPr algn="ctr"/>
+              <a:endParaRPr lang="zh-CN" altLang="en-US"/>
+            </a:p>
+          </p:txBody>
+        </p:sp>
+        <p:sp>
+          <p:nvSpPr>
+            <p:cNvPr id="49" name="矩形 48"/>
+            <p:cNvSpPr/>
+            <p:nvPr/>
+          </p:nvSpPr>
+          <p:spPr>
+            <a:xfrm>
+              <a:off x="15541" y="4146"/>
+              <a:ext cx="120" cy="327"/>
+            </a:xfrm>
+            <a:prstGeom prst="rect">
+              <a:avLst/>
+            </a:prstGeom>
+          </p:spPr>
+          <p:style>
+            <a:lnRef idx="2">
+              <a:schemeClr val="accent1">
+                <a:shade val="50000"/>
+              </a:schemeClr>
+            </a:lnRef>
+            <a:fillRef idx="1">
+              <a:schemeClr val="accent1"/>
+            </a:fillRef>
+            <a:effectRef idx="0">
+              <a:schemeClr val="accent1"/>
+            </a:effectRef>
+            <a:fontRef idx="minor">
+              <a:schemeClr val="lt1"/>
+            </a:fontRef>
+          </p:style>
+          <p:txBody>
+            <a:bodyPr rtlCol="0" anchor="ctr"/>
+            <a:p>
+              <a:pPr algn="ctr"/>
+              <a:endParaRPr lang="zh-CN" altLang="en-US"/>
+            </a:p>
+          </p:txBody>
+        </p:sp>
+        <p:sp>
+          <p:nvSpPr>
+            <p:cNvPr id="50" name="文本框 49"/>
+            <p:cNvSpPr txBox="1"/>
+            <p:nvPr/>
+          </p:nvSpPr>
+          <p:spPr>
+            <a:xfrm>
+              <a:off x="15243" y="3068"/>
+              <a:ext cx="724" cy="631"/>
+            </a:xfrm>
+            <a:prstGeom prst="rect">
+              <a:avLst/>
+            </a:prstGeom>
+            <a:noFill/>
+          </p:spPr>
+          <p:txBody>
+            <a:bodyPr vert="eaVert" wrap="square" rtlCol="0">
+              <a:spAutoFit/>
+            </a:bodyPr>
+            <a:p>
+              <a:pPr algn="ctr"/>
+              <a:r>
+                <a:rPr lang="en-US" altLang="zh-CN" b="1">
+                  <a:latin typeface="微软雅黑" panose="020B0503020204020204" charset="-122"/>
+                  <a:ea typeface="微软雅黑" panose="020B0503020204020204" charset="-122"/>
+                </a:rPr>
+                <a:t>...</a:t>
+              </a:r>
+              <a:endParaRPr lang="en-US" altLang="zh-CN" b="1">
+                <a:latin typeface="微软雅黑" panose="020B0503020204020204" charset="-122"/>
+                <a:ea typeface="微软雅黑" panose="020B0503020204020204" charset="-122"/>
+              </a:endParaRPr>
+            </a:p>
+          </p:txBody>
+        </p:sp>
+      </p:grpSp>
+      <p:grpSp>
+        <p:nvGrpSpPr>
+          <p:cNvPr id="56" name="组合 55"/>
+          <p:cNvGrpSpPr/>
+          <p:nvPr/>
+        </p:nvGrpSpPr>
+        <p:grpSpPr>
+          <a:xfrm>
+            <a:off x="10128250" y="3650615"/>
+            <a:ext cx="76200" cy="993140"/>
+            <a:chOff x="14267" y="4751"/>
+            <a:chExt cx="120" cy="1564"/>
+          </a:xfrm>
+        </p:grpSpPr>
+        <p:sp>
+          <p:nvSpPr>
+            <p:cNvPr id="52" name="矩形 51"/>
+            <p:cNvSpPr/>
+            <p:nvPr/>
+          </p:nvSpPr>
+          <p:spPr>
+            <a:xfrm>
+              <a:off x="14267" y="4751"/>
+              <a:ext cx="120" cy="327"/>
+            </a:xfrm>
+            <a:prstGeom prst="rect">
+              <a:avLst/>
+            </a:prstGeom>
+            <a:solidFill>
+              <a:schemeClr val="accent6"/>
+            </a:solidFill>
+            <a:ln>
+              <a:solidFill>
+                <a:schemeClr val="accent6"/>
+              </a:solidFill>
+            </a:ln>
+          </p:spPr>
+          <p:style>
+            <a:lnRef idx="2">
+              <a:schemeClr val="accent1">
+                <a:shade val="50000"/>
+              </a:schemeClr>
+            </a:lnRef>
+            <a:fillRef idx="1">
+              <a:schemeClr val="accent1"/>
+            </a:fillRef>
+            <a:effectRef idx="0">
+              <a:schemeClr val="accent1"/>
+            </a:effectRef>
+            <a:fontRef idx="minor">
+              <a:schemeClr val="lt1"/>
+            </a:fontRef>
+          </p:style>
+          <p:txBody>
+            <a:bodyPr rtlCol="0" anchor="ctr"/>
+            <a:p>
+              <a:pPr algn="ctr"/>
+              <a:endParaRPr lang="zh-CN" altLang="en-US"/>
+            </a:p>
+          </p:txBody>
+        </p:sp>
+        <p:sp>
+          <p:nvSpPr>
+            <p:cNvPr id="53" name="矩形 52"/>
+            <p:cNvSpPr/>
+            <p:nvPr/>
+          </p:nvSpPr>
+          <p:spPr>
+            <a:xfrm>
+              <a:off x="14267" y="5155"/>
+              <a:ext cx="120" cy="327"/>
+            </a:xfrm>
+            <a:prstGeom prst="rect">
+              <a:avLst/>
+            </a:prstGeom>
+            <a:solidFill>
+              <a:schemeClr val="accent6"/>
+            </a:solidFill>
+            <a:ln>
+              <a:solidFill>
+                <a:schemeClr val="accent6"/>
+              </a:solidFill>
+            </a:ln>
+          </p:spPr>
+          <p:style>
+            <a:lnRef idx="2">
+              <a:schemeClr val="accent1">
+                <a:shade val="50000"/>
+              </a:schemeClr>
+            </a:lnRef>
+            <a:fillRef idx="1">
+              <a:schemeClr val="accent1"/>
+            </a:fillRef>
+            <a:effectRef idx="0">
+              <a:schemeClr val="accent1"/>
+            </a:effectRef>
+            <a:fontRef idx="minor">
+              <a:schemeClr val="lt1"/>
+            </a:fontRef>
+          </p:style>
+          <p:txBody>
+            <a:bodyPr rtlCol="0" anchor="ctr"/>
+            <a:p>
+              <a:pPr algn="ctr"/>
+              <a:endParaRPr lang="zh-CN" altLang="en-US"/>
+            </a:p>
+          </p:txBody>
+        </p:sp>
+        <p:sp>
+          <p:nvSpPr>
+            <p:cNvPr id="54" name="矩形 53"/>
+            <p:cNvSpPr/>
+            <p:nvPr/>
+          </p:nvSpPr>
+          <p:spPr>
+            <a:xfrm>
+              <a:off x="14267" y="5585"/>
+              <a:ext cx="120" cy="327"/>
+            </a:xfrm>
+            <a:prstGeom prst="rect">
+              <a:avLst/>
+            </a:prstGeom>
+            <a:solidFill>
+              <a:schemeClr val="accent6"/>
+            </a:solidFill>
+            <a:ln>
+              <a:solidFill>
+                <a:schemeClr val="accent6"/>
+              </a:solidFill>
+            </a:ln>
+          </p:spPr>
+          <p:style>
+            <a:lnRef idx="2">
+              <a:schemeClr val="accent1">
+                <a:shade val="50000"/>
+              </a:schemeClr>
+            </a:lnRef>
+            <a:fillRef idx="1">
+              <a:schemeClr val="accent1"/>
+            </a:fillRef>
+            <a:effectRef idx="0">
+              <a:schemeClr val="accent1"/>
+            </a:effectRef>
+            <a:fontRef idx="minor">
+              <a:schemeClr val="lt1"/>
+            </a:fontRef>
+          </p:style>
+          <p:txBody>
+            <a:bodyPr rtlCol="0" anchor="ctr"/>
+            <a:p>
+              <a:pPr algn="ctr"/>
+              <a:endParaRPr lang="zh-CN" altLang="en-US"/>
+            </a:p>
+          </p:txBody>
+        </p:sp>
+        <p:sp>
+          <p:nvSpPr>
+            <p:cNvPr id="55" name="矩形 54"/>
+            <p:cNvSpPr/>
+            <p:nvPr/>
+          </p:nvSpPr>
+          <p:spPr>
+            <a:xfrm>
+              <a:off x="14267" y="5989"/>
+              <a:ext cx="120" cy="327"/>
+            </a:xfrm>
+            <a:prstGeom prst="rect">
+              <a:avLst/>
+            </a:prstGeom>
+            <a:solidFill>
+              <a:schemeClr val="accent6"/>
+            </a:solidFill>
+            <a:ln>
+              <a:solidFill>
+                <a:schemeClr val="accent6"/>
+              </a:solidFill>
+            </a:ln>
+          </p:spPr>
+          <p:style>
+            <a:lnRef idx="2">
+              <a:schemeClr val="accent1">
+                <a:shade val="50000"/>
+              </a:schemeClr>
+            </a:lnRef>
+            <a:fillRef idx="1">
+              <a:schemeClr val="accent1"/>
+            </a:fillRef>
+            <a:effectRef idx="0">
+              <a:schemeClr val="accent1"/>
+            </a:effectRef>
+            <a:fontRef idx="minor">
+              <a:schemeClr val="lt1"/>
+            </a:fontRef>
+          </p:style>
+          <p:txBody>
+            <a:bodyPr rtlCol="0" anchor="ctr"/>
+            <a:p>
+              <a:pPr algn="ctr"/>
+              <a:endParaRPr lang="zh-CN" altLang="en-US"/>
+            </a:p>
+          </p:txBody>
+        </p:sp>
+      </p:grpSp>
+      <p:sp>
+        <p:nvSpPr>
+          <p:cNvPr id="57" name="矩形 56"/>
+          <p:cNvSpPr/>
+          <p:nvPr/>
+        </p:nvSpPr>
+        <p:spPr>
+          <a:xfrm>
+            <a:off x="10125710" y="4713605"/>
+            <a:ext cx="76200" cy="207645"/>
+          </a:xfrm>
+          <a:prstGeom prst="rect">
+            <a:avLst/>
+          </a:prstGeom>
+          <a:solidFill>
+            <a:schemeClr val="tx1">
+              <a:lumMod val="50000"/>
+              <a:lumOff val="50000"/>
+            </a:schemeClr>
+          </a:solidFill>
+          <a:ln>
+            <a:solidFill>
+              <a:schemeClr val="tx1">
+                <a:lumMod val="50000"/>
+                <a:lumOff val="50000"/>
+              </a:schemeClr>
+            </a:solidFill>
+          </a:ln>
+        </p:spPr>
+        <p:style>
+          <a:lnRef idx="2">
+            <a:schemeClr val="accent1">
+              <a:shade val="50000"/>
+            </a:schemeClr>
+          </a:lnRef>
+          <a:fillRef idx="1">
+            <a:schemeClr val="accent1"/>
+          </a:fillRef>
+          <a:effectRef idx="0">
+            <a:schemeClr val="accent1"/>
+          </a:effectRef>
+          <a:fontRef idx="minor">
+            <a:schemeClr val="lt1"/>
+          </a:fontRef>
+        </p:style>
+        <p:txBody>
+          <a:bodyPr rtlCol="0" anchor="ctr"/>
+          <a:p>
+            <a:pPr algn="ctr"/>
+            <a:endParaRPr lang="zh-CN" altLang="en-US"/>
+          </a:p>
+        </p:txBody>
+      </p:sp>
+      <p:sp>
+        <p:nvSpPr>
+          <p:cNvPr id="58" name="右大括号 57"/>
+          <p:cNvSpPr/>
+          <p:nvPr/>
+        </p:nvSpPr>
+        <p:spPr>
+          <a:xfrm>
+            <a:off x="9687560" y="1820545"/>
+            <a:ext cx="270510" cy="3456305"/>
+          </a:xfrm>
+          <a:prstGeom prst="rightBrace">
+            <a:avLst>
+              <a:gd name="adj1" fmla="val 220264"/>
+              <a:gd name="adj2" fmla="val 50000"/>
+            </a:avLst>
+          </a:prstGeom>
+          <a:ln w="28575">
+            <a:solidFill>
+              <a:schemeClr val="accent4">
+                <a:lumMod val="40000"/>
+                <a:lumOff val="60000"/>
+              </a:schemeClr>
+            </a:solidFill>
+          </a:ln>
+        </p:spPr>
+        <p:style>
+          <a:lnRef idx="1">
+            <a:schemeClr val="accent1"/>
+          </a:lnRef>
+          <a:fillRef idx="0">
+            <a:schemeClr val="accent1"/>
+          </a:fillRef>
+          <a:effectRef idx="0">
+            <a:schemeClr val="accent1"/>
+          </a:effectRef>
+          <a:fontRef idx="minor">
+            <a:schemeClr val="tx1"/>
+          </a:fontRef>
+        </p:style>
+        <p:txBody>
+          <a:bodyPr rtlCol="0" anchor="ctr"/>
+          <a:p>
+            <a:pPr algn="ctr"/>
+            <a:endParaRPr lang="zh-CN" altLang="en-US"/>
+          </a:p>
+        </p:txBody>
+      </p:sp>
+      <p:sp>
+        <p:nvSpPr>
+          <p:cNvPr id="59" name="矩形 58"/>
+          <p:cNvSpPr/>
+          <p:nvPr/>
+        </p:nvSpPr>
+        <p:spPr>
+          <a:xfrm>
+            <a:off x="7545705" y="1199515"/>
+            <a:ext cx="2886710" cy="4987925"/>
+          </a:xfrm>
+          <a:prstGeom prst="rect">
+            <a:avLst/>
+          </a:prstGeom>
+          <a:noFill/>
+          <a:ln w="19050">
+            <a:prstDash val="sysDash"/>
+          </a:ln>
+          <a:extLst>
+            <a:ext uri="{909E8E84-426E-40DD-AFC4-6F175D3DCCD1}">
+              <a14:hiddenFill xmlns:a14="http://schemas.microsoft.com/office/drawing/2010/main">
+                <a:solidFill>
+                  <a:schemeClr val="accent1"/>
+                </a:solidFill>
+              </a14:hiddenFill>
+            </a:ext>
+          </a:extLst>
+        </p:spPr>
+        <p:style>
+          <a:lnRef idx="2">
+            <a:schemeClr val="accent1">
+              <a:shade val="50000"/>
+            </a:schemeClr>
+          </a:lnRef>
+          <a:fillRef idx="1">
+            <a:schemeClr val="accent1"/>
+          </a:fillRef>
+          <a:effectRef idx="0">
+            <a:schemeClr val="accent1"/>
+          </a:effectRef>
+          <a:fontRef idx="minor">
+            <a:schemeClr val="lt1"/>
+          </a:fontRef>
+        </p:style>
+        <p:txBody>
+          <a:bodyPr rtlCol="0" anchor="ctr"/>
+          <a:p>
+            <a:pPr algn="ctr"/>
+            <a:endParaRPr lang="zh-CN" altLang="en-US"/>
+          </a:p>
+        </p:txBody>
+      </p:sp>
+      <p:pic>
+        <p:nvPicPr>
+          <p:cNvPr id="60" name="图片 59"/>
+          <p:cNvPicPr>
+            <a:picLocks noChangeAspect="1"/>
+          </p:cNvPicPr>
+          <p:nvPr/>
+        </p:nvPicPr>
+        <p:blipFill>
+          <a:blip r:embed="rId1"/>
+          <a:srcRect l="80518"/>
+          <a:stretch>
+            <a:fillRect/>
+          </a:stretch>
+        </p:blipFill>
+        <p:spPr>
+          <a:xfrm>
+            <a:off x="10464800" y="2040255"/>
+            <a:ext cx="1385570" cy="2945765"/>
+          </a:xfrm>
+          <a:prstGeom prst="rect">
+            <a:avLst/>
+          </a:prstGeom>
+        </p:spPr>
+      </p:pic>
+      <p:sp>
+        <p:nvSpPr>
+          <p:cNvPr id="61" name="文本框 60"/>
+          <p:cNvSpPr txBox="1"/>
+          <p:nvPr/>
+        </p:nvSpPr>
+        <p:spPr>
+          <a:xfrm>
+            <a:off x="7193915" y="847725"/>
+            <a:ext cx="3590925" cy="306705"/>
+          </a:xfrm>
+          <a:prstGeom prst="rect">
+            <a:avLst/>
+          </a:prstGeom>
+          <a:noFill/>
+        </p:spPr>
+        <p:txBody>
+          <a:bodyPr wrap="square" rtlCol="0">
+            <a:spAutoFit/>
+          </a:bodyPr>
+          <a:p>
+            <a:pPr algn="ctr"/>
+            <a:r>
+              <a:rPr lang="en-US" altLang="zh-CN" sz="1400" b="1">
+                <a:solidFill>
+                  <a:srgbClr val="0070C0"/>
+                </a:solidFill>
+                <a:latin typeface="微软雅黑" panose="020B0503020204020204" charset="-122"/>
+                <a:ea typeface="微软雅黑" panose="020B0503020204020204" charset="-122"/>
+              </a:rPr>
+              <a:t>Spatial Pyramid Pooling </a:t>
+            </a:r>
+            <a:r>
+              <a:rPr lang="zh-CN" altLang="en-US" sz="1400" b="1">
+                <a:solidFill>
+                  <a:srgbClr val="0070C0"/>
+                </a:solidFill>
+                <a:latin typeface="微软雅黑" panose="020B0503020204020204" charset="-122"/>
+                <a:ea typeface="微软雅黑" panose="020B0503020204020204" charset="-122"/>
+              </a:rPr>
+              <a:t>空间金字塔池化</a:t>
+            </a:r>
+            <a:endParaRPr lang="zh-CN" altLang="en-US" sz="1400" b="1">
+              <a:solidFill>
+                <a:srgbClr val="0070C0"/>
+              </a:solidFill>
+              <a:latin typeface="微软雅黑" panose="020B0503020204020204" charset="-122"/>
+              <a:ea typeface="微软雅黑" panose="020B0503020204020204" charset="-122"/>
+            </a:endParaRPr>
+          </a:p>
+        </p:txBody>
+      </p:sp>
+      <p:sp>
+        <p:nvSpPr>
+          <p:cNvPr id="62" name="文本框 61"/>
+          <p:cNvSpPr txBox="1"/>
+          <p:nvPr/>
+        </p:nvSpPr>
+        <p:spPr>
+          <a:xfrm>
+            <a:off x="9834880" y="5045075"/>
+            <a:ext cx="612140" cy="521970"/>
+          </a:xfrm>
+          <a:prstGeom prst="rect">
+            <a:avLst/>
+          </a:prstGeom>
+          <a:noFill/>
+        </p:spPr>
+        <p:txBody>
+          <a:bodyPr wrap="square" rtlCol="0">
+            <a:spAutoFit/>
+          </a:bodyPr>
+          <a:p>
+            <a:pPr algn="ctr"/>
+            <a:r>
+              <a:rPr lang="zh-CN" altLang="en-US" sz="1400">
+                <a:latin typeface="微软雅黑" panose="020B0503020204020204" charset="-122"/>
+                <a:ea typeface="微软雅黑" panose="020B0503020204020204" charset="-122"/>
+              </a:rPr>
+              <a:t>固定</a:t>
+            </a:r>
+            <a:endParaRPr lang="zh-CN" altLang="en-US" sz="1400">
+              <a:latin typeface="微软雅黑" panose="020B0503020204020204" charset="-122"/>
+              <a:ea typeface="微软雅黑" panose="020B0503020204020204" charset="-122"/>
+            </a:endParaRPr>
+          </a:p>
+          <a:p>
+            <a:pPr algn="ctr"/>
+            <a:r>
+              <a:rPr lang="zh-CN" altLang="en-US" sz="1400">
+                <a:latin typeface="微软雅黑" panose="020B0503020204020204" charset="-122"/>
+                <a:ea typeface="微软雅黑" panose="020B0503020204020204" charset="-122"/>
+              </a:rPr>
+              <a:t>长度</a:t>
+            </a:r>
+            <a:endParaRPr lang="zh-CN" altLang="en-US" sz="1400">
+              <a:latin typeface="微软雅黑" panose="020B0503020204020204" charset="-122"/>
+              <a:ea typeface="微软雅黑" panose="020B0503020204020204" charset="-122"/>
+            </a:endParaRPr>
+          </a:p>
+        </p:txBody>
+      </p:sp>
+      <p:sp>
+        <p:nvSpPr>
+          <p:cNvPr id="63" name="文本框 62"/>
+          <p:cNvSpPr txBox="1"/>
+          <p:nvPr/>
+        </p:nvSpPr>
+        <p:spPr>
+          <a:xfrm>
+            <a:off x="7289165" y="6227445"/>
+            <a:ext cx="2753360" cy="306705"/>
+          </a:xfrm>
+          <a:prstGeom prst="rect">
+            <a:avLst/>
+          </a:prstGeom>
+          <a:noFill/>
+        </p:spPr>
+        <p:txBody>
+          <a:bodyPr wrap="square" rtlCol="0">
+            <a:spAutoFit/>
+          </a:bodyPr>
+          <a:p>
+            <a:pPr algn="ctr"/>
+            <a:r>
+              <a:rPr lang="en-US" altLang="zh-CN" sz="1400">
+                <a:solidFill>
+                  <a:srgbClr val="C00000"/>
+                </a:solidFill>
+                <a:latin typeface="微软雅黑" panose="020B0503020204020204" charset="-122"/>
+                <a:ea typeface="微软雅黑" panose="020B0503020204020204" charset="-122"/>
+              </a:rPr>
+              <a:t>Max Pooling @ 256 depth</a:t>
+            </a:r>
+            <a:r>
+              <a:rPr lang="en-US" altLang="zh-CN" sz="1400">
+                <a:solidFill>
+                  <a:srgbClr val="C00000"/>
+                </a:solidFill>
+                <a:latin typeface="微软雅黑" panose="020B0503020204020204" charset="-122"/>
+                <a:ea typeface="微软雅黑" panose="020B0503020204020204" charset="-122"/>
+              </a:rPr>
+              <a:t> </a:t>
+            </a:r>
+            <a:endParaRPr lang="en-US" altLang="zh-CN" sz="1400">
+              <a:solidFill>
+                <a:srgbClr val="C00000"/>
+              </a:solidFill>
+              <a:latin typeface="微软雅黑" panose="020B0503020204020204" charset="-122"/>
+              <a:ea typeface="微软雅黑" panose="020B0503020204020204" charset="-122"/>
+            </a:endParaRPr>
+          </a:p>
+        </p:txBody>
+      </p:sp>
+      <p:sp>
+        <p:nvSpPr>
+          <p:cNvPr id="64" name="文本框 63"/>
+          <p:cNvSpPr txBox="1"/>
+          <p:nvPr/>
+        </p:nvSpPr>
+        <p:spPr>
+          <a:xfrm>
+            <a:off x="7677150" y="2601595"/>
+            <a:ext cx="1116330" cy="275590"/>
+          </a:xfrm>
+          <a:prstGeom prst="rect">
+            <a:avLst/>
+          </a:prstGeom>
+          <a:noFill/>
+        </p:spPr>
+        <p:txBody>
+          <a:bodyPr wrap="square" rtlCol="0">
+            <a:spAutoFit/>
+          </a:bodyPr>
+          <a:p>
+            <a:pPr algn="ctr"/>
+            <a:r>
+              <a:rPr lang="en-US" sz="1200">
+                <a:solidFill>
+                  <a:srgbClr val="C00000"/>
+                </a:solidFill>
+                <a:latin typeface="微软雅黑" panose="020B0503020204020204" charset="-122"/>
+                <a:ea typeface="微软雅黑" panose="020B0503020204020204" charset="-122"/>
+              </a:rPr>
+              <a:t>5x5@</a:t>
+            </a:r>
+            <a:r>
+              <a:rPr lang="zh-CN" altLang="en-US" sz="1200">
+                <a:solidFill>
+                  <a:srgbClr val="C00000"/>
+                </a:solidFill>
+                <a:latin typeface="微软雅黑" panose="020B0503020204020204" charset="-122"/>
+                <a:ea typeface="微软雅黑" panose="020B0503020204020204" charset="-122"/>
+              </a:rPr>
+              <a:t>步长</a:t>
+            </a:r>
+            <a:r>
+              <a:rPr lang="en-US" sz="1200">
+                <a:solidFill>
+                  <a:srgbClr val="C00000"/>
+                </a:solidFill>
+                <a:latin typeface="微软雅黑" panose="020B0503020204020204" charset="-122"/>
+                <a:ea typeface="微软雅黑" panose="020B0503020204020204" charset="-122"/>
+              </a:rPr>
+              <a:t>4</a:t>
+            </a:r>
+            <a:endParaRPr lang="en-US" sz="1200">
+              <a:solidFill>
+                <a:srgbClr val="C00000"/>
+              </a:solidFill>
+              <a:latin typeface="微软雅黑" panose="020B0503020204020204" charset="-122"/>
+              <a:ea typeface="微软雅黑" panose="020B0503020204020204" charset="-122"/>
+            </a:endParaRPr>
+          </a:p>
+        </p:txBody>
+      </p:sp>
+      <p:sp>
+        <p:nvSpPr>
+          <p:cNvPr id="65" name="文本框 64"/>
+          <p:cNvSpPr txBox="1"/>
+          <p:nvPr/>
+        </p:nvSpPr>
+        <p:spPr>
+          <a:xfrm>
+            <a:off x="7611110" y="4267835"/>
+            <a:ext cx="1116330" cy="275590"/>
+          </a:xfrm>
+          <a:prstGeom prst="rect">
+            <a:avLst/>
+          </a:prstGeom>
+          <a:noFill/>
+        </p:spPr>
+        <p:txBody>
+          <a:bodyPr wrap="square" rtlCol="0">
+            <a:spAutoFit/>
+          </a:bodyPr>
+          <a:p>
+            <a:pPr algn="ctr"/>
+            <a:r>
+              <a:rPr lang="en-US" sz="1200">
+                <a:solidFill>
+                  <a:srgbClr val="C00000"/>
+                </a:solidFill>
+                <a:latin typeface="微软雅黑" panose="020B0503020204020204" charset="-122"/>
+                <a:ea typeface="微软雅黑" panose="020B0503020204020204" charset="-122"/>
+              </a:rPr>
+              <a:t>7x7@</a:t>
+            </a:r>
+            <a:r>
+              <a:rPr lang="zh-CN" altLang="en-US" sz="1200">
+                <a:solidFill>
+                  <a:srgbClr val="C00000"/>
+                </a:solidFill>
+                <a:latin typeface="微软雅黑" panose="020B0503020204020204" charset="-122"/>
+                <a:ea typeface="微软雅黑" panose="020B0503020204020204" charset="-122"/>
+                <a:sym typeface="+mn-ea"/>
+              </a:rPr>
+              <a:t>步长</a:t>
+            </a:r>
+            <a:r>
+              <a:rPr lang="en-US" sz="1200">
+                <a:solidFill>
+                  <a:srgbClr val="C00000"/>
+                </a:solidFill>
+                <a:latin typeface="微软雅黑" panose="020B0503020204020204" charset="-122"/>
+                <a:ea typeface="微软雅黑" panose="020B0503020204020204" charset="-122"/>
+              </a:rPr>
+              <a:t>6</a:t>
+            </a:r>
+            <a:endParaRPr lang="en-US" sz="1200">
+              <a:solidFill>
+                <a:srgbClr val="C00000"/>
+              </a:solidFill>
+              <a:latin typeface="微软雅黑" panose="020B0503020204020204" charset="-122"/>
+              <a:ea typeface="微软雅黑" panose="020B0503020204020204" charset="-122"/>
+            </a:endParaRPr>
+          </a:p>
+        </p:txBody>
+      </p:sp>
+      <p:sp>
+        <p:nvSpPr>
+          <p:cNvPr id="67" name="文本框 66"/>
+          <p:cNvSpPr txBox="1"/>
+          <p:nvPr/>
+        </p:nvSpPr>
+        <p:spPr>
+          <a:xfrm>
+            <a:off x="7611110" y="5916295"/>
+            <a:ext cx="1261110" cy="275590"/>
+          </a:xfrm>
+          <a:prstGeom prst="rect">
+            <a:avLst/>
+          </a:prstGeom>
+          <a:noFill/>
+        </p:spPr>
+        <p:txBody>
+          <a:bodyPr wrap="square" rtlCol="0">
+            <a:spAutoFit/>
+          </a:bodyPr>
+          <a:p>
+            <a:pPr algn="ctr"/>
+            <a:r>
+              <a:rPr lang="en-US" sz="1200">
+                <a:solidFill>
+                  <a:srgbClr val="C00000"/>
+                </a:solidFill>
+                <a:latin typeface="微软雅黑" panose="020B0503020204020204" charset="-122"/>
+                <a:ea typeface="微软雅黑" panose="020B0503020204020204" charset="-122"/>
+              </a:rPr>
+              <a:t>13x13@</a:t>
+            </a:r>
+            <a:r>
+              <a:rPr lang="zh-CN" altLang="en-US" sz="1200">
+                <a:solidFill>
+                  <a:srgbClr val="C00000"/>
+                </a:solidFill>
+                <a:latin typeface="微软雅黑" panose="020B0503020204020204" charset="-122"/>
+                <a:ea typeface="微软雅黑" panose="020B0503020204020204" charset="-122"/>
+                <a:sym typeface="+mn-ea"/>
+              </a:rPr>
+              <a:t>步长</a:t>
+            </a:r>
+            <a:r>
+              <a:rPr lang="en-US" sz="1200">
+                <a:solidFill>
+                  <a:srgbClr val="C00000"/>
+                </a:solidFill>
+                <a:latin typeface="微软雅黑" panose="020B0503020204020204" charset="-122"/>
+                <a:ea typeface="微软雅黑" panose="020B0503020204020204" charset="-122"/>
+              </a:rPr>
+              <a:t>13</a:t>
+            </a:r>
+            <a:endParaRPr lang="en-US" sz="1200">
+              <a:solidFill>
+                <a:srgbClr val="C00000"/>
+              </a:solidFill>
+              <a:latin typeface="微软雅黑" panose="020B0503020204020204" charset="-122"/>
+              <a:ea typeface="微软雅黑" panose="020B0503020204020204" charset="-122"/>
+            </a:endParaRPr>
+          </a:p>
+        </p:txBody>
+      </p:sp>
+      <p:sp>
+        <p:nvSpPr>
+          <p:cNvPr id="69" name="左大括号 68"/>
+          <p:cNvSpPr/>
+          <p:nvPr/>
+        </p:nvSpPr>
+        <p:spPr>
+          <a:xfrm>
+            <a:off x="7332345" y="1882140"/>
+            <a:ext cx="180340" cy="3455670"/>
+          </a:xfrm>
+          <a:prstGeom prst="leftBrace">
+            <a:avLst>
+              <a:gd name="adj1" fmla="val 319014"/>
+              <a:gd name="adj2" fmla="val 50000"/>
+            </a:avLst>
+          </a:prstGeom>
+          <a:ln w="19050">
+            <a:solidFill>
+              <a:schemeClr val="tx1">
+                <a:lumMod val="50000"/>
+                <a:lumOff val="50000"/>
+              </a:schemeClr>
+            </a:solidFill>
+          </a:ln>
+        </p:spPr>
+        <p:style>
+          <a:lnRef idx="2">
+            <a:schemeClr val="dk1"/>
+          </a:lnRef>
+          <a:fillRef idx="0">
+            <a:schemeClr val="dk1"/>
+          </a:fillRef>
+          <a:effectRef idx="1">
+            <a:schemeClr val="dk1"/>
+          </a:effectRef>
+          <a:fontRef idx="minor">
+            <a:schemeClr val="tx1"/>
+          </a:fontRef>
+        </p:style>
+        <p:txBody>
+          <a:bodyPr vertOverflow="overflow" horzOverflow="overflow" vert="horz" wrap="square" numCol="1" spcCol="0" rtlCol="0" fromWordArt="0" anchor="ctr" anchorCtr="0" forceAA="0" compatLnSpc="1">
+            <a:noAutofit/>
+          </a:bodyPr>
+          <a:p>
+            <a:pPr lvl="0" algn="ctr"/>
+            <a:endParaRPr lang="zh-CN" altLang="en-US">
+              <a:sym typeface="+mn-ea"/>
+            </a:endParaRPr>
+          </a:p>
+        </p:txBody>
+      </p:sp>
+      <p:pic>
+        <p:nvPicPr>
+          <p:cNvPr id="70" name="图片 69"/>
+          <p:cNvPicPr>
+            <a:picLocks noChangeAspect="1"/>
+          </p:cNvPicPr>
+          <p:nvPr/>
+        </p:nvPicPr>
+        <p:blipFill>
+          <a:blip r:embed="rId2"/>
+          <a:srcRect l="21527"/>
+          <a:stretch>
+            <a:fillRect/>
+          </a:stretch>
+        </p:blipFill>
+        <p:spPr>
+          <a:xfrm>
+            <a:off x="180340" y="3166745"/>
+            <a:ext cx="1481455" cy="1270000"/>
+          </a:xfrm>
+          <a:prstGeom prst="rect">
+            <a:avLst/>
+          </a:prstGeom>
+        </p:spPr>
+      </p:pic>
+      <p:grpSp>
+        <p:nvGrpSpPr>
+          <p:cNvPr id="73" name="组合 72"/>
+          <p:cNvGrpSpPr/>
+          <p:nvPr/>
+        </p:nvGrpSpPr>
+        <p:grpSpPr>
+          <a:xfrm>
+            <a:off x="3862705" y="4486910"/>
+            <a:ext cx="1496060" cy="1322070"/>
+            <a:chOff x="4207" y="7900"/>
+            <a:chExt cx="2356" cy="2082"/>
+          </a:xfrm>
+        </p:grpSpPr>
+        <p:pic>
+          <p:nvPicPr>
+            <p:cNvPr id="72" name="图片 71"/>
+            <p:cNvPicPr>
+              <a:picLocks noChangeAspect="1"/>
+            </p:cNvPicPr>
+            <p:nvPr/>
+          </p:nvPicPr>
+          <p:blipFill>
+            <a:blip r:embed="rId3"/>
+            <a:srcRect l="24825"/>
+            <a:stretch>
+              <a:fillRect/>
+            </a:stretch>
+          </p:blipFill>
+          <p:spPr>
+            <a:xfrm>
+              <a:off x="4207" y="7900"/>
+              <a:ext cx="2356" cy="2083"/>
+            </a:xfrm>
+            <a:prstGeom prst="rect">
+              <a:avLst/>
+            </a:prstGeom>
+          </p:spPr>
+        </p:pic>
+        <p:pic>
+          <p:nvPicPr>
+            <p:cNvPr id="71" name="图片 70"/>
+            <p:cNvPicPr preferRelativeResize="0">
+              <a:picLocks noChangeAspect="1"/>
+            </p:cNvPicPr>
+            <p:nvPr/>
+          </p:nvPicPr>
+          <p:blipFill>
+            <a:blip r:embed="rId4"/>
+            <a:stretch>
+              <a:fillRect/>
+            </a:stretch>
+          </p:blipFill>
+          <p:spPr>
+            <a:xfrm>
+              <a:off x="5460" y="8116"/>
+              <a:ext cx="690" cy="1691"/>
+            </a:xfrm>
+            <a:prstGeom prst="rect">
+              <a:avLst/>
+            </a:prstGeom>
+            <a:blipFill rotWithShape="1">
+              <a:blip r:embed="rId5">
+                <a:alphaModFix amt="73000"/>
+              </a:blip>
+              <a:tile tx="12700" ty="12700" sx="100000" sy="100000" flip="none" algn="tl"/>
+            </a:blipFill>
+          </p:spPr>
+        </p:pic>
+      </p:grpSp>
+      <p:cxnSp>
+        <p:nvCxnSpPr>
+          <p:cNvPr id="74" name="曲线连接符 73"/>
+          <p:cNvCxnSpPr>
+            <a:stCxn id="70" idx="2"/>
+            <a:endCxn id="72" idx="1"/>
+          </p:cNvCxnSpPr>
+          <p:nvPr/>
+        </p:nvCxnSpPr>
+        <p:spPr>
+          <a:xfrm rot="5400000" flipV="1">
+            <a:off x="2036128" y="3322003"/>
+            <a:ext cx="711835" cy="2941320"/>
+          </a:xfrm>
+          <a:prstGeom prst="curvedConnector2">
+            <a:avLst/>
+          </a:prstGeom>
+          <a:ln w="19050">
+            <a:solidFill>
+              <a:srgbClr val="00B0F0"/>
+            </a:solidFill>
+            <a:prstDash val="sysDash"/>
+            <a:tailEnd type="arrow"/>
+          </a:ln>
+        </p:spPr>
+        <p:style>
+          <a:lnRef idx="1">
+            <a:schemeClr val="accent1"/>
+          </a:lnRef>
+          <a:fillRef idx="0">
+            <a:schemeClr val="accent1"/>
+          </a:fillRef>
+          <a:effectRef idx="0">
+            <a:schemeClr val="accent1"/>
+          </a:effectRef>
+          <a:fontRef idx="minor">
+            <a:schemeClr val="tx1"/>
+          </a:fontRef>
+        </p:style>
+      </p:cxnSp>
+      <p:cxnSp>
+        <p:nvCxnSpPr>
+          <p:cNvPr id="75" name="直接箭头连接符 74"/>
+          <p:cNvCxnSpPr>
+            <a:stCxn id="71" idx="3"/>
+          </p:cNvCxnSpPr>
+          <p:nvPr/>
+        </p:nvCxnSpPr>
+        <p:spPr>
+          <a:xfrm flipV="1">
+            <a:off x="5096510" y="3928745"/>
+            <a:ext cx="2271395" cy="1232535"/>
+          </a:xfrm>
+          <a:prstGeom prst="straightConnector1">
+            <a:avLst/>
+          </a:prstGeom>
+          <a:ln w="19050">
+            <a:solidFill>
+              <a:srgbClr val="00B0F0"/>
+            </a:solidFill>
+            <a:tailEnd type="arrow"/>
+          </a:ln>
+        </p:spPr>
+        <p:style>
+          <a:lnRef idx="1">
+            <a:schemeClr val="accent1"/>
+          </a:lnRef>
+          <a:fillRef idx="0">
+            <a:schemeClr val="accent1"/>
+          </a:fillRef>
+          <a:effectRef idx="0">
+            <a:schemeClr val="accent1"/>
+          </a:effectRef>
+          <a:fontRef idx="minor">
+            <a:schemeClr val="tx1"/>
+          </a:fontRef>
+        </p:style>
+      </p:cxnSp>
+      <p:sp>
+        <p:nvSpPr>
+          <p:cNvPr id="76" name="文本框 75"/>
+          <p:cNvSpPr txBox="1"/>
+          <p:nvPr/>
+        </p:nvSpPr>
+        <p:spPr>
+          <a:xfrm>
+            <a:off x="376555" y="5300345"/>
+            <a:ext cx="3719195" cy="1037590"/>
+          </a:xfrm>
+          <a:prstGeom prst="rect">
+            <a:avLst/>
+          </a:prstGeom>
+          <a:noFill/>
+        </p:spPr>
+        <p:txBody>
+          <a:bodyPr wrap="square" rtlCol="0">
+            <a:spAutoFit/>
+          </a:bodyPr>
+          <a:p>
+            <a:pPr algn="l">
+              <a:lnSpc>
+                <a:spcPct val="110000"/>
+              </a:lnSpc>
+            </a:pPr>
+            <a:r>
+              <a:rPr lang="zh-CN" altLang="en-US" sz="1400">
+                <a:solidFill>
+                  <a:srgbClr val="00B0F0"/>
+                </a:solidFill>
+                <a:latin typeface="微软雅黑" panose="020B0503020204020204" charset="-122"/>
+                <a:ea typeface="微软雅黑" panose="020B0503020204020204" charset="-122"/>
+              </a:rPr>
+              <a:t>将输入图片的区域小图 映射到</a:t>
+            </a:r>
+            <a:endParaRPr lang="zh-CN" altLang="en-US" sz="1400">
+              <a:solidFill>
+                <a:srgbClr val="00B0F0"/>
+              </a:solidFill>
+              <a:latin typeface="微软雅黑" panose="020B0503020204020204" charset="-122"/>
+              <a:ea typeface="微软雅黑" panose="020B0503020204020204" charset="-122"/>
+            </a:endParaRPr>
+          </a:p>
+          <a:p>
+            <a:pPr algn="l">
+              <a:lnSpc>
+                <a:spcPct val="110000"/>
+              </a:lnSpc>
+            </a:pPr>
+            <a:r>
+              <a:rPr lang="en-US" altLang="zh-CN" sz="1400">
+                <a:solidFill>
+                  <a:srgbClr val="00B0F0"/>
+                </a:solidFill>
+                <a:latin typeface="微软雅黑" panose="020B0503020204020204" charset="-122"/>
+                <a:ea typeface="微软雅黑" panose="020B0503020204020204" charset="-122"/>
+              </a:rPr>
+              <a:t>conv_5 </a:t>
+            </a:r>
+            <a:r>
+              <a:rPr lang="zh-CN" altLang="en-US" sz="1400">
+                <a:solidFill>
+                  <a:srgbClr val="00B0F0"/>
+                </a:solidFill>
+                <a:latin typeface="微软雅黑" panose="020B0503020204020204" charset="-122"/>
+                <a:ea typeface="微软雅黑" panose="020B0503020204020204" charset="-122"/>
+              </a:rPr>
+              <a:t>的特征图对应的区域小图上</a:t>
+            </a:r>
+            <a:endParaRPr lang="zh-CN" altLang="en-US" sz="1400">
+              <a:solidFill>
+                <a:srgbClr val="00B0F0"/>
+              </a:solidFill>
+              <a:latin typeface="微软雅黑" panose="020B0503020204020204" charset="-122"/>
+              <a:ea typeface="微软雅黑" panose="020B0503020204020204" charset="-122"/>
+            </a:endParaRPr>
+          </a:p>
+          <a:p>
+            <a:pPr algn="l">
+              <a:lnSpc>
+                <a:spcPct val="110000"/>
+              </a:lnSpc>
+            </a:pPr>
+            <a:r>
+              <a:rPr lang="zh-CN" altLang="en-US" sz="1400">
+                <a:solidFill>
+                  <a:schemeClr val="tx1">
+                    <a:lumMod val="50000"/>
+                    <a:lumOff val="50000"/>
+                  </a:schemeClr>
+                </a:solidFill>
+                <a:latin typeface="微软雅黑" panose="020B0503020204020204" charset="-122"/>
+                <a:ea typeface="微软雅黑" panose="020B0503020204020204" charset="-122"/>
+              </a:rPr>
+              <a:t>窗口的左上</a:t>
+            </a:r>
+            <a:r>
+              <a:rPr lang="en-US" altLang="zh-CN" sz="1400">
+                <a:solidFill>
+                  <a:schemeClr val="tx1">
+                    <a:lumMod val="50000"/>
+                    <a:lumOff val="50000"/>
+                  </a:schemeClr>
+                </a:solidFill>
+                <a:latin typeface="微软雅黑" panose="020B0503020204020204" charset="-122"/>
+                <a:ea typeface="微软雅黑" panose="020B0503020204020204" charset="-122"/>
+              </a:rPr>
+              <a:t>/</a:t>
+            </a:r>
+            <a:r>
+              <a:rPr lang="zh-CN" altLang="en-US" sz="1400">
+                <a:solidFill>
+                  <a:schemeClr val="tx1">
+                    <a:lumMod val="50000"/>
+                    <a:lumOff val="50000"/>
+                  </a:schemeClr>
+                </a:solidFill>
+                <a:latin typeface="微软雅黑" panose="020B0503020204020204" charset="-122"/>
+                <a:ea typeface="微软雅黑" panose="020B0503020204020204" charset="-122"/>
+              </a:rPr>
+              <a:t>右下 对应 特征图窗口的像素点</a:t>
+            </a:r>
+            <a:endParaRPr lang="zh-CN" altLang="en-US" sz="1400">
+              <a:solidFill>
+                <a:schemeClr val="tx1">
+                  <a:lumMod val="50000"/>
+                  <a:lumOff val="50000"/>
+                </a:schemeClr>
+              </a:solidFill>
+              <a:latin typeface="微软雅黑" panose="020B0503020204020204" charset="-122"/>
+              <a:ea typeface="微软雅黑" panose="020B0503020204020204" charset="-122"/>
+            </a:endParaRPr>
+          </a:p>
+          <a:p>
+            <a:pPr algn="l">
+              <a:lnSpc>
+                <a:spcPct val="110000"/>
+              </a:lnSpc>
+            </a:pPr>
+            <a:r>
+              <a:rPr lang="zh-CN" altLang="en-US" sz="1400">
+                <a:solidFill>
+                  <a:schemeClr val="tx1">
+                    <a:lumMod val="50000"/>
+                    <a:lumOff val="50000"/>
+                  </a:schemeClr>
+                </a:solidFill>
+                <a:latin typeface="微软雅黑" panose="020B0503020204020204" charset="-122"/>
+                <a:ea typeface="微软雅黑" panose="020B0503020204020204" charset="-122"/>
+              </a:rPr>
+              <a:t>选择合适的偏移量</a:t>
+            </a:r>
+            <a:r>
+              <a:rPr lang="en-US" altLang="zh-CN" sz="1400">
+                <a:solidFill>
+                  <a:srgbClr val="00B0F0"/>
+                </a:solidFill>
+                <a:latin typeface="微软雅黑" panose="020B0503020204020204" charset="-122"/>
+                <a:ea typeface="微软雅黑" panose="020B0503020204020204" charset="-122"/>
+              </a:rPr>
+              <a:t> </a:t>
+            </a:r>
+            <a:endParaRPr lang="en-US" altLang="zh-CN" sz="1400">
+              <a:solidFill>
+                <a:srgbClr val="00B0F0"/>
+              </a:solidFill>
+              <a:latin typeface="微软雅黑" panose="020B0503020204020204" charset="-122"/>
+              <a:ea typeface="微软雅黑" panose="020B0503020204020204" charset="-122"/>
+            </a:endParaRPr>
+          </a:p>
+        </p:txBody>
+      </p:sp>
+      <p:sp>
+        <p:nvSpPr>
+          <p:cNvPr id="77" name="文本框 76"/>
+          <p:cNvSpPr txBox="1"/>
+          <p:nvPr/>
+        </p:nvSpPr>
+        <p:spPr>
+          <a:xfrm>
+            <a:off x="5695950" y="4593590"/>
+            <a:ext cx="1636395" cy="737235"/>
+          </a:xfrm>
+          <a:prstGeom prst="rect">
+            <a:avLst/>
+          </a:prstGeom>
+          <a:noFill/>
+        </p:spPr>
+        <p:txBody>
+          <a:bodyPr wrap="square" rtlCol="0">
+            <a:spAutoFit/>
+          </a:bodyPr>
+          <a:p>
+            <a:pPr algn="ctr"/>
+            <a:r>
+              <a:rPr lang="en-US" altLang="zh-CN" sz="1400">
+                <a:solidFill>
+                  <a:srgbClr val="00B0F0"/>
+                </a:solidFill>
+                <a:latin typeface="微软雅黑" panose="020B0503020204020204" charset="-122"/>
+                <a:ea typeface="微软雅黑" panose="020B0503020204020204" charset="-122"/>
+              </a:rPr>
+              <a:t>conv_5 </a:t>
+            </a:r>
+            <a:endParaRPr lang="en-US" altLang="zh-CN" sz="1400">
+              <a:solidFill>
+                <a:srgbClr val="00B0F0"/>
+              </a:solidFill>
+              <a:latin typeface="微软雅黑" panose="020B0503020204020204" charset="-122"/>
+              <a:ea typeface="微软雅黑" panose="020B0503020204020204" charset="-122"/>
+            </a:endParaRPr>
+          </a:p>
+          <a:p>
+            <a:pPr algn="ctr"/>
+            <a:r>
+              <a:rPr lang="zh-CN" altLang="en-US" sz="1400">
+                <a:solidFill>
+                  <a:srgbClr val="00B0F0"/>
+                </a:solidFill>
+                <a:latin typeface="微软雅黑" panose="020B0503020204020204" charset="-122"/>
+                <a:ea typeface="微软雅黑" panose="020B0503020204020204" charset="-122"/>
+              </a:rPr>
+              <a:t>特征图</a:t>
+            </a:r>
+            <a:endParaRPr lang="zh-CN" altLang="en-US" sz="1400">
+              <a:solidFill>
+                <a:srgbClr val="00B0F0"/>
+              </a:solidFill>
+              <a:latin typeface="微软雅黑" panose="020B0503020204020204" charset="-122"/>
+              <a:ea typeface="微软雅黑" panose="020B0503020204020204" charset="-122"/>
+            </a:endParaRPr>
+          </a:p>
+          <a:p>
+            <a:pPr algn="ctr"/>
+            <a:r>
+              <a:rPr lang="zh-CN" altLang="en-US" sz="1400">
+                <a:solidFill>
+                  <a:srgbClr val="00B0F0"/>
+                </a:solidFill>
+                <a:latin typeface="微软雅黑" panose="020B0503020204020204" charset="-122"/>
+                <a:ea typeface="微软雅黑" panose="020B0503020204020204" charset="-122"/>
+              </a:rPr>
+              <a:t>区域小图执行</a:t>
+            </a:r>
+            <a:r>
+              <a:rPr lang="en-US" altLang="zh-CN" sz="1400">
+                <a:solidFill>
+                  <a:srgbClr val="00B0F0"/>
+                </a:solidFill>
+                <a:latin typeface="微软雅黑" panose="020B0503020204020204" charset="-122"/>
+                <a:ea typeface="微软雅黑" panose="020B0503020204020204" charset="-122"/>
+              </a:rPr>
+              <a:t>SPP </a:t>
+            </a:r>
+            <a:endParaRPr lang="en-US" altLang="zh-CN" sz="1400">
+              <a:solidFill>
+                <a:srgbClr val="00B0F0"/>
+              </a:solidFill>
               <a:latin typeface="微软雅黑" panose="020B0503020204020204" charset="-122"/>
               <a:ea typeface="微软雅黑" panose="020B0503020204020204" charset="-122"/>
             </a:endParaRPr>

--- a/assets/block_diagram/object_detection_block_diagram.pptx
+++ b/assets/block_diagram/object_detection_block_diagram.pptx
@@ -13866,17 +13866,7 @@
                 <a:latin typeface="微软雅黑" panose="020B0503020204020204" charset="-122"/>
                 <a:ea typeface="微软雅黑" panose="020B0503020204020204" charset="-122"/>
               </a:rPr>
-              <a:t>Max Pooling @ 256 depth</a:t>
-            </a:r>
-            <a:r>
-              <a:rPr lang="en-US" altLang="zh-CN" sz="1400">
-                <a:solidFill>
-                  <a:srgbClr val="C00000"/>
-                </a:solidFill>
-                <a:latin typeface="微软雅黑" panose="020B0503020204020204" charset="-122"/>
-                <a:ea typeface="微软雅黑" panose="020B0503020204020204" charset="-122"/>
-              </a:rPr>
-              <a:t> </a:t>
+              <a:t>Max Pooling @ 256 depth </a:t>
             </a:r>
             <a:endParaRPr lang="en-US" altLang="zh-CN" sz="1400">
               <a:solidFill>
@@ -16423,7 +16413,17 @@
                 <a:latin typeface="微软雅黑" panose="020B0503020204020204" charset="-122"/>
                 <a:ea typeface="微软雅黑" panose="020B0503020204020204" charset="-122"/>
               </a:rPr>
-              <a:t>定位问题微调</a:t>
+              <a:t>定位回归器</a:t>
+            </a:r>
+            <a:r>
+              <a:rPr lang="zh-CN" altLang="en-US" sz="1400" b="1">
+                <a:solidFill>
+                  <a:srgbClr val="0070C0"/>
+                </a:solidFill>
+                <a:latin typeface="微软雅黑" panose="020B0503020204020204" charset="-122"/>
+                <a:ea typeface="微软雅黑" panose="020B0503020204020204" charset="-122"/>
+              </a:rPr>
+              <a:t>微调</a:t>
             </a:r>
             <a:endParaRPr lang="zh-CN" altLang="en-US" sz="1400" b="1">
               <a:solidFill>
